--- a/JL/documents/JL.pptx
+++ b/JL/documents/JL.pptx
@@ -5,19 +5,24 @@
     <p:sldMasterId id="2147483648" r:id="rId1"/>
   </p:sldMasterIdLst>
   <p:notesMasterIdLst>
-    <p:notesMasterId r:id="rId12"/>
+    <p:notesMasterId r:id="rId17"/>
   </p:notesMasterIdLst>
   <p:sldIdLst>
     <p:sldId id="256" r:id="rId2"/>
     <p:sldId id="260" r:id="rId3"/>
-    <p:sldId id="257" r:id="rId4"/>
-    <p:sldId id="259" r:id="rId5"/>
-    <p:sldId id="258" r:id="rId6"/>
-    <p:sldId id="261" r:id="rId7"/>
-    <p:sldId id="262" r:id="rId8"/>
-    <p:sldId id="263" r:id="rId9"/>
-    <p:sldId id="265" r:id="rId10"/>
-    <p:sldId id="264" r:id="rId11"/>
+    <p:sldId id="259" r:id="rId4"/>
+    <p:sldId id="268" r:id="rId5"/>
+    <p:sldId id="257" r:id="rId6"/>
+    <p:sldId id="269" r:id="rId7"/>
+    <p:sldId id="270" r:id="rId8"/>
+    <p:sldId id="271" r:id="rId9"/>
+    <p:sldId id="258" r:id="rId10"/>
+    <p:sldId id="261" r:id="rId11"/>
+    <p:sldId id="262" r:id="rId12"/>
+    <p:sldId id="263" r:id="rId13"/>
+    <p:sldId id="265" r:id="rId14"/>
+    <p:sldId id="264" r:id="rId15"/>
+    <p:sldId id="267" r:id="rId16"/>
   </p:sldIdLst>
   <p:sldSz cx="12192000" cy="6858000"/>
   <p:notesSz cx="6858000" cy="9144000"/>
@@ -123,8 +128,12 @@
           <p14:sldIdLst>
             <p14:sldId id="256"/>
             <p14:sldId id="260"/>
+            <p14:sldId id="259"/>
+            <p14:sldId id="268"/>
             <p14:sldId id="257"/>
-            <p14:sldId id="259"/>
+            <p14:sldId id="269"/>
+            <p14:sldId id="270"/>
+            <p14:sldId id="271"/>
           </p14:sldIdLst>
         </p14:section>
         <p14:section name="Mockup" id="{0AFC9C7E-4E72-435F-953F-1A530F8D429B}">
@@ -137,6 +146,11 @@
             <p14:sldId id="264"/>
           </p14:sldIdLst>
         </p14:section>
+        <p14:section name="Primera capa finished" id="{5BB35366-1FF6-4E5D-AC98-E96DE5EA6A69}">
+          <p14:sldIdLst>
+            <p14:sldId id="267"/>
+          </p14:sldIdLst>
+        </p14:section>
       </p14:sectionLst>
     </p:ext>
     <p:ext uri="{EFAFB233-063F-42B5-8137-9DF3F51BA10A}">
@@ -144,6 +158,12 @@
     </p:ext>
   </p:extLst>
 </p:presentation>
+</file>
+
+<file path=ppt/authors.xml><?xml version="1.0" encoding="utf-8"?>
+<p188:authorLst xmlns:a="http://schemas.openxmlformats.org/drawingml/2006/main" xmlns:r="http://schemas.openxmlformats.org/officeDocument/2006/relationships" xmlns:p188="http://schemas.microsoft.com/office/powerpoint/2018/8/main">
+  <p188:author id="{59A5F414-FF80-BCA7-60E4-C2F503EF5748}" name="JUAN PABLO FONSECA CARDENAS" initials="JPFC" userId="S::juan.fonseca-c@mail.escuelaing.edu.co::af81e593-9ed5-467a-a264-3b6a6564bf24" providerId="AD"/>
+</p188:authorLst>
 </file>
 
 <file path=ppt/revisionInfo.xml><?xml version="1.0" encoding="utf-8"?>
@@ -530,6 +550,268 @@
 </pc:chgInfo>
 </file>
 
+<file path=ppt/comments/modernComment_10C_EB527BEE.xml><?xml version="1.0" encoding="utf-8"?>
+<p188:cmLst xmlns:a="http://schemas.openxmlformats.org/drawingml/2006/main" xmlns:r="http://schemas.openxmlformats.org/officeDocument/2006/relationships" xmlns:p188="http://schemas.microsoft.com/office/powerpoint/2018/8/main">
+  <p188:cm id="{9228C7C2-40CF-4DCB-80E9-82636790EE56}" authorId="{59A5F414-FF80-BCA7-60E4-C2F503EF5748}" created="2022-01-10T15:27:04.235">
+    <ac:deMkLst xmlns:ac="http://schemas.microsoft.com/office/drawing/2013/main/command">
+      <pc:docMk xmlns:pc="http://schemas.microsoft.com/office/powerpoint/2013/main/command"/>
+      <pc:sldMk xmlns:pc="http://schemas.microsoft.com/office/powerpoint/2013/main/command" cId="3948051438" sldId="268"/>
+      <ac:picMk id="6" creationId="{66EE6DB0-42C5-4D37-8A91-6B769E0CED98}"/>
+    </ac:deMkLst>
+    <p188:txBody>
+      <a:bodyPr/>
+      <a:lstStyle/>
+      <a:p>
+        <a:r>
+          <a:rPr lang="es-CO"/>
+          <a:t>Tabla categorias,  muestra categoria concatenado con var/fijo, mensual (valor), saldoActual
+</a:t>
+        </a:r>
+      </a:p>
+    </p188:txBody>
+  </p188:cm>
+  <p188:cm id="{A543F576-8662-410E-ADF5-8E03A598B9CC}" authorId="{59A5F414-FF80-BCA7-60E4-C2F503EF5748}" created="2022-01-10T15:47:58.639">
+    <ac:deMkLst xmlns:ac="http://schemas.microsoft.com/office/drawing/2013/main/command">
+      <pc:docMk xmlns:pc="http://schemas.microsoft.com/office/powerpoint/2013/main/command"/>
+      <pc:sldMk xmlns:pc="http://schemas.microsoft.com/office/powerpoint/2013/main/command" cId="3948051438" sldId="268"/>
+      <ac:spMk id="17" creationId="{3E384A67-2C5D-4465-B50F-7B509A69B381}"/>
+    </ac:deMkLst>
+    <p188:txBody>
+      <a:bodyPr/>
+      <a:lstStyle/>
+      <a:p>
+        <a:r>
+          <a:rPr lang="es-CO"/>
+          <a:t>Persona, fecha, valor. Mas un boton de "pagado" o "cobrado". Son los datos a recoger</a:t>
+        </a:r>
+      </a:p>
+    </p188:txBody>
+  </p188:cm>
+  <p188:cm id="{94AD83A5-6600-4682-830C-77DE4A08AE12}" authorId="{59A5F414-FF80-BCA7-60E4-C2F503EF5748}" created="2022-01-10T16:17:08.677">
+    <ac:deMkLst xmlns:ac="http://schemas.microsoft.com/office/drawing/2013/main/command">
+      <pc:docMk xmlns:pc="http://schemas.microsoft.com/office/powerpoint/2013/main/command"/>
+      <pc:sldMk xmlns:pc="http://schemas.microsoft.com/office/powerpoint/2013/main/command" cId="3948051438" sldId="268"/>
+      <ac:picMk id="42" creationId="{C02F6EA9-A154-49D9-913A-955A5AA53E86}"/>
+    </ac:deMkLst>
+    <p188:txBody>
+      <a:bodyPr/>
+      <a:lstStyle/>
+      <a:p>
+        <a:r>
+          <a:rPr lang="es-CO"/>
+          <a:t>Muestra una tabla u otra (titulos: por hacer, hechos)</a:t>
+        </a:r>
+      </a:p>
+    </p188:txBody>
+  </p188:cm>
+  <p188:cm id="{FC74B68A-69D4-416C-A1B1-FB15AC3B3C21}" authorId="{59A5F414-FF80-BCA7-60E4-C2F503EF5748}" created="2022-01-10T16:19:52.109">
+    <ac:deMkLst xmlns:ac="http://schemas.microsoft.com/office/drawing/2013/main/command">
+      <pc:docMk xmlns:pc="http://schemas.microsoft.com/office/powerpoint/2013/main/command"/>
+      <pc:sldMk xmlns:pc="http://schemas.microsoft.com/office/powerpoint/2013/main/command" cId="3948051438" sldId="268"/>
+      <ac:spMk id="35" creationId="{F8AFAFF6-F479-4576-9D55-EE2DC9655227}"/>
+    </ac:deMkLst>
+    <p188:txBody>
+      <a:bodyPr/>
+      <a:lstStyle/>
+      <a:p>
+        <a:r>
+          <a:rPr lang="es-CO"/>
+          <a:t>Al pasar mouse por encima: mostrar icono de editar, y permitir cambiar año y mes</a:t>
+        </a:r>
+      </a:p>
+    </p188:txBody>
+  </p188:cm>
+  <p188:cm id="{6E659B7A-C1A0-4457-92BF-89D6DA223F73}" authorId="{59A5F414-FF80-BCA7-60E4-C2F503EF5748}" created="2022-01-10T16:20:12.214">
+    <ac:deMkLst xmlns:ac="http://schemas.microsoft.com/office/drawing/2013/main/command">
+      <pc:docMk xmlns:pc="http://schemas.microsoft.com/office/powerpoint/2013/main/command"/>
+      <pc:sldMk xmlns:pc="http://schemas.microsoft.com/office/powerpoint/2013/main/command" cId="3948051438" sldId="268"/>
+      <ac:spMk id="36" creationId="{D541F15A-8C37-4AB8-AF33-08D0746D4625}"/>
+    </ac:deMkLst>
+    <p188:txBody>
+      <a:bodyPr/>
+      <a:lstStyle/>
+      <a:p>
+        <a:r>
+          <a:rPr lang="es-CO"/>
+          <a:t>Al pasar mouse por encima: mostrar icono de mas, y abrir un coso para ingresar plata, lo mismo con gastos, deudas</a:t>
+        </a:r>
+      </a:p>
+    </p188:txBody>
+  </p188:cm>
+</p188:cmLst>
+</file>
+
+<file path=ppt/comments/modernComment_10D_139975C6.xml><?xml version="1.0" encoding="utf-8"?>
+<p188:cmLst xmlns:a="http://schemas.openxmlformats.org/drawingml/2006/main" xmlns:r="http://schemas.openxmlformats.org/officeDocument/2006/relationships" xmlns:p188="http://schemas.microsoft.com/office/powerpoint/2018/8/main">
+  <p188:cm id="{ED0F3C68-FC4A-4E40-97CB-A6DA83DAC0A8}" authorId="{59A5F414-FF80-BCA7-60E4-C2F503EF5748}" created="2022-01-11T17:13:52.437">
+    <ac:deMkLst xmlns:ac="http://schemas.microsoft.com/office/drawing/2013/main/command">
+      <pc:docMk xmlns:pc="http://schemas.microsoft.com/office/powerpoint/2013/main/command"/>
+      <pc:sldMk xmlns:pc="http://schemas.microsoft.com/office/powerpoint/2013/main/command" cId="328824262" sldId="269"/>
+      <ac:picMk id="3" creationId="{51C8136D-5EFA-406C-8C54-29E10D9C3D0F}"/>
+    </ac:deMkLst>
+    <p188:txBody>
+      <a:bodyPr/>
+      <a:lstStyle/>
+      <a:p>
+        <a:r>
+          <a:rPr lang="es-CO"/>
+          <a:t>Solo tendrá los temas a repasar. Si está vacio mostrar "No tienes temas por repasar" + filtrar por materias y eso</a:t>
+        </a:r>
+      </a:p>
+    </p188:txBody>
+  </p188:cm>
+  <p188:cm id="{5458DAFB-E64C-4740-92A5-3CFACB6916A8}" authorId="{59A5F414-FF80-BCA7-60E4-C2F503EF5748}" created="2022-01-11T17:34:44.442">
+    <ac:deMkLst xmlns:ac="http://schemas.microsoft.com/office/drawing/2013/main/command">
+      <pc:docMk xmlns:pc="http://schemas.microsoft.com/office/powerpoint/2013/main/command"/>
+      <pc:sldMk xmlns:pc="http://schemas.microsoft.com/office/powerpoint/2013/main/command" cId="328824262" sldId="269"/>
+      <ac:picMk id="46" creationId="{C3303CA2-6F1A-4C24-9C3C-64482975F997}"/>
+    </ac:deMkLst>
+    <p188:txBody>
+      <a:bodyPr/>
+      <a:lstStyle/>
+      <a:p>
+        <a:r>
+          <a:rPr lang="es-CO"/>
+          <a:t>reditar, buscar apuntes
+</a:t>
+        </a:r>
+      </a:p>
+    </p188:txBody>
+  </p188:cm>
+  <p188:cm id="{D09C45AB-D0AB-4D66-B91C-5FED0724217B}" authorId="{59A5F414-FF80-BCA7-60E4-C2F503EF5748}" created="2022-01-11T17:54:17.882">
+    <ac:deMkLst xmlns:ac="http://schemas.microsoft.com/office/drawing/2013/main/command">
+      <pc:docMk xmlns:pc="http://schemas.microsoft.com/office/powerpoint/2013/main/command"/>
+      <pc:sldMk xmlns:pc="http://schemas.microsoft.com/office/powerpoint/2013/main/command" cId="328824262" sldId="269"/>
+      <ac:spMk id="24" creationId="{F58F5847-7162-4D0C-A6CB-B602BEA5AFCC}"/>
+    </ac:deMkLst>
+    <p188:txBody>
+      <a:bodyPr/>
+      <a:lstStyle/>
+      <a:p>
+        <a:r>
+          <a:rPr lang="es-CO"/>
+          <a:t>Agrega un tema o examen (tanto nuevo como existente)</a:t>
+        </a:r>
+      </a:p>
+    </p188:txBody>
+  </p188:cm>
+</p188:cmLst>
+</file>
+
+<file path=ppt/comments/modernComment_10E_C68F8F8B.xml><?xml version="1.0" encoding="utf-8"?>
+<p188:cmLst xmlns:a="http://schemas.openxmlformats.org/drawingml/2006/main" xmlns:r="http://schemas.openxmlformats.org/officeDocument/2006/relationships" xmlns:p188="http://schemas.microsoft.com/office/powerpoint/2018/8/main">
+  <p188:cm id="{40C9D9F3-93F5-48C9-AE6E-E4C0CCBA8D28}" authorId="{59A5F414-FF80-BCA7-60E4-C2F503EF5748}" created="2022-01-13T11:21:51.490">
+    <ac:deMkLst xmlns:ac="http://schemas.microsoft.com/office/drawing/2013/main/command">
+      <pc:docMk xmlns:pc="http://schemas.microsoft.com/office/powerpoint/2013/main/command"/>
+      <pc:sldMk xmlns:pc="http://schemas.microsoft.com/office/powerpoint/2013/main/command" cId="3331297163" sldId="270"/>
+      <ac:picMk id="2" creationId="{19DA98B4-23B7-4C82-8FA2-4DA36A12D5DD}"/>
+    </ac:deMkLst>
+    <p188:txBody>
+      <a:bodyPr/>
+      <a:lstStyle/>
+      <a:p>
+        <a:r>
+          <a:rPr lang="es-CO"/>
+          <a:t>En esta el menú no existirá</a:t>
+        </a:r>
+      </a:p>
+    </p188:txBody>
+  </p188:cm>
+  <p188:cm id="{5F22AB0E-9F2C-42DC-B5B2-390FFAA901D5}" authorId="{59A5F414-FF80-BCA7-60E4-C2F503EF5748}" created="2022-01-13T11:27:40.325">
+    <ac:deMkLst xmlns:ac="http://schemas.microsoft.com/office/drawing/2013/main/command">
+      <pc:docMk xmlns:pc="http://schemas.microsoft.com/office/powerpoint/2013/main/command"/>
+      <pc:sldMk xmlns:pc="http://schemas.microsoft.com/office/powerpoint/2013/main/command" cId="3331297163" sldId="270"/>
+      <ac:picMk id="6" creationId="{CA503976-FE6B-43CA-8DB3-D61ABCE27380}"/>
+    </ac:deMkLst>
+    <p188:txBody>
+      <a:bodyPr/>
+      <a:lstStyle/>
+      <a:p>
+        <a:r>
+          <a:rPr lang="es-CO"/>
+          <a:t>Buscar otros temas</a:t>
+        </a:r>
+      </a:p>
+    </p188:txBody>
+  </p188:cm>
+  <p188:cm id="{E8E4AD2A-AAA2-46AB-8CA5-83F753B4CC54}" authorId="{59A5F414-FF80-BCA7-60E4-C2F503EF5748}" created="2022-01-13T11:28:57.503">
+    <ac:deMkLst xmlns:ac="http://schemas.microsoft.com/office/drawing/2013/main/command">
+      <pc:docMk xmlns:pc="http://schemas.microsoft.com/office/powerpoint/2013/main/command"/>
+      <pc:sldMk xmlns:pc="http://schemas.microsoft.com/office/powerpoint/2013/main/command" cId="3331297163" sldId="270"/>
+      <ac:picMk id="4" creationId="{7E580C8A-4097-4C4C-9C20-135B5BC5B52D}"/>
+    </ac:deMkLst>
+    <p188:txBody>
+      <a:bodyPr/>
+      <a:lstStyle/>
+      <a:p>
+        <a:r>
+          <a:rPr lang="es-CO"/>
+          <a:t>Secciones: Apuntes. Tarjetas. Examenes, y cada una tendrá un coso de busqueda, pa filtrar por nombre, y chips pa filtrar por Mi universidad</a:t>
+        </a:r>
+      </a:p>
+    </p188:txBody>
+  </p188:cm>
+  <p188:cm id="{B2148172-2F73-4BDA-B2B8-84E43ACA77B5}" authorId="{59A5F414-FF80-BCA7-60E4-C2F503EF5748}" created="2022-01-13T11:30:06.947">
+    <ac:deMkLst xmlns:ac="http://schemas.microsoft.com/office/drawing/2013/main/command">
+      <pc:docMk xmlns:pc="http://schemas.microsoft.com/office/powerpoint/2013/main/command"/>
+      <pc:sldMk xmlns:pc="http://schemas.microsoft.com/office/powerpoint/2013/main/command" cId="3331297163" sldId="270"/>
+      <ac:picMk id="4" creationId="{7E580C8A-4097-4C4C-9C20-135B5BC5B52D}"/>
+    </ac:deMkLst>
+    <p188:txBody>
+      <a:bodyPr/>
+      <a:lstStyle/>
+      <a:p>
+        <a:r>
+          <a:rPr lang="es-CO"/>
+          <a:t>Cada una tendra una tabla dentro. 
+Valoración (estrellas) Apunte / tarjetas / examen, autor, boton de agregar</a:t>
+        </a:r>
+      </a:p>
+    </p188:txBody>
+  </p188:cm>
+</p188:cmLst>
+</file>
+
+<file path=ppt/comments/modernComment_10F_AFBFE85C.xml><?xml version="1.0" encoding="utf-8"?>
+<p188:cmLst xmlns:a="http://schemas.openxmlformats.org/drawingml/2006/main" xmlns:r="http://schemas.openxmlformats.org/officeDocument/2006/relationships" xmlns:p188="http://schemas.microsoft.com/office/powerpoint/2018/8/main">
+  <p188:cm id="{0A601DF9-869D-480C-B574-1BF04CBE4005}" authorId="{59A5F414-FF80-BCA7-60E4-C2F503EF5748}" created="2022-01-13T11:38:03.751">
+    <ac:deMkLst xmlns:ac="http://schemas.microsoft.com/office/drawing/2013/main/command">
+      <pc:docMk xmlns:pc="http://schemas.microsoft.com/office/powerpoint/2013/main/command"/>
+      <pc:sldMk xmlns:pc="http://schemas.microsoft.com/office/powerpoint/2013/main/command" cId="2948589660" sldId="271"/>
+      <ac:picMk id="5" creationId="{F56E26AA-AC24-4269-8A0B-F2A0BD655106}"/>
+    </ac:deMkLst>
+    <p188:txBody>
+      <a:bodyPr/>
+      <a:lstStyle/>
+      <a:p>
+        <a:r>
+          <a:rPr lang="es-CO"/>
+          <a:t>No existirá el menú x2</a:t>
+        </a:r>
+      </a:p>
+    </p188:txBody>
+  </p188:cm>
+  <p188:cm id="{0F471921-8272-4DD3-92A7-0373AD45E5FA}" authorId="{59A5F414-FF80-BCA7-60E4-C2F503EF5748}" created="2022-01-13T11:41:47.859">
+    <ac:deMkLst xmlns:ac="http://schemas.microsoft.com/office/drawing/2013/main/command">
+      <pc:docMk xmlns:pc="http://schemas.microsoft.com/office/powerpoint/2013/main/command"/>
+      <pc:sldMk xmlns:pc="http://schemas.microsoft.com/office/powerpoint/2013/main/command" cId="2948589660" sldId="271"/>
+      <ac:picMk id="5" creationId="{F56E26AA-AC24-4269-8A0B-F2A0BD655106}"/>
+    </ac:deMkLst>
+    <p188:txBody>
+      <a:bodyPr/>
+      <a:lstStyle/>
+      <a:p>
+        <a:r>
+          <a:rPr lang="es-CO"/>
+          <a:t>Teórico  | repasar
+Práctico | repasar</a:t>
+        </a:r>
+      </a:p>
+    </p188:txBody>
+  </p188:cm>
+</p188:cmLst>
+</file>
+
 <file path=ppt/notesMasters/notesMaster1.xml><?xml version="1.0" encoding="utf-8"?>
 <p:notesMaster xmlns:a="http://schemas.openxmlformats.org/drawingml/2006/main" xmlns:r="http://schemas.openxmlformats.org/officeDocument/2006/relationships" xmlns:p="http://schemas.openxmlformats.org/presentationml/2006/main">
   <p:cSld>
@@ -612,7 +894,7 @@
           <a:p>
             <a:fld id="{96AC33B9-1F74-4012-B034-2B232019E8CC}" type="datetimeFigureOut">
               <a:rPr lang="es-CO" smtClean="0"/>
-              <a:t>8/01/2022</a:t>
+              <a:t>13/01/2022</a:t>
             </a:fld>
             <a:endParaRPr lang="es-CO"/>
           </a:p>
@@ -925,11 +1207,13 @@
           <a:lstStyle/>
           <a:p>
             <a:r>
-              <a:rPr lang="es-CO" dirty="0"/>
-              <a:t>Opción de subir sus propios apuntes en materias</a:t>
-            </a:r>
-          </a:p>
-          <a:p>
+              <a:rPr lang="es-MX" dirty="0"/>
+              <a:t>DASHBOARD FINANZAS: Para agregar cosas a las tablas, tener controles como los de ng ultima-</a:t>
+            </a:r>
+            <a:r>
+              <a:rPr lang="es-MX" dirty="0" err="1"/>
+              <a:t>template</a:t>
+            </a:r>
             <a:endParaRPr lang="es-CO" dirty="0"/>
           </a:p>
         </p:txBody>
@@ -951,7 +1235,385 @@
           <a:p>
             <a:fld id="{96D7D369-5B0A-4A0F-9451-734DF86798EA}" type="slidenum">
               <a:rPr lang="es-CO" smtClean="0"/>
+              <a:t>4</a:t>
+            </a:fld>
+            <a:endParaRPr lang="es-CO"/>
+          </a:p>
+        </p:txBody>
+      </p:sp>
+    </p:spTree>
+    <p:extLst>
+      <p:ext uri="{BB962C8B-B14F-4D97-AF65-F5344CB8AC3E}">
+        <p14:creationId xmlns:p14="http://schemas.microsoft.com/office/powerpoint/2010/main" val="3224667581"/>
+      </p:ext>
+    </p:extLst>
+  </p:cSld>
+  <p:clrMapOvr>
+    <a:masterClrMapping/>
+  </p:clrMapOvr>
+</p:notes>
+</file>
+
+<file path=ppt/notesSlides/notesSlide2.xml><?xml version="1.0" encoding="utf-8"?>
+<p:notes xmlns:a="http://schemas.openxmlformats.org/drawingml/2006/main" xmlns:r="http://schemas.openxmlformats.org/officeDocument/2006/relationships" xmlns:p="http://schemas.openxmlformats.org/presentationml/2006/main">
+  <p:cSld>
+    <p:spTree>
+      <p:nvGrpSpPr>
+        <p:cNvPr id="1" name=""/>
+        <p:cNvGrpSpPr/>
+        <p:nvPr/>
+      </p:nvGrpSpPr>
+      <p:grpSpPr>
+        <a:xfrm>
+          <a:off x="0" y="0"/>
+          <a:ext cx="0" cy="0"/>
+          <a:chOff x="0" y="0"/>
+          <a:chExt cx="0" cy="0"/>
+        </a:xfrm>
+      </p:grpSpPr>
+      <p:sp>
+        <p:nvSpPr>
+          <p:cNvPr id="2" name="Marcador de imagen de diapositiva 1"/>
+          <p:cNvSpPr>
+            <a:spLocks noGrp="1" noRot="1" noChangeAspect="1"/>
+          </p:cNvSpPr>
+          <p:nvPr>
+            <p:ph type="sldImg"/>
+          </p:nvPr>
+        </p:nvSpPr>
+        <p:spPr/>
+      </p:sp>
+      <p:sp>
+        <p:nvSpPr>
+          <p:cNvPr id="3" name="Marcador de notas 2"/>
+          <p:cNvSpPr>
+            <a:spLocks noGrp="1"/>
+          </p:cNvSpPr>
+          <p:nvPr>
+            <p:ph type="body" idx="1"/>
+          </p:nvPr>
+        </p:nvSpPr>
+        <p:spPr/>
+        <p:txBody>
+          <a:bodyPr/>
+          <a:lstStyle/>
+          <a:p>
+            <a:r>
+              <a:rPr lang="es-MX" dirty="0"/>
+              <a:t>DASHBOARD FINANZAS: Para agregar cosas a las tablas, tener controles como los de ng ultima-</a:t>
+            </a:r>
+            <a:r>
+              <a:rPr lang="es-MX" dirty="0" err="1"/>
+              <a:t>template</a:t>
+            </a:r>
+            <a:endParaRPr lang="es-CO" dirty="0"/>
+          </a:p>
+        </p:txBody>
+      </p:sp>
+      <p:sp>
+        <p:nvSpPr>
+          <p:cNvPr id="4" name="Marcador de número de diapositiva 3"/>
+          <p:cNvSpPr>
+            <a:spLocks noGrp="1"/>
+          </p:cNvSpPr>
+          <p:nvPr>
+            <p:ph type="sldNum" sz="quarter" idx="5"/>
+          </p:nvPr>
+        </p:nvSpPr>
+        <p:spPr/>
+        <p:txBody>
+          <a:bodyPr/>
+          <a:lstStyle/>
+          <a:p>
+            <a:fld id="{96D7D369-5B0A-4A0F-9451-734DF86798EA}" type="slidenum">
+              <a:rPr lang="es-CO" smtClean="0"/>
+              <a:t>6</a:t>
+            </a:fld>
+            <a:endParaRPr lang="es-CO"/>
+          </a:p>
+        </p:txBody>
+      </p:sp>
+    </p:spTree>
+    <p:extLst>
+      <p:ext uri="{BB962C8B-B14F-4D97-AF65-F5344CB8AC3E}">
+        <p14:creationId xmlns:p14="http://schemas.microsoft.com/office/powerpoint/2010/main" val="4063991362"/>
+      </p:ext>
+    </p:extLst>
+  </p:cSld>
+  <p:clrMapOvr>
+    <a:masterClrMapping/>
+  </p:clrMapOvr>
+</p:notes>
+</file>
+
+<file path=ppt/notesSlides/notesSlide3.xml><?xml version="1.0" encoding="utf-8"?>
+<p:notes xmlns:a="http://schemas.openxmlformats.org/drawingml/2006/main" xmlns:r="http://schemas.openxmlformats.org/officeDocument/2006/relationships" xmlns:p="http://schemas.openxmlformats.org/presentationml/2006/main">
+  <p:cSld>
+    <p:spTree>
+      <p:nvGrpSpPr>
+        <p:cNvPr id="1" name=""/>
+        <p:cNvGrpSpPr/>
+        <p:nvPr/>
+      </p:nvGrpSpPr>
+      <p:grpSpPr>
+        <a:xfrm>
+          <a:off x="0" y="0"/>
+          <a:ext cx="0" cy="0"/>
+          <a:chOff x="0" y="0"/>
+          <a:chExt cx="0" cy="0"/>
+        </a:xfrm>
+      </p:grpSpPr>
+      <p:sp>
+        <p:nvSpPr>
+          <p:cNvPr id="2" name="Marcador de imagen de diapositiva 1"/>
+          <p:cNvSpPr>
+            <a:spLocks noGrp="1" noRot="1" noChangeAspect="1"/>
+          </p:cNvSpPr>
+          <p:nvPr>
+            <p:ph type="sldImg"/>
+          </p:nvPr>
+        </p:nvSpPr>
+        <p:spPr/>
+      </p:sp>
+      <p:sp>
+        <p:nvSpPr>
+          <p:cNvPr id="3" name="Marcador de notas 2"/>
+          <p:cNvSpPr>
+            <a:spLocks noGrp="1"/>
+          </p:cNvSpPr>
+          <p:nvPr>
+            <p:ph type="body" idx="1"/>
+          </p:nvPr>
+        </p:nvSpPr>
+        <p:spPr/>
+        <p:txBody>
+          <a:bodyPr/>
+          <a:lstStyle/>
+          <a:p>
+            <a:r>
+              <a:rPr lang="es-MX" dirty="0"/>
+              <a:t>Interfaz al </a:t>
+            </a:r>
+            <a:r>
+              <a:rPr lang="es-MX" dirty="0" err="1"/>
+              <a:t>clickear</a:t>
+            </a:r>
+            <a:r>
+              <a:rPr lang="es-MX" dirty="0"/>
+              <a:t> en buscar apuntes de un tema</a:t>
+            </a:r>
+          </a:p>
+          <a:p>
+            <a:endParaRPr lang="es-CO" dirty="0"/>
+          </a:p>
+        </p:txBody>
+      </p:sp>
+      <p:sp>
+        <p:nvSpPr>
+          <p:cNvPr id="4" name="Marcador de número de diapositiva 3"/>
+          <p:cNvSpPr>
+            <a:spLocks noGrp="1"/>
+          </p:cNvSpPr>
+          <p:nvPr>
+            <p:ph type="sldNum" sz="quarter" idx="5"/>
+          </p:nvPr>
+        </p:nvSpPr>
+        <p:spPr/>
+        <p:txBody>
+          <a:bodyPr/>
+          <a:lstStyle/>
+          <a:p>
+            <a:fld id="{96D7D369-5B0A-4A0F-9451-734DF86798EA}" type="slidenum">
+              <a:rPr lang="es-CO" smtClean="0"/>
+              <a:t>7</a:t>
+            </a:fld>
+            <a:endParaRPr lang="es-CO"/>
+          </a:p>
+        </p:txBody>
+      </p:sp>
+    </p:spTree>
+    <p:extLst>
+      <p:ext uri="{BB962C8B-B14F-4D97-AF65-F5344CB8AC3E}">
+        <p14:creationId xmlns:p14="http://schemas.microsoft.com/office/powerpoint/2010/main" val="4284895138"/>
+      </p:ext>
+    </p:extLst>
+  </p:cSld>
+  <p:clrMapOvr>
+    <a:masterClrMapping/>
+  </p:clrMapOvr>
+</p:notes>
+</file>
+
+<file path=ppt/notesSlides/notesSlide4.xml><?xml version="1.0" encoding="utf-8"?>
+<p:notes xmlns:a="http://schemas.openxmlformats.org/drawingml/2006/main" xmlns:r="http://schemas.openxmlformats.org/officeDocument/2006/relationships" xmlns:p="http://schemas.openxmlformats.org/presentationml/2006/main">
+  <p:cSld>
+    <p:spTree>
+      <p:nvGrpSpPr>
+        <p:cNvPr id="1" name=""/>
+        <p:cNvGrpSpPr/>
+        <p:nvPr/>
+      </p:nvGrpSpPr>
+      <p:grpSpPr>
+        <a:xfrm>
+          <a:off x="0" y="0"/>
+          <a:ext cx="0" cy="0"/>
+          <a:chOff x="0" y="0"/>
+          <a:chExt cx="0" cy="0"/>
+        </a:xfrm>
+      </p:grpSpPr>
+      <p:sp>
+        <p:nvSpPr>
+          <p:cNvPr id="2" name="Marcador de imagen de diapositiva 1"/>
+          <p:cNvSpPr>
+            <a:spLocks noGrp="1" noRot="1" noChangeAspect="1"/>
+          </p:cNvSpPr>
+          <p:nvPr>
+            <p:ph type="sldImg"/>
+          </p:nvPr>
+        </p:nvSpPr>
+        <p:spPr/>
+      </p:sp>
+      <p:sp>
+        <p:nvSpPr>
+          <p:cNvPr id="3" name="Marcador de notas 2"/>
+          <p:cNvSpPr>
+            <a:spLocks noGrp="1"/>
+          </p:cNvSpPr>
+          <p:nvPr>
+            <p:ph type="body" idx="1"/>
+          </p:nvPr>
+        </p:nvSpPr>
+        <p:spPr/>
+        <p:txBody>
+          <a:bodyPr/>
+          <a:lstStyle/>
+          <a:p>
+            <a:r>
+              <a:rPr lang="es-MX" dirty="0"/>
+              <a:t>Interfaz al </a:t>
+            </a:r>
+            <a:r>
+              <a:rPr lang="es-MX" dirty="0" err="1"/>
+              <a:t>clickear</a:t>
+            </a:r>
+            <a:r>
+              <a:rPr lang="es-MX" dirty="0"/>
+              <a:t> en buscar apuntes de un tema</a:t>
+            </a:r>
+          </a:p>
+          <a:p>
+            <a:endParaRPr lang="es-CO" dirty="0"/>
+          </a:p>
+        </p:txBody>
+      </p:sp>
+      <p:sp>
+        <p:nvSpPr>
+          <p:cNvPr id="4" name="Marcador de número de diapositiva 3"/>
+          <p:cNvSpPr>
+            <a:spLocks noGrp="1"/>
+          </p:cNvSpPr>
+          <p:nvPr>
+            <p:ph type="sldNum" sz="quarter" idx="5"/>
+          </p:nvPr>
+        </p:nvSpPr>
+        <p:spPr/>
+        <p:txBody>
+          <a:bodyPr/>
+          <a:lstStyle/>
+          <a:p>
+            <a:fld id="{96D7D369-5B0A-4A0F-9451-734DF86798EA}" type="slidenum">
+              <a:rPr lang="es-CO" smtClean="0"/>
               <a:t>8</a:t>
+            </a:fld>
+            <a:endParaRPr lang="es-CO"/>
+          </a:p>
+        </p:txBody>
+      </p:sp>
+    </p:spTree>
+    <p:extLst>
+      <p:ext uri="{BB962C8B-B14F-4D97-AF65-F5344CB8AC3E}">
+        <p14:creationId xmlns:p14="http://schemas.microsoft.com/office/powerpoint/2010/main" val="583451208"/>
+      </p:ext>
+    </p:extLst>
+  </p:cSld>
+  <p:clrMapOvr>
+    <a:masterClrMapping/>
+  </p:clrMapOvr>
+</p:notes>
+</file>
+
+<file path=ppt/notesSlides/notesSlide5.xml><?xml version="1.0" encoding="utf-8"?>
+<p:notes xmlns:a="http://schemas.openxmlformats.org/drawingml/2006/main" xmlns:r="http://schemas.openxmlformats.org/officeDocument/2006/relationships" xmlns:p="http://schemas.openxmlformats.org/presentationml/2006/main">
+  <p:cSld>
+    <p:spTree>
+      <p:nvGrpSpPr>
+        <p:cNvPr id="1" name=""/>
+        <p:cNvGrpSpPr/>
+        <p:nvPr/>
+      </p:nvGrpSpPr>
+      <p:grpSpPr>
+        <a:xfrm>
+          <a:off x="0" y="0"/>
+          <a:ext cx="0" cy="0"/>
+          <a:chOff x="0" y="0"/>
+          <a:chExt cx="0" cy="0"/>
+        </a:xfrm>
+      </p:grpSpPr>
+      <p:sp>
+        <p:nvSpPr>
+          <p:cNvPr id="2" name="Marcador de imagen de diapositiva 1"/>
+          <p:cNvSpPr>
+            <a:spLocks noGrp="1" noRot="1" noChangeAspect="1"/>
+          </p:cNvSpPr>
+          <p:nvPr>
+            <p:ph type="sldImg"/>
+          </p:nvPr>
+        </p:nvSpPr>
+        <p:spPr/>
+      </p:sp>
+      <p:sp>
+        <p:nvSpPr>
+          <p:cNvPr id="3" name="Marcador de notas 2"/>
+          <p:cNvSpPr>
+            <a:spLocks noGrp="1"/>
+          </p:cNvSpPr>
+          <p:nvPr>
+            <p:ph type="body" idx="1"/>
+          </p:nvPr>
+        </p:nvSpPr>
+        <p:spPr/>
+        <p:txBody>
+          <a:bodyPr/>
+          <a:lstStyle/>
+          <a:p>
+            <a:r>
+              <a:rPr lang="es-CO" dirty="0"/>
+              <a:t>Opción de subir sus propios apuntes en materias</a:t>
+            </a:r>
+          </a:p>
+          <a:p>
+            <a:endParaRPr lang="es-CO" dirty="0"/>
+          </a:p>
+        </p:txBody>
+      </p:sp>
+      <p:sp>
+        <p:nvSpPr>
+          <p:cNvPr id="4" name="Marcador de número de diapositiva 3"/>
+          <p:cNvSpPr>
+            <a:spLocks noGrp="1"/>
+          </p:cNvSpPr>
+          <p:nvPr>
+            <p:ph type="sldNum" sz="quarter" idx="5"/>
+          </p:nvPr>
+        </p:nvSpPr>
+        <p:spPr/>
+        <p:txBody>
+          <a:bodyPr/>
+          <a:lstStyle/>
+          <a:p>
+            <a:fld id="{96D7D369-5B0A-4A0F-9451-734DF86798EA}" type="slidenum">
+              <a:rPr lang="es-CO" smtClean="0"/>
+              <a:t>12</a:t>
             </a:fld>
             <a:endParaRPr lang="es-CO"/>
           </a:p>
@@ -1119,7 +1781,7 @@
           <a:p>
             <a:fld id="{B4295D3F-4706-4E2C-BC2A-3B66B417C6BC}" type="datetimeFigureOut">
               <a:rPr lang="es-CO" smtClean="0"/>
-              <a:t>8/01/2022</a:t>
+              <a:t>13/01/2022</a:t>
             </a:fld>
             <a:endParaRPr lang="es-CO"/>
           </a:p>
@@ -1319,7 +1981,7 @@
           <a:p>
             <a:fld id="{B4295D3F-4706-4E2C-BC2A-3B66B417C6BC}" type="datetimeFigureOut">
               <a:rPr lang="es-CO" smtClean="0"/>
-              <a:t>8/01/2022</a:t>
+              <a:t>13/01/2022</a:t>
             </a:fld>
             <a:endParaRPr lang="es-CO"/>
           </a:p>
@@ -1529,7 +2191,7 @@
           <a:p>
             <a:fld id="{B4295D3F-4706-4E2C-BC2A-3B66B417C6BC}" type="datetimeFigureOut">
               <a:rPr lang="es-CO" smtClean="0"/>
-              <a:t>8/01/2022</a:t>
+              <a:t>13/01/2022</a:t>
             </a:fld>
             <a:endParaRPr lang="es-CO"/>
           </a:p>
@@ -1729,7 +2391,7 @@
           <a:p>
             <a:fld id="{B4295D3F-4706-4E2C-BC2A-3B66B417C6BC}" type="datetimeFigureOut">
               <a:rPr lang="es-CO" smtClean="0"/>
-              <a:t>8/01/2022</a:t>
+              <a:t>13/01/2022</a:t>
             </a:fld>
             <a:endParaRPr lang="es-CO"/>
           </a:p>
@@ -2005,7 +2667,7 @@
           <a:p>
             <a:fld id="{B4295D3F-4706-4E2C-BC2A-3B66B417C6BC}" type="datetimeFigureOut">
               <a:rPr lang="es-CO" smtClean="0"/>
-              <a:t>8/01/2022</a:t>
+              <a:t>13/01/2022</a:t>
             </a:fld>
             <a:endParaRPr lang="es-CO"/>
           </a:p>
@@ -2273,7 +2935,7 @@
           <a:p>
             <a:fld id="{B4295D3F-4706-4E2C-BC2A-3B66B417C6BC}" type="datetimeFigureOut">
               <a:rPr lang="es-CO" smtClean="0"/>
-              <a:t>8/01/2022</a:t>
+              <a:t>13/01/2022</a:t>
             </a:fld>
             <a:endParaRPr lang="es-CO"/>
           </a:p>
@@ -2688,7 +3350,7 @@
           <a:p>
             <a:fld id="{B4295D3F-4706-4E2C-BC2A-3B66B417C6BC}" type="datetimeFigureOut">
               <a:rPr lang="es-CO" smtClean="0"/>
-              <a:t>8/01/2022</a:t>
+              <a:t>13/01/2022</a:t>
             </a:fld>
             <a:endParaRPr lang="es-CO"/>
           </a:p>
@@ -2830,7 +3492,7 @@
           <a:p>
             <a:fld id="{B4295D3F-4706-4E2C-BC2A-3B66B417C6BC}" type="datetimeFigureOut">
               <a:rPr lang="es-CO" smtClean="0"/>
-              <a:t>8/01/2022</a:t>
+              <a:t>13/01/2022</a:t>
             </a:fld>
             <a:endParaRPr lang="es-CO"/>
           </a:p>
@@ -2943,7 +3605,7 @@
           <a:p>
             <a:fld id="{B4295D3F-4706-4E2C-BC2A-3B66B417C6BC}" type="datetimeFigureOut">
               <a:rPr lang="es-CO" smtClean="0"/>
-              <a:t>8/01/2022</a:t>
+              <a:t>13/01/2022</a:t>
             </a:fld>
             <a:endParaRPr lang="es-CO"/>
           </a:p>
@@ -3256,7 +3918,7 @@
           <a:p>
             <a:fld id="{B4295D3F-4706-4E2C-BC2A-3B66B417C6BC}" type="datetimeFigureOut">
               <a:rPr lang="es-CO" smtClean="0"/>
-              <a:t>8/01/2022</a:t>
+              <a:t>13/01/2022</a:t>
             </a:fld>
             <a:endParaRPr lang="es-CO"/>
           </a:p>
@@ -3545,7 +4207,7 @@
           <a:p>
             <a:fld id="{B4295D3F-4706-4E2C-BC2A-3B66B417C6BC}" type="datetimeFigureOut">
               <a:rPr lang="es-CO" smtClean="0"/>
-              <a:t>8/01/2022</a:t>
+              <a:t>13/01/2022</a:t>
             </a:fld>
             <a:endParaRPr lang="es-CO"/>
           </a:p>
@@ -3788,7 +4450,7 @@
           <a:p>
             <a:fld id="{B4295D3F-4706-4E2C-BC2A-3B66B417C6BC}" type="datetimeFigureOut">
               <a:rPr lang="es-CO" smtClean="0"/>
-              <a:t>8/01/2022</a:t>
+              <a:t>13/01/2022</a:t>
             </a:fld>
             <a:endParaRPr lang="es-CO"/>
           </a:p>
@@ -4393,6 +5055,7 @@
       <p:pic>
         <p:nvPicPr>
           <p:cNvPr id="10" name="Imagen 9">
+            <a:hlinkClick r:id="rId3" action="ppaction://hlinksldjump"/>
             <a:extLst>
               <a:ext uri="{FF2B5EF4-FFF2-40B4-BE49-F238E27FC236}">
                 <a16:creationId xmlns:a16="http://schemas.microsoft.com/office/drawing/2014/main" id="{08B3E7F1-4413-4C4A-AF19-4A3F9506D0F6}"/>
@@ -4405,7 +5068,7 @@
           <p:nvPr/>
         </p:nvPicPr>
         <p:blipFill>
-          <a:blip r:embed="rId3"/>
+          <a:blip r:embed="rId4"/>
           <a:stretch>
             <a:fillRect/>
           </a:stretch>
@@ -4482,36 +5145,6 @@
           <p:nvPr/>
         </p:nvPicPr>
         <p:blipFill>
-          <a:blip r:embed="rId4"/>
-          <a:stretch>
-            <a:fillRect/>
-          </a:stretch>
-        </p:blipFill>
-        <p:spPr>
-          <a:xfrm>
-            <a:off x="2635045" y="875071"/>
-            <a:ext cx="6576845" cy="514376"/>
-          </a:xfrm>
-          <a:prstGeom prst="rect">
-            <a:avLst/>
-          </a:prstGeom>
-        </p:spPr>
-      </p:pic>
-      <p:pic>
-        <p:nvPicPr>
-          <p:cNvPr id="15" name="Imagen 14">
-            <a:extLst>
-              <a:ext uri="{FF2B5EF4-FFF2-40B4-BE49-F238E27FC236}">
-                <a16:creationId xmlns:a16="http://schemas.microsoft.com/office/drawing/2014/main" id="{13139302-3BA0-4FB1-948F-E188DB971667}"/>
-              </a:ext>
-            </a:extLst>
-          </p:cNvPr>
-          <p:cNvPicPr>
-            <a:picLocks noChangeAspect="1"/>
-          </p:cNvPicPr>
-          <p:nvPr/>
-        </p:nvPicPr>
-        <p:blipFill>
           <a:blip r:embed="rId5"/>
           <a:stretch>
             <a:fillRect/>
@@ -4519,6 +5152,36 @@
         </p:blipFill>
         <p:spPr>
           <a:xfrm>
+            <a:off x="2635045" y="875071"/>
+            <a:ext cx="6576845" cy="514376"/>
+          </a:xfrm>
+          <a:prstGeom prst="rect">
+            <a:avLst/>
+          </a:prstGeom>
+        </p:spPr>
+      </p:pic>
+      <p:pic>
+        <p:nvPicPr>
+          <p:cNvPr id="15" name="Imagen 14">
+            <a:extLst>
+              <a:ext uri="{FF2B5EF4-FFF2-40B4-BE49-F238E27FC236}">
+                <a16:creationId xmlns:a16="http://schemas.microsoft.com/office/drawing/2014/main" id="{13139302-3BA0-4FB1-948F-E188DB971667}"/>
+              </a:ext>
+            </a:extLst>
+          </p:cNvPr>
+          <p:cNvPicPr>
+            <a:picLocks noChangeAspect="1"/>
+          </p:cNvPicPr>
+          <p:nvPr/>
+        </p:nvPicPr>
+        <p:blipFill>
+          <a:blip r:embed="rId6"/>
+          <a:stretch>
+            <a:fillRect/>
+          </a:stretch>
+        </p:blipFill>
+        <p:spPr>
+          <a:xfrm>
             <a:off x="1435510" y="875071"/>
             <a:ext cx="1203801" cy="514376"/>
           </a:xfrm>
@@ -4529,10 +5192,45 @@
       </p:pic>
       <p:sp>
         <p:nvSpPr>
+          <p:cNvPr id="16" name="CuadroTexto 15">
+            <a:extLst>
+              <a:ext uri="{FF2B5EF4-FFF2-40B4-BE49-F238E27FC236}">
+                <a16:creationId xmlns:a16="http://schemas.microsoft.com/office/drawing/2014/main" id="{96D17C9C-7D0D-40DA-B48F-3166631861B9}"/>
+              </a:ext>
+            </a:extLst>
+          </p:cNvPr>
+          <p:cNvSpPr txBox="1"/>
+          <p:nvPr/>
+        </p:nvSpPr>
+        <p:spPr>
+          <a:xfrm>
+            <a:off x="2123768" y="1897626"/>
+            <a:ext cx="1228606" cy="369332"/>
+          </a:xfrm>
+          <a:prstGeom prst="rect">
+            <a:avLst/>
+          </a:prstGeom>
+          <a:noFill/>
+        </p:spPr>
+        <p:txBody>
+          <a:bodyPr wrap="none" rtlCol="0">
+            <a:spAutoFit/>
+          </a:bodyPr>
+          <a:lstStyle/>
+          <a:p>
+            <a:r>
+              <a:rPr lang="es-CO" b="1" dirty="0"/>
+              <a:t>DashBoard</a:t>
+            </a:r>
+          </a:p>
+        </p:txBody>
+      </p:sp>
+      <p:sp>
+        <p:nvSpPr>
           <p:cNvPr id="3" name="Rectángulo 2">
             <a:extLst>
               <a:ext uri="{FF2B5EF4-FFF2-40B4-BE49-F238E27FC236}">
-                <a16:creationId xmlns:a16="http://schemas.microsoft.com/office/drawing/2014/main" id="{0420946C-61BE-448D-B78D-A29C2B945180}"/>
+                <a16:creationId xmlns:a16="http://schemas.microsoft.com/office/drawing/2014/main" id="{E6131892-DF5D-4728-9018-56EF2F602F9B}"/>
               </a:ext>
             </a:extLst>
           </p:cNvPr>
@@ -4541,8 +5239,8 @@
         </p:nvSpPr>
         <p:spPr>
           <a:xfrm>
-            <a:off x="1435509" y="1389447"/>
-            <a:ext cx="1199535" cy="4814708"/>
+            <a:off x="7541339" y="1388697"/>
+            <a:ext cx="2252522" cy="1176772"/>
           </a:xfrm>
           <a:prstGeom prst="rect">
             <a:avLst/>
@@ -4567,16 +5265,17 @@
           <a:lstStyle/>
           <a:p>
             <a:pPr algn="ctr"/>
-            <a:endParaRPr lang="es-CO" dirty="0"/>
-          </a:p>
-        </p:txBody>
-      </p:sp>
-      <p:sp>
-        <p:nvSpPr>
-          <p:cNvPr id="4" name="CuadroTexto 3">
-            <a:extLst>
-              <a:ext uri="{FF2B5EF4-FFF2-40B4-BE49-F238E27FC236}">
-                <a16:creationId xmlns:a16="http://schemas.microsoft.com/office/drawing/2014/main" id="{822E91CA-8244-472A-8273-6A90593C6646}"/>
+            <a:endParaRPr lang="es-CO"/>
+          </a:p>
+        </p:txBody>
+      </p:sp>
+      <p:sp>
+        <p:nvSpPr>
+          <p:cNvPr id="12" name="CuadroTexto 11">
+            <a:hlinkClick r:id="rId7" action="ppaction://hlinksldjump"/>
+            <a:extLst>
+              <a:ext uri="{FF2B5EF4-FFF2-40B4-BE49-F238E27FC236}">
+                <a16:creationId xmlns:a16="http://schemas.microsoft.com/office/drawing/2014/main" id="{FC121F38-B927-4A59-952C-3B6802162006}"/>
               </a:ext>
             </a:extLst>
           </p:cNvPr>
@@ -4585,8 +5284,8 @@
         </p:nvSpPr>
         <p:spPr>
           <a:xfrm>
-            <a:off x="1528470" y="1534491"/>
-            <a:ext cx="1092350" cy="338554"/>
+            <a:off x="7536447" y="1532914"/>
+            <a:ext cx="738920" cy="307777"/>
           </a:xfrm>
           <a:prstGeom prst="rect">
             <a:avLst/>
@@ -4600,18 +5299,19 @@
           <a:lstStyle/>
           <a:p>
             <a:r>
-              <a:rPr lang="es-CO" sz="1600" dirty="0"/>
-              <a:t>DashBoard</a:t>
-            </a:r>
-          </a:p>
-        </p:txBody>
-      </p:sp>
-      <p:sp>
-        <p:nvSpPr>
-          <p:cNvPr id="12" name="CuadroTexto 11">
-            <a:extLst>
-              <a:ext uri="{FF2B5EF4-FFF2-40B4-BE49-F238E27FC236}">
-                <a16:creationId xmlns:a16="http://schemas.microsoft.com/office/drawing/2014/main" id="{7F61836D-B6C9-4B0A-8B5D-08EA39F5448B}"/>
+              <a:rPr lang="es-CO" sz="1400" b="1" dirty="0"/>
+              <a:t>Estudio</a:t>
+            </a:r>
+          </a:p>
+        </p:txBody>
+      </p:sp>
+      <p:sp>
+        <p:nvSpPr>
+          <p:cNvPr id="14" name="CuadroTexto 13">
+            <a:hlinkClick r:id="rId8" action="ppaction://hlinksldjump"/>
+            <a:extLst>
+              <a:ext uri="{FF2B5EF4-FFF2-40B4-BE49-F238E27FC236}">
+                <a16:creationId xmlns:a16="http://schemas.microsoft.com/office/drawing/2014/main" id="{EB0BE00D-2436-4A33-B08C-A4D554131818}"/>
               </a:ext>
             </a:extLst>
           </p:cNvPr>
@@ -4620,8 +5320,8 @@
         </p:nvSpPr>
         <p:spPr>
           <a:xfrm>
-            <a:off x="1528470" y="1903823"/>
-            <a:ext cx="715773" cy="338554"/>
+            <a:off x="8215105" y="1528457"/>
+            <a:ext cx="821956" cy="307777"/>
           </a:xfrm>
           <a:prstGeom prst="rect">
             <a:avLst/>
@@ -4635,7 +5335,78 @@
           <a:lstStyle/>
           <a:p>
             <a:r>
-              <a:rPr lang="es-CO" sz="1600" dirty="0"/>
+              <a:rPr lang="es-CO" sz="1400" b="1" dirty="0"/>
+              <a:t>Finanzas</a:t>
+            </a:r>
+          </a:p>
+        </p:txBody>
+      </p:sp>
+      <p:sp>
+        <p:nvSpPr>
+          <p:cNvPr id="17" name="CuadroTexto 16">
+            <a:extLst>
+              <a:ext uri="{FF2B5EF4-FFF2-40B4-BE49-F238E27FC236}">
+                <a16:creationId xmlns:a16="http://schemas.microsoft.com/office/drawing/2014/main" id="{57FAC113-4CAB-4366-8D02-CF3C75C264EC}"/>
+              </a:ext>
+            </a:extLst>
+          </p:cNvPr>
+          <p:cNvSpPr txBox="1"/>
+          <p:nvPr/>
+        </p:nvSpPr>
+        <p:spPr>
+          <a:xfrm>
+            <a:off x="7499822" y="1977083"/>
+            <a:ext cx="636713" cy="307777"/>
+          </a:xfrm>
+          <a:prstGeom prst="rect">
+            <a:avLst/>
+          </a:prstGeom>
+          <a:noFill/>
+        </p:spPr>
+        <p:txBody>
+          <a:bodyPr wrap="none" rtlCol="0">
+            <a:spAutoFit/>
+          </a:bodyPr>
+          <a:lstStyle/>
+          <a:p>
+            <a:r>
+              <a:rPr lang="es-CO" sz="1400" b="1" dirty="0"/>
+              <a:t>Diario</a:t>
+            </a:r>
+          </a:p>
+        </p:txBody>
+      </p:sp>
+      <p:sp>
+        <p:nvSpPr>
+          <p:cNvPr id="18" name="CuadroTexto 17">
+            <a:hlinkClick r:id="rId9" action="ppaction://hlinksldjump"/>
+            <a:extLst>
+              <a:ext uri="{FF2B5EF4-FFF2-40B4-BE49-F238E27FC236}">
+                <a16:creationId xmlns:a16="http://schemas.microsoft.com/office/drawing/2014/main" id="{91F887C6-A1DB-4834-9778-56ED003A23F6}"/>
+              </a:ext>
+            </a:extLst>
+          </p:cNvPr>
+          <p:cNvSpPr txBox="1"/>
+          <p:nvPr/>
+        </p:nvSpPr>
+        <p:spPr>
+          <a:xfrm>
+            <a:off x="8981710" y="1519435"/>
+            <a:ext cx="659604" cy="307777"/>
+          </a:xfrm>
+          <a:prstGeom prst="rect">
+            <a:avLst/>
+          </a:prstGeom>
+          <a:noFill/>
+        </p:spPr>
+        <p:txBody>
+          <a:bodyPr wrap="none" rtlCol="0">
+            <a:spAutoFit/>
+          </a:bodyPr>
+          <a:lstStyle/>
+          <a:p>
+            <a:r>
+              <a:rPr lang="es-CO" sz="1400" b="1" dirty="0"/>
               <a:t>Tareas</a:t>
             </a:r>
           </a:p>
@@ -4643,11 +5414,85 @@
       </p:sp>
       <p:sp>
         <p:nvSpPr>
-          <p:cNvPr id="5" name="Flecha: a la derecha 4">
+          <p:cNvPr id="19" name="CuadroTexto 18">
+            <a:extLst>
+              <a:ext uri="{FF2B5EF4-FFF2-40B4-BE49-F238E27FC236}">
+                <a16:creationId xmlns:a16="http://schemas.microsoft.com/office/drawing/2014/main" id="{F08C8139-307D-4008-B600-EDCF28AE007A}"/>
+              </a:ext>
+            </a:extLst>
+          </p:cNvPr>
+          <p:cNvSpPr txBox="1"/>
+          <p:nvPr/>
+        </p:nvSpPr>
+        <p:spPr>
+          <a:xfrm>
+            <a:off x="10942877" y="2043762"/>
+            <a:ext cx="1412566" cy="2308324"/>
+          </a:xfrm>
+          <a:prstGeom prst="rect">
+            <a:avLst/>
+          </a:prstGeom>
+          <a:noFill/>
+        </p:spPr>
+        <p:txBody>
+          <a:bodyPr wrap="none" rtlCol="0">
+            <a:spAutoFit/>
+          </a:bodyPr>
+          <a:lstStyle/>
+          <a:p>
+            <a:r>
+              <a:rPr lang="es-CO" b="1" dirty="0"/>
+              <a:t>Cada</a:t>
+            </a:r>
+          </a:p>
+          <a:p>
+            <a:r>
+              <a:rPr lang="es-CO" b="1" dirty="0"/>
+              <a:t>Sección</a:t>
+            </a:r>
+          </a:p>
+          <a:p>
+            <a:r>
+              <a:rPr lang="es-CO" b="1" dirty="0"/>
+              <a:t>Con </a:t>
+            </a:r>
+          </a:p>
+          <a:p>
+            <a:r>
+              <a:rPr lang="es-CO" b="1" dirty="0"/>
+              <a:t>Iconos.</a:t>
+            </a:r>
+          </a:p>
+          <a:p>
+            <a:endParaRPr lang="es-CO" b="1" dirty="0"/>
+          </a:p>
+          <a:p>
+            <a:r>
+              <a:rPr lang="es-CO" b="1" dirty="0"/>
+              <a:t>Cada sección</a:t>
+            </a:r>
+          </a:p>
+          <a:p>
+            <a:r>
+              <a:rPr lang="es-CO" b="1" dirty="0"/>
+              <a:t>En el coso</a:t>
+            </a:r>
+          </a:p>
+          <a:p>
+            <a:r>
+              <a:rPr lang="es-CO" b="1" dirty="0"/>
+              <a:t>lateral</a:t>
+            </a:r>
+          </a:p>
+        </p:txBody>
+      </p:sp>
+      <p:sp>
+        <p:nvSpPr>
+          <p:cNvPr id="20" name="Flecha: a la derecha 19">
             <a:hlinkClick r:id="" action="ppaction://hlinkshowjump?jump=previousslide"/>
             <a:extLst>
               <a:ext uri="{FF2B5EF4-FFF2-40B4-BE49-F238E27FC236}">
-                <a16:creationId xmlns:a16="http://schemas.microsoft.com/office/drawing/2014/main" id="{D134C4D8-5EE8-4811-99B2-4723531D4E79}"/>
+                <a16:creationId xmlns:a16="http://schemas.microsoft.com/office/drawing/2014/main" id="{4BA248A2-3F02-4F25-A857-680BF4ED09A7}"/>
               </a:ext>
             </a:extLst>
           </p:cNvPr>
@@ -4691,7 +5536,1995 @@
     </p:spTree>
     <p:extLst>
       <p:ext uri="{BB962C8B-B14F-4D97-AF65-F5344CB8AC3E}">
+        <p14:creationId xmlns:p14="http://schemas.microsoft.com/office/powerpoint/2010/main" val="3676270241"/>
+      </p:ext>
+    </p:extLst>
+  </p:cSld>
+  <p:clrMapOvr>
+    <a:masterClrMapping/>
+  </p:clrMapOvr>
+</p:sld>
+</file>
+
+<file path=ppt/slides/slide11.xml><?xml version="1.0" encoding="utf-8"?>
+<p:sld xmlns:a="http://schemas.openxmlformats.org/drawingml/2006/main" xmlns:r="http://schemas.openxmlformats.org/officeDocument/2006/relationships" xmlns:p="http://schemas.openxmlformats.org/presentationml/2006/main">
+  <p:cSld>
+    <p:spTree>
+      <p:nvGrpSpPr>
+        <p:cNvPr id="1" name=""/>
+        <p:cNvGrpSpPr/>
+        <p:nvPr/>
+      </p:nvGrpSpPr>
+      <p:grpSpPr>
+        <a:xfrm>
+          <a:off x="0" y="0"/>
+          <a:ext cx="0" cy="0"/>
+          <a:chOff x="0" y="0"/>
+          <a:chExt cx="0" cy="0"/>
+        </a:xfrm>
+      </p:grpSpPr>
+      <p:sp>
+        <p:nvSpPr>
+          <p:cNvPr id="2" name="Rectángulo 1">
+            <a:extLst>
+              <a:ext uri="{FF2B5EF4-FFF2-40B4-BE49-F238E27FC236}">
+                <a16:creationId xmlns:a16="http://schemas.microsoft.com/office/drawing/2014/main" id="{179E8C71-5EC1-4DC2-8A44-856A71263AC5}"/>
+              </a:ext>
+            </a:extLst>
+          </p:cNvPr>
+          <p:cNvSpPr/>
+          <p:nvPr/>
+        </p:nvSpPr>
+        <p:spPr>
+          <a:xfrm>
+            <a:off x="1435509" y="875071"/>
+            <a:ext cx="9458633" cy="5329084"/>
+          </a:xfrm>
+          <a:prstGeom prst="rect">
+            <a:avLst/>
+          </a:prstGeom>
+          <a:solidFill>
+            <a:schemeClr val="accent3">
+              <a:alpha val="50000"/>
+            </a:schemeClr>
+          </a:solidFill>
+          <a:ln>
+            <a:noFill/>
+          </a:ln>
+        </p:spPr>
+        <p:style>
+          <a:lnRef idx="0">
+            <a:scrgbClr r="0" g="0" b="0"/>
+          </a:lnRef>
+          <a:fillRef idx="0">
+            <a:scrgbClr r="0" g="0" b="0"/>
+          </a:fillRef>
+          <a:effectRef idx="0">
+            <a:scrgbClr r="0" g="0" b="0"/>
+          </a:effectRef>
+          <a:fontRef idx="minor">
+            <a:schemeClr val="lt1"/>
+          </a:fontRef>
+        </p:style>
+        <p:txBody>
+          <a:bodyPr rtlCol="0" anchor="ctr"/>
+          <a:lstStyle/>
+          <a:p>
+            <a:pPr algn="ctr"/>
+            <a:endParaRPr lang="es-CO" dirty="0"/>
+          </a:p>
+        </p:txBody>
+      </p:sp>
+      <p:pic>
+        <p:nvPicPr>
+          <p:cNvPr id="8" name="Imagen 7">
+            <a:hlinkClick r:id="rId2" action="ppaction://hlinksldjump"/>
+            <a:extLst>
+              <a:ext uri="{FF2B5EF4-FFF2-40B4-BE49-F238E27FC236}">
+                <a16:creationId xmlns:a16="http://schemas.microsoft.com/office/drawing/2014/main" id="{4B800D44-B81D-478E-982C-3D667A115CEB}"/>
+              </a:ext>
+            </a:extLst>
+          </p:cNvPr>
+          <p:cNvPicPr>
+            <a:picLocks noChangeAspect="1"/>
+          </p:cNvPicPr>
+          <p:nvPr/>
+        </p:nvPicPr>
+        <p:blipFill>
+          <a:blip r:embed="rId3"/>
+          <a:stretch>
+            <a:fillRect/>
+          </a:stretch>
+        </p:blipFill>
+        <p:spPr>
+          <a:xfrm>
+            <a:off x="9211890" y="875071"/>
+            <a:ext cx="552478" cy="514376"/>
+          </a:xfrm>
+          <a:prstGeom prst="rect">
+            <a:avLst/>
+          </a:prstGeom>
+        </p:spPr>
+      </p:pic>
+      <p:pic>
+        <p:nvPicPr>
+          <p:cNvPr id="10" name="Imagen 9">
+            <a:extLst>
+              <a:ext uri="{FF2B5EF4-FFF2-40B4-BE49-F238E27FC236}">
+                <a16:creationId xmlns:a16="http://schemas.microsoft.com/office/drawing/2014/main" id="{08B3E7F1-4413-4C4A-AF19-4A3F9506D0F6}"/>
+              </a:ext>
+            </a:extLst>
+          </p:cNvPr>
+          <p:cNvPicPr>
+            <a:picLocks noChangeAspect="1"/>
+          </p:cNvPicPr>
+          <p:nvPr/>
+        </p:nvPicPr>
+        <p:blipFill>
+          <a:blip r:embed="rId4"/>
+          <a:stretch>
+            <a:fillRect/>
+          </a:stretch>
+        </p:blipFill>
+        <p:spPr>
+          <a:xfrm>
+            <a:off x="9764368" y="875071"/>
+            <a:ext cx="635033" cy="514376"/>
+          </a:xfrm>
+          <a:prstGeom prst="rect">
+            <a:avLst/>
+          </a:prstGeom>
+        </p:spPr>
+      </p:pic>
+      <p:sp>
+        <p:nvSpPr>
+          <p:cNvPr id="11" name="Botón de acción: obtener información 10">
+            <a:hlinkClick r:id="" action="ppaction://noaction" highlightClick="1"/>
+            <a:extLst>
+              <a:ext uri="{FF2B5EF4-FFF2-40B4-BE49-F238E27FC236}">
+                <a16:creationId xmlns:a16="http://schemas.microsoft.com/office/drawing/2014/main" id="{1702C256-8908-4CF4-A79A-E9955F758621}"/>
+              </a:ext>
+            </a:extLst>
+          </p:cNvPr>
+          <p:cNvSpPr/>
+          <p:nvPr/>
+        </p:nvSpPr>
+        <p:spPr>
+          <a:xfrm>
+            <a:off x="10399401" y="875071"/>
+            <a:ext cx="494742" cy="514376"/>
+          </a:xfrm>
+          <a:prstGeom prst="actionButtonInformation">
+            <a:avLst/>
+          </a:prstGeom>
+        </p:spPr>
+        <p:style>
+          <a:lnRef idx="2">
+            <a:schemeClr val="accent1">
+              <a:shade val="50000"/>
+            </a:schemeClr>
+          </a:lnRef>
+          <a:fillRef idx="1">
+            <a:schemeClr val="accent1"/>
+          </a:fillRef>
+          <a:effectRef idx="0">
+            <a:schemeClr val="accent1"/>
+          </a:effectRef>
+          <a:fontRef idx="minor">
+            <a:schemeClr val="lt1"/>
+          </a:fontRef>
+        </p:style>
+        <p:txBody>
+          <a:bodyPr rtlCol="0" anchor="ctr"/>
+          <a:lstStyle/>
+          <a:p>
+            <a:pPr algn="ctr"/>
+            <a:endParaRPr lang="es-CO"/>
+          </a:p>
+        </p:txBody>
+      </p:sp>
+      <p:pic>
+        <p:nvPicPr>
+          <p:cNvPr id="13" name="Imagen 12">
+            <a:extLst>
+              <a:ext uri="{FF2B5EF4-FFF2-40B4-BE49-F238E27FC236}">
+                <a16:creationId xmlns:a16="http://schemas.microsoft.com/office/drawing/2014/main" id="{5D5AF24E-002C-4E6E-9392-0230002CCEC8}"/>
+              </a:ext>
+            </a:extLst>
+          </p:cNvPr>
+          <p:cNvPicPr>
+            <a:picLocks noChangeAspect="1"/>
+          </p:cNvPicPr>
+          <p:nvPr/>
+        </p:nvPicPr>
+        <p:blipFill>
+          <a:blip r:embed="rId5"/>
+          <a:stretch>
+            <a:fillRect/>
+          </a:stretch>
+        </p:blipFill>
+        <p:spPr>
+          <a:xfrm>
+            <a:off x="2635045" y="875071"/>
+            <a:ext cx="6576845" cy="514376"/>
+          </a:xfrm>
+          <a:prstGeom prst="rect">
+            <a:avLst/>
+          </a:prstGeom>
+        </p:spPr>
+      </p:pic>
+      <p:pic>
+        <p:nvPicPr>
+          <p:cNvPr id="15" name="Imagen 14">
+            <a:extLst>
+              <a:ext uri="{FF2B5EF4-FFF2-40B4-BE49-F238E27FC236}">
+                <a16:creationId xmlns:a16="http://schemas.microsoft.com/office/drawing/2014/main" id="{13139302-3BA0-4FB1-948F-E188DB971667}"/>
+              </a:ext>
+            </a:extLst>
+          </p:cNvPr>
+          <p:cNvPicPr>
+            <a:picLocks noChangeAspect="1"/>
+          </p:cNvPicPr>
+          <p:nvPr/>
+        </p:nvPicPr>
+        <p:blipFill>
+          <a:blip r:embed="rId6"/>
+          <a:stretch>
+            <a:fillRect/>
+          </a:stretch>
+        </p:blipFill>
+        <p:spPr>
+          <a:xfrm>
+            <a:off x="1435510" y="875071"/>
+            <a:ext cx="1203801" cy="514376"/>
+          </a:xfrm>
+          <a:prstGeom prst="rect">
+            <a:avLst/>
+          </a:prstGeom>
+        </p:spPr>
+      </p:pic>
+      <p:sp>
+        <p:nvSpPr>
+          <p:cNvPr id="16" name="CuadroTexto 15">
+            <a:extLst>
+              <a:ext uri="{FF2B5EF4-FFF2-40B4-BE49-F238E27FC236}">
+                <a16:creationId xmlns:a16="http://schemas.microsoft.com/office/drawing/2014/main" id="{96D17C9C-7D0D-40DA-B48F-3166631861B9}"/>
+              </a:ext>
+            </a:extLst>
+          </p:cNvPr>
+          <p:cNvSpPr txBox="1"/>
+          <p:nvPr/>
+        </p:nvSpPr>
+        <p:spPr>
+          <a:xfrm>
+            <a:off x="3258885" y="1880749"/>
+            <a:ext cx="1228606" cy="369332"/>
+          </a:xfrm>
+          <a:prstGeom prst="rect">
+            <a:avLst/>
+          </a:prstGeom>
+          <a:noFill/>
+        </p:spPr>
+        <p:txBody>
+          <a:bodyPr wrap="none" rtlCol="0">
+            <a:spAutoFit/>
+          </a:bodyPr>
+          <a:lstStyle/>
+          <a:p>
+            <a:r>
+              <a:rPr lang="es-CO" b="1" dirty="0"/>
+              <a:t>DashBoard</a:t>
+            </a:r>
+          </a:p>
+        </p:txBody>
+      </p:sp>
+      <p:sp>
+        <p:nvSpPr>
+          <p:cNvPr id="3" name="Rectángulo 2">
+            <a:extLst>
+              <a:ext uri="{FF2B5EF4-FFF2-40B4-BE49-F238E27FC236}">
+                <a16:creationId xmlns:a16="http://schemas.microsoft.com/office/drawing/2014/main" id="{E6131892-DF5D-4728-9018-56EF2F602F9B}"/>
+              </a:ext>
+            </a:extLst>
+          </p:cNvPr>
+          <p:cNvSpPr/>
+          <p:nvPr/>
+        </p:nvSpPr>
+        <p:spPr>
+          <a:xfrm>
+            <a:off x="8583561" y="1389447"/>
+            <a:ext cx="1815840" cy="1107947"/>
+          </a:xfrm>
+          <a:prstGeom prst="rect">
+            <a:avLst/>
+          </a:prstGeom>
+        </p:spPr>
+        <p:style>
+          <a:lnRef idx="2">
+            <a:schemeClr val="accent3"/>
+          </a:lnRef>
+          <a:fillRef idx="1">
+            <a:schemeClr val="lt1"/>
+          </a:fillRef>
+          <a:effectRef idx="0">
+            <a:schemeClr val="accent3"/>
+          </a:effectRef>
+          <a:fontRef idx="minor">
+            <a:schemeClr val="dk1"/>
+          </a:fontRef>
+        </p:style>
+        <p:txBody>
+          <a:bodyPr rtlCol="0" anchor="ctr"/>
+          <a:lstStyle/>
+          <a:p>
+            <a:pPr algn="ctr"/>
+            <a:endParaRPr lang="es-CO"/>
+          </a:p>
+        </p:txBody>
+      </p:sp>
+      <p:sp>
+        <p:nvSpPr>
+          <p:cNvPr id="20" name="CuadroTexto 19">
+            <a:extLst>
+              <a:ext uri="{FF2B5EF4-FFF2-40B4-BE49-F238E27FC236}">
+                <a16:creationId xmlns:a16="http://schemas.microsoft.com/office/drawing/2014/main" id="{BCC2E222-1EA4-4059-B879-D93117DFBB45}"/>
+              </a:ext>
+            </a:extLst>
+          </p:cNvPr>
+          <p:cNvSpPr txBox="1"/>
+          <p:nvPr/>
+        </p:nvSpPr>
+        <p:spPr>
+          <a:xfrm>
+            <a:off x="8583560" y="1394338"/>
+            <a:ext cx="912429" cy="338554"/>
+          </a:xfrm>
+          <a:prstGeom prst="rect">
+            <a:avLst/>
+          </a:prstGeom>
+          <a:noFill/>
+        </p:spPr>
+        <p:txBody>
+          <a:bodyPr wrap="none" rtlCol="0">
+            <a:spAutoFit/>
+          </a:bodyPr>
+          <a:lstStyle/>
+          <a:p>
+            <a:r>
+              <a:rPr lang="es-CO" sz="1600" b="1" dirty="0"/>
+              <a:t>Mi perfil</a:t>
+            </a:r>
+          </a:p>
+        </p:txBody>
+      </p:sp>
+      <p:sp>
+        <p:nvSpPr>
+          <p:cNvPr id="21" name="CuadroTexto 20">
+            <a:extLst>
+              <a:ext uri="{FF2B5EF4-FFF2-40B4-BE49-F238E27FC236}">
+                <a16:creationId xmlns:a16="http://schemas.microsoft.com/office/drawing/2014/main" id="{56D03A46-2B89-476A-B413-9894BCF43638}"/>
+              </a:ext>
+            </a:extLst>
+          </p:cNvPr>
+          <p:cNvSpPr txBox="1"/>
+          <p:nvPr/>
+        </p:nvSpPr>
+        <p:spPr>
+          <a:xfrm>
+            <a:off x="8575700" y="1711472"/>
+            <a:ext cx="805029" cy="338554"/>
+          </a:xfrm>
+          <a:prstGeom prst="rect">
+            <a:avLst/>
+          </a:prstGeom>
+          <a:noFill/>
+        </p:spPr>
+        <p:txBody>
+          <a:bodyPr wrap="none" rtlCol="0">
+            <a:spAutoFit/>
+          </a:bodyPr>
+          <a:lstStyle/>
+          <a:p>
+            <a:r>
+              <a:rPr lang="es-CO" sz="1600" b="1" dirty="0"/>
+              <a:t>Ajustes</a:t>
+            </a:r>
+          </a:p>
+        </p:txBody>
+      </p:sp>
+      <p:sp>
+        <p:nvSpPr>
+          <p:cNvPr id="22" name="CuadroTexto 21">
+            <a:extLst>
+              <a:ext uri="{FF2B5EF4-FFF2-40B4-BE49-F238E27FC236}">
+                <a16:creationId xmlns:a16="http://schemas.microsoft.com/office/drawing/2014/main" id="{02A29AE9-3266-4BC2-A846-423E7751E074}"/>
+              </a:ext>
+            </a:extLst>
+          </p:cNvPr>
+          <p:cNvSpPr txBox="1"/>
+          <p:nvPr/>
+        </p:nvSpPr>
+        <p:spPr>
+          <a:xfrm>
+            <a:off x="8583560" y="2050026"/>
+            <a:ext cx="817853" cy="338554"/>
+          </a:xfrm>
+          <a:prstGeom prst="rect">
+            <a:avLst/>
+          </a:prstGeom>
+          <a:noFill/>
+        </p:spPr>
+        <p:txBody>
+          <a:bodyPr wrap="none" rtlCol="0">
+            <a:spAutoFit/>
+          </a:bodyPr>
+          <a:lstStyle/>
+          <a:p>
+            <a:r>
+              <a:rPr lang="es-CO" sz="1600" b="1" dirty="0"/>
+              <a:t>Log </a:t>
+            </a:r>
+            <a:r>
+              <a:rPr lang="es-CO" sz="1600" b="1" dirty="0" err="1"/>
+              <a:t>out</a:t>
+            </a:r>
+            <a:endParaRPr lang="es-CO" sz="1600" b="1" dirty="0"/>
+          </a:p>
+        </p:txBody>
+      </p:sp>
+      <p:sp>
+        <p:nvSpPr>
+          <p:cNvPr id="23" name="Flecha: a la derecha 22">
+            <a:hlinkClick r:id="" action="ppaction://hlinkshowjump?jump=previousslide"/>
+            <a:extLst>
+              <a:ext uri="{FF2B5EF4-FFF2-40B4-BE49-F238E27FC236}">
+                <a16:creationId xmlns:a16="http://schemas.microsoft.com/office/drawing/2014/main" id="{58045691-7CB5-453A-9BF3-0A9F57C1C811}"/>
+              </a:ext>
+            </a:extLst>
+          </p:cNvPr>
+          <p:cNvSpPr/>
+          <p:nvPr/>
+        </p:nvSpPr>
+        <p:spPr>
+          <a:xfrm rot="10800000">
+            <a:off x="383458" y="796413"/>
+            <a:ext cx="635033" cy="514376"/>
+          </a:xfrm>
+          <a:prstGeom prst="rightArrow">
+            <a:avLst/>
+          </a:prstGeom>
+        </p:spPr>
+        <p:style>
+          <a:lnRef idx="2">
+            <a:schemeClr val="accent1">
+              <a:shade val="50000"/>
+            </a:schemeClr>
+          </a:lnRef>
+          <a:fillRef idx="1">
+            <a:schemeClr val="accent1"/>
+          </a:fillRef>
+          <a:effectRef idx="0">
+            <a:schemeClr val="accent1"/>
+          </a:effectRef>
+          <a:fontRef idx="minor">
+            <a:schemeClr val="lt1"/>
+          </a:fontRef>
+        </p:style>
+        <p:txBody>
+          <a:bodyPr rtlCol="0" anchor="ctr"/>
+          <a:lstStyle/>
+          <a:p>
+            <a:pPr algn="ctr"/>
+            <a:endParaRPr lang="es-CO"/>
+          </a:p>
+        </p:txBody>
+      </p:sp>
+    </p:spTree>
+    <p:extLst>
+      <p:ext uri="{BB962C8B-B14F-4D97-AF65-F5344CB8AC3E}">
+        <p14:creationId xmlns:p14="http://schemas.microsoft.com/office/powerpoint/2010/main" val="3492346804"/>
+      </p:ext>
+    </p:extLst>
+  </p:cSld>
+  <p:clrMapOvr>
+    <a:masterClrMapping/>
+  </p:clrMapOvr>
+</p:sld>
+</file>
+
+<file path=ppt/slides/slide12.xml><?xml version="1.0" encoding="utf-8"?>
+<p:sld xmlns:a="http://schemas.openxmlformats.org/drawingml/2006/main" xmlns:r="http://schemas.openxmlformats.org/officeDocument/2006/relationships" xmlns:p="http://schemas.openxmlformats.org/presentationml/2006/main">
+  <p:cSld>
+    <p:spTree>
+      <p:nvGrpSpPr>
+        <p:cNvPr id="1" name=""/>
+        <p:cNvGrpSpPr/>
+        <p:nvPr/>
+      </p:nvGrpSpPr>
+      <p:grpSpPr>
+        <a:xfrm>
+          <a:off x="0" y="0"/>
+          <a:ext cx="0" cy="0"/>
+          <a:chOff x="0" y="0"/>
+          <a:chExt cx="0" cy="0"/>
+        </a:xfrm>
+      </p:grpSpPr>
+      <p:sp>
+        <p:nvSpPr>
+          <p:cNvPr id="2" name="Rectángulo 1">
+            <a:extLst>
+              <a:ext uri="{FF2B5EF4-FFF2-40B4-BE49-F238E27FC236}">
+                <a16:creationId xmlns:a16="http://schemas.microsoft.com/office/drawing/2014/main" id="{179E8C71-5EC1-4DC2-8A44-856A71263AC5}"/>
+              </a:ext>
+            </a:extLst>
+          </p:cNvPr>
+          <p:cNvSpPr/>
+          <p:nvPr/>
+        </p:nvSpPr>
+        <p:spPr>
+          <a:xfrm>
+            <a:off x="1435509" y="875071"/>
+            <a:ext cx="9458633" cy="5329084"/>
+          </a:xfrm>
+          <a:prstGeom prst="rect">
+            <a:avLst/>
+          </a:prstGeom>
+          <a:solidFill>
+            <a:schemeClr val="accent3">
+              <a:alpha val="50000"/>
+            </a:schemeClr>
+          </a:solidFill>
+          <a:ln>
+            <a:noFill/>
+          </a:ln>
+        </p:spPr>
+        <p:style>
+          <a:lnRef idx="0">
+            <a:scrgbClr r="0" g="0" b="0"/>
+          </a:lnRef>
+          <a:fillRef idx="0">
+            <a:scrgbClr r="0" g="0" b="0"/>
+          </a:fillRef>
+          <a:effectRef idx="0">
+            <a:scrgbClr r="0" g="0" b="0"/>
+          </a:effectRef>
+          <a:fontRef idx="minor">
+            <a:schemeClr val="lt1"/>
+          </a:fontRef>
+        </p:style>
+        <p:txBody>
+          <a:bodyPr rtlCol="0" anchor="ctr"/>
+          <a:lstStyle/>
+          <a:p>
+            <a:pPr algn="ctr"/>
+            <a:endParaRPr lang="es-CO" dirty="0"/>
+          </a:p>
+        </p:txBody>
+      </p:sp>
+      <p:pic>
+        <p:nvPicPr>
+          <p:cNvPr id="8" name="Imagen 7">
+            <a:extLst>
+              <a:ext uri="{FF2B5EF4-FFF2-40B4-BE49-F238E27FC236}">
+                <a16:creationId xmlns:a16="http://schemas.microsoft.com/office/drawing/2014/main" id="{4B800D44-B81D-478E-982C-3D667A115CEB}"/>
+              </a:ext>
+            </a:extLst>
+          </p:cNvPr>
+          <p:cNvPicPr>
+            <a:picLocks noChangeAspect="1"/>
+          </p:cNvPicPr>
+          <p:nvPr/>
+        </p:nvPicPr>
+        <p:blipFill>
+          <a:blip r:embed="rId3"/>
+          <a:stretch>
+            <a:fillRect/>
+          </a:stretch>
+        </p:blipFill>
+        <p:spPr>
+          <a:xfrm>
+            <a:off x="9211890" y="875071"/>
+            <a:ext cx="552478" cy="514376"/>
+          </a:xfrm>
+          <a:prstGeom prst="rect">
+            <a:avLst/>
+          </a:prstGeom>
+        </p:spPr>
+      </p:pic>
+      <p:pic>
+        <p:nvPicPr>
+          <p:cNvPr id="10" name="Imagen 9">
+            <a:extLst>
+              <a:ext uri="{FF2B5EF4-FFF2-40B4-BE49-F238E27FC236}">
+                <a16:creationId xmlns:a16="http://schemas.microsoft.com/office/drawing/2014/main" id="{08B3E7F1-4413-4C4A-AF19-4A3F9506D0F6}"/>
+              </a:ext>
+            </a:extLst>
+          </p:cNvPr>
+          <p:cNvPicPr>
+            <a:picLocks noChangeAspect="1"/>
+          </p:cNvPicPr>
+          <p:nvPr/>
+        </p:nvPicPr>
+        <p:blipFill>
+          <a:blip r:embed="rId4"/>
+          <a:stretch>
+            <a:fillRect/>
+          </a:stretch>
+        </p:blipFill>
+        <p:spPr>
+          <a:xfrm>
+            <a:off x="9764368" y="875071"/>
+            <a:ext cx="635033" cy="514376"/>
+          </a:xfrm>
+          <a:prstGeom prst="rect">
+            <a:avLst/>
+          </a:prstGeom>
+        </p:spPr>
+      </p:pic>
+      <p:sp>
+        <p:nvSpPr>
+          <p:cNvPr id="11" name="Botón de acción: obtener información 10">
+            <a:hlinkClick r:id="" action="ppaction://noaction" highlightClick="1"/>
+            <a:extLst>
+              <a:ext uri="{FF2B5EF4-FFF2-40B4-BE49-F238E27FC236}">
+                <a16:creationId xmlns:a16="http://schemas.microsoft.com/office/drawing/2014/main" id="{1702C256-8908-4CF4-A79A-E9955F758621}"/>
+              </a:ext>
+            </a:extLst>
+          </p:cNvPr>
+          <p:cNvSpPr/>
+          <p:nvPr/>
+        </p:nvSpPr>
+        <p:spPr>
+          <a:xfrm>
+            <a:off x="10399401" y="875071"/>
+            <a:ext cx="494742" cy="514376"/>
+          </a:xfrm>
+          <a:prstGeom prst="actionButtonInformation">
+            <a:avLst/>
+          </a:prstGeom>
+        </p:spPr>
+        <p:style>
+          <a:lnRef idx="2">
+            <a:schemeClr val="accent1">
+              <a:shade val="50000"/>
+            </a:schemeClr>
+          </a:lnRef>
+          <a:fillRef idx="1">
+            <a:schemeClr val="accent1"/>
+          </a:fillRef>
+          <a:effectRef idx="0">
+            <a:schemeClr val="accent1"/>
+          </a:effectRef>
+          <a:fontRef idx="minor">
+            <a:schemeClr val="lt1"/>
+          </a:fontRef>
+        </p:style>
+        <p:txBody>
+          <a:bodyPr rtlCol="0" anchor="ctr"/>
+          <a:lstStyle/>
+          <a:p>
+            <a:pPr algn="ctr"/>
+            <a:endParaRPr lang="es-CO"/>
+          </a:p>
+        </p:txBody>
+      </p:sp>
+      <p:pic>
+        <p:nvPicPr>
+          <p:cNvPr id="13" name="Imagen 12">
+            <a:extLst>
+              <a:ext uri="{FF2B5EF4-FFF2-40B4-BE49-F238E27FC236}">
+                <a16:creationId xmlns:a16="http://schemas.microsoft.com/office/drawing/2014/main" id="{5D5AF24E-002C-4E6E-9392-0230002CCEC8}"/>
+              </a:ext>
+            </a:extLst>
+          </p:cNvPr>
+          <p:cNvPicPr>
+            <a:picLocks noChangeAspect="1"/>
+          </p:cNvPicPr>
+          <p:nvPr/>
+        </p:nvPicPr>
+        <p:blipFill>
+          <a:blip r:embed="rId5"/>
+          <a:stretch>
+            <a:fillRect/>
+          </a:stretch>
+        </p:blipFill>
+        <p:spPr>
+          <a:xfrm>
+            <a:off x="2635045" y="875071"/>
+            <a:ext cx="6576845" cy="514376"/>
+          </a:xfrm>
+          <a:prstGeom prst="rect">
+            <a:avLst/>
+          </a:prstGeom>
+        </p:spPr>
+      </p:pic>
+      <p:pic>
+        <p:nvPicPr>
+          <p:cNvPr id="15" name="Imagen 14">
+            <a:extLst>
+              <a:ext uri="{FF2B5EF4-FFF2-40B4-BE49-F238E27FC236}">
+                <a16:creationId xmlns:a16="http://schemas.microsoft.com/office/drawing/2014/main" id="{13139302-3BA0-4FB1-948F-E188DB971667}"/>
+              </a:ext>
+            </a:extLst>
+          </p:cNvPr>
+          <p:cNvPicPr>
+            <a:picLocks noChangeAspect="1"/>
+          </p:cNvPicPr>
+          <p:nvPr/>
+        </p:nvPicPr>
+        <p:blipFill>
+          <a:blip r:embed="rId6"/>
+          <a:stretch>
+            <a:fillRect/>
+          </a:stretch>
+        </p:blipFill>
+        <p:spPr>
+          <a:xfrm>
+            <a:off x="1435510" y="875071"/>
+            <a:ext cx="1203801" cy="514376"/>
+          </a:xfrm>
+          <a:prstGeom prst="rect">
+            <a:avLst/>
+          </a:prstGeom>
+        </p:spPr>
+      </p:pic>
+      <p:sp>
+        <p:nvSpPr>
+          <p:cNvPr id="3" name="Rectángulo 2">
+            <a:extLst>
+              <a:ext uri="{FF2B5EF4-FFF2-40B4-BE49-F238E27FC236}">
+                <a16:creationId xmlns:a16="http://schemas.microsoft.com/office/drawing/2014/main" id="{0420946C-61BE-448D-B78D-A29C2B945180}"/>
+              </a:ext>
+            </a:extLst>
+          </p:cNvPr>
+          <p:cNvSpPr/>
+          <p:nvPr/>
+        </p:nvSpPr>
+        <p:spPr>
+          <a:xfrm>
+            <a:off x="1435509" y="1389447"/>
+            <a:ext cx="1199535" cy="4814708"/>
+          </a:xfrm>
+          <a:prstGeom prst="rect">
+            <a:avLst/>
+          </a:prstGeom>
+        </p:spPr>
+        <p:style>
+          <a:lnRef idx="2">
+            <a:schemeClr val="accent3"/>
+          </a:lnRef>
+          <a:fillRef idx="1">
+            <a:schemeClr val="lt1"/>
+          </a:fillRef>
+          <a:effectRef idx="0">
+            <a:schemeClr val="accent3"/>
+          </a:effectRef>
+          <a:fontRef idx="minor">
+            <a:schemeClr val="dk1"/>
+          </a:fontRef>
+        </p:style>
+        <p:txBody>
+          <a:bodyPr rtlCol="0" anchor="ctr"/>
+          <a:lstStyle/>
+          <a:p>
+            <a:pPr algn="ctr"/>
+            <a:endParaRPr lang="es-CO" dirty="0"/>
+          </a:p>
+        </p:txBody>
+      </p:sp>
+      <p:sp>
+        <p:nvSpPr>
+          <p:cNvPr id="4" name="CuadroTexto 3">
+            <a:extLst>
+              <a:ext uri="{FF2B5EF4-FFF2-40B4-BE49-F238E27FC236}">
+                <a16:creationId xmlns:a16="http://schemas.microsoft.com/office/drawing/2014/main" id="{822E91CA-8244-472A-8273-6A90593C6646}"/>
+              </a:ext>
+            </a:extLst>
+          </p:cNvPr>
+          <p:cNvSpPr txBox="1"/>
+          <p:nvPr/>
+        </p:nvSpPr>
+        <p:spPr>
+          <a:xfrm>
+            <a:off x="1528470" y="1534491"/>
+            <a:ext cx="1092350" cy="338554"/>
+          </a:xfrm>
+          <a:prstGeom prst="rect">
+            <a:avLst/>
+          </a:prstGeom>
+          <a:noFill/>
+        </p:spPr>
+        <p:txBody>
+          <a:bodyPr wrap="none" rtlCol="0">
+            <a:spAutoFit/>
+          </a:bodyPr>
+          <a:lstStyle/>
+          <a:p>
+            <a:r>
+              <a:rPr lang="es-CO" sz="1600" dirty="0"/>
+              <a:t>DashBoard</a:t>
+            </a:r>
+          </a:p>
+        </p:txBody>
+      </p:sp>
+      <p:sp>
+        <p:nvSpPr>
+          <p:cNvPr id="12" name="CuadroTexto 11">
+            <a:extLst>
+              <a:ext uri="{FF2B5EF4-FFF2-40B4-BE49-F238E27FC236}">
+                <a16:creationId xmlns:a16="http://schemas.microsoft.com/office/drawing/2014/main" id="{7F61836D-B6C9-4B0A-8B5D-08EA39F5448B}"/>
+              </a:ext>
+            </a:extLst>
+          </p:cNvPr>
+          <p:cNvSpPr txBox="1"/>
+          <p:nvPr/>
+        </p:nvSpPr>
+        <p:spPr>
+          <a:xfrm>
+            <a:off x="1528470" y="1903823"/>
+            <a:ext cx="921150" cy="338554"/>
+          </a:xfrm>
+          <a:prstGeom prst="rect">
+            <a:avLst/>
+          </a:prstGeom>
+          <a:noFill/>
+        </p:spPr>
+        <p:txBody>
+          <a:bodyPr wrap="none" rtlCol="0">
+            <a:spAutoFit/>
+          </a:bodyPr>
+          <a:lstStyle/>
+          <a:p>
+            <a:r>
+              <a:rPr lang="es-CO" sz="1600" dirty="0"/>
+              <a:t>Materias</a:t>
+            </a:r>
+          </a:p>
+        </p:txBody>
+      </p:sp>
+      <p:sp>
+        <p:nvSpPr>
+          <p:cNvPr id="14" name="CuadroTexto 13">
+            <a:extLst>
+              <a:ext uri="{FF2B5EF4-FFF2-40B4-BE49-F238E27FC236}">
+                <a16:creationId xmlns:a16="http://schemas.microsoft.com/office/drawing/2014/main" id="{240D1A64-2A01-4627-B12A-92760895A2EC}"/>
+              </a:ext>
+            </a:extLst>
+          </p:cNvPr>
+          <p:cNvSpPr txBox="1"/>
+          <p:nvPr/>
+        </p:nvSpPr>
+        <p:spPr>
+          <a:xfrm>
+            <a:off x="1528470" y="2273155"/>
+            <a:ext cx="790216" cy="338554"/>
+          </a:xfrm>
+          <a:prstGeom prst="rect">
+            <a:avLst/>
+          </a:prstGeom>
+          <a:noFill/>
+        </p:spPr>
+        <p:txBody>
+          <a:bodyPr wrap="none" rtlCol="0">
+            <a:spAutoFit/>
+          </a:bodyPr>
+          <a:lstStyle/>
+          <a:p>
+            <a:r>
+              <a:rPr lang="es-CO" sz="1600" dirty="0"/>
+              <a:t>Repaso</a:t>
+            </a:r>
+          </a:p>
+        </p:txBody>
+      </p:sp>
+      <p:sp>
+        <p:nvSpPr>
+          <p:cNvPr id="17" name="CuadroTexto 16">
+            <a:extLst>
+              <a:ext uri="{FF2B5EF4-FFF2-40B4-BE49-F238E27FC236}">
+                <a16:creationId xmlns:a16="http://schemas.microsoft.com/office/drawing/2014/main" id="{55FF88AC-C094-4C34-8085-CD35BAB94DEA}"/>
+              </a:ext>
+            </a:extLst>
+          </p:cNvPr>
+          <p:cNvSpPr txBox="1"/>
+          <p:nvPr/>
+        </p:nvSpPr>
+        <p:spPr>
+          <a:xfrm>
+            <a:off x="1528470" y="2642487"/>
+            <a:ext cx="683072" cy="338554"/>
+          </a:xfrm>
+          <a:prstGeom prst="rect">
+            <a:avLst/>
+          </a:prstGeom>
+          <a:noFill/>
+        </p:spPr>
+        <p:txBody>
+          <a:bodyPr wrap="none" rtlCol="0">
+            <a:spAutoFit/>
+          </a:bodyPr>
+          <a:lstStyle/>
+          <a:p>
+            <a:r>
+              <a:rPr lang="es-CO" sz="1600" dirty="0"/>
+              <a:t>Libros</a:t>
+            </a:r>
+          </a:p>
+        </p:txBody>
+      </p:sp>
+      <p:sp>
+        <p:nvSpPr>
+          <p:cNvPr id="18" name="CuadroTexto 17">
+            <a:extLst>
+              <a:ext uri="{FF2B5EF4-FFF2-40B4-BE49-F238E27FC236}">
+                <a16:creationId xmlns:a16="http://schemas.microsoft.com/office/drawing/2014/main" id="{35199CB1-817D-4B95-B43E-70739A458945}"/>
+              </a:ext>
+            </a:extLst>
+          </p:cNvPr>
+          <p:cNvSpPr txBox="1"/>
+          <p:nvPr/>
+        </p:nvSpPr>
+        <p:spPr>
+          <a:xfrm>
+            <a:off x="1524203" y="3011819"/>
+            <a:ext cx="1024127" cy="338554"/>
+          </a:xfrm>
+          <a:prstGeom prst="rect">
+            <a:avLst/>
+          </a:prstGeom>
+          <a:noFill/>
+        </p:spPr>
+        <p:txBody>
+          <a:bodyPr wrap="none" rtlCol="0">
+            <a:spAutoFit/>
+          </a:bodyPr>
+          <a:lstStyle/>
+          <a:p>
+            <a:r>
+              <a:rPr lang="es-CO" sz="1600" dirty="0" err="1"/>
+              <a:t>Examenes</a:t>
+            </a:r>
+            <a:endParaRPr lang="es-CO" sz="1600" dirty="0"/>
+          </a:p>
+        </p:txBody>
+      </p:sp>
+      <p:sp>
+        <p:nvSpPr>
+          <p:cNvPr id="19" name="Flecha: a la derecha 18">
+            <a:hlinkClick r:id="" action="ppaction://hlinkshowjump?jump=previousslide"/>
+            <a:extLst>
+              <a:ext uri="{FF2B5EF4-FFF2-40B4-BE49-F238E27FC236}">
+                <a16:creationId xmlns:a16="http://schemas.microsoft.com/office/drawing/2014/main" id="{E1F70C79-3414-4230-8C0E-E83AD4600B88}"/>
+              </a:ext>
+            </a:extLst>
+          </p:cNvPr>
+          <p:cNvSpPr/>
+          <p:nvPr/>
+        </p:nvSpPr>
+        <p:spPr>
+          <a:xfrm rot="10800000">
+            <a:off x="383458" y="796413"/>
+            <a:ext cx="635033" cy="514376"/>
+          </a:xfrm>
+          <a:prstGeom prst="rightArrow">
+            <a:avLst/>
+          </a:prstGeom>
+        </p:spPr>
+        <p:style>
+          <a:lnRef idx="2">
+            <a:schemeClr val="accent1">
+              <a:shade val="50000"/>
+            </a:schemeClr>
+          </a:lnRef>
+          <a:fillRef idx="1">
+            <a:schemeClr val="accent1"/>
+          </a:fillRef>
+          <a:effectRef idx="0">
+            <a:schemeClr val="accent1"/>
+          </a:effectRef>
+          <a:fontRef idx="minor">
+            <a:schemeClr val="lt1"/>
+          </a:fontRef>
+        </p:style>
+        <p:txBody>
+          <a:bodyPr rtlCol="0" anchor="ctr"/>
+          <a:lstStyle/>
+          <a:p>
+            <a:pPr algn="ctr"/>
+            <a:endParaRPr lang="es-CO"/>
+          </a:p>
+        </p:txBody>
+      </p:sp>
+    </p:spTree>
+    <p:extLst>
+      <p:ext uri="{BB962C8B-B14F-4D97-AF65-F5344CB8AC3E}">
+        <p14:creationId xmlns:p14="http://schemas.microsoft.com/office/powerpoint/2010/main" val="1493410646"/>
+      </p:ext>
+    </p:extLst>
+  </p:cSld>
+  <p:clrMapOvr>
+    <a:masterClrMapping/>
+  </p:clrMapOvr>
+</p:sld>
+</file>
+
+<file path=ppt/slides/slide13.xml><?xml version="1.0" encoding="utf-8"?>
+<p:sld xmlns:a="http://schemas.openxmlformats.org/drawingml/2006/main" xmlns:r="http://schemas.openxmlformats.org/officeDocument/2006/relationships" xmlns:p="http://schemas.openxmlformats.org/presentationml/2006/main">
+  <p:cSld>
+    <p:spTree>
+      <p:nvGrpSpPr>
+        <p:cNvPr id="1" name=""/>
+        <p:cNvGrpSpPr/>
+        <p:nvPr/>
+      </p:nvGrpSpPr>
+      <p:grpSpPr>
+        <a:xfrm>
+          <a:off x="0" y="0"/>
+          <a:ext cx="0" cy="0"/>
+          <a:chOff x="0" y="0"/>
+          <a:chExt cx="0" cy="0"/>
+        </a:xfrm>
+      </p:grpSpPr>
+      <p:sp>
+        <p:nvSpPr>
+          <p:cNvPr id="2" name="Rectángulo 1">
+            <a:extLst>
+              <a:ext uri="{FF2B5EF4-FFF2-40B4-BE49-F238E27FC236}">
+                <a16:creationId xmlns:a16="http://schemas.microsoft.com/office/drawing/2014/main" id="{179E8C71-5EC1-4DC2-8A44-856A71263AC5}"/>
+              </a:ext>
+            </a:extLst>
+          </p:cNvPr>
+          <p:cNvSpPr/>
+          <p:nvPr/>
+        </p:nvSpPr>
+        <p:spPr>
+          <a:xfrm>
+            <a:off x="1435509" y="875071"/>
+            <a:ext cx="9458633" cy="5329084"/>
+          </a:xfrm>
+          <a:prstGeom prst="rect">
+            <a:avLst/>
+          </a:prstGeom>
+          <a:solidFill>
+            <a:schemeClr val="accent3">
+              <a:alpha val="50000"/>
+            </a:schemeClr>
+          </a:solidFill>
+          <a:ln>
+            <a:noFill/>
+          </a:ln>
+        </p:spPr>
+        <p:style>
+          <a:lnRef idx="0">
+            <a:scrgbClr r="0" g="0" b="0"/>
+          </a:lnRef>
+          <a:fillRef idx="0">
+            <a:scrgbClr r="0" g="0" b="0"/>
+          </a:fillRef>
+          <a:effectRef idx="0">
+            <a:scrgbClr r="0" g="0" b="0"/>
+          </a:effectRef>
+          <a:fontRef idx="minor">
+            <a:schemeClr val="lt1"/>
+          </a:fontRef>
+        </p:style>
+        <p:txBody>
+          <a:bodyPr rtlCol="0" anchor="ctr"/>
+          <a:lstStyle/>
+          <a:p>
+            <a:pPr algn="ctr"/>
+            <a:endParaRPr lang="es-CO" dirty="0"/>
+          </a:p>
+        </p:txBody>
+      </p:sp>
+      <p:pic>
+        <p:nvPicPr>
+          <p:cNvPr id="8" name="Imagen 7">
+            <a:extLst>
+              <a:ext uri="{FF2B5EF4-FFF2-40B4-BE49-F238E27FC236}">
+                <a16:creationId xmlns:a16="http://schemas.microsoft.com/office/drawing/2014/main" id="{4B800D44-B81D-478E-982C-3D667A115CEB}"/>
+              </a:ext>
+            </a:extLst>
+          </p:cNvPr>
+          <p:cNvPicPr>
+            <a:picLocks noChangeAspect="1"/>
+          </p:cNvPicPr>
+          <p:nvPr/>
+        </p:nvPicPr>
+        <p:blipFill>
+          <a:blip r:embed="rId2"/>
+          <a:stretch>
+            <a:fillRect/>
+          </a:stretch>
+        </p:blipFill>
+        <p:spPr>
+          <a:xfrm>
+            <a:off x="9211890" y="875071"/>
+            <a:ext cx="552478" cy="514376"/>
+          </a:xfrm>
+          <a:prstGeom prst="rect">
+            <a:avLst/>
+          </a:prstGeom>
+        </p:spPr>
+      </p:pic>
+      <p:pic>
+        <p:nvPicPr>
+          <p:cNvPr id="10" name="Imagen 9">
+            <a:extLst>
+              <a:ext uri="{FF2B5EF4-FFF2-40B4-BE49-F238E27FC236}">
+                <a16:creationId xmlns:a16="http://schemas.microsoft.com/office/drawing/2014/main" id="{08B3E7F1-4413-4C4A-AF19-4A3F9506D0F6}"/>
+              </a:ext>
+            </a:extLst>
+          </p:cNvPr>
+          <p:cNvPicPr>
+            <a:picLocks noChangeAspect="1"/>
+          </p:cNvPicPr>
+          <p:nvPr/>
+        </p:nvPicPr>
+        <p:blipFill>
+          <a:blip r:embed="rId3"/>
+          <a:stretch>
+            <a:fillRect/>
+          </a:stretch>
+        </p:blipFill>
+        <p:spPr>
+          <a:xfrm>
+            <a:off x="9764368" y="875071"/>
+            <a:ext cx="635033" cy="514376"/>
+          </a:xfrm>
+          <a:prstGeom prst="rect">
+            <a:avLst/>
+          </a:prstGeom>
+        </p:spPr>
+      </p:pic>
+      <p:sp>
+        <p:nvSpPr>
+          <p:cNvPr id="11" name="Botón de acción: obtener información 10">
+            <a:hlinkClick r:id="" action="ppaction://noaction" highlightClick="1"/>
+            <a:extLst>
+              <a:ext uri="{FF2B5EF4-FFF2-40B4-BE49-F238E27FC236}">
+                <a16:creationId xmlns:a16="http://schemas.microsoft.com/office/drawing/2014/main" id="{1702C256-8908-4CF4-A79A-E9955F758621}"/>
+              </a:ext>
+            </a:extLst>
+          </p:cNvPr>
+          <p:cNvSpPr/>
+          <p:nvPr/>
+        </p:nvSpPr>
+        <p:spPr>
+          <a:xfrm>
+            <a:off x="10399401" y="875071"/>
+            <a:ext cx="494742" cy="514376"/>
+          </a:xfrm>
+          <a:prstGeom prst="actionButtonInformation">
+            <a:avLst/>
+          </a:prstGeom>
+        </p:spPr>
+        <p:style>
+          <a:lnRef idx="2">
+            <a:schemeClr val="accent1">
+              <a:shade val="50000"/>
+            </a:schemeClr>
+          </a:lnRef>
+          <a:fillRef idx="1">
+            <a:schemeClr val="accent1"/>
+          </a:fillRef>
+          <a:effectRef idx="0">
+            <a:schemeClr val="accent1"/>
+          </a:effectRef>
+          <a:fontRef idx="minor">
+            <a:schemeClr val="lt1"/>
+          </a:fontRef>
+        </p:style>
+        <p:txBody>
+          <a:bodyPr rtlCol="0" anchor="ctr"/>
+          <a:lstStyle/>
+          <a:p>
+            <a:pPr algn="ctr"/>
+            <a:endParaRPr lang="es-CO"/>
+          </a:p>
+        </p:txBody>
+      </p:sp>
+      <p:pic>
+        <p:nvPicPr>
+          <p:cNvPr id="13" name="Imagen 12">
+            <a:extLst>
+              <a:ext uri="{FF2B5EF4-FFF2-40B4-BE49-F238E27FC236}">
+                <a16:creationId xmlns:a16="http://schemas.microsoft.com/office/drawing/2014/main" id="{5D5AF24E-002C-4E6E-9392-0230002CCEC8}"/>
+              </a:ext>
+            </a:extLst>
+          </p:cNvPr>
+          <p:cNvPicPr>
+            <a:picLocks noChangeAspect="1"/>
+          </p:cNvPicPr>
+          <p:nvPr/>
+        </p:nvPicPr>
+        <p:blipFill>
+          <a:blip r:embed="rId4"/>
+          <a:stretch>
+            <a:fillRect/>
+          </a:stretch>
+        </p:blipFill>
+        <p:spPr>
+          <a:xfrm>
+            <a:off x="2635045" y="875071"/>
+            <a:ext cx="6576845" cy="514376"/>
+          </a:xfrm>
+          <a:prstGeom prst="rect">
+            <a:avLst/>
+          </a:prstGeom>
+        </p:spPr>
+      </p:pic>
+      <p:pic>
+        <p:nvPicPr>
+          <p:cNvPr id="15" name="Imagen 14">
+            <a:extLst>
+              <a:ext uri="{FF2B5EF4-FFF2-40B4-BE49-F238E27FC236}">
+                <a16:creationId xmlns:a16="http://schemas.microsoft.com/office/drawing/2014/main" id="{13139302-3BA0-4FB1-948F-E188DB971667}"/>
+              </a:ext>
+            </a:extLst>
+          </p:cNvPr>
+          <p:cNvPicPr>
+            <a:picLocks noChangeAspect="1"/>
+          </p:cNvPicPr>
+          <p:nvPr/>
+        </p:nvPicPr>
+        <p:blipFill>
+          <a:blip r:embed="rId5"/>
+          <a:stretch>
+            <a:fillRect/>
+          </a:stretch>
+        </p:blipFill>
+        <p:spPr>
+          <a:xfrm>
+            <a:off x="1435510" y="875071"/>
+            <a:ext cx="1203801" cy="514376"/>
+          </a:xfrm>
+          <a:prstGeom prst="rect">
+            <a:avLst/>
+          </a:prstGeom>
+        </p:spPr>
+      </p:pic>
+      <p:sp>
+        <p:nvSpPr>
+          <p:cNvPr id="3" name="Rectángulo 2">
+            <a:extLst>
+              <a:ext uri="{FF2B5EF4-FFF2-40B4-BE49-F238E27FC236}">
+                <a16:creationId xmlns:a16="http://schemas.microsoft.com/office/drawing/2014/main" id="{0420946C-61BE-448D-B78D-A29C2B945180}"/>
+              </a:ext>
+            </a:extLst>
+          </p:cNvPr>
+          <p:cNvSpPr/>
+          <p:nvPr/>
+        </p:nvSpPr>
+        <p:spPr>
+          <a:xfrm>
+            <a:off x="1435509" y="1389447"/>
+            <a:ext cx="1199535" cy="4814708"/>
+          </a:xfrm>
+          <a:prstGeom prst="rect">
+            <a:avLst/>
+          </a:prstGeom>
+        </p:spPr>
+        <p:style>
+          <a:lnRef idx="2">
+            <a:schemeClr val="accent3"/>
+          </a:lnRef>
+          <a:fillRef idx="1">
+            <a:schemeClr val="lt1"/>
+          </a:fillRef>
+          <a:effectRef idx="0">
+            <a:schemeClr val="accent3"/>
+          </a:effectRef>
+          <a:fontRef idx="minor">
+            <a:schemeClr val="dk1"/>
+          </a:fontRef>
+        </p:style>
+        <p:txBody>
+          <a:bodyPr rtlCol="0" anchor="ctr"/>
+          <a:lstStyle/>
+          <a:p>
+            <a:pPr algn="ctr"/>
+            <a:endParaRPr lang="es-CO" dirty="0"/>
+          </a:p>
+        </p:txBody>
+      </p:sp>
+      <p:sp>
+        <p:nvSpPr>
+          <p:cNvPr id="4" name="CuadroTexto 3">
+            <a:extLst>
+              <a:ext uri="{FF2B5EF4-FFF2-40B4-BE49-F238E27FC236}">
+                <a16:creationId xmlns:a16="http://schemas.microsoft.com/office/drawing/2014/main" id="{822E91CA-8244-472A-8273-6A90593C6646}"/>
+              </a:ext>
+            </a:extLst>
+          </p:cNvPr>
+          <p:cNvSpPr txBox="1"/>
+          <p:nvPr/>
+        </p:nvSpPr>
+        <p:spPr>
+          <a:xfrm>
+            <a:off x="1528470" y="1534491"/>
+            <a:ext cx="1092350" cy="338554"/>
+          </a:xfrm>
+          <a:prstGeom prst="rect">
+            <a:avLst/>
+          </a:prstGeom>
+          <a:noFill/>
+        </p:spPr>
+        <p:txBody>
+          <a:bodyPr wrap="none" rtlCol="0">
+            <a:spAutoFit/>
+          </a:bodyPr>
+          <a:lstStyle/>
+          <a:p>
+            <a:r>
+              <a:rPr lang="es-CO" sz="1600" dirty="0"/>
+              <a:t>DashBoard</a:t>
+            </a:r>
+          </a:p>
+        </p:txBody>
+      </p:sp>
+      <p:sp>
+        <p:nvSpPr>
+          <p:cNvPr id="12" name="CuadroTexto 11">
+            <a:extLst>
+              <a:ext uri="{FF2B5EF4-FFF2-40B4-BE49-F238E27FC236}">
+                <a16:creationId xmlns:a16="http://schemas.microsoft.com/office/drawing/2014/main" id="{7F61836D-B6C9-4B0A-8B5D-08EA39F5448B}"/>
+              </a:ext>
+            </a:extLst>
+          </p:cNvPr>
+          <p:cNvSpPr txBox="1"/>
+          <p:nvPr/>
+        </p:nvSpPr>
+        <p:spPr>
+          <a:xfrm>
+            <a:off x="1528470" y="1903823"/>
+            <a:ext cx="880882" cy="338554"/>
+          </a:xfrm>
+          <a:prstGeom prst="rect">
+            <a:avLst/>
+          </a:prstGeom>
+          <a:noFill/>
+        </p:spPr>
+        <p:txBody>
+          <a:bodyPr wrap="none" rtlCol="0">
+            <a:spAutoFit/>
+          </a:bodyPr>
+          <a:lstStyle/>
+          <a:p>
+            <a:r>
+              <a:rPr lang="es-CO" sz="1600" dirty="0"/>
+              <a:t>Ingresos</a:t>
+            </a:r>
+          </a:p>
+        </p:txBody>
+      </p:sp>
+      <p:sp>
+        <p:nvSpPr>
+          <p:cNvPr id="14" name="CuadroTexto 13">
+            <a:extLst>
+              <a:ext uri="{FF2B5EF4-FFF2-40B4-BE49-F238E27FC236}">
+                <a16:creationId xmlns:a16="http://schemas.microsoft.com/office/drawing/2014/main" id="{240D1A64-2A01-4627-B12A-92760895A2EC}"/>
+              </a:ext>
+            </a:extLst>
+          </p:cNvPr>
+          <p:cNvSpPr txBox="1"/>
+          <p:nvPr/>
+        </p:nvSpPr>
+        <p:spPr>
+          <a:xfrm>
+            <a:off x="1528470" y="2273155"/>
+            <a:ext cx="823174" cy="338554"/>
+          </a:xfrm>
+          <a:prstGeom prst="rect">
+            <a:avLst/>
+          </a:prstGeom>
+          <a:noFill/>
+        </p:spPr>
+        <p:txBody>
+          <a:bodyPr wrap="none" rtlCol="0">
+            <a:spAutoFit/>
+          </a:bodyPr>
+          <a:lstStyle/>
+          <a:p>
+            <a:r>
+              <a:rPr lang="es-CO" sz="1600" dirty="0"/>
+              <a:t>Egresos</a:t>
+            </a:r>
+          </a:p>
+        </p:txBody>
+      </p:sp>
+      <p:sp>
+        <p:nvSpPr>
+          <p:cNvPr id="17" name="CuadroTexto 16">
+            <a:extLst>
+              <a:ext uri="{FF2B5EF4-FFF2-40B4-BE49-F238E27FC236}">
+                <a16:creationId xmlns:a16="http://schemas.microsoft.com/office/drawing/2014/main" id="{55FF88AC-C094-4C34-8085-CD35BAB94DEA}"/>
+              </a:ext>
+            </a:extLst>
+          </p:cNvPr>
+          <p:cNvSpPr txBox="1"/>
+          <p:nvPr/>
+        </p:nvSpPr>
+        <p:spPr>
+          <a:xfrm>
+            <a:off x="1528470" y="2586250"/>
+            <a:ext cx="745589" cy="338554"/>
+          </a:xfrm>
+          <a:prstGeom prst="rect">
+            <a:avLst/>
+          </a:prstGeom>
+          <a:noFill/>
+        </p:spPr>
+        <p:txBody>
+          <a:bodyPr wrap="none" rtlCol="0">
+            <a:spAutoFit/>
+          </a:bodyPr>
+          <a:lstStyle/>
+          <a:p>
+            <a:r>
+              <a:rPr lang="es-CO" sz="1600" dirty="0"/>
+              <a:t>Dinero</a:t>
+            </a:r>
+          </a:p>
+        </p:txBody>
+      </p:sp>
+      <p:sp>
+        <p:nvSpPr>
+          <p:cNvPr id="16" name="CuadroTexto 15">
+            <a:extLst>
+              <a:ext uri="{FF2B5EF4-FFF2-40B4-BE49-F238E27FC236}">
+                <a16:creationId xmlns:a16="http://schemas.microsoft.com/office/drawing/2014/main" id="{C9E7A9CD-C7AC-4C32-A408-8A0E49FB54BA}"/>
+              </a:ext>
+            </a:extLst>
+          </p:cNvPr>
+          <p:cNvSpPr txBox="1"/>
+          <p:nvPr/>
+        </p:nvSpPr>
+        <p:spPr>
+          <a:xfrm>
+            <a:off x="1528469" y="2930123"/>
+            <a:ext cx="948593" cy="338554"/>
+          </a:xfrm>
+          <a:prstGeom prst="rect">
+            <a:avLst/>
+          </a:prstGeom>
+          <a:noFill/>
+        </p:spPr>
+        <p:txBody>
+          <a:bodyPr wrap="none" rtlCol="0">
+            <a:spAutoFit/>
+          </a:bodyPr>
+          <a:lstStyle/>
+          <a:p>
+            <a:r>
+              <a:rPr lang="es-CO" sz="1600" dirty="0" err="1"/>
+              <a:t>Whishlist</a:t>
+            </a:r>
+            <a:endParaRPr lang="es-CO" sz="1600" dirty="0"/>
+          </a:p>
+        </p:txBody>
+      </p:sp>
+      <p:sp>
+        <p:nvSpPr>
+          <p:cNvPr id="18" name="Flecha: a la derecha 17">
+            <a:hlinkClick r:id="" action="ppaction://hlinkshowjump?jump=previousslide"/>
+            <a:extLst>
+              <a:ext uri="{FF2B5EF4-FFF2-40B4-BE49-F238E27FC236}">
+                <a16:creationId xmlns:a16="http://schemas.microsoft.com/office/drawing/2014/main" id="{7FBA28A7-DBB4-4F41-8F46-7AA4FD9B7533}"/>
+              </a:ext>
+            </a:extLst>
+          </p:cNvPr>
+          <p:cNvSpPr/>
+          <p:nvPr/>
+        </p:nvSpPr>
+        <p:spPr>
+          <a:xfrm rot="10800000">
+            <a:off x="383458" y="796413"/>
+            <a:ext cx="635033" cy="514376"/>
+          </a:xfrm>
+          <a:prstGeom prst="rightArrow">
+            <a:avLst/>
+          </a:prstGeom>
+        </p:spPr>
+        <p:style>
+          <a:lnRef idx="2">
+            <a:schemeClr val="accent1">
+              <a:shade val="50000"/>
+            </a:schemeClr>
+          </a:lnRef>
+          <a:fillRef idx="1">
+            <a:schemeClr val="accent1"/>
+          </a:fillRef>
+          <a:effectRef idx="0">
+            <a:schemeClr val="accent1"/>
+          </a:effectRef>
+          <a:fontRef idx="minor">
+            <a:schemeClr val="lt1"/>
+          </a:fontRef>
+        </p:style>
+        <p:txBody>
+          <a:bodyPr rtlCol="0" anchor="ctr"/>
+          <a:lstStyle/>
+          <a:p>
+            <a:pPr algn="ctr"/>
+            <a:endParaRPr lang="es-CO"/>
+          </a:p>
+        </p:txBody>
+      </p:sp>
+    </p:spTree>
+    <p:extLst>
+      <p:ext uri="{BB962C8B-B14F-4D97-AF65-F5344CB8AC3E}">
+        <p14:creationId xmlns:p14="http://schemas.microsoft.com/office/powerpoint/2010/main" val="2826486781"/>
+      </p:ext>
+    </p:extLst>
+  </p:cSld>
+  <p:clrMapOvr>
+    <a:masterClrMapping/>
+  </p:clrMapOvr>
+</p:sld>
+</file>
+
+<file path=ppt/slides/slide14.xml><?xml version="1.0" encoding="utf-8"?>
+<p:sld xmlns:a="http://schemas.openxmlformats.org/drawingml/2006/main" xmlns:r="http://schemas.openxmlformats.org/officeDocument/2006/relationships" xmlns:p="http://schemas.openxmlformats.org/presentationml/2006/main">
+  <p:cSld>
+    <p:spTree>
+      <p:nvGrpSpPr>
+        <p:cNvPr id="1" name=""/>
+        <p:cNvGrpSpPr/>
+        <p:nvPr/>
+      </p:nvGrpSpPr>
+      <p:grpSpPr>
+        <a:xfrm>
+          <a:off x="0" y="0"/>
+          <a:ext cx="0" cy="0"/>
+          <a:chOff x="0" y="0"/>
+          <a:chExt cx="0" cy="0"/>
+        </a:xfrm>
+      </p:grpSpPr>
+      <p:sp>
+        <p:nvSpPr>
+          <p:cNvPr id="2" name="Rectángulo 1">
+            <a:extLst>
+              <a:ext uri="{FF2B5EF4-FFF2-40B4-BE49-F238E27FC236}">
+                <a16:creationId xmlns:a16="http://schemas.microsoft.com/office/drawing/2014/main" id="{179E8C71-5EC1-4DC2-8A44-856A71263AC5}"/>
+              </a:ext>
+            </a:extLst>
+          </p:cNvPr>
+          <p:cNvSpPr/>
+          <p:nvPr/>
+        </p:nvSpPr>
+        <p:spPr>
+          <a:xfrm>
+            <a:off x="1435509" y="875071"/>
+            <a:ext cx="9458633" cy="5329084"/>
+          </a:xfrm>
+          <a:prstGeom prst="rect">
+            <a:avLst/>
+          </a:prstGeom>
+          <a:solidFill>
+            <a:schemeClr val="accent3">
+              <a:alpha val="50000"/>
+            </a:schemeClr>
+          </a:solidFill>
+          <a:ln>
+            <a:noFill/>
+          </a:ln>
+        </p:spPr>
+        <p:style>
+          <a:lnRef idx="0">
+            <a:scrgbClr r="0" g="0" b="0"/>
+          </a:lnRef>
+          <a:fillRef idx="0">
+            <a:scrgbClr r="0" g="0" b="0"/>
+          </a:fillRef>
+          <a:effectRef idx="0">
+            <a:scrgbClr r="0" g="0" b="0"/>
+          </a:effectRef>
+          <a:fontRef idx="minor">
+            <a:schemeClr val="lt1"/>
+          </a:fontRef>
+        </p:style>
+        <p:txBody>
+          <a:bodyPr rtlCol="0" anchor="ctr"/>
+          <a:lstStyle/>
+          <a:p>
+            <a:pPr algn="ctr"/>
+            <a:endParaRPr lang="es-CO" dirty="0"/>
+          </a:p>
+        </p:txBody>
+      </p:sp>
+      <p:pic>
+        <p:nvPicPr>
+          <p:cNvPr id="8" name="Imagen 7">
+            <a:extLst>
+              <a:ext uri="{FF2B5EF4-FFF2-40B4-BE49-F238E27FC236}">
+                <a16:creationId xmlns:a16="http://schemas.microsoft.com/office/drawing/2014/main" id="{4B800D44-B81D-478E-982C-3D667A115CEB}"/>
+              </a:ext>
+            </a:extLst>
+          </p:cNvPr>
+          <p:cNvPicPr>
+            <a:picLocks noChangeAspect="1"/>
+          </p:cNvPicPr>
+          <p:nvPr/>
+        </p:nvPicPr>
+        <p:blipFill>
+          <a:blip r:embed="rId2"/>
+          <a:stretch>
+            <a:fillRect/>
+          </a:stretch>
+        </p:blipFill>
+        <p:spPr>
+          <a:xfrm>
+            <a:off x="9211890" y="875071"/>
+            <a:ext cx="552478" cy="514376"/>
+          </a:xfrm>
+          <a:prstGeom prst="rect">
+            <a:avLst/>
+          </a:prstGeom>
+        </p:spPr>
+      </p:pic>
+      <p:pic>
+        <p:nvPicPr>
+          <p:cNvPr id="10" name="Imagen 9">
+            <a:extLst>
+              <a:ext uri="{FF2B5EF4-FFF2-40B4-BE49-F238E27FC236}">
+                <a16:creationId xmlns:a16="http://schemas.microsoft.com/office/drawing/2014/main" id="{08B3E7F1-4413-4C4A-AF19-4A3F9506D0F6}"/>
+              </a:ext>
+            </a:extLst>
+          </p:cNvPr>
+          <p:cNvPicPr>
+            <a:picLocks noChangeAspect="1"/>
+          </p:cNvPicPr>
+          <p:nvPr/>
+        </p:nvPicPr>
+        <p:blipFill>
+          <a:blip r:embed="rId3"/>
+          <a:stretch>
+            <a:fillRect/>
+          </a:stretch>
+        </p:blipFill>
+        <p:spPr>
+          <a:xfrm>
+            <a:off x="9764368" y="875071"/>
+            <a:ext cx="635033" cy="514376"/>
+          </a:xfrm>
+          <a:prstGeom prst="rect">
+            <a:avLst/>
+          </a:prstGeom>
+        </p:spPr>
+      </p:pic>
+      <p:sp>
+        <p:nvSpPr>
+          <p:cNvPr id="11" name="Botón de acción: obtener información 10">
+            <a:hlinkClick r:id="" action="ppaction://noaction" highlightClick="1"/>
+            <a:extLst>
+              <a:ext uri="{FF2B5EF4-FFF2-40B4-BE49-F238E27FC236}">
+                <a16:creationId xmlns:a16="http://schemas.microsoft.com/office/drawing/2014/main" id="{1702C256-8908-4CF4-A79A-E9955F758621}"/>
+              </a:ext>
+            </a:extLst>
+          </p:cNvPr>
+          <p:cNvSpPr/>
+          <p:nvPr/>
+        </p:nvSpPr>
+        <p:spPr>
+          <a:xfrm>
+            <a:off x="10399401" y="875071"/>
+            <a:ext cx="494742" cy="514376"/>
+          </a:xfrm>
+          <a:prstGeom prst="actionButtonInformation">
+            <a:avLst/>
+          </a:prstGeom>
+        </p:spPr>
+        <p:style>
+          <a:lnRef idx="2">
+            <a:schemeClr val="accent1">
+              <a:shade val="50000"/>
+            </a:schemeClr>
+          </a:lnRef>
+          <a:fillRef idx="1">
+            <a:schemeClr val="accent1"/>
+          </a:fillRef>
+          <a:effectRef idx="0">
+            <a:schemeClr val="accent1"/>
+          </a:effectRef>
+          <a:fontRef idx="minor">
+            <a:schemeClr val="lt1"/>
+          </a:fontRef>
+        </p:style>
+        <p:txBody>
+          <a:bodyPr rtlCol="0" anchor="ctr"/>
+          <a:lstStyle/>
+          <a:p>
+            <a:pPr algn="ctr"/>
+            <a:endParaRPr lang="es-CO"/>
+          </a:p>
+        </p:txBody>
+      </p:sp>
+      <p:pic>
+        <p:nvPicPr>
+          <p:cNvPr id="13" name="Imagen 12">
+            <a:extLst>
+              <a:ext uri="{FF2B5EF4-FFF2-40B4-BE49-F238E27FC236}">
+                <a16:creationId xmlns:a16="http://schemas.microsoft.com/office/drawing/2014/main" id="{5D5AF24E-002C-4E6E-9392-0230002CCEC8}"/>
+              </a:ext>
+            </a:extLst>
+          </p:cNvPr>
+          <p:cNvPicPr>
+            <a:picLocks noChangeAspect="1"/>
+          </p:cNvPicPr>
+          <p:nvPr/>
+        </p:nvPicPr>
+        <p:blipFill>
+          <a:blip r:embed="rId4"/>
+          <a:stretch>
+            <a:fillRect/>
+          </a:stretch>
+        </p:blipFill>
+        <p:spPr>
+          <a:xfrm>
+            <a:off x="2635045" y="875071"/>
+            <a:ext cx="6576845" cy="514376"/>
+          </a:xfrm>
+          <a:prstGeom prst="rect">
+            <a:avLst/>
+          </a:prstGeom>
+        </p:spPr>
+      </p:pic>
+      <p:pic>
+        <p:nvPicPr>
+          <p:cNvPr id="15" name="Imagen 14">
+            <a:extLst>
+              <a:ext uri="{FF2B5EF4-FFF2-40B4-BE49-F238E27FC236}">
+                <a16:creationId xmlns:a16="http://schemas.microsoft.com/office/drawing/2014/main" id="{13139302-3BA0-4FB1-948F-E188DB971667}"/>
+              </a:ext>
+            </a:extLst>
+          </p:cNvPr>
+          <p:cNvPicPr>
+            <a:picLocks noChangeAspect="1"/>
+          </p:cNvPicPr>
+          <p:nvPr/>
+        </p:nvPicPr>
+        <p:blipFill>
+          <a:blip r:embed="rId5"/>
+          <a:stretch>
+            <a:fillRect/>
+          </a:stretch>
+        </p:blipFill>
+        <p:spPr>
+          <a:xfrm>
+            <a:off x="1435510" y="875071"/>
+            <a:ext cx="1203801" cy="514376"/>
+          </a:xfrm>
+          <a:prstGeom prst="rect">
+            <a:avLst/>
+          </a:prstGeom>
+        </p:spPr>
+      </p:pic>
+      <p:sp>
+        <p:nvSpPr>
+          <p:cNvPr id="3" name="Rectángulo 2">
+            <a:extLst>
+              <a:ext uri="{FF2B5EF4-FFF2-40B4-BE49-F238E27FC236}">
+                <a16:creationId xmlns:a16="http://schemas.microsoft.com/office/drawing/2014/main" id="{0420946C-61BE-448D-B78D-A29C2B945180}"/>
+              </a:ext>
+            </a:extLst>
+          </p:cNvPr>
+          <p:cNvSpPr/>
+          <p:nvPr/>
+        </p:nvSpPr>
+        <p:spPr>
+          <a:xfrm>
+            <a:off x="1435509" y="1389447"/>
+            <a:ext cx="1199535" cy="4814708"/>
+          </a:xfrm>
+          <a:prstGeom prst="rect">
+            <a:avLst/>
+          </a:prstGeom>
+        </p:spPr>
+        <p:style>
+          <a:lnRef idx="2">
+            <a:schemeClr val="accent3"/>
+          </a:lnRef>
+          <a:fillRef idx="1">
+            <a:schemeClr val="lt1"/>
+          </a:fillRef>
+          <a:effectRef idx="0">
+            <a:schemeClr val="accent3"/>
+          </a:effectRef>
+          <a:fontRef idx="minor">
+            <a:schemeClr val="dk1"/>
+          </a:fontRef>
+        </p:style>
+        <p:txBody>
+          <a:bodyPr rtlCol="0" anchor="ctr"/>
+          <a:lstStyle/>
+          <a:p>
+            <a:pPr algn="ctr"/>
+            <a:endParaRPr lang="es-CO" dirty="0"/>
+          </a:p>
+        </p:txBody>
+      </p:sp>
+      <p:sp>
+        <p:nvSpPr>
+          <p:cNvPr id="4" name="CuadroTexto 3">
+            <a:extLst>
+              <a:ext uri="{FF2B5EF4-FFF2-40B4-BE49-F238E27FC236}">
+                <a16:creationId xmlns:a16="http://schemas.microsoft.com/office/drawing/2014/main" id="{822E91CA-8244-472A-8273-6A90593C6646}"/>
+              </a:ext>
+            </a:extLst>
+          </p:cNvPr>
+          <p:cNvSpPr txBox="1"/>
+          <p:nvPr/>
+        </p:nvSpPr>
+        <p:spPr>
+          <a:xfrm>
+            <a:off x="1528470" y="1534491"/>
+            <a:ext cx="1092350" cy="338554"/>
+          </a:xfrm>
+          <a:prstGeom prst="rect">
+            <a:avLst/>
+          </a:prstGeom>
+          <a:noFill/>
+        </p:spPr>
+        <p:txBody>
+          <a:bodyPr wrap="none" rtlCol="0">
+            <a:spAutoFit/>
+          </a:bodyPr>
+          <a:lstStyle/>
+          <a:p>
+            <a:r>
+              <a:rPr lang="es-CO" sz="1600" dirty="0"/>
+              <a:t>DashBoard</a:t>
+            </a:r>
+          </a:p>
+        </p:txBody>
+      </p:sp>
+      <p:sp>
+        <p:nvSpPr>
+          <p:cNvPr id="12" name="CuadroTexto 11">
+            <a:extLst>
+              <a:ext uri="{FF2B5EF4-FFF2-40B4-BE49-F238E27FC236}">
+                <a16:creationId xmlns:a16="http://schemas.microsoft.com/office/drawing/2014/main" id="{7F61836D-B6C9-4B0A-8B5D-08EA39F5448B}"/>
+              </a:ext>
+            </a:extLst>
+          </p:cNvPr>
+          <p:cNvSpPr txBox="1"/>
+          <p:nvPr/>
+        </p:nvSpPr>
+        <p:spPr>
+          <a:xfrm>
+            <a:off x="1528470" y="1903823"/>
+            <a:ext cx="715773" cy="338554"/>
+          </a:xfrm>
+          <a:prstGeom prst="rect">
+            <a:avLst/>
+          </a:prstGeom>
+          <a:noFill/>
+        </p:spPr>
+        <p:txBody>
+          <a:bodyPr wrap="none" rtlCol="0">
+            <a:spAutoFit/>
+          </a:bodyPr>
+          <a:lstStyle/>
+          <a:p>
+            <a:r>
+              <a:rPr lang="es-CO" sz="1600" dirty="0"/>
+              <a:t>Tareas</a:t>
+            </a:r>
+          </a:p>
+        </p:txBody>
+      </p:sp>
+      <p:sp>
+        <p:nvSpPr>
+          <p:cNvPr id="5" name="Flecha: a la derecha 4">
+            <a:hlinkClick r:id="" action="ppaction://hlinkshowjump?jump=previousslide"/>
+            <a:extLst>
+              <a:ext uri="{FF2B5EF4-FFF2-40B4-BE49-F238E27FC236}">
+                <a16:creationId xmlns:a16="http://schemas.microsoft.com/office/drawing/2014/main" id="{D134C4D8-5EE8-4811-99B2-4723531D4E79}"/>
+              </a:ext>
+            </a:extLst>
+          </p:cNvPr>
+          <p:cNvSpPr/>
+          <p:nvPr/>
+        </p:nvSpPr>
+        <p:spPr>
+          <a:xfrm rot="10800000">
+            <a:off x="383458" y="796413"/>
+            <a:ext cx="635033" cy="514376"/>
+          </a:xfrm>
+          <a:prstGeom prst="rightArrow">
+            <a:avLst/>
+          </a:prstGeom>
+        </p:spPr>
+        <p:style>
+          <a:lnRef idx="2">
+            <a:schemeClr val="accent1">
+              <a:shade val="50000"/>
+            </a:schemeClr>
+          </a:lnRef>
+          <a:fillRef idx="1">
+            <a:schemeClr val="accent1"/>
+          </a:fillRef>
+          <a:effectRef idx="0">
+            <a:schemeClr val="accent1"/>
+          </a:effectRef>
+          <a:fontRef idx="minor">
+            <a:schemeClr val="lt1"/>
+          </a:fontRef>
+        </p:style>
+        <p:txBody>
+          <a:bodyPr rtlCol="0" anchor="ctr"/>
+          <a:lstStyle/>
+          <a:p>
+            <a:pPr algn="ctr"/>
+            <a:endParaRPr lang="es-CO"/>
+          </a:p>
+        </p:txBody>
+      </p:sp>
+    </p:spTree>
+    <p:extLst>
+      <p:ext uri="{BB962C8B-B14F-4D97-AF65-F5344CB8AC3E}">
         <p14:creationId xmlns:p14="http://schemas.microsoft.com/office/powerpoint/2010/main" val="2609349834"/>
+      </p:ext>
+    </p:extLst>
+  </p:cSld>
+  <p:clrMapOvr>
+    <a:masterClrMapping/>
+  </p:clrMapOvr>
+</p:sld>
+</file>
+
+<file path=ppt/slides/slide15.xml><?xml version="1.0" encoding="utf-8"?>
+<p:sld xmlns:a="http://schemas.openxmlformats.org/drawingml/2006/main" xmlns:r="http://schemas.openxmlformats.org/officeDocument/2006/relationships" xmlns:p="http://schemas.openxmlformats.org/presentationml/2006/main">
+  <p:cSld>
+    <p:spTree>
+      <p:nvGrpSpPr>
+        <p:cNvPr id="1" name=""/>
+        <p:cNvGrpSpPr/>
+        <p:nvPr/>
+      </p:nvGrpSpPr>
+      <p:grpSpPr>
+        <a:xfrm>
+          <a:off x="0" y="0"/>
+          <a:ext cx="0" cy="0"/>
+          <a:chOff x="0" y="0"/>
+          <a:chExt cx="0" cy="0"/>
+        </a:xfrm>
+      </p:grpSpPr>
+      <p:pic>
+        <p:nvPicPr>
+          <p:cNvPr id="3" name="Imagen 2">
+            <a:extLst>
+              <a:ext uri="{FF2B5EF4-FFF2-40B4-BE49-F238E27FC236}">
+                <a16:creationId xmlns:a16="http://schemas.microsoft.com/office/drawing/2014/main" id="{D03B717E-7BE6-48B8-8C48-83EB3227E4AC}"/>
+              </a:ext>
+            </a:extLst>
+          </p:cNvPr>
+          <p:cNvPicPr>
+            <a:picLocks noChangeAspect="1"/>
+          </p:cNvPicPr>
+          <p:nvPr/>
+        </p:nvPicPr>
+        <p:blipFill>
+          <a:blip r:embed="rId2"/>
+          <a:stretch>
+            <a:fillRect/>
+          </a:stretch>
+        </p:blipFill>
+        <p:spPr>
+          <a:xfrm>
+            <a:off x="218773" y="653907"/>
+            <a:ext cx="11754454" cy="5550185"/>
+          </a:xfrm>
+          <a:prstGeom prst="rect">
+            <a:avLst/>
+          </a:prstGeom>
+        </p:spPr>
+      </p:pic>
+    </p:spTree>
+    <p:extLst>
+      <p:ext uri="{BB962C8B-B14F-4D97-AF65-F5344CB8AC3E}">
+        <p14:creationId xmlns:p14="http://schemas.microsoft.com/office/powerpoint/2010/main" val="1362086970"/>
       </p:ext>
     </p:extLst>
   </p:cSld>
@@ -4818,7 +7651,7 @@
           <p:cNvPr id="2" name="Título 1">
             <a:extLst>
               <a:ext uri="{FF2B5EF4-FFF2-40B4-BE49-F238E27FC236}">
-                <a16:creationId xmlns:a16="http://schemas.microsoft.com/office/drawing/2014/main" id="{3FBE3C7D-6599-4BB0-9934-6C55DE0DC7CE}"/>
+                <a16:creationId xmlns:a16="http://schemas.microsoft.com/office/drawing/2014/main" id="{EA6B2FBD-6D56-49D1-8E93-9CCBC7587576}"/>
               </a:ext>
             </a:extLst>
           </p:cNvPr>
@@ -4836,7 +7669,7 @@
           <a:p>
             <a:r>
               <a:rPr lang="es-CO" dirty="0"/>
-              <a:t>Estudio	</a:t>
+              <a:t>Finanzas</a:t>
             </a:r>
           </a:p>
         </p:txBody>
@@ -4846,7 +7679,7 @@
           <p:cNvPr id="3" name="Marcador de contenido 2">
             <a:extLst>
               <a:ext uri="{FF2B5EF4-FFF2-40B4-BE49-F238E27FC236}">
-                <a16:creationId xmlns:a16="http://schemas.microsoft.com/office/drawing/2014/main" id="{6A082713-E3B3-44E0-8F21-136953108611}"/>
+                <a16:creationId xmlns:a16="http://schemas.microsoft.com/office/drawing/2014/main" id="{11F9F2E6-B37D-418E-B6CA-B1ADF742D653}"/>
               </a:ext>
             </a:extLst>
           </p:cNvPr>
@@ -4859,7 +7692,7 @@
         </p:nvSpPr>
         <p:spPr>
           <a:xfrm>
-            <a:off x="838200" y="1957705"/>
+            <a:off x="838200" y="1510315"/>
             <a:ext cx="10515600" cy="4351338"/>
           </a:xfrm>
         </p:spPr>
@@ -4868,9 +7701,63 @@
           <a:lstStyle/>
           <a:p>
             <a:r>
-              <a:rPr lang="es-CO" dirty="0"/>
-              <a:t>Existe gente que ya ha visto esa materia y la ha comprendido, entonces por qué tener que hacer apuntes y repasos como si fuese algo recién descubierto?</a:t>
-            </a:r>
+              <a:rPr lang="es-CO" sz="2000" dirty="0"/>
+              <a:t>Hay que hacer un control de las finanzas para no tener preocupaciones.</a:t>
+            </a:r>
+          </a:p>
+          <a:p>
+            <a:r>
+              <a:rPr lang="es-CO" sz="2000" dirty="0"/>
+              <a:t>DASHBOARD:  Plata en cada categoría, </a:t>
+            </a:r>
+            <a:r>
+              <a:rPr lang="es-CO" sz="2000" dirty="0" err="1"/>
+              <a:t>wishList</a:t>
+            </a:r>
+            <a:r>
+              <a:rPr lang="es-CO" sz="2000" dirty="0"/>
+              <a:t> de </a:t>
+            </a:r>
+            <a:r>
+              <a:rPr lang="es-CO" sz="2000" dirty="0" err="1"/>
+              <a:t>prds</a:t>
+            </a:r>
+            <a:r>
+              <a:rPr lang="es-CO" sz="2000" dirty="0"/>
+              <a:t> en oferta, </a:t>
+            </a:r>
+            <a:r>
+              <a:rPr lang="es-CO" sz="2000" dirty="0" err="1"/>
+              <a:t>add</a:t>
+            </a:r>
+            <a:r>
+              <a:rPr lang="es-CO" sz="2000" dirty="0"/>
+              <a:t> </a:t>
+            </a:r>
+            <a:r>
+              <a:rPr lang="es-CO" sz="2000" dirty="0" err="1"/>
+              <a:t>item</a:t>
+            </a:r>
+            <a:r>
+              <a:rPr lang="es-CO" sz="2000" dirty="0"/>
+              <a:t> </a:t>
+            </a:r>
+            <a:r>
+              <a:rPr lang="es-CO" sz="2000" dirty="0" err="1"/>
+              <a:t>wishList</a:t>
+            </a:r>
+            <a:r>
+              <a:rPr lang="es-CO" sz="2000" dirty="0"/>
+              <a:t>, saldo actual</a:t>
+            </a:r>
+          </a:p>
+          <a:p>
+            <a:pPr lvl="1"/>
+            <a:endParaRPr lang="es-CO" dirty="0"/>
+          </a:p>
+          <a:p>
+            <a:pPr lvl="1"/>
+            <a:endParaRPr lang="es-CO" dirty="0"/>
           </a:p>
           <a:p>
             <a:endParaRPr lang="es-CO" dirty="0"/>
@@ -4880,7 +7767,7 @@
     </p:spTree>
     <p:extLst>
       <p:ext uri="{BB962C8B-B14F-4D97-AF65-F5344CB8AC3E}">
-        <p14:creationId xmlns:p14="http://schemas.microsoft.com/office/powerpoint/2010/main" val="733902909"/>
+        <p14:creationId xmlns:p14="http://schemas.microsoft.com/office/powerpoint/2010/main" val="2902818816"/>
       </p:ext>
     </p:extLst>
   </p:cSld>
@@ -4907,117 +7794,914 @@
           <a:chExt cx="0" cy="0"/>
         </a:xfrm>
       </p:grpSpPr>
-      <p:sp>
-        <p:nvSpPr>
-          <p:cNvPr id="2" name="Título 1">
-            <a:extLst>
-              <a:ext uri="{FF2B5EF4-FFF2-40B4-BE49-F238E27FC236}">
-                <a16:creationId xmlns:a16="http://schemas.microsoft.com/office/drawing/2014/main" id="{EA6B2FBD-6D56-49D1-8E93-9CCBC7587576}"/>
-              </a:ext>
-            </a:extLst>
-          </p:cNvPr>
-          <p:cNvSpPr>
-            <a:spLocks noGrp="1"/>
-          </p:cNvSpPr>
-          <p:nvPr>
-            <p:ph type="title"/>
-          </p:nvPr>
-        </p:nvSpPr>
-        <p:spPr/>
-        <p:txBody>
-          <a:bodyPr/>
-          <a:lstStyle/>
+      <p:pic>
+        <p:nvPicPr>
+          <p:cNvPr id="4" name="Imagen 3">
+            <a:extLst>
+              <a:ext uri="{FF2B5EF4-FFF2-40B4-BE49-F238E27FC236}">
+                <a16:creationId xmlns:a16="http://schemas.microsoft.com/office/drawing/2014/main" id="{066B5034-3B0F-4AB6-A6CC-507B52B504ED}"/>
+              </a:ext>
+            </a:extLst>
+          </p:cNvPr>
+          <p:cNvPicPr>
+            <a:picLocks noChangeAspect="1"/>
+          </p:cNvPicPr>
+          <p:nvPr/>
+        </p:nvPicPr>
+        <p:blipFill rotWithShape="1">
+          <a:blip r:embed="rId4"/>
+          <a:srcRect l="10586" r="-1"/>
+          <a:stretch/>
+        </p:blipFill>
+        <p:spPr>
+          <a:xfrm>
+            <a:off x="-199699" y="191159"/>
+            <a:ext cx="12044641" cy="6666841"/>
+          </a:xfrm>
+          <a:prstGeom prst="rect">
+            <a:avLst/>
+          </a:prstGeom>
+        </p:spPr>
+      </p:pic>
+      <p:pic>
+        <p:nvPicPr>
+          <p:cNvPr id="6" name="Imagen 5">
+            <a:extLst>
+              <a:ext uri="{FF2B5EF4-FFF2-40B4-BE49-F238E27FC236}">
+                <a16:creationId xmlns:a16="http://schemas.microsoft.com/office/drawing/2014/main" id="{66EE6DB0-42C5-4D37-8A91-6B769E0CED98}"/>
+              </a:ext>
+            </a:extLst>
+          </p:cNvPr>
+          <p:cNvPicPr>
+            <a:picLocks noChangeAspect="1"/>
+          </p:cNvPicPr>
+          <p:nvPr/>
+        </p:nvPicPr>
+        <p:blipFill>
+          <a:blip r:embed="rId5"/>
+          <a:stretch>
+            <a:fillRect/>
+          </a:stretch>
+        </p:blipFill>
+        <p:spPr>
+          <a:xfrm>
+            <a:off x="743879" y="3239313"/>
+            <a:ext cx="4398035" cy="3126828"/>
+          </a:xfrm>
+          <a:prstGeom prst="rect">
+            <a:avLst/>
+          </a:prstGeom>
+        </p:spPr>
+      </p:pic>
+      <p:sp>
+        <p:nvSpPr>
+          <p:cNvPr id="12" name="Rectángulo: esquinas redondeadas 11">
+            <a:extLst>
+              <a:ext uri="{FF2B5EF4-FFF2-40B4-BE49-F238E27FC236}">
+                <a16:creationId xmlns:a16="http://schemas.microsoft.com/office/drawing/2014/main" id="{77BED28B-8915-488C-BC9D-37A517A77EA8}"/>
+              </a:ext>
+            </a:extLst>
+          </p:cNvPr>
+          <p:cNvSpPr/>
+          <p:nvPr/>
+        </p:nvSpPr>
+        <p:spPr>
+          <a:xfrm>
+            <a:off x="4359725" y="2010458"/>
+            <a:ext cx="1088219" cy="369332"/>
+          </a:xfrm>
+          <a:prstGeom prst="roundRect">
+            <a:avLst/>
+          </a:prstGeom>
+        </p:spPr>
+        <p:style>
+          <a:lnRef idx="2">
+            <a:schemeClr val="accent1">
+              <a:shade val="50000"/>
+            </a:schemeClr>
+          </a:lnRef>
+          <a:fillRef idx="1">
+            <a:schemeClr val="accent1"/>
+          </a:fillRef>
+          <a:effectRef idx="0">
+            <a:schemeClr val="accent1"/>
+          </a:effectRef>
+          <a:fontRef idx="minor">
+            <a:schemeClr val="lt1"/>
+          </a:fontRef>
+        </p:style>
+        <p:txBody>
+          <a:bodyPr rtlCol="0" anchor="ctr"/>
+          <a:lstStyle/>
+          <a:p>
+            <a:pPr algn="ctr"/>
+            <a:r>
+              <a:rPr lang="es-MX" dirty="0"/>
+              <a:t>Repartir</a:t>
+            </a:r>
+            <a:endParaRPr lang="es-CO" dirty="0"/>
+          </a:p>
+        </p:txBody>
+      </p:sp>
+      <p:pic>
+        <p:nvPicPr>
+          <p:cNvPr id="13" name="Imagen 12">
+            <a:extLst>
+              <a:ext uri="{FF2B5EF4-FFF2-40B4-BE49-F238E27FC236}">
+                <a16:creationId xmlns:a16="http://schemas.microsoft.com/office/drawing/2014/main" id="{889B4A70-CDA2-4C9B-9938-FA51B58EC29B}"/>
+              </a:ext>
+            </a:extLst>
+          </p:cNvPr>
+          <p:cNvPicPr>
+            <a:picLocks noChangeAspect="1"/>
+          </p:cNvPicPr>
+          <p:nvPr/>
+        </p:nvPicPr>
+        <p:blipFill>
+          <a:blip r:embed="rId5"/>
+          <a:stretch>
+            <a:fillRect/>
+          </a:stretch>
+        </p:blipFill>
+        <p:spPr>
+          <a:xfrm>
+            <a:off x="6096000" y="3216251"/>
+            <a:ext cx="3153103" cy="3126828"/>
+          </a:xfrm>
+          <a:prstGeom prst="rect">
+            <a:avLst/>
+          </a:prstGeom>
+        </p:spPr>
+      </p:pic>
+      <p:sp>
+        <p:nvSpPr>
+          <p:cNvPr id="15" name="Elipse 14">
+            <a:extLst>
+              <a:ext uri="{FF2B5EF4-FFF2-40B4-BE49-F238E27FC236}">
+                <a16:creationId xmlns:a16="http://schemas.microsoft.com/office/drawing/2014/main" id="{20322686-5FF8-4951-B701-62CE59E1F216}"/>
+              </a:ext>
+            </a:extLst>
+          </p:cNvPr>
+          <p:cNvSpPr/>
+          <p:nvPr/>
+        </p:nvSpPr>
+        <p:spPr>
+          <a:xfrm>
+            <a:off x="8482851" y="3570117"/>
+            <a:ext cx="569717" cy="228600"/>
+          </a:xfrm>
+          <a:prstGeom prst="ellipse">
+            <a:avLst/>
+          </a:prstGeom>
+        </p:spPr>
+        <p:style>
+          <a:lnRef idx="2">
+            <a:schemeClr val="accent1">
+              <a:shade val="50000"/>
+            </a:schemeClr>
+          </a:lnRef>
+          <a:fillRef idx="1">
+            <a:schemeClr val="accent1"/>
+          </a:fillRef>
+          <a:effectRef idx="0">
+            <a:schemeClr val="accent1"/>
+          </a:effectRef>
+          <a:fontRef idx="minor">
+            <a:schemeClr val="lt1"/>
+          </a:fontRef>
+        </p:style>
+        <p:txBody>
+          <a:bodyPr rtlCol="0" anchor="ctr"/>
+          <a:lstStyle/>
+          <a:p>
+            <a:pPr algn="ctr"/>
+            <a:r>
+              <a:rPr lang="es-MX" sz="900" dirty="0"/>
+              <a:t>Cobrad</a:t>
+            </a:r>
+            <a:endParaRPr lang="es-CO" sz="900" dirty="0"/>
+          </a:p>
+        </p:txBody>
+      </p:sp>
+      <p:sp>
+        <p:nvSpPr>
+          <p:cNvPr id="16" name="Elipse 15">
+            <a:extLst>
+              <a:ext uri="{FF2B5EF4-FFF2-40B4-BE49-F238E27FC236}">
+                <a16:creationId xmlns:a16="http://schemas.microsoft.com/office/drawing/2014/main" id="{3763AD3D-CB7C-4A12-9451-E27F8F9F36F1}"/>
+              </a:ext>
+            </a:extLst>
+          </p:cNvPr>
+          <p:cNvSpPr/>
+          <p:nvPr/>
+        </p:nvSpPr>
+        <p:spPr>
+          <a:xfrm>
+            <a:off x="8472901" y="3858401"/>
+            <a:ext cx="569717" cy="228600"/>
+          </a:xfrm>
+          <a:prstGeom prst="ellipse">
+            <a:avLst/>
+          </a:prstGeom>
+        </p:spPr>
+        <p:style>
+          <a:lnRef idx="2">
+            <a:schemeClr val="accent1">
+              <a:shade val="50000"/>
+            </a:schemeClr>
+          </a:lnRef>
+          <a:fillRef idx="1">
+            <a:schemeClr val="accent1"/>
+          </a:fillRef>
+          <a:effectRef idx="0">
+            <a:schemeClr val="accent1"/>
+          </a:effectRef>
+          <a:fontRef idx="minor">
+            <a:schemeClr val="lt1"/>
+          </a:fontRef>
+        </p:style>
+        <p:txBody>
+          <a:bodyPr rtlCol="0" anchor="ctr"/>
+          <a:lstStyle/>
+          <a:p>
+            <a:pPr algn="ctr"/>
+            <a:r>
+              <a:rPr lang="es-MX" sz="900" dirty="0"/>
+              <a:t>Pagado</a:t>
+            </a:r>
+            <a:endParaRPr lang="es-CO" sz="900" dirty="0"/>
+          </a:p>
+        </p:txBody>
+      </p:sp>
+      <p:sp>
+        <p:nvSpPr>
+          <p:cNvPr id="18" name="Elipse 17">
+            <a:extLst>
+              <a:ext uri="{FF2B5EF4-FFF2-40B4-BE49-F238E27FC236}">
+                <a16:creationId xmlns:a16="http://schemas.microsoft.com/office/drawing/2014/main" id="{00A11BFE-4F5F-4CCB-B02A-9275FE2797BC}"/>
+              </a:ext>
+            </a:extLst>
+          </p:cNvPr>
+          <p:cNvSpPr/>
+          <p:nvPr/>
+        </p:nvSpPr>
+        <p:spPr>
+          <a:xfrm>
+            <a:off x="4257680" y="3591073"/>
+            <a:ext cx="794657" cy="228600"/>
+          </a:xfrm>
+          <a:prstGeom prst="ellipse">
+            <a:avLst/>
+          </a:prstGeom>
+        </p:spPr>
+        <p:style>
+          <a:lnRef idx="2">
+            <a:schemeClr val="accent1">
+              <a:shade val="50000"/>
+            </a:schemeClr>
+          </a:lnRef>
+          <a:fillRef idx="1">
+            <a:schemeClr val="accent1"/>
+          </a:fillRef>
+          <a:effectRef idx="0">
+            <a:schemeClr val="accent1"/>
+          </a:effectRef>
+          <a:fontRef idx="minor">
+            <a:schemeClr val="lt1"/>
+          </a:fontRef>
+        </p:style>
+        <p:txBody>
+          <a:bodyPr rtlCol="0" anchor="ctr"/>
+          <a:lstStyle/>
+          <a:p>
+            <a:pPr algn="ctr"/>
+            <a:r>
+              <a:rPr lang="es-MX" sz="900" dirty="0"/>
+              <a:t>$</a:t>
+            </a:r>
+            <a:endParaRPr lang="es-CO" sz="900" dirty="0"/>
+          </a:p>
+        </p:txBody>
+      </p:sp>
+      <p:pic>
+        <p:nvPicPr>
+          <p:cNvPr id="20" name="Imagen 19">
+            <a:extLst>
+              <a:ext uri="{FF2B5EF4-FFF2-40B4-BE49-F238E27FC236}">
+                <a16:creationId xmlns:a16="http://schemas.microsoft.com/office/drawing/2014/main" id="{998E2FA0-CB2D-4633-AA31-25A2E4993C52}"/>
+              </a:ext>
+            </a:extLst>
+          </p:cNvPr>
+          <p:cNvPicPr>
+            <a:picLocks noChangeAspect="1"/>
+          </p:cNvPicPr>
+          <p:nvPr/>
+        </p:nvPicPr>
+        <p:blipFill>
+          <a:blip r:embed="rId6"/>
+          <a:stretch>
+            <a:fillRect/>
+          </a:stretch>
+        </p:blipFill>
+        <p:spPr>
+          <a:xfrm>
+            <a:off x="6096000" y="6311177"/>
+            <a:ext cx="3153103" cy="423166"/>
+          </a:xfrm>
+          <a:prstGeom prst="rect">
+            <a:avLst/>
+          </a:prstGeom>
+        </p:spPr>
+      </p:pic>
+      <p:pic>
+        <p:nvPicPr>
+          <p:cNvPr id="29" name="Imagen 28">
+            <a:extLst>
+              <a:ext uri="{FF2B5EF4-FFF2-40B4-BE49-F238E27FC236}">
+                <a16:creationId xmlns:a16="http://schemas.microsoft.com/office/drawing/2014/main" id="{14A8DCB0-308B-4874-9CC0-204570168C76}"/>
+              </a:ext>
+            </a:extLst>
+          </p:cNvPr>
+          <p:cNvPicPr>
+            <a:picLocks noChangeAspect="1"/>
+          </p:cNvPicPr>
+          <p:nvPr/>
+        </p:nvPicPr>
+        <p:blipFill>
+          <a:blip r:embed="rId5"/>
+          <a:stretch>
+            <a:fillRect/>
+          </a:stretch>
+        </p:blipFill>
+        <p:spPr>
+          <a:xfrm>
+            <a:off x="9525958" y="3216251"/>
+            <a:ext cx="2403068" cy="3126828"/>
+          </a:xfrm>
+          <a:prstGeom prst="rect">
+            <a:avLst/>
+          </a:prstGeom>
+        </p:spPr>
+      </p:pic>
+      <p:sp>
+        <p:nvSpPr>
+          <p:cNvPr id="31" name="Elipse 30">
+            <a:extLst>
+              <a:ext uri="{FF2B5EF4-FFF2-40B4-BE49-F238E27FC236}">
+                <a16:creationId xmlns:a16="http://schemas.microsoft.com/office/drawing/2014/main" id="{41EED580-B01F-469E-9918-1938F798CAE3}"/>
+              </a:ext>
+            </a:extLst>
+          </p:cNvPr>
+          <p:cNvSpPr/>
+          <p:nvPr/>
+        </p:nvSpPr>
+        <p:spPr>
+          <a:xfrm>
+            <a:off x="11298294" y="3570117"/>
+            <a:ext cx="434197" cy="228600"/>
+          </a:xfrm>
+          <a:prstGeom prst="ellipse">
+            <a:avLst/>
+          </a:prstGeom>
+        </p:spPr>
+        <p:style>
+          <a:lnRef idx="2">
+            <a:schemeClr val="accent1">
+              <a:shade val="50000"/>
+            </a:schemeClr>
+          </a:lnRef>
+          <a:fillRef idx="1">
+            <a:schemeClr val="accent1"/>
+          </a:fillRef>
+          <a:effectRef idx="0">
+            <a:schemeClr val="accent1"/>
+          </a:effectRef>
+          <a:fontRef idx="minor">
+            <a:schemeClr val="lt1"/>
+          </a:fontRef>
+        </p:style>
+        <p:txBody>
+          <a:bodyPr rtlCol="0" anchor="ctr"/>
+          <a:lstStyle/>
+          <a:p>
+            <a:pPr algn="ctr"/>
+            <a:r>
+              <a:rPr lang="es-MX" sz="900" dirty="0"/>
+              <a:t>Cobrad</a:t>
+            </a:r>
+            <a:endParaRPr lang="es-CO" sz="900" dirty="0"/>
+          </a:p>
+        </p:txBody>
+      </p:sp>
+      <p:sp>
+        <p:nvSpPr>
+          <p:cNvPr id="32" name="Elipse 31">
+            <a:extLst>
+              <a:ext uri="{FF2B5EF4-FFF2-40B4-BE49-F238E27FC236}">
+                <a16:creationId xmlns:a16="http://schemas.microsoft.com/office/drawing/2014/main" id="{E2719F1F-69B0-44EF-8DDB-834D0D1A8C6B}"/>
+              </a:ext>
+            </a:extLst>
+          </p:cNvPr>
+          <p:cNvSpPr/>
+          <p:nvPr/>
+        </p:nvSpPr>
+        <p:spPr>
+          <a:xfrm>
+            <a:off x="11288344" y="3858401"/>
+            <a:ext cx="434197" cy="228600"/>
+          </a:xfrm>
+          <a:prstGeom prst="ellipse">
+            <a:avLst/>
+          </a:prstGeom>
+        </p:spPr>
+        <p:style>
+          <a:lnRef idx="2">
+            <a:schemeClr val="accent1">
+              <a:shade val="50000"/>
+            </a:schemeClr>
+          </a:lnRef>
+          <a:fillRef idx="1">
+            <a:schemeClr val="accent1"/>
+          </a:fillRef>
+          <a:effectRef idx="0">
+            <a:schemeClr val="accent1"/>
+          </a:effectRef>
+          <a:fontRef idx="minor">
+            <a:schemeClr val="lt1"/>
+          </a:fontRef>
+        </p:style>
+        <p:txBody>
+          <a:bodyPr rtlCol="0" anchor="ctr"/>
+          <a:lstStyle/>
+          <a:p>
+            <a:pPr algn="ctr"/>
+            <a:r>
+              <a:rPr lang="es-MX" sz="900" dirty="0"/>
+              <a:t>Pagado</a:t>
+            </a:r>
+            <a:endParaRPr lang="es-CO" sz="900" dirty="0"/>
+          </a:p>
+        </p:txBody>
+      </p:sp>
+      <p:pic>
+        <p:nvPicPr>
+          <p:cNvPr id="33" name="Imagen 32">
+            <a:extLst>
+              <a:ext uri="{FF2B5EF4-FFF2-40B4-BE49-F238E27FC236}">
+                <a16:creationId xmlns:a16="http://schemas.microsoft.com/office/drawing/2014/main" id="{DA755325-AB70-419B-807F-396A9F0C2F3C}"/>
+              </a:ext>
+            </a:extLst>
+          </p:cNvPr>
+          <p:cNvPicPr>
+            <a:picLocks noChangeAspect="1"/>
+          </p:cNvPicPr>
+          <p:nvPr/>
+        </p:nvPicPr>
+        <p:blipFill>
+          <a:blip r:embed="rId6"/>
+          <a:stretch>
+            <a:fillRect/>
+          </a:stretch>
+        </p:blipFill>
+        <p:spPr>
+          <a:xfrm>
+            <a:off x="9525958" y="6311177"/>
+            <a:ext cx="2403068" cy="423166"/>
+          </a:xfrm>
+          <a:prstGeom prst="rect">
+            <a:avLst/>
+          </a:prstGeom>
+        </p:spPr>
+      </p:pic>
+      <p:sp>
+        <p:nvSpPr>
+          <p:cNvPr id="35" name="Rectángulo 34">
+            <a:extLst>
+              <a:ext uri="{FF2B5EF4-FFF2-40B4-BE49-F238E27FC236}">
+                <a16:creationId xmlns:a16="http://schemas.microsoft.com/office/drawing/2014/main" id="{F8AFAFF6-F479-4576-9D55-EE2DC9655227}"/>
+              </a:ext>
+            </a:extLst>
+          </p:cNvPr>
+          <p:cNvSpPr/>
+          <p:nvPr/>
+        </p:nvSpPr>
+        <p:spPr>
+          <a:xfrm>
+            <a:off x="3310758" y="1008993"/>
+            <a:ext cx="1734208" cy="672662"/>
+          </a:xfrm>
+          <a:prstGeom prst="rect">
+            <a:avLst/>
+          </a:prstGeom>
+        </p:spPr>
+        <p:style>
+          <a:lnRef idx="2">
+            <a:schemeClr val="accent1">
+              <a:shade val="50000"/>
+            </a:schemeClr>
+          </a:lnRef>
+          <a:fillRef idx="1">
+            <a:schemeClr val="accent1"/>
+          </a:fillRef>
+          <a:effectRef idx="0">
+            <a:schemeClr val="accent1"/>
+          </a:effectRef>
+          <a:fontRef idx="minor">
+            <a:schemeClr val="lt1"/>
+          </a:fontRef>
+        </p:style>
+        <p:txBody>
+          <a:bodyPr rtlCol="0" anchor="ctr"/>
+          <a:lstStyle/>
+          <a:p>
+            <a:r>
+              <a:rPr lang="es-MX" sz="1200" dirty="0"/>
+              <a:t>2018</a:t>
+            </a:r>
+          </a:p>
+          <a:p>
+            <a:r>
+              <a:rPr lang="es-MX" dirty="0"/>
+              <a:t>Mayo</a:t>
+            </a:r>
+            <a:endParaRPr lang="es-CO" dirty="0"/>
+          </a:p>
+        </p:txBody>
+      </p:sp>
+      <p:sp>
+        <p:nvSpPr>
+          <p:cNvPr id="36" name="Rectángulo 35">
+            <a:extLst>
+              <a:ext uri="{FF2B5EF4-FFF2-40B4-BE49-F238E27FC236}">
+                <a16:creationId xmlns:a16="http://schemas.microsoft.com/office/drawing/2014/main" id="{D541F15A-8C37-4AB8-AF33-08D0746D4625}"/>
+              </a:ext>
+            </a:extLst>
+          </p:cNvPr>
+          <p:cNvSpPr/>
+          <p:nvPr/>
+        </p:nvSpPr>
+        <p:spPr>
+          <a:xfrm>
+            <a:off x="5039601" y="1014273"/>
+            <a:ext cx="1734208" cy="672662"/>
+          </a:xfrm>
+          <a:prstGeom prst="rect">
+            <a:avLst/>
+          </a:prstGeom>
+        </p:spPr>
+        <p:style>
+          <a:lnRef idx="2">
+            <a:schemeClr val="accent1">
+              <a:shade val="50000"/>
+            </a:schemeClr>
+          </a:lnRef>
+          <a:fillRef idx="1">
+            <a:schemeClr val="accent1"/>
+          </a:fillRef>
+          <a:effectRef idx="0">
+            <a:schemeClr val="accent1"/>
+          </a:effectRef>
+          <a:fontRef idx="minor">
+            <a:schemeClr val="lt1"/>
+          </a:fontRef>
+        </p:style>
+        <p:txBody>
+          <a:bodyPr rtlCol="0" anchor="ctr"/>
+          <a:lstStyle/>
+          <a:p>
+            <a:r>
+              <a:rPr lang="es-MX" sz="1200" dirty="0"/>
+              <a:t>Ingresos</a:t>
+            </a:r>
+          </a:p>
+          <a:p>
+            <a:r>
+              <a:rPr lang="es-MX" dirty="0"/>
+              <a:t>$$$</a:t>
+            </a:r>
+            <a:endParaRPr lang="es-CO" dirty="0"/>
+          </a:p>
+        </p:txBody>
+      </p:sp>
+      <p:sp>
+        <p:nvSpPr>
+          <p:cNvPr id="37" name="Rectángulo 36">
+            <a:extLst>
+              <a:ext uri="{FF2B5EF4-FFF2-40B4-BE49-F238E27FC236}">
+                <a16:creationId xmlns:a16="http://schemas.microsoft.com/office/drawing/2014/main" id="{010F6E77-BEC0-43D4-885E-71383A10AE67}"/>
+              </a:ext>
+            </a:extLst>
+          </p:cNvPr>
+          <p:cNvSpPr/>
+          <p:nvPr/>
+        </p:nvSpPr>
+        <p:spPr>
+          <a:xfrm>
+            <a:off x="6778522" y="1008993"/>
+            <a:ext cx="1734208" cy="672662"/>
+          </a:xfrm>
+          <a:prstGeom prst="rect">
+            <a:avLst/>
+          </a:prstGeom>
+        </p:spPr>
+        <p:style>
+          <a:lnRef idx="2">
+            <a:schemeClr val="accent1">
+              <a:shade val="50000"/>
+            </a:schemeClr>
+          </a:lnRef>
+          <a:fillRef idx="1">
+            <a:schemeClr val="accent1"/>
+          </a:fillRef>
+          <a:effectRef idx="0">
+            <a:schemeClr val="accent1"/>
+          </a:effectRef>
+          <a:fontRef idx="minor">
+            <a:schemeClr val="lt1"/>
+          </a:fontRef>
+        </p:style>
+        <p:txBody>
+          <a:bodyPr rtlCol="0" anchor="ctr"/>
+          <a:lstStyle/>
+          <a:p>
+            <a:r>
+              <a:rPr lang="es-MX" sz="1200" dirty="0"/>
+              <a:t>Gastos</a:t>
+            </a:r>
+          </a:p>
+          <a:p>
+            <a:r>
+              <a:rPr lang="es-MX" dirty="0"/>
+              <a:t>$$$</a:t>
+            </a:r>
+            <a:endParaRPr lang="es-CO" dirty="0"/>
+          </a:p>
+        </p:txBody>
+      </p:sp>
+      <p:sp>
+        <p:nvSpPr>
+          <p:cNvPr id="38" name="Rectángulo 37">
+            <a:extLst>
+              <a:ext uri="{FF2B5EF4-FFF2-40B4-BE49-F238E27FC236}">
+                <a16:creationId xmlns:a16="http://schemas.microsoft.com/office/drawing/2014/main" id="{6D4EB345-1CA3-4325-83BD-2D2E1E3E1064}"/>
+              </a:ext>
+            </a:extLst>
+          </p:cNvPr>
+          <p:cNvSpPr/>
+          <p:nvPr/>
+        </p:nvSpPr>
+        <p:spPr>
+          <a:xfrm>
+            <a:off x="3323494" y="1686935"/>
+            <a:ext cx="1734208" cy="672662"/>
+          </a:xfrm>
+          <a:prstGeom prst="rect">
+            <a:avLst/>
+          </a:prstGeom>
+        </p:spPr>
+        <p:style>
+          <a:lnRef idx="2">
+            <a:schemeClr val="accent1">
+              <a:shade val="50000"/>
+            </a:schemeClr>
+          </a:lnRef>
+          <a:fillRef idx="1">
+            <a:schemeClr val="accent1"/>
+          </a:fillRef>
+          <a:effectRef idx="0">
+            <a:schemeClr val="accent1"/>
+          </a:effectRef>
+          <a:fontRef idx="minor">
+            <a:schemeClr val="lt1"/>
+          </a:fontRef>
+        </p:style>
+        <p:txBody>
+          <a:bodyPr rtlCol="0" anchor="ctr"/>
+          <a:lstStyle/>
+          <a:p>
+            <a:r>
+              <a:rPr lang="es-MX" sz="1200" dirty="0"/>
+              <a:t>Repartible</a:t>
+            </a:r>
+          </a:p>
+          <a:p>
+            <a:r>
+              <a:rPr lang="es-MX" dirty="0"/>
+              <a:t>$$$$</a:t>
+            </a:r>
+            <a:endParaRPr lang="es-CO" dirty="0"/>
+          </a:p>
+        </p:txBody>
+      </p:sp>
+      <p:sp>
+        <p:nvSpPr>
+          <p:cNvPr id="39" name="Rectángulo 38">
+            <a:extLst>
+              <a:ext uri="{FF2B5EF4-FFF2-40B4-BE49-F238E27FC236}">
+                <a16:creationId xmlns:a16="http://schemas.microsoft.com/office/drawing/2014/main" id="{03461D6E-3DF1-4C74-98A7-E0705E158E00}"/>
+              </a:ext>
+            </a:extLst>
+          </p:cNvPr>
+          <p:cNvSpPr/>
+          <p:nvPr/>
+        </p:nvSpPr>
+        <p:spPr>
+          <a:xfrm>
+            <a:off x="5052337" y="1691872"/>
+            <a:ext cx="1734208" cy="672662"/>
+          </a:xfrm>
+          <a:prstGeom prst="rect">
+            <a:avLst/>
+          </a:prstGeom>
+        </p:spPr>
+        <p:style>
+          <a:lnRef idx="2">
+            <a:schemeClr val="accent1">
+              <a:shade val="50000"/>
+            </a:schemeClr>
+          </a:lnRef>
+          <a:fillRef idx="1">
+            <a:schemeClr val="accent1"/>
+          </a:fillRef>
+          <a:effectRef idx="0">
+            <a:schemeClr val="accent1"/>
+          </a:effectRef>
+          <a:fontRef idx="minor">
+            <a:schemeClr val="lt1"/>
+          </a:fontRef>
+        </p:style>
+        <p:txBody>
+          <a:bodyPr rtlCol="0" anchor="ctr"/>
+          <a:lstStyle/>
+          <a:p>
+            <a:r>
+              <a:rPr lang="es-MX" sz="1200" dirty="0"/>
+              <a:t>Total</a:t>
+            </a:r>
+          </a:p>
           <a:p>
             <a:r>
               <a:rPr lang="es-CO" dirty="0"/>
-              <a:t>Finanzas</a:t>
-            </a:r>
-          </a:p>
-        </p:txBody>
-      </p:sp>
-      <p:sp>
-        <p:nvSpPr>
-          <p:cNvPr id="3" name="Marcador de contenido 2">
-            <a:extLst>
-              <a:ext uri="{FF2B5EF4-FFF2-40B4-BE49-F238E27FC236}">
-                <a16:creationId xmlns:a16="http://schemas.microsoft.com/office/drawing/2014/main" id="{11F9F2E6-B37D-418E-B6CA-B1ADF742D653}"/>
-              </a:ext>
-            </a:extLst>
-          </p:cNvPr>
-          <p:cNvSpPr>
-            <a:spLocks noGrp="1"/>
-          </p:cNvSpPr>
-          <p:nvPr>
-            <p:ph idx="1"/>
-          </p:nvPr>
-        </p:nvSpPr>
-        <p:spPr/>
-        <p:txBody>
-          <a:bodyPr/>
-          <a:lstStyle/>
-          <a:p>
-            <a:r>
-              <a:rPr lang="es-CO" dirty="0"/>
-              <a:t>Hay que hacer un control de las finanzas para no tener preocupaciones.</a:t>
-            </a:r>
-          </a:p>
-          <a:p>
+              <a:t>$$$$</a:t>
+            </a:r>
+          </a:p>
+        </p:txBody>
+      </p:sp>
+      <p:sp>
+        <p:nvSpPr>
+          <p:cNvPr id="40" name="Rectángulo 39">
+            <a:extLst>
+              <a:ext uri="{FF2B5EF4-FFF2-40B4-BE49-F238E27FC236}">
+                <a16:creationId xmlns:a16="http://schemas.microsoft.com/office/drawing/2014/main" id="{6017DD29-4C24-4BC5-ABAA-FCC88C405BF8}"/>
+              </a:ext>
+            </a:extLst>
+          </p:cNvPr>
+          <p:cNvSpPr/>
+          <p:nvPr/>
+        </p:nvSpPr>
+        <p:spPr>
+          <a:xfrm>
+            <a:off x="6791258" y="1686935"/>
+            <a:ext cx="1734208" cy="672662"/>
+          </a:xfrm>
+          <a:prstGeom prst="rect">
+            <a:avLst/>
+          </a:prstGeom>
+        </p:spPr>
+        <p:style>
+          <a:lnRef idx="2">
+            <a:schemeClr val="accent1">
+              <a:shade val="50000"/>
+            </a:schemeClr>
+          </a:lnRef>
+          <a:fillRef idx="1">
+            <a:schemeClr val="accent1"/>
+          </a:fillRef>
+          <a:effectRef idx="0">
+            <a:schemeClr val="accent1"/>
+          </a:effectRef>
+          <a:fontRef idx="minor">
+            <a:schemeClr val="lt1"/>
+          </a:fontRef>
+        </p:style>
+        <p:txBody>
+          <a:bodyPr rtlCol="0" anchor="ctr"/>
+          <a:lstStyle/>
+          <a:p>
+            <a:r>
+              <a:rPr lang="es-MX" sz="1200" dirty="0"/>
+              <a:t>Deudas</a:t>
+            </a:r>
+          </a:p>
+          <a:p>
+            <a:r>
+              <a:rPr lang="es-MX" dirty="0"/>
+              <a:t>$$$</a:t>
+            </a:r>
             <a:endParaRPr lang="es-CO" dirty="0"/>
           </a:p>
-          <a:p>
-            <a:r>
-              <a:rPr lang="es-CO" dirty="0"/>
-              <a:t>Debe tener:</a:t>
-            </a:r>
-          </a:p>
-          <a:p>
-            <a:pPr lvl="1"/>
-            <a:r>
-              <a:rPr lang="es-CO" dirty="0"/>
-              <a:t>Control de ingresos y egresos</a:t>
-            </a:r>
-          </a:p>
-          <a:p>
-            <a:pPr lvl="1"/>
-            <a:r>
-              <a:rPr lang="es-CO" dirty="0" err="1"/>
-              <a:t>Wishlist</a:t>
-            </a:r>
-            <a:r>
-              <a:rPr lang="es-CO" dirty="0"/>
-              <a:t> + Notificación de cuando un precio baje.</a:t>
-            </a:r>
-          </a:p>
-          <a:p>
-            <a:pPr lvl="1"/>
-            <a:r>
-              <a:rPr lang="es-CO" dirty="0"/>
-              <a:t>Control de deudas (fecha de pago también)</a:t>
-            </a:r>
-          </a:p>
-          <a:p>
-            <a:pPr lvl="1"/>
-            <a:r>
-              <a:rPr lang="es-CO" dirty="0"/>
-              <a:t>Repartir dinero</a:t>
-            </a:r>
-          </a:p>
-          <a:p>
-            <a:pPr lvl="1"/>
-            <a:r>
-              <a:rPr lang="es-CO" dirty="0"/>
-              <a:t>Categorizar el dinero</a:t>
-            </a:r>
-          </a:p>
-          <a:p>
-            <a:pPr lvl="1"/>
+        </p:txBody>
+      </p:sp>
+      <p:pic>
+        <p:nvPicPr>
+          <p:cNvPr id="42" name="Imagen 41">
+            <a:extLst>
+              <a:ext uri="{FF2B5EF4-FFF2-40B4-BE49-F238E27FC236}">
+                <a16:creationId xmlns:a16="http://schemas.microsoft.com/office/drawing/2014/main" id="{C02F6EA9-A154-49D9-913A-955A5AA53E86}"/>
+              </a:ext>
+            </a:extLst>
+          </p:cNvPr>
+          <p:cNvPicPr>
+            <a:picLocks noChangeAspect="1"/>
+          </p:cNvPicPr>
+          <p:nvPr/>
+        </p:nvPicPr>
+        <p:blipFill>
+          <a:blip r:embed="rId7"/>
+          <a:stretch>
+            <a:fillRect/>
+          </a:stretch>
+        </p:blipFill>
+        <p:spPr>
+          <a:xfrm>
+            <a:off x="6956095" y="2754419"/>
+            <a:ext cx="4586016" cy="329749"/>
+          </a:xfrm>
+          <a:prstGeom prst="rect">
+            <a:avLst/>
+          </a:prstGeom>
+        </p:spPr>
+      </p:pic>
+      <p:sp>
+        <p:nvSpPr>
+          <p:cNvPr id="43" name="CuadroTexto 42">
+            <a:extLst>
+              <a:ext uri="{FF2B5EF4-FFF2-40B4-BE49-F238E27FC236}">
+                <a16:creationId xmlns:a16="http://schemas.microsoft.com/office/drawing/2014/main" id="{223843E7-05C9-4096-BE07-6A8A585C6B5F}"/>
+              </a:ext>
+            </a:extLst>
+          </p:cNvPr>
+          <p:cNvSpPr txBox="1"/>
+          <p:nvPr/>
+        </p:nvSpPr>
+        <p:spPr>
+          <a:xfrm>
+            <a:off x="851338" y="2627586"/>
+            <a:ext cx="4188263" cy="369332"/>
+          </a:xfrm>
+          <a:prstGeom prst="rect">
+            <a:avLst/>
+          </a:prstGeom>
+          <a:noFill/>
+        </p:spPr>
+        <p:txBody>
+          <a:bodyPr wrap="square" rtlCol="0">
+            <a:spAutoFit/>
+          </a:bodyPr>
+          <a:lstStyle/>
+          <a:p>
+            <a:pPr algn="ctr"/>
+            <a:r>
+              <a:rPr lang="es-MX" dirty="0"/>
+              <a:t>CATEGORIAS</a:t>
+            </a:r>
             <a:endParaRPr lang="es-CO" dirty="0"/>
           </a:p>
-          <a:p>
-            <a:pPr lvl="1"/>
-            <a:endParaRPr lang="es-CO" dirty="0"/>
-          </a:p>
-          <a:p>
+        </p:txBody>
+      </p:sp>
+      <p:sp>
+        <p:nvSpPr>
+          <p:cNvPr id="44" name="CuadroTexto 43">
+            <a:extLst>
+              <a:ext uri="{FF2B5EF4-FFF2-40B4-BE49-F238E27FC236}">
+                <a16:creationId xmlns:a16="http://schemas.microsoft.com/office/drawing/2014/main" id="{8D1A0674-7CC4-4ACC-9685-ED3BB3B764B5}"/>
+              </a:ext>
+            </a:extLst>
+          </p:cNvPr>
+          <p:cNvSpPr txBox="1"/>
+          <p:nvPr/>
+        </p:nvSpPr>
+        <p:spPr>
+          <a:xfrm>
+            <a:off x="7289422" y="2394138"/>
+            <a:ext cx="4188263" cy="369332"/>
+          </a:xfrm>
+          <a:prstGeom prst="rect">
+            <a:avLst/>
+          </a:prstGeom>
+          <a:noFill/>
+        </p:spPr>
+        <p:txBody>
+          <a:bodyPr wrap="square" rtlCol="0">
+            <a:spAutoFit/>
+          </a:bodyPr>
+          <a:lstStyle/>
+          <a:p>
+            <a:pPr algn="ctr"/>
+            <a:r>
+              <a:rPr lang="es-MX" dirty="0"/>
+              <a:t>Movimientos</a:t>
+            </a:r>
             <a:endParaRPr lang="es-CO" dirty="0"/>
           </a:p>
         </p:txBody>
@@ -5025,13 +8709,18 @@
     </p:spTree>
     <p:extLst>
       <p:ext uri="{BB962C8B-B14F-4D97-AF65-F5344CB8AC3E}">
-        <p14:creationId xmlns:p14="http://schemas.microsoft.com/office/powerpoint/2010/main" val="2902818816"/>
+        <p14:creationId xmlns:p14="http://schemas.microsoft.com/office/powerpoint/2010/main" val="3948051438"/>
       </p:ext>
     </p:extLst>
   </p:cSld>
   <p:clrMapOvr>
     <a:masterClrMapping/>
   </p:clrMapOvr>
+  <p:extLst>
+    <p:ext uri="{6950BFC3-D8DA-4A85-94F7-54DA5524770B}">
+      <p188:commentRel xmlns:p188="http://schemas.microsoft.com/office/powerpoint/2018/8/main" r:id="rId3"/>
+    </p:ext>
+  </p:extLst>
 </p:sld>
 </file>
 
@@ -5054,303 +8743,146 @@
       </p:grpSpPr>
       <p:sp>
         <p:nvSpPr>
-          <p:cNvPr id="2" name="Rectángulo 1">
-            <a:extLst>
-              <a:ext uri="{FF2B5EF4-FFF2-40B4-BE49-F238E27FC236}">
-                <a16:creationId xmlns:a16="http://schemas.microsoft.com/office/drawing/2014/main" id="{179E8C71-5EC1-4DC2-8A44-856A71263AC5}"/>
-              </a:ext>
-            </a:extLst>
-          </p:cNvPr>
-          <p:cNvSpPr/>
-          <p:nvPr/>
-        </p:nvSpPr>
-        <p:spPr>
-          <a:xfrm>
-            <a:off x="1435509" y="875071"/>
-            <a:ext cx="9458633" cy="5329084"/>
-          </a:xfrm>
-          <a:prstGeom prst="rect">
-            <a:avLst/>
-          </a:prstGeom>
-          <a:solidFill>
-            <a:schemeClr val="accent3">
-              <a:alpha val="50000"/>
-            </a:schemeClr>
-          </a:solidFill>
-          <a:ln>
-            <a:noFill/>
-          </a:ln>
-        </p:spPr>
-        <p:style>
-          <a:lnRef idx="0">
-            <a:scrgbClr r="0" g="0" b="0"/>
-          </a:lnRef>
-          <a:fillRef idx="0">
-            <a:scrgbClr r="0" g="0" b="0"/>
-          </a:fillRef>
-          <a:effectRef idx="0">
-            <a:scrgbClr r="0" g="0" b="0"/>
-          </a:effectRef>
-          <a:fontRef idx="minor">
-            <a:schemeClr val="lt1"/>
-          </a:fontRef>
-        </p:style>
-        <p:txBody>
-          <a:bodyPr rtlCol="0" anchor="ctr"/>
-          <a:lstStyle/>
-          <a:p>
-            <a:pPr algn="ctr"/>
-            <a:r>
-              <a:rPr lang="es-CO" b="1" dirty="0">
-                <a:solidFill>
-                  <a:srgbClr val="FF0000"/>
-                </a:solidFill>
-              </a:rPr>
-              <a:t>Este </a:t>
-            </a:r>
-            <a:r>
-              <a:rPr lang="es-CO" b="1" dirty="0" err="1">
-                <a:solidFill>
-                  <a:srgbClr val="FF0000"/>
-                </a:solidFill>
-              </a:rPr>
-              <a:t>dashboard</a:t>
-            </a:r>
-            <a:r>
-              <a:rPr lang="es-CO" b="1" dirty="0">
-                <a:solidFill>
-                  <a:srgbClr val="FF0000"/>
-                </a:solidFill>
-              </a:rPr>
-              <a:t> junta todos los </a:t>
-            </a:r>
-            <a:r>
-              <a:rPr lang="es-CO" b="1" dirty="0" err="1">
-                <a:solidFill>
-                  <a:srgbClr val="FF0000"/>
-                </a:solidFill>
-              </a:rPr>
-              <a:t>dashboard</a:t>
-            </a:r>
-            <a:r>
-              <a:rPr lang="es-CO" b="1" dirty="0">
-                <a:solidFill>
-                  <a:srgbClr val="FF0000"/>
-                </a:solidFill>
-              </a:rPr>
-              <a:t> de cada sección, aquí solo habrá una opción para organizar su orden</a:t>
-            </a:r>
-          </a:p>
-        </p:txBody>
-      </p:sp>
-      <p:pic>
-        <p:nvPicPr>
-          <p:cNvPr id="8" name="Imagen 7">
-            <a:hlinkClick r:id="rId2" action="ppaction://hlinksldjump"/>
-            <a:extLst>
-              <a:ext uri="{FF2B5EF4-FFF2-40B4-BE49-F238E27FC236}">
-                <a16:creationId xmlns:a16="http://schemas.microsoft.com/office/drawing/2014/main" id="{4B800D44-B81D-478E-982C-3D667A115CEB}"/>
-              </a:ext>
-            </a:extLst>
-          </p:cNvPr>
-          <p:cNvPicPr>
-            <a:picLocks noChangeAspect="1"/>
-          </p:cNvPicPr>
-          <p:nvPr/>
-        </p:nvPicPr>
-        <p:blipFill>
-          <a:blip r:embed="rId3"/>
-          <a:stretch>
-            <a:fillRect/>
-          </a:stretch>
-        </p:blipFill>
-        <p:spPr>
-          <a:xfrm>
-            <a:off x="9211890" y="875071"/>
-            <a:ext cx="552478" cy="514376"/>
-          </a:xfrm>
-          <a:prstGeom prst="rect">
-            <a:avLst/>
-          </a:prstGeom>
-        </p:spPr>
-      </p:pic>
-      <p:pic>
-        <p:nvPicPr>
-          <p:cNvPr id="10" name="Imagen 9">
-            <a:hlinkClick r:id="rId4" action="ppaction://hlinksldjump"/>
-            <a:extLst>
-              <a:ext uri="{FF2B5EF4-FFF2-40B4-BE49-F238E27FC236}">
-                <a16:creationId xmlns:a16="http://schemas.microsoft.com/office/drawing/2014/main" id="{08B3E7F1-4413-4C4A-AF19-4A3F9506D0F6}"/>
-              </a:ext>
-            </a:extLst>
-          </p:cNvPr>
-          <p:cNvPicPr>
-            <a:picLocks noChangeAspect="1"/>
-          </p:cNvPicPr>
-          <p:nvPr/>
-        </p:nvPicPr>
-        <p:blipFill>
-          <a:blip r:embed="rId5"/>
-          <a:stretch>
-            <a:fillRect/>
-          </a:stretch>
-        </p:blipFill>
-        <p:spPr>
-          <a:xfrm>
-            <a:off x="9764368" y="875071"/>
-            <a:ext cx="635033" cy="514376"/>
-          </a:xfrm>
-          <a:prstGeom prst="rect">
-            <a:avLst/>
-          </a:prstGeom>
-        </p:spPr>
-      </p:pic>
-      <p:sp>
-        <p:nvSpPr>
-          <p:cNvPr id="11" name="Botón de acción: obtener información 10">
-            <a:hlinkClick r:id="" action="ppaction://noaction" highlightClick="1"/>
-            <a:extLst>
-              <a:ext uri="{FF2B5EF4-FFF2-40B4-BE49-F238E27FC236}">
-                <a16:creationId xmlns:a16="http://schemas.microsoft.com/office/drawing/2014/main" id="{1702C256-8908-4CF4-A79A-E9955F758621}"/>
-              </a:ext>
-            </a:extLst>
-          </p:cNvPr>
-          <p:cNvSpPr/>
-          <p:nvPr/>
-        </p:nvSpPr>
-        <p:spPr>
-          <a:xfrm>
-            <a:off x="10399401" y="875071"/>
-            <a:ext cx="494742" cy="514376"/>
-          </a:xfrm>
-          <a:prstGeom prst="actionButtonInformation">
-            <a:avLst/>
-          </a:prstGeom>
-        </p:spPr>
-        <p:style>
-          <a:lnRef idx="2">
-            <a:schemeClr val="accent1">
-              <a:shade val="50000"/>
-            </a:schemeClr>
-          </a:lnRef>
-          <a:fillRef idx="1">
-            <a:schemeClr val="accent1"/>
-          </a:fillRef>
-          <a:effectRef idx="0">
-            <a:schemeClr val="accent1"/>
-          </a:effectRef>
-          <a:fontRef idx="minor">
-            <a:schemeClr val="lt1"/>
-          </a:fontRef>
-        </p:style>
-        <p:txBody>
-          <a:bodyPr rtlCol="0" anchor="ctr"/>
-          <a:lstStyle/>
-          <a:p>
-            <a:pPr algn="ctr"/>
-            <a:endParaRPr lang="es-CO"/>
-          </a:p>
-        </p:txBody>
-      </p:sp>
-      <p:pic>
-        <p:nvPicPr>
-          <p:cNvPr id="13" name="Imagen 12">
-            <a:extLst>
-              <a:ext uri="{FF2B5EF4-FFF2-40B4-BE49-F238E27FC236}">
-                <a16:creationId xmlns:a16="http://schemas.microsoft.com/office/drawing/2014/main" id="{5D5AF24E-002C-4E6E-9392-0230002CCEC8}"/>
-              </a:ext>
-            </a:extLst>
-          </p:cNvPr>
-          <p:cNvPicPr>
-            <a:picLocks noChangeAspect="1"/>
-          </p:cNvPicPr>
-          <p:nvPr/>
-        </p:nvPicPr>
-        <p:blipFill>
-          <a:blip r:embed="rId6"/>
-          <a:stretch>
-            <a:fillRect/>
-          </a:stretch>
-        </p:blipFill>
-        <p:spPr>
-          <a:xfrm>
-            <a:off x="2635045" y="875071"/>
-            <a:ext cx="6576845" cy="514376"/>
-          </a:xfrm>
-          <a:prstGeom prst="rect">
-            <a:avLst/>
-          </a:prstGeom>
-        </p:spPr>
-      </p:pic>
-      <p:pic>
-        <p:nvPicPr>
-          <p:cNvPr id="15" name="Imagen 14">
-            <a:extLst>
-              <a:ext uri="{FF2B5EF4-FFF2-40B4-BE49-F238E27FC236}">
-                <a16:creationId xmlns:a16="http://schemas.microsoft.com/office/drawing/2014/main" id="{13139302-3BA0-4FB1-948F-E188DB971667}"/>
-              </a:ext>
-            </a:extLst>
-          </p:cNvPr>
-          <p:cNvPicPr>
-            <a:picLocks noChangeAspect="1"/>
-          </p:cNvPicPr>
-          <p:nvPr/>
-        </p:nvPicPr>
-        <p:blipFill>
-          <a:blip r:embed="rId7"/>
-          <a:stretch>
-            <a:fillRect/>
-          </a:stretch>
-        </p:blipFill>
-        <p:spPr>
-          <a:xfrm>
-            <a:off x="1435510" y="875071"/>
-            <a:ext cx="1203801" cy="514376"/>
-          </a:xfrm>
-          <a:prstGeom prst="rect">
-            <a:avLst/>
-          </a:prstGeom>
-        </p:spPr>
-      </p:pic>
-      <p:sp>
-        <p:nvSpPr>
-          <p:cNvPr id="16" name="CuadroTexto 15">
-            <a:extLst>
-              <a:ext uri="{FF2B5EF4-FFF2-40B4-BE49-F238E27FC236}">
-                <a16:creationId xmlns:a16="http://schemas.microsoft.com/office/drawing/2014/main" id="{96D17C9C-7D0D-40DA-B48F-3166631861B9}"/>
-              </a:ext>
-            </a:extLst>
-          </p:cNvPr>
-          <p:cNvSpPr txBox="1"/>
-          <p:nvPr/>
-        </p:nvSpPr>
-        <p:spPr>
-          <a:xfrm>
-            <a:off x="2123768" y="1897626"/>
-            <a:ext cx="1228606" cy="369332"/>
-          </a:xfrm>
-          <a:prstGeom prst="rect">
-            <a:avLst/>
-          </a:prstGeom>
-          <a:noFill/>
-        </p:spPr>
-        <p:txBody>
-          <a:bodyPr wrap="none" rtlCol="0">
-            <a:spAutoFit/>
+          <p:cNvPr id="2" name="Título 1">
+            <a:extLst>
+              <a:ext uri="{FF2B5EF4-FFF2-40B4-BE49-F238E27FC236}">
+                <a16:creationId xmlns:a16="http://schemas.microsoft.com/office/drawing/2014/main" id="{3FBE3C7D-6599-4BB0-9934-6C55DE0DC7CE}"/>
+              </a:ext>
+            </a:extLst>
+          </p:cNvPr>
+          <p:cNvSpPr>
+            <a:spLocks noGrp="1"/>
+          </p:cNvSpPr>
+          <p:nvPr>
+            <p:ph type="title"/>
+          </p:nvPr>
+        </p:nvSpPr>
+        <p:spPr/>
+        <p:txBody>
+          <a:bodyPr/>
+          <a:lstStyle/>
+          <a:p>
+            <a:r>
+              <a:rPr lang="es-CO" dirty="0"/>
+              <a:t>Estudio	</a:t>
+            </a:r>
+          </a:p>
+        </p:txBody>
+      </p:sp>
+      <p:sp>
+        <p:nvSpPr>
+          <p:cNvPr id="3" name="Marcador de contenido 2">
+            <a:extLst>
+              <a:ext uri="{FF2B5EF4-FFF2-40B4-BE49-F238E27FC236}">
+                <a16:creationId xmlns:a16="http://schemas.microsoft.com/office/drawing/2014/main" id="{6A082713-E3B3-44E0-8F21-136953108611}"/>
+              </a:ext>
+            </a:extLst>
+          </p:cNvPr>
+          <p:cNvSpPr>
+            <a:spLocks noGrp="1"/>
+          </p:cNvSpPr>
+          <p:nvPr>
+            <p:ph idx="1"/>
+          </p:nvPr>
+        </p:nvSpPr>
+        <p:spPr>
+          <a:xfrm>
+            <a:off x="838200" y="1957705"/>
+            <a:ext cx="10515600" cy="4351338"/>
+          </a:xfrm>
+        </p:spPr>
+        <p:txBody>
+          <a:bodyPr>
+            <a:normAutofit fontScale="85000" lnSpcReduction="20000"/>
           </a:bodyPr>
           <a:lstStyle/>
           <a:p>
             <a:r>
-              <a:rPr lang="es-CO" b="1" dirty="0"/>
-              <a:t>DashBoard</a:t>
-            </a:r>
+              <a:rPr lang="es-CO" dirty="0"/>
+              <a:t>Existe gente que ya ha visto esa materia y la ha comprendido, entonces por qué tener que hacer apuntes y repasos como si fuese algo recién descubierto?</a:t>
+            </a:r>
+          </a:p>
+          <a:p>
+            <a:r>
+              <a:rPr lang="es-CO" dirty="0"/>
+              <a:t>Debe tener:</a:t>
+            </a:r>
+          </a:p>
+          <a:p>
+            <a:pPr lvl="1"/>
+            <a:r>
+              <a:rPr lang="es-CO" dirty="0"/>
+              <a:t>Mostrar temas que debo repasar</a:t>
+            </a:r>
+          </a:p>
+          <a:p>
+            <a:pPr lvl="1"/>
+            <a:r>
+              <a:rPr lang="es-CO" dirty="0"/>
+              <a:t>BD materias vistas</a:t>
+            </a:r>
+          </a:p>
+          <a:p>
+            <a:pPr lvl="1"/>
+            <a:r>
+              <a:rPr lang="es-CO" dirty="0"/>
+              <a:t>Por TEMA de MATERIA permitir generar: apuntes, resúmenes, exámenes y mazos ya hechos, o usar unos nuevos propios, preguntar si quiero que sean públicos o privados</a:t>
+            </a:r>
+          </a:p>
+          <a:p>
+            <a:pPr lvl="1"/>
+            <a:r>
+              <a:rPr lang="es-CO" dirty="0"/>
+              <a:t>Al generar esos apuntes, generar tarjetas ANKI.</a:t>
+            </a:r>
+          </a:p>
+          <a:p>
+            <a:pPr lvl="1"/>
+            <a:r>
+              <a:rPr lang="es-CO" dirty="0"/>
+              <a:t>Al generar materia, separar la sección entre temas vistos y temas no vistos</a:t>
+            </a:r>
+          </a:p>
+          <a:p>
+            <a:pPr lvl="1"/>
+            <a:r>
+              <a:rPr lang="es-CO" dirty="0"/>
+              <a:t>Permitir repaso del tema, y este será por competencias. </a:t>
+            </a:r>
+          </a:p>
+          <a:p>
+            <a:pPr lvl="1"/>
+            <a:r>
+              <a:rPr lang="es-CO" dirty="0"/>
+              <a:t>Opción de matricularse por id de la clase, si sucede esto, habrá un espacio dentro de la materia llamado tareas, que se sincronizará con las tareas.</a:t>
+            </a:r>
+          </a:p>
+          <a:p>
+            <a:pPr lvl="1"/>
+            <a:endParaRPr lang="es-CO" dirty="0"/>
+          </a:p>
+          <a:p>
+            <a:r>
+              <a:rPr lang="es-CO" dirty="0"/>
+              <a:t>Premium: Que se muestren los apuntes y eso por orden de valoración</a:t>
+            </a:r>
+          </a:p>
+          <a:p>
+            <a:pPr lvl="1"/>
+            <a:endParaRPr lang="es-CO" dirty="0"/>
+          </a:p>
+          <a:p>
+            <a:endParaRPr lang="es-CO" dirty="0"/>
+          </a:p>
+          <a:p>
+            <a:endParaRPr lang="es-CO" dirty="0"/>
           </a:p>
         </p:txBody>
       </p:sp>
     </p:spTree>
     <p:extLst>
       <p:ext uri="{BB962C8B-B14F-4D97-AF65-F5344CB8AC3E}">
-        <p14:creationId xmlns:p14="http://schemas.microsoft.com/office/powerpoint/2010/main" val="3213081361"/>
+        <p14:creationId xmlns:p14="http://schemas.microsoft.com/office/powerpoint/2010/main" val="733902909"/>
       </p:ext>
     </p:extLst>
   </p:cSld>
@@ -5377,64 +8909,12 @@
           <a:chExt cx="0" cy="0"/>
         </a:xfrm>
       </p:grpSpPr>
-      <p:sp>
-        <p:nvSpPr>
-          <p:cNvPr id="2" name="Rectángulo 1">
-            <a:extLst>
-              <a:ext uri="{FF2B5EF4-FFF2-40B4-BE49-F238E27FC236}">
-                <a16:creationId xmlns:a16="http://schemas.microsoft.com/office/drawing/2014/main" id="{179E8C71-5EC1-4DC2-8A44-856A71263AC5}"/>
-              </a:ext>
-            </a:extLst>
-          </p:cNvPr>
-          <p:cNvSpPr/>
-          <p:nvPr/>
-        </p:nvSpPr>
-        <p:spPr>
-          <a:xfrm>
-            <a:off x="1435509" y="875071"/>
-            <a:ext cx="9458633" cy="5329084"/>
-          </a:xfrm>
-          <a:prstGeom prst="rect">
-            <a:avLst/>
-          </a:prstGeom>
-          <a:solidFill>
-            <a:schemeClr val="accent3">
-              <a:alpha val="50000"/>
-            </a:schemeClr>
-          </a:solidFill>
-          <a:ln>
-            <a:noFill/>
-          </a:ln>
-        </p:spPr>
-        <p:style>
-          <a:lnRef idx="0">
-            <a:scrgbClr r="0" g="0" b="0"/>
-          </a:lnRef>
-          <a:fillRef idx="0">
-            <a:scrgbClr r="0" g="0" b="0"/>
-          </a:fillRef>
-          <a:effectRef idx="0">
-            <a:scrgbClr r="0" g="0" b="0"/>
-          </a:effectRef>
-          <a:fontRef idx="minor">
-            <a:schemeClr val="lt1"/>
-          </a:fontRef>
-        </p:style>
-        <p:txBody>
-          <a:bodyPr rtlCol="0" anchor="ctr"/>
-          <a:lstStyle/>
-          <a:p>
-            <a:pPr algn="ctr"/>
-            <a:endParaRPr lang="es-CO" dirty="0"/>
-          </a:p>
-        </p:txBody>
-      </p:sp>
       <p:pic>
         <p:nvPicPr>
-          <p:cNvPr id="8" name="Imagen 7">
-            <a:extLst>
-              <a:ext uri="{FF2B5EF4-FFF2-40B4-BE49-F238E27FC236}">
-                <a16:creationId xmlns:a16="http://schemas.microsoft.com/office/drawing/2014/main" id="{4B800D44-B81D-478E-982C-3D667A115CEB}"/>
+          <p:cNvPr id="4" name="Imagen 3">
+            <a:extLst>
+              <a:ext uri="{FF2B5EF4-FFF2-40B4-BE49-F238E27FC236}">
+                <a16:creationId xmlns:a16="http://schemas.microsoft.com/office/drawing/2014/main" id="{066B5034-3B0F-4AB6-A6CC-507B52B504ED}"/>
               </a:ext>
             </a:extLst>
           </p:cNvPr>
@@ -5443,60 +8923,93 @@
           </p:cNvPicPr>
           <p:nvPr/>
         </p:nvPicPr>
+        <p:blipFill rotWithShape="1">
+          <a:blip r:embed="rId4"/>
+          <a:srcRect l="10586" r="-1"/>
+          <a:stretch/>
+        </p:blipFill>
+        <p:spPr>
+          <a:xfrm>
+            <a:off x="-199699" y="191159"/>
+            <a:ext cx="12044641" cy="6666841"/>
+          </a:xfrm>
+          <a:prstGeom prst="rect">
+            <a:avLst/>
+          </a:prstGeom>
+        </p:spPr>
+      </p:pic>
+      <p:pic>
+        <p:nvPicPr>
+          <p:cNvPr id="3" name="Imagen 2">
+            <a:extLst>
+              <a:ext uri="{FF2B5EF4-FFF2-40B4-BE49-F238E27FC236}">
+                <a16:creationId xmlns:a16="http://schemas.microsoft.com/office/drawing/2014/main" id="{51C8136D-5EFA-406C-8C54-29E10D9C3D0F}"/>
+              </a:ext>
+            </a:extLst>
+          </p:cNvPr>
+          <p:cNvPicPr>
+            <a:picLocks noChangeAspect="1"/>
+          </p:cNvPicPr>
+          <p:nvPr/>
+        </p:nvPicPr>
         <p:blipFill>
-          <a:blip r:embed="rId2"/>
+          <a:blip r:embed="rId5"/>
           <a:stretch>
             <a:fillRect/>
           </a:stretch>
         </p:blipFill>
         <p:spPr>
           <a:xfrm>
-            <a:off x="9211890" y="875071"/>
-            <a:ext cx="552478" cy="514376"/>
+            <a:off x="373425" y="1294691"/>
+            <a:ext cx="4398272" cy="1757099"/>
           </a:xfrm>
           <a:prstGeom prst="rect">
             <a:avLst/>
           </a:prstGeom>
         </p:spPr>
       </p:pic>
-      <p:pic>
-        <p:nvPicPr>
-          <p:cNvPr id="10" name="Imagen 9">
-            <a:hlinkClick r:id="rId3" action="ppaction://hlinksldjump"/>
-            <a:extLst>
-              <a:ext uri="{FF2B5EF4-FFF2-40B4-BE49-F238E27FC236}">
-                <a16:creationId xmlns:a16="http://schemas.microsoft.com/office/drawing/2014/main" id="{08B3E7F1-4413-4C4A-AF19-4A3F9506D0F6}"/>
-              </a:ext>
-            </a:extLst>
-          </p:cNvPr>
-          <p:cNvPicPr>
-            <a:picLocks noChangeAspect="1"/>
-          </p:cNvPicPr>
-          <p:nvPr/>
-        </p:nvPicPr>
-        <p:blipFill>
-          <a:blip r:embed="rId4"/>
-          <a:stretch>
-            <a:fillRect/>
-          </a:stretch>
-        </p:blipFill>
-        <p:spPr>
-          <a:xfrm>
-            <a:off x="9764368" y="875071"/>
-            <a:ext cx="635033" cy="514376"/>
+      <p:sp>
+        <p:nvSpPr>
+          <p:cNvPr id="5" name="CuadroTexto 4">
+            <a:extLst>
+              <a:ext uri="{FF2B5EF4-FFF2-40B4-BE49-F238E27FC236}">
+                <a16:creationId xmlns:a16="http://schemas.microsoft.com/office/drawing/2014/main" id="{3E464088-2DAC-448C-A7C6-30A2FBD6A815}"/>
+              </a:ext>
+            </a:extLst>
+          </p:cNvPr>
+          <p:cNvSpPr txBox="1"/>
+          <p:nvPr/>
+        </p:nvSpPr>
+        <p:spPr>
+          <a:xfrm>
+            <a:off x="525519" y="1294691"/>
+            <a:ext cx="3954160" cy="338554"/>
           </a:xfrm>
           <a:prstGeom prst="rect">
             <a:avLst/>
           </a:prstGeom>
-        </p:spPr>
-      </p:pic>
-      <p:sp>
-        <p:nvSpPr>
-          <p:cNvPr id="11" name="Botón de acción: obtener información 10">
-            <a:hlinkClick r:id="" action="ppaction://noaction" highlightClick="1"/>
-            <a:extLst>
-              <a:ext uri="{FF2B5EF4-FFF2-40B4-BE49-F238E27FC236}">
-                <a16:creationId xmlns:a16="http://schemas.microsoft.com/office/drawing/2014/main" id="{1702C256-8908-4CF4-A79A-E9955F758621}"/>
+          <a:noFill/>
+        </p:spPr>
+        <p:txBody>
+          <a:bodyPr wrap="square" rtlCol="0">
+            <a:spAutoFit/>
+          </a:bodyPr>
+          <a:lstStyle/>
+          <a:p>
+            <a:r>
+              <a:rPr lang="es-MX" sz="1600" dirty="0"/>
+              <a:t>Tema                                  Materia	Repasar</a:t>
+            </a:r>
+            <a:endParaRPr lang="es-CO" sz="1600" dirty="0"/>
+          </a:p>
+        </p:txBody>
+      </p:sp>
+      <p:sp>
+        <p:nvSpPr>
+          <p:cNvPr id="7" name="Rectángulo: esquinas redondeadas 6">
+            <a:extLst>
+              <a:ext uri="{FF2B5EF4-FFF2-40B4-BE49-F238E27FC236}">
+                <a16:creationId xmlns:a16="http://schemas.microsoft.com/office/drawing/2014/main" id="{5B1D08B0-23C3-4E14-BBF1-12D6DC6DBB29}"/>
               </a:ext>
             </a:extLst>
           </p:cNvPr>
@@ -5505,10 +9018,10 @@
         </p:nvSpPr>
         <p:spPr>
           <a:xfrm>
-            <a:off x="10399401" y="875071"/>
-            <a:ext cx="494742" cy="514376"/>
-          </a:xfrm>
-          <a:prstGeom prst="actionButtonInformation">
+            <a:off x="2572561" y="1633245"/>
+            <a:ext cx="601846" cy="202578"/>
+          </a:xfrm>
+          <a:prstGeom prst="roundRect">
             <a:avLst/>
           </a:prstGeom>
         </p:spPr>
@@ -5533,111 +9046,20 @@
           <a:lstStyle/>
           <a:p>
             <a:pPr algn="ctr"/>
-            <a:endParaRPr lang="es-CO"/>
-          </a:p>
-        </p:txBody>
-      </p:sp>
-      <p:pic>
-        <p:nvPicPr>
-          <p:cNvPr id="13" name="Imagen 12">
-            <a:extLst>
-              <a:ext uri="{FF2B5EF4-FFF2-40B4-BE49-F238E27FC236}">
-                <a16:creationId xmlns:a16="http://schemas.microsoft.com/office/drawing/2014/main" id="{5D5AF24E-002C-4E6E-9392-0230002CCEC8}"/>
-              </a:ext>
-            </a:extLst>
-          </p:cNvPr>
-          <p:cNvPicPr>
-            <a:picLocks noChangeAspect="1"/>
-          </p:cNvPicPr>
-          <p:nvPr/>
-        </p:nvPicPr>
-        <p:blipFill>
-          <a:blip r:embed="rId5"/>
-          <a:stretch>
-            <a:fillRect/>
-          </a:stretch>
-        </p:blipFill>
-        <p:spPr>
-          <a:xfrm>
-            <a:off x="2635045" y="875071"/>
-            <a:ext cx="6576845" cy="514376"/>
-          </a:xfrm>
-          <a:prstGeom prst="rect">
-            <a:avLst/>
-          </a:prstGeom>
-        </p:spPr>
-      </p:pic>
-      <p:pic>
-        <p:nvPicPr>
-          <p:cNvPr id="15" name="Imagen 14">
-            <a:extLst>
-              <a:ext uri="{FF2B5EF4-FFF2-40B4-BE49-F238E27FC236}">
-                <a16:creationId xmlns:a16="http://schemas.microsoft.com/office/drawing/2014/main" id="{13139302-3BA0-4FB1-948F-E188DB971667}"/>
-              </a:ext>
-            </a:extLst>
-          </p:cNvPr>
-          <p:cNvPicPr>
-            <a:picLocks noChangeAspect="1"/>
-          </p:cNvPicPr>
-          <p:nvPr/>
-        </p:nvPicPr>
-        <p:blipFill>
-          <a:blip r:embed="rId6"/>
-          <a:stretch>
-            <a:fillRect/>
-          </a:stretch>
-        </p:blipFill>
-        <p:spPr>
-          <a:xfrm>
-            <a:off x="1435510" y="875071"/>
-            <a:ext cx="1203801" cy="514376"/>
-          </a:xfrm>
-          <a:prstGeom prst="rect">
-            <a:avLst/>
-          </a:prstGeom>
-        </p:spPr>
-      </p:pic>
-      <p:sp>
-        <p:nvSpPr>
-          <p:cNvPr id="16" name="CuadroTexto 15">
-            <a:extLst>
-              <a:ext uri="{FF2B5EF4-FFF2-40B4-BE49-F238E27FC236}">
-                <a16:creationId xmlns:a16="http://schemas.microsoft.com/office/drawing/2014/main" id="{96D17C9C-7D0D-40DA-B48F-3166631861B9}"/>
-              </a:ext>
-            </a:extLst>
-          </p:cNvPr>
-          <p:cNvSpPr txBox="1"/>
-          <p:nvPr/>
-        </p:nvSpPr>
-        <p:spPr>
-          <a:xfrm>
-            <a:off x="2123768" y="1897626"/>
-            <a:ext cx="1228606" cy="369332"/>
-          </a:xfrm>
-          <a:prstGeom prst="rect">
-            <a:avLst/>
-          </a:prstGeom>
-          <a:noFill/>
-        </p:spPr>
-        <p:txBody>
-          <a:bodyPr wrap="none" rtlCol="0">
-            <a:spAutoFit/>
-          </a:bodyPr>
-          <a:lstStyle/>
-          <a:p>
-            <a:r>
-              <a:rPr lang="es-CO" b="1" dirty="0"/>
-              <a:t>DashBoard</a:t>
-            </a:r>
-          </a:p>
-        </p:txBody>
-      </p:sp>
-      <p:sp>
-        <p:nvSpPr>
-          <p:cNvPr id="3" name="Rectángulo 2">
-            <a:extLst>
-              <a:ext uri="{FF2B5EF4-FFF2-40B4-BE49-F238E27FC236}">
-                <a16:creationId xmlns:a16="http://schemas.microsoft.com/office/drawing/2014/main" id="{E6131892-DF5D-4728-9018-56EF2F602F9B}"/>
+            <a:r>
+              <a:rPr lang="es-MX" sz="1200" dirty="0"/>
+              <a:t>CVDS</a:t>
+            </a:r>
+            <a:endParaRPr lang="es-CO" sz="1200" dirty="0"/>
+          </a:p>
+        </p:txBody>
+      </p:sp>
+      <p:sp>
+        <p:nvSpPr>
+          <p:cNvPr id="27" name="Rectángulo: esquinas redondeadas 26">
+            <a:extLst>
+              <a:ext uri="{FF2B5EF4-FFF2-40B4-BE49-F238E27FC236}">
+                <a16:creationId xmlns:a16="http://schemas.microsoft.com/office/drawing/2014/main" id="{8F2E72E4-FF59-4477-9C37-A831C0E44C6E}"/>
               </a:ext>
             </a:extLst>
           </p:cNvPr>
@@ -5646,272 +9068,10 @@
         </p:nvSpPr>
         <p:spPr>
           <a:xfrm>
-            <a:off x="7541339" y="1388697"/>
-            <a:ext cx="2252522" cy="1176772"/>
-          </a:xfrm>
-          <a:prstGeom prst="rect">
-            <a:avLst/>
-          </a:prstGeom>
-        </p:spPr>
-        <p:style>
-          <a:lnRef idx="2">
-            <a:schemeClr val="accent3"/>
-          </a:lnRef>
-          <a:fillRef idx="1">
-            <a:schemeClr val="lt1"/>
-          </a:fillRef>
-          <a:effectRef idx="0">
-            <a:schemeClr val="accent3"/>
-          </a:effectRef>
-          <a:fontRef idx="minor">
-            <a:schemeClr val="dk1"/>
-          </a:fontRef>
-        </p:style>
-        <p:txBody>
-          <a:bodyPr rtlCol="0" anchor="ctr"/>
-          <a:lstStyle/>
-          <a:p>
-            <a:pPr algn="ctr"/>
-            <a:endParaRPr lang="es-CO"/>
-          </a:p>
-        </p:txBody>
-      </p:sp>
-      <p:sp>
-        <p:nvSpPr>
-          <p:cNvPr id="12" name="CuadroTexto 11">
-            <a:hlinkClick r:id="rId7" action="ppaction://hlinksldjump"/>
-            <a:extLst>
-              <a:ext uri="{FF2B5EF4-FFF2-40B4-BE49-F238E27FC236}">
-                <a16:creationId xmlns:a16="http://schemas.microsoft.com/office/drawing/2014/main" id="{FC121F38-B927-4A59-952C-3B6802162006}"/>
-              </a:ext>
-            </a:extLst>
-          </p:cNvPr>
-          <p:cNvSpPr txBox="1"/>
-          <p:nvPr/>
-        </p:nvSpPr>
-        <p:spPr>
-          <a:xfrm>
-            <a:off x="7536447" y="1532914"/>
-            <a:ext cx="738920" cy="307777"/>
-          </a:xfrm>
-          <a:prstGeom prst="rect">
-            <a:avLst/>
-          </a:prstGeom>
-          <a:noFill/>
-        </p:spPr>
-        <p:txBody>
-          <a:bodyPr wrap="none" rtlCol="0">
-            <a:spAutoFit/>
-          </a:bodyPr>
-          <a:lstStyle/>
-          <a:p>
-            <a:r>
-              <a:rPr lang="es-CO" sz="1400" b="1" dirty="0"/>
-              <a:t>Estudio</a:t>
-            </a:r>
-          </a:p>
-        </p:txBody>
-      </p:sp>
-      <p:sp>
-        <p:nvSpPr>
-          <p:cNvPr id="14" name="CuadroTexto 13">
-            <a:hlinkClick r:id="rId8" action="ppaction://hlinksldjump"/>
-            <a:extLst>
-              <a:ext uri="{FF2B5EF4-FFF2-40B4-BE49-F238E27FC236}">
-                <a16:creationId xmlns:a16="http://schemas.microsoft.com/office/drawing/2014/main" id="{EB0BE00D-2436-4A33-B08C-A4D554131818}"/>
-              </a:ext>
-            </a:extLst>
-          </p:cNvPr>
-          <p:cNvSpPr txBox="1"/>
-          <p:nvPr/>
-        </p:nvSpPr>
-        <p:spPr>
-          <a:xfrm>
-            <a:off x="8215105" y="1528457"/>
-            <a:ext cx="821956" cy="307777"/>
-          </a:xfrm>
-          <a:prstGeom prst="rect">
-            <a:avLst/>
-          </a:prstGeom>
-          <a:noFill/>
-        </p:spPr>
-        <p:txBody>
-          <a:bodyPr wrap="none" rtlCol="0">
-            <a:spAutoFit/>
-          </a:bodyPr>
-          <a:lstStyle/>
-          <a:p>
-            <a:r>
-              <a:rPr lang="es-CO" sz="1400" b="1" dirty="0"/>
-              <a:t>Finanzas</a:t>
-            </a:r>
-          </a:p>
-        </p:txBody>
-      </p:sp>
-      <p:sp>
-        <p:nvSpPr>
-          <p:cNvPr id="17" name="CuadroTexto 16">
-            <a:extLst>
-              <a:ext uri="{FF2B5EF4-FFF2-40B4-BE49-F238E27FC236}">
-                <a16:creationId xmlns:a16="http://schemas.microsoft.com/office/drawing/2014/main" id="{57FAC113-4CAB-4366-8D02-CF3C75C264EC}"/>
-              </a:ext>
-            </a:extLst>
-          </p:cNvPr>
-          <p:cNvSpPr txBox="1"/>
-          <p:nvPr/>
-        </p:nvSpPr>
-        <p:spPr>
-          <a:xfrm>
-            <a:off x="7499822" y="1977083"/>
-            <a:ext cx="636713" cy="307777"/>
-          </a:xfrm>
-          <a:prstGeom prst="rect">
-            <a:avLst/>
-          </a:prstGeom>
-          <a:noFill/>
-        </p:spPr>
-        <p:txBody>
-          <a:bodyPr wrap="none" rtlCol="0">
-            <a:spAutoFit/>
-          </a:bodyPr>
-          <a:lstStyle/>
-          <a:p>
-            <a:r>
-              <a:rPr lang="es-CO" sz="1400" b="1" dirty="0"/>
-              <a:t>Diario</a:t>
-            </a:r>
-          </a:p>
-        </p:txBody>
-      </p:sp>
-      <p:sp>
-        <p:nvSpPr>
-          <p:cNvPr id="18" name="CuadroTexto 17">
-            <a:hlinkClick r:id="rId9" action="ppaction://hlinksldjump"/>
-            <a:extLst>
-              <a:ext uri="{FF2B5EF4-FFF2-40B4-BE49-F238E27FC236}">
-                <a16:creationId xmlns:a16="http://schemas.microsoft.com/office/drawing/2014/main" id="{91F887C6-A1DB-4834-9778-56ED003A23F6}"/>
-              </a:ext>
-            </a:extLst>
-          </p:cNvPr>
-          <p:cNvSpPr txBox="1"/>
-          <p:nvPr/>
-        </p:nvSpPr>
-        <p:spPr>
-          <a:xfrm>
-            <a:off x="8981710" y="1519435"/>
-            <a:ext cx="659604" cy="307777"/>
-          </a:xfrm>
-          <a:prstGeom prst="rect">
-            <a:avLst/>
-          </a:prstGeom>
-          <a:noFill/>
-        </p:spPr>
-        <p:txBody>
-          <a:bodyPr wrap="none" rtlCol="0">
-            <a:spAutoFit/>
-          </a:bodyPr>
-          <a:lstStyle/>
-          <a:p>
-            <a:r>
-              <a:rPr lang="es-CO" sz="1400" b="1" dirty="0"/>
-              <a:t>Tareas</a:t>
-            </a:r>
-          </a:p>
-        </p:txBody>
-      </p:sp>
-      <p:sp>
-        <p:nvSpPr>
-          <p:cNvPr id="19" name="CuadroTexto 18">
-            <a:extLst>
-              <a:ext uri="{FF2B5EF4-FFF2-40B4-BE49-F238E27FC236}">
-                <a16:creationId xmlns:a16="http://schemas.microsoft.com/office/drawing/2014/main" id="{F08C8139-307D-4008-B600-EDCF28AE007A}"/>
-              </a:ext>
-            </a:extLst>
-          </p:cNvPr>
-          <p:cNvSpPr txBox="1"/>
-          <p:nvPr/>
-        </p:nvSpPr>
-        <p:spPr>
-          <a:xfrm>
-            <a:off x="10942877" y="2043762"/>
-            <a:ext cx="1412566" cy="2308324"/>
-          </a:xfrm>
-          <a:prstGeom prst="rect">
-            <a:avLst/>
-          </a:prstGeom>
-          <a:noFill/>
-        </p:spPr>
-        <p:txBody>
-          <a:bodyPr wrap="none" rtlCol="0">
-            <a:spAutoFit/>
-          </a:bodyPr>
-          <a:lstStyle/>
-          <a:p>
-            <a:r>
-              <a:rPr lang="es-CO" b="1" dirty="0"/>
-              <a:t>Cada</a:t>
-            </a:r>
-          </a:p>
-          <a:p>
-            <a:r>
-              <a:rPr lang="es-CO" b="1" dirty="0"/>
-              <a:t>Sección</a:t>
-            </a:r>
-          </a:p>
-          <a:p>
-            <a:r>
-              <a:rPr lang="es-CO" b="1" dirty="0"/>
-              <a:t>Con </a:t>
-            </a:r>
-          </a:p>
-          <a:p>
-            <a:r>
-              <a:rPr lang="es-CO" b="1" dirty="0"/>
-              <a:t>Iconos.</a:t>
-            </a:r>
-          </a:p>
-          <a:p>
-            <a:endParaRPr lang="es-CO" b="1" dirty="0"/>
-          </a:p>
-          <a:p>
-            <a:r>
-              <a:rPr lang="es-CO" b="1" dirty="0"/>
-              <a:t>Cada sección</a:t>
-            </a:r>
-          </a:p>
-          <a:p>
-            <a:r>
-              <a:rPr lang="es-CO" b="1" dirty="0"/>
-              <a:t>En el coso</a:t>
-            </a:r>
-          </a:p>
-          <a:p>
-            <a:r>
-              <a:rPr lang="es-CO" b="1" dirty="0"/>
-              <a:t>lateral</a:t>
-            </a:r>
-          </a:p>
-        </p:txBody>
-      </p:sp>
-      <p:sp>
-        <p:nvSpPr>
-          <p:cNvPr id="20" name="Flecha: a la derecha 19">
-            <a:hlinkClick r:id="" action="ppaction://hlinkshowjump?jump=previousslide"/>
-            <a:extLst>
-              <a:ext uri="{FF2B5EF4-FFF2-40B4-BE49-F238E27FC236}">
-                <a16:creationId xmlns:a16="http://schemas.microsoft.com/office/drawing/2014/main" id="{4BA248A2-3F02-4F25-A857-680BF4ED09A7}"/>
-              </a:ext>
-            </a:extLst>
-          </p:cNvPr>
-          <p:cNvSpPr/>
-          <p:nvPr/>
-        </p:nvSpPr>
-        <p:spPr>
-          <a:xfrm rot="10800000">
-            <a:off x="383458" y="796413"/>
-            <a:ext cx="635033" cy="514376"/>
-          </a:xfrm>
-          <a:prstGeom prst="rightArrow">
+            <a:off x="3253604" y="1633245"/>
+            <a:ext cx="719448" cy="202578"/>
+          </a:xfrm>
+          <a:prstGeom prst="roundRect">
             <a:avLst/>
           </a:prstGeom>
         </p:spPr>
@@ -5936,20 +9096,664 @@
           <a:lstStyle/>
           <a:p>
             <a:pPr algn="ctr"/>
-            <a:endParaRPr lang="es-CO"/>
+            <a:r>
+              <a:rPr lang="es-MX" sz="1200" dirty="0"/>
+              <a:t>Repasar</a:t>
+            </a:r>
+            <a:endParaRPr lang="es-CO" sz="1200" dirty="0"/>
+          </a:p>
+        </p:txBody>
+      </p:sp>
+      <p:sp>
+        <p:nvSpPr>
+          <p:cNvPr id="28" name="Rectángulo: esquinas redondeadas 27">
+            <a:extLst>
+              <a:ext uri="{FF2B5EF4-FFF2-40B4-BE49-F238E27FC236}">
+                <a16:creationId xmlns:a16="http://schemas.microsoft.com/office/drawing/2014/main" id="{70CAD948-8372-4437-B9BA-6313216112A4}"/>
+              </a:ext>
+            </a:extLst>
+          </p:cNvPr>
+          <p:cNvSpPr/>
+          <p:nvPr/>
+        </p:nvSpPr>
+        <p:spPr>
+          <a:xfrm>
+            <a:off x="4052249" y="1633245"/>
+            <a:ext cx="719448" cy="202578"/>
+          </a:xfrm>
+          <a:prstGeom prst="roundRect">
+            <a:avLst/>
+          </a:prstGeom>
+        </p:spPr>
+        <p:style>
+          <a:lnRef idx="2">
+            <a:schemeClr val="accent1">
+              <a:shade val="50000"/>
+            </a:schemeClr>
+          </a:lnRef>
+          <a:fillRef idx="1">
+            <a:schemeClr val="accent1"/>
+          </a:fillRef>
+          <a:effectRef idx="0">
+            <a:schemeClr val="accent1"/>
+          </a:effectRef>
+          <a:fontRef idx="minor">
+            <a:schemeClr val="lt1"/>
+          </a:fontRef>
+        </p:style>
+        <p:txBody>
+          <a:bodyPr rtlCol="0" anchor="ctr"/>
+          <a:lstStyle/>
+          <a:p>
+            <a:pPr algn="ctr"/>
+            <a:r>
+              <a:rPr lang="es-MX" sz="1200" dirty="0" err="1"/>
+              <a:t>Gorilla</a:t>
+            </a:r>
+            <a:endParaRPr lang="es-CO" sz="1200" dirty="0"/>
+          </a:p>
+        </p:txBody>
+      </p:sp>
+      <p:sp>
+        <p:nvSpPr>
+          <p:cNvPr id="8" name="CuadroTexto 7">
+            <a:extLst>
+              <a:ext uri="{FF2B5EF4-FFF2-40B4-BE49-F238E27FC236}">
+                <a16:creationId xmlns:a16="http://schemas.microsoft.com/office/drawing/2014/main" id="{1093FB5B-F874-4DD0-8BB9-3AEA0281360A}"/>
+              </a:ext>
+            </a:extLst>
+          </p:cNvPr>
+          <p:cNvSpPr txBox="1"/>
+          <p:nvPr/>
+        </p:nvSpPr>
+        <p:spPr>
+          <a:xfrm>
+            <a:off x="525519" y="3429000"/>
+            <a:ext cx="4824247" cy="369332"/>
+          </a:xfrm>
+          <a:prstGeom prst="rect">
+            <a:avLst/>
+          </a:prstGeom>
+          <a:noFill/>
+        </p:spPr>
+        <p:txBody>
+          <a:bodyPr wrap="square" rtlCol="0">
+            <a:spAutoFit/>
+          </a:bodyPr>
+          <a:lstStyle/>
+          <a:p>
+            <a:r>
+              <a:rPr lang="es-MX" dirty="0"/>
+              <a:t>Materias actuales</a:t>
+            </a:r>
+            <a:endParaRPr lang="es-CO" dirty="0"/>
+          </a:p>
+        </p:txBody>
+      </p:sp>
+      <p:sp>
+        <p:nvSpPr>
+          <p:cNvPr id="30" name="CuadroTexto 29">
+            <a:extLst>
+              <a:ext uri="{FF2B5EF4-FFF2-40B4-BE49-F238E27FC236}">
+                <a16:creationId xmlns:a16="http://schemas.microsoft.com/office/drawing/2014/main" id="{B2905824-F736-4696-A422-91A072680859}"/>
+              </a:ext>
+            </a:extLst>
+          </p:cNvPr>
+          <p:cNvSpPr txBox="1"/>
+          <p:nvPr/>
+        </p:nvSpPr>
+        <p:spPr>
+          <a:xfrm>
+            <a:off x="841480" y="4037442"/>
+            <a:ext cx="4824247" cy="369332"/>
+          </a:xfrm>
+          <a:prstGeom prst="rect">
+            <a:avLst/>
+          </a:prstGeom>
+          <a:noFill/>
+        </p:spPr>
+        <p:txBody>
+          <a:bodyPr wrap="square" rtlCol="0">
+            <a:spAutoFit/>
+          </a:bodyPr>
+          <a:lstStyle/>
+          <a:p>
+            <a:r>
+              <a:rPr lang="es-MX" dirty="0"/>
+              <a:t>v Materia A</a:t>
+            </a:r>
+            <a:endParaRPr lang="es-CO" dirty="0"/>
+          </a:p>
+        </p:txBody>
+      </p:sp>
+      <p:sp>
+        <p:nvSpPr>
+          <p:cNvPr id="34" name="CuadroTexto 33">
+            <a:extLst>
+              <a:ext uri="{FF2B5EF4-FFF2-40B4-BE49-F238E27FC236}">
+                <a16:creationId xmlns:a16="http://schemas.microsoft.com/office/drawing/2014/main" id="{1401C86A-F16F-4AE9-994B-4204AD54C62E}"/>
+              </a:ext>
+            </a:extLst>
+          </p:cNvPr>
+          <p:cNvSpPr txBox="1"/>
+          <p:nvPr/>
+        </p:nvSpPr>
+        <p:spPr>
+          <a:xfrm>
+            <a:off x="1082457" y="4389383"/>
+            <a:ext cx="4824247" cy="1754326"/>
+          </a:xfrm>
+          <a:prstGeom prst="rect">
+            <a:avLst/>
+          </a:prstGeom>
+          <a:noFill/>
+        </p:spPr>
+        <p:txBody>
+          <a:bodyPr wrap="square" rtlCol="0">
+            <a:spAutoFit/>
+          </a:bodyPr>
+          <a:lstStyle/>
+          <a:p>
+            <a:r>
+              <a:rPr lang="es-MX" dirty="0"/>
+              <a:t>Tema A</a:t>
+            </a:r>
+          </a:p>
+          <a:p>
+            <a:r>
+              <a:rPr lang="es-MX" dirty="0"/>
+              <a:t>Tema B </a:t>
+            </a:r>
+          </a:p>
+          <a:p>
+            <a:r>
+              <a:rPr lang="es-MX" dirty="0"/>
+              <a:t>v Temas sin visualizar</a:t>
+            </a:r>
+          </a:p>
+          <a:p>
+            <a:r>
+              <a:rPr lang="es-MX" dirty="0"/>
+              <a:t>    Tema C</a:t>
+            </a:r>
+          </a:p>
+          <a:p>
+            <a:r>
+              <a:rPr lang="es-MX" dirty="0"/>
+              <a:t>    Tema D    </a:t>
+            </a:r>
+          </a:p>
+          <a:p>
+            <a:r>
+              <a:rPr lang="es-MX" dirty="0"/>
+              <a:t>&gt; </a:t>
+            </a:r>
+            <a:r>
+              <a:rPr lang="es-MX" dirty="0" err="1"/>
+              <a:t>Examenes</a:t>
+            </a:r>
+            <a:endParaRPr lang="es-CO" dirty="0"/>
+          </a:p>
+        </p:txBody>
+      </p:sp>
+      <p:pic>
+        <p:nvPicPr>
+          <p:cNvPr id="11" name="Imagen 10">
+            <a:extLst>
+              <a:ext uri="{FF2B5EF4-FFF2-40B4-BE49-F238E27FC236}">
+                <a16:creationId xmlns:a16="http://schemas.microsoft.com/office/drawing/2014/main" id="{9711237F-8342-4EFF-AECC-11DE450E1859}"/>
+              </a:ext>
+            </a:extLst>
+          </p:cNvPr>
+          <p:cNvPicPr>
+            <a:picLocks noChangeAspect="1"/>
+          </p:cNvPicPr>
+          <p:nvPr/>
+        </p:nvPicPr>
+        <p:blipFill>
+          <a:blip r:embed="rId6"/>
+          <a:stretch>
+            <a:fillRect/>
+          </a:stretch>
+        </p:blipFill>
+        <p:spPr>
+          <a:xfrm>
+            <a:off x="2814841" y="5302079"/>
+            <a:ext cx="245601" cy="239327"/>
+          </a:xfrm>
+          <a:prstGeom prst="rect">
+            <a:avLst/>
+          </a:prstGeom>
+        </p:spPr>
+      </p:pic>
+      <p:pic>
+        <p:nvPicPr>
+          <p:cNvPr id="41" name="Imagen 40">
+            <a:extLst>
+              <a:ext uri="{FF2B5EF4-FFF2-40B4-BE49-F238E27FC236}">
+                <a16:creationId xmlns:a16="http://schemas.microsoft.com/office/drawing/2014/main" id="{C77403EB-0ACA-45A3-B950-4AE6C788C46D}"/>
+              </a:ext>
+            </a:extLst>
+          </p:cNvPr>
+          <p:cNvPicPr>
+            <a:picLocks noChangeAspect="1"/>
+          </p:cNvPicPr>
+          <p:nvPr/>
+        </p:nvPicPr>
+        <p:blipFill>
+          <a:blip r:embed="rId6"/>
+          <a:stretch>
+            <a:fillRect/>
+          </a:stretch>
+        </p:blipFill>
+        <p:spPr>
+          <a:xfrm>
+            <a:off x="2821234" y="5584395"/>
+            <a:ext cx="245601" cy="239327"/>
+          </a:xfrm>
+          <a:prstGeom prst="rect">
+            <a:avLst/>
+          </a:prstGeom>
+        </p:spPr>
+      </p:pic>
+      <p:pic>
+        <p:nvPicPr>
+          <p:cNvPr id="17" name="Imagen 16">
+            <a:extLst>
+              <a:ext uri="{FF2B5EF4-FFF2-40B4-BE49-F238E27FC236}">
+                <a16:creationId xmlns:a16="http://schemas.microsoft.com/office/drawing/2014/main" id="{E0015642-A513-4047-883C-D35D76AC2563}"/>
+              </a:ext>
+            </a:extLst>
+          </p:cNvPr>
+          <p:cNvPicPr>
+            <a:picLocks noChangeAspect="1"/>
+          </p:cNvPicPr>
+          <p:nvPr/>
+        </p:nvPicPr>
+        <p:blipFill>
+          <a:blip r:embed="rId7"/>
+          <a:stretch>
+            <a:fillRect/>
+          </a:stretch>
+        </p:blipFill>
+        <p:spPr>
+          <a:xfrm>
+            <a:off x="2873484" y="4463547"/>
+            <a:ext cx="267223" cy="236151"/>
+          </a:xfrm>
+          <a:prstGeom prst="rect">
+            <a:avLst/>
+          </a:prstGeom>
+        </p:spPr>
+      </p:pic>
+      <p:pic>
+        <p:nvPicPr>
+          <p:cNvPr id="23" name="Imagen 22">
+            <a:extLst>
+              <a:ext uri="{FF2B5EF4-FFF2-40B4-BE49-F238E27FC236}">
+                <a16:creationId xmlns:a16="http://schemas.microsoft.com/office/drawing/2014/main" id="{FE9DA904-31A0-4BBA-A467-DBEABE644914}"/>
+              </a:ext>
+            </a:extLst>
+          </p:cNvPr>
+          <p:cNvPicPr>
+            <a:picLocks noChangeAspect="1"/>
+          </p:cNvPicPr>
+          <p:nvPr/>
+        </p:nvPicPr>
+        <p:blipFill>
+          <a:blip r:embed="rId8"/>
+          <a:stretch>
+            <a:fillRect/>
+          </a:stretch>
+        </p:blipFill>
+        <p:spPr>
+          <a:xfrm>
+            <a:off x="2638221" y="4460372"/>
+            <a:ext cx="235263" cy="242502"/>
+          </a:xfrm>
+          <a:prstGeom prst="rect">
+            <a:avLst/>
+          </a:prstGeom>
+        </p:spPr>
+      </p:pic>
+      <p:pic>
+        <p:nvPicPr>
+          <p:cNvPr id="46" name="Imagen 45">
+            <a:extLst>
+              <a:ext uri="{FF2B5EF4-FFF2-40B4-BE49-F238E27FC236}">
+                <a16:creationId xmlns:a16="http://schemas.microsoft.com/office/drawing/2014/main" id="{C3303CA2-6F1A-4C24-9C3C-64482975F997}"/>
+              </a:ext>
+            </a:extLst>
+          </p:cNvPr>
+          <p:cNvPicPr>
+            <a:picLocks noChangeAspect="1"/>
+          </p:cNvPicPr>
+          <p:nvPr/>
+        </p:nvPicPr>
+        <p:blipFill>
+          <a:blip r:embed="rId7"/>
+          <a:stretch>
+            <a:fillRect/>
+          </a:stretch>
+        </p:blipFill>
+        <p:spPr>
+          <a:xfrm>
+            <a:off x="2873484" y="4727541"/>
+            <a:ext cx="267223" cy="236151"/>
+          </a:xfrm>
+          <a:prstGeom prst="rect">
+            <a:avLst/>
+          </a:prstGeom>
+        </p:spPr>
+      </p:pic>
+      <p:pic>
+        <p:nvPicPr>
+          <p:cNvPr id="48" name="Imagen 47">
+            <a:extLst>
+              <a:ext uri="{FF2B5EF4-FFF2-40B4-BE49-F238E27FC236}">
+                <a16:creationId xmlns:a16="http://schemas.microsoft.com/office/drawing/2014/main" id="{D8F50265-E92D-4CAC-B6EC-9721D500D776}"/>
+              </a:ext>
+            </a:extLst>
+          </p:cNvPr>
+          <p:cNvPicPr>
+            <a:picLocks noChangeAspect="1"/>
+          </p:cNvPicPr>
+          <p:nvPr/>
+        </p:nvPicPr>
+        <p:blipFill>
+          <a:blip r:embed="rId8"/>
+          <a:stretch>
+            <a:fillRect/>
+          </a:stretch>
+        </p:blipFill>
+        <p:spPr>
+          <a:xfrm>
+            <a:off x="2638221" y="4734272"/>
+            <a:ext cx="235263" cy="242502"/>
+          </a:xfrm>
+          <a:prstGeom prst="rect">
+            <a:avLst/>
+          </a:prstGeom>
+        </p:spPr>
+      </p:pic>
+      <p:sp>
+        <p:nvSpPr>
+          <p:cNvPr id="24" name="Elipse 23">
+            <a:extLst>
+              <a:ext uri="{FF2B5EF4-FFF2-40B4-BE49-F238E27FC236}">
+                <a16:creationId xmlns:a16="http://schemas.microsoft.com/office/drawing/2014/main" id="{F58F5847-7162-4D0C-A6CB-B602BEA5AFCC}"/>
+              </a:ext>
+            </a:extLst>
+          </p:cNvPr>
+          <p:cNvSpPr/>
+          <p:nvPr/>
+        </p:nvSpPr>
+        <p:spPr>
+          <a:xfrm>
+            <a:off x="2301766" y="4037442"/>
+            <a:ext cx="336455" cy="320543"/>
+          </a:xfrm>
+          <a:prstGeom prst="ellipse">
+            <a:avLst/>
+          </a:prstGeom>
+        </p:spPr>
+        <p:style>
+          <a:lnRef idx="2">
+            <a:schemeClr val="accent1">
+              <a:shade val="50000"/>
+            </a:schemeClr>
+          </a:lnRef>
+          <a:fillRef idx="1">
+            <a:schemeClr val="accent1"/>
+          </a:fillRef>
+          <a:effectRef idx="0">
+            <a:schemeClr val="accent1"/>
+          </a:effectRef>
+          <a:fontRef idx="minor">
+            <a:schemeClr val="lt1"/>
+          </a:fontRef>
+        </p:style>
+        <p:txBody>
+          <a:bodyPr rtlCol="0" anchor="ctr"/>
+          <a:lstStyle/>
+          <a:p>
+            <a:pPr algn="ctr"/>
+            <a:r>
+              <a:rPr lang="es-MX" dirty="0"/>
+              <a:t>+</a:t>
+            </a:r>
+            <a:endParaRPr lang="es-CO" dirty="0"/>
+          </a:p>
+        </p:txBody>
+      </p:sp>
+      <p:pic>
+        <p:nvPicPr>
+          <p:cNvPr id="49" name="Imagen 48">
+            <a:extLst>
+              <a:ext uri="{FF2B5EF4-FFF2-40B4-BE49-F238E27FC236}">
+                <a16:creationId xmlns:a16="http://schemas.microsoft.com/office/drawing/2014/main" id="{536DE9CA-A48D-4884-BF16-91622235A961}"/>
+              </a:ext>
+            </a:extLst>
+          </p:cNvPr>
+          <p:cNvPicPr>
+            <a:picLocks noChangeAspect="1"/>
+          </p:cNvPicPr>
+          <p:nvPr/>
+        </p:nvPicPr>
+        <p:blipFill>
+          <a:blip r:embed="rId5"/>
+          <a:stretch>
+            <a:fillRect/>
+          </a:stretch>
+        </p:blipFill>
+        <p:spPr>
+          <a:xfrm>
+            <a:off x="6991994" y="1305201"/>
+            <a:ext cx="4398272" cy="1757099"/>
+          </a:xfrm>
+          <a:prstGeom prst="rect">
+            <a:avLst/>
+          </a:prstGeom>
+        </p:spPr>
+      </p:pic>
+      <p:sp>
+        <p:nvSpPr>
+          <p:cNvPr id="50" name="CuadroTexto 49">
+            <a:extLst>
+              <a:ext uri="{FF2B5EF4-FFF2-40B4-BE49-F238E27FC236}">
+                <a16:creationId xmlns:a16="http://schemas.microsoft.com/office/drawing/2014/main" id="{DC3CC022-4B93-436F-834F-862B26C8F34C}"/>
+              </a:ext>
+            </a:extLst>
+          </p:cNvPr>
+          <p:cNvSpPr txBox="1"/>
+          <p:nvPr/>
+        </p:nvSpPr>
+        <p:spPr>
+          <a:xfrm>
+            <a:off x="6970833" y="1297248"/>
+            <a:ext cx="2772257" cy="335997"/>
+          </a:xfrm>
+          <a:prstGeom prst="rect">
+            <a:avLst/>
+          </a:prstGeom>
+          <a:noFill/>
+        </p:spPr>
+        <p:txBody>
+          <a:bodyPr wrap="square" rtlCol="0">
+            <a:spAutoFit/>
+          </a:bodyPr>
+          <a:lstStyle/>
+          <a:p>
+            <a:r>
+              <a:rPr lang="es-MX" sz="1600" dirty="0"/>
+              <a:t>Examen                              Fecha</a:t>
+            </a:r>
+            <a:endParaRPr lang="es-CO" sz="1600" dirty="0"/>
+          </a:p>
+        </p:txBody>
+      </p:sp>
+      <p:sp>
+        <p:nvSpPr>
+          <p:cNvPr id="51" name="CuadroTexto 50">
+            <a:extLst>
+              <a:ext uri="{FF2B5EF4-FFF2-40B4-BE49-F238E27FC236}">
+                <a16:creationId xmlns:a16="http://schemas.microsoft.com/office/drawing/2014/main" id="{B863F788-739E-4F51-A737-20C8C558A831}"/>
+              </a:ext>
+            </a:extLst>
+          </p:cNvPr>
+          <p:cNvSpPr txBox="1"/>
+          <p:nvPr/>
+        </p:nvSpPr>
+        <p:spPr>
+          <a:xfrm>
+            <a:off x="9926407" y="1317489"/>
+            <a:ext cx="1442698" cy="369332"/>
+          </a:xfrm>
+          <a:prstGeom prst="rect">
+            <a:avLst/>
+          </a:prstGeom>
+          <a:noFill/>
+        </p:spPr>
+        <p:txBody>
+          <a:bodyPr wrap="square" rtlCol="0">
+            <a:spAutoFit/>
+          </a:bodyPr>
+          <a:lstStyle/>
+          <a:p>
+            <a:r>
+              <a:rPr lang="es-MX" sz="900" dirty="0"/>
+              <a:t>      Preparación</a:t>
+            </a:r>
+            <a:br>
+              <a:rPr lang="es-MX" sz="900" dirty="0"/>
+            </a:br>
+            <a:r>
+              <a:rPr lang="es-MX" sz="900" dirty="0"/>
+              <a:t>Teórico   practico</a:t>
+            </a:r>
+            <a:endParaRPr lang="es-CO" sz="900" dirty="0"/>
+          </a:p>
+        </p:txBody>
+      </p:sp>
+      <p:sp>
+        <p:nvSpPr>
+          <p:cNvPr id="25" name="Rectángulo 24">
+            <a:extLst>
+              <a:ext uri="{FF2B5EF4-FFF2-40B4-BE49-F238E27FC236}">
+                <a16:creationId xmlns:a16="http://schemas.microsoft.com/office/drawing/2014/main" id="{04D8C34C-F8D8-454E-93DE-566477EEF066}"/>
+              </a:ext>
+            </a:extLst>
+          </p:cNvPr>
+          <p:cNvSpPr/>
+          <p:nvPr/>
+        </p:nvSpPr>
+        <p:spPr>
+          <a:xfrm>
+            <a:off x="6096000" y="3613666"/>
+            <a:ext cx="5686752" cy="2900855"/>
+          </a:xfrm>
+          <a:prstGeom prst="rect">
+            <a:avLst/>
+          </a:prstGeom>
+        </p:spPr>
+        <p:style>
+          <a:lnRef idx="2">
+            <a:schemeClr val="accent1">
+              <a:shade val="50000"/>
+            </a:schemeClr>
+          </a:lnRef>
+          <a:fillRef idx="1">
+            <a:schemeClr val="accent1"/>
+          </a:fillRef>
+          <a:effectRef idx="0">
+            <a:schemeClr val="accent1"/>
+          </a:effectRef>
+          <a:fontRef idx="minor">
+            <a:schemeClr val="lt1"/>
+          </a:fontRef>
+        </p:style>
+        <p:txBody>
+          <a:bodyPr rtlCol="0" anchor="ctr"/>
+          <a:lstStyle/>
+          <a:p>
+            <a:pPr algn="ctr"/>
+            <a:r>
+              <a:rPr lang="es-MX" dirty="0"/>
+              <a:t>HORARIO</a:t>
+            </a:r>
+            <a:endParaRPr lang="es-CO" dirty="0"/>
+          </a:p>
+        </p:txBody>
+      </p:sp>
+      <p:sp>
+        <p:nvSpPr>
+          <p:cNvPr id="22" name="Rectángulo: esquinas redondeadas 21">
+            <a:extLst>
+              <a:ext uri="{FF2B5EF4-FFF2-40B4-BE49-F238E27FC236}">
+                <a16:creationId xmlns:a16="http://schemas.microsoft.com/office/drawing/2014/main" id="{25C0ED86-DADD-4FB9-ABB5-94A5EF014239}"/>
+              </a:ext>
+            </a:extLst>
+          </p:cNvPr>
+          <p:cNvSpPr/>
+          <p:nvPr/>
+        </p:nvSpPr>
+        <p:spPr>
+          <a:xfrm>
+            <a:off x="2587230" y="3435139"/>
+            <a:ext cx="839141" cy="263916"/>
+          </a:xfrm>
+          <a:prstGeom prst="roundRect">
+            <a:avLst/>
+          </a:prstGeom>
+        </p:spPr>
+        <p:style>
+          <a:lnRef idx="2">
+            <a:schemeClr val="accent1">
+              <a:shade val="50000"/>
+            </a:schemeClr>
+          </a:lnRef>
+          <a:fillRef idx="1">
+            <a:schemeClr val="accent1"/>
+          </a:fillRef>
+          <a:effectRef idx="0">
+            <a:schemeClr val="accent1"/>
+          </a:effectRef>
+          <a:fontRef idx="minor">
+            <a:schemeClr val="lt1"/>
+          </a:fontRef>
+        </p:style>
+        <p:txBody>
+          <a:bodyPr rtlCol="0" anchor="ctr"/>
+          <a:lstStyle/>
+          <a:p>
+            <a:pPr algn="ctr"/>
+            <a:r>
+              <a:rPr lang="es-MX" sz="1200" dirty="0"/>
+              <a:t>Expandir </a:t>
+            </a:r>
+            <a:r>
+              <a:rPr lang="es-MX" sz="1200" dirty="0" err="1"/>
+              <a:t>odo</a:t>
+            </a:r>
+            <a:endParaRPr lang="es-CO" sz="1200" dirty="0"/>
           </a:p>
         </p:txBody>
       </p:sp>
     </p:spTree>
     <p:extLst>
       <p:ext uri="{BB962C8B-B14F-4D97-AF65-F5344CB8AC3E}">
-        <p14:creationId xmlns:p14="http://schemas.microsoft.com/office/powerpoint/2010/main" val="3676270241"/>
+        <p14:creationId xmlns:p14="http://schemas.microsoft.com/office/powerpoint/2010/main" val="328824262"/>
       </p:ext>
     </p:extLst>
   </p:cSld>
   <p:clrMapOvr>
     <a:masterClrMapping/>
   </p:clrMapOvr>
+  <p:extLst>
+    <p:ext uri="{6950BFC3-D8DA-4A85-94F7-54DA5524770B}">
+      <p188:commentRel xmlns:p188="http://schemas.microsoft.com/office/powerpoint/2018/8/main" r:id="rId3"/>
+    </p:ext>
+  </p:extLst>
 </p:sld>
 </file>
 
@@ -5970,65 +9774,12 @@
           <a:chExt cx="0" cy="0"/>
         </a:xfrm>
       </p:grpSpPr>
-      <p:sp>
-        <p:nvSpPr>
-          <p:cNvPr id="2" name="Rectángulo 1">
-            <a:extLst>
-              <a:ext uri="{FF2B5EF4-FFF2-40B4-BE49-F238E27FC236}">
-                <a16:creationId xmlns:a16="http://schemas.microsoft.com/office/drawing/2014/main" id="{179E8C71-5EC1-4DC2-8A44-856A71263AC5}"/>
-              </a:ext>
-            </a:extLst>
-          </p:cNvPr>
-          <p:cNvSpPr/>
-          <p:nvPr/>
-        </p:nvSpPr>
-        <p:spPr>
-          <a:xfrm>
-            <a:off x="1435509" y="875071"/>
-            <a:ext cx="9458633" cy="5329084"/>
-          </a:xfrm>
-          <a:prstGeom prst="rect">
-            <a:avLst/>
-          </a:prstGeom>
-          <a:solidFill>
-            <a:schemeClr val="accent3">
-              <a:alpha val="50000"/>
-            </a:schemeClr>
-          </a:solidFill>
-          <a:ln>
-            <a:noFill/>
-          </a:ln>
-        </p:spPr>
-        <p:style>
-          <a:lnRef idx="0">
-            <a:scrgbClr r="0" g="0" b="0"/>
-          </a:lnRef>
-          <a:fillRef idx="0">
-            <a:scrgbClr r="0" g="0" b="0"/>
-          </a:fillRef>
-          <a:effectRef idx="0">
-            <a:scrgbClr r="0" g="0" b="0"/>
-          </a:effectRef>
-          <a:fontRef idx="minor">
-            <a:schemeClr val="lt1"/>
-          </a:fontRef>
-        </p:style>
-        <p:txBody>
-          <a:bodyPr rtlCol="0" anchor="ctr"/>
-          <a:lstStyle/>
-          <a:p>
-            <a:pPr algn="ctr"/>
-            <a:endParaRPr lang="es-CO" dirty="0"/>
-          </a:p>
-        </p:txBody>
-      </p:sp>
       <p:pic>
         <p:nvPicPr>
-          <p:cNvPr id="8" name="Imagen 7">
-            <a:hlinkClick r:id="rId2" action="ppaction://hlinksldjump"/>
-            <a:extLst>
-              <a:ext uri="{FF2B5EF4-FFF2-40B4-BE49-F238E27FC236}">
-                <a16:creationId xmlns:a16="http://schemas.microsoft.com/office/drawing/2014/main" id="{4B800D44-B81D-478E-982C-3D667A115CEB}"/>
+          <p:cNvPr id="2" name="Imagen 1">
+            <a:extLst>
+              <a:ext uri="{FF2B5EF4-FFF2-40B4-BE49-F238E27FC236}">
+                <a16:creationId xmlns:a16="http://schemas.microsoft.com/office/drawing/2014/main" id="{19DA98B4-23B7-4C82-8FA2-4DA36A12D5DD}"/>
               </a:ext>
             </a:extLst>
           </p:cNvPr>
@@ -6037,16 +9788,15 @@
           </p:cNvPicPr>
           <p:nvPr/>
         </p:nvPicPr>
-        <p:blipFill>
-          <a:blip r:embed="rId3"/>
-          <a:stretch>
-            <a:fillRect/>
-          </a:stretch>
+        <p:blipFill rotWithShape="1">
+          <a:blip r:embed="rId4"/>
+          <a:srcRect l="10586" r="-1"/>
+          <a:stretch/>
         </p:blipFill>
         <p:spPr>
           <a:xfrm>
-            <a:off x="9211890" y="875071"/>
-            <a:ext cx="552478" cy="514376"/>
+            <a:off x="-10511" y="191159"/>
+            <a:ext cx="12044641" cy="6666841"/>
           </a:xfrm>
           <a:prstGeom prst="rect">
             <a:avLst/>
@@ -6055,87 +9805,10 @@
       </p:pic>
       <p:pic>
         <p:nvPicPr>
-          <p:cNvPr id="10" name="Imagen 9">
-            <a:extLst>
-              <a:ext uri="{FF2B5EF4-FFF2-40B4-BE49-F238E27FC236}">
-                <a16:creationId xmlns:a16="http://schemas.microsoft.com/office/drawing/2014/main" id="{08B3E7F1-4413-4C4A-AF19-4A3F9506D0F6}"/>
-              </a:ext>
-            </a:extLst>
-          </p:cNvPr>
-          <p:cNvPicPr>
-            <a:picLocks noChangeAspect="1"/>
-          </p:cNvPicPr>
-          <p:nvPr/>
-        </p:nvPicPr>
-        <p:blipFill>
-          <a:blip r:embed="rId4"/>
-          <a:stretch>
-            <a:fillRect/>
-          </a:stretch>
-        </p:blipFill>
-        <p:spPr>
-          <a:xfrm>
-            <a:off x="9764368" y="875071"/>
-            <a:ext cx="635033" cy="514376"/>
-          </a:xfrm>
-          <a:prstGeom prst="rect">
-            <a:avLst/>
-          </a:prstGeom>
-        </p:spPr>
-      </p:pic>
-      <p:sp>
-        <p:nvSpPr>
-          <p:cNvPr id="11" name="Botón de acción: obtener información 10">
-            <a:hlinkClick r:id="" action="ppaction://noaction" highlightClick="1"/>
-            <a:extLst>
-              <a:ext uri="{FF2B5EF4-FFF2-40B4-BE49-F238E27FC236}">
-                <a16:creationId xmlns:a16="http://schemas.microsoft.com/office/drawing/2014/main" id="{1702C256-8908-4CF4-A79A-E9955F758621}"/>
-              </a:ext>
-            </a:extLst>
-          </p:cNvPr>
-          <p:cNvSpPr/>
-          <p:nvPr/>
-        </p:nvSpPr>
-        <p:spPr>
-          <a:xfrm>
-            <a:off x="10399401" y="875071"/>
-            <a:ext cx="494742" cy="514376"/>
-          </a:xfrm>
-          <a:prstGeom prst="actionButtonInformation">
-            <a:avLst/>
-          </a:prstGeom>
-        </p:spPr>
-        <p:style>
-          <a:lnRef idx="2">
-            <a:schemeClr val="accent1">
-              <a:shade val="50000"/>
-            </a:schemeClr>
-          </a:lnRef>
-          <a:fillRef idx="1">
-            <a:schemeClr val="accent1"/>
-          </a:fillRef>
-          <a:effectRef idx="0">
-            <a:schemeClr val="accent1"/>
-          </a:effectRef>
-          <a:fontRef idx="minor">
-            <a:schemeClr val="lt1"/>
-          </a:fontRef>
-        </p:style>
-        <p:txBody>
-          <a:bodyPr rtlCol="0" anchor="ctr"/>
-          <a:lstStyle/>
-          <a:p>
-            <a:pPr algn="ctr"/>
-            <a:endParaRPr lang="es-CO"/>
-          </a:p>
-        </p:txBody>
-      </p:sp>
-      <p:pic>
-        <p:nvPicPr>
-          <p:cNvPr id="13" name="Imagen 12">
-            <a:extLst>
-              <a:ext uri="{FF2B5EF4-FFF2-40B4-BE49-F238E27FC236}">
-                <a16:creationId xmlns:a16="http://schemas.microsoft.com/office/drawing/2014/main" id="{5D5AF24E-002C-4E6E-9392-0230002CCEC8}"/>
+          <p:cNvPr id="4" name="Imagen 3">
+            <a:extLst>
+              <a:ext uri="{FF2B5EF4-FFF2-40B4-BE49-F238E27FC236}">
+                <a16:creationId xmlns:a16="http://schemas.microsoft.com/office/drawing/2014/main" id="{7E580C8A-4097-4C4C-9C20-135B5BC5B52D}"/>
               </a:ext>
             </a:extLst>
           </p:cNvPr>
@@ -6152,8 +9825,8 @@
         </p:blipFill>
         <p:spPr>
           <a:xfrm>
-            <a:off x="2635045" y="875071"/>
-            <a:ext cx="6576845" cy="514376"/>
+            <a:off x="1699521" y="1580747"/>
+            <a:ext cx="8191921" cy="1244664"/>
           </a:xfrm>
           <a:prstGeom prst="rect">
             <a:avLst/>
@@ -6162,10 +9835,10 @@
       </p:pic>
       <p:pic>
         <p:nvPicPr>
-          <p:cNvPr id="15" name="Imagen 14">
-            <a:extLst>
-              <a:ext uri="{FF2B5EF4-FFF2-40B4-BE49-F238E27FC236}">
-                <a16:creationId xmlns:a16="http://schemas.microsoft.com/office/drawing/2014/main" id="{13139302-3BA0-4FB1-948F-E188DB971667}"/>
+          <p:cNvPr id="6" name="Imagen 5">
+            <a:extLst>
+              <a:ext uri="{FF2B5EF4-FFF2-40B4-BE49-F238E27FC236}">
+                <a16:creationId xmlns:a16="http://schemas.microsoft.com/office/drawing/2014/main" id="{CA503976-FE6B-43CA-8DB3-D61ABCE27380}"/>
               </a:ext>
             </a:extLst>
           </p:cNvPr>
@@ -6182,260 +9855,29 @@
         </p:blipFill>
         <p:spPr>
           <a:xfrm>
-            <a:off x="1435510" y="875071"/>
-            <a:ext cx="1203801" cy="514376"/>
+            <a:off x="3245751" y="191158"/>
+            <a:ext cx="5099463" cy="666135"/>
           </a:xfrm>
           <a:prstGeom prst="rect">
             <a:avLst/>
           </a:prstGeom>
         </p:spPr>
       </p:pic>
-      <p:sp>
-        <p:nvSpPr>
-          <p:cNvPr id="16" name="CuadroTexto 15">
-            <a:extLst>
-              <a:ext uri="{FF2B5EF4-FFF2-40B4-BE49-F238E27FC236}">
-                <a16:creationId xmlns:a16="http://schemas.microsoft.com/office/drawing/2014/main" id="{96D17C9C-7D0D-40DA-B48F-3166631861B9}"/>
-              </a:ext>
-            </a:extLst>
-          </p:cNvPr>
-          <p:cNvSpPr txBox="1"/>
-          <p:nvPr/>
-        </p:nvSpPr>
-        <p:spPr>
-          <a:xfrm>
-            <a:off x="3258885" y="1880749"/>
-            <a:ext cx="1228606" cy="369332"/>
-          </a:xfrm>
-          <a:prstGeom prst="rect">
-            <a:avLst/>
-          </a:prstGeom>
-          <a:noFill/>
-        </p:spPr>
-        <p:txBody>
-          <a:bodyPr wrap="none" rtlCol="0">
-            <a:spAutoFit/>
-          </a:bodyPr>
-          <a:lstStyle/>
-          <a:p>
-            <a:r>
-              <a:rPr lang="es-CO" b="1" dirty="0"/>
-              <a:t>DashBoard</a:t>
-            </a:r>
-          </a:p>
-        </p:txBody>
-      </p:sp>
-      <p:sp>
-        <p:nvSpPr>
-          <p:cNvPr id="3" name="Rectángulo 2">
-            <a:extLst>
-              <a:ext uri="{FF2B5EF4-FFF2-40B4-BE49-F238E27FC236}">
-                <a16:creationId xmlns:a16="http://schemas.microsoft.com/office/drawing/2014/main" id="{E6131892-DF5D-4728-9018-56EF2F602F9B}"/>
-              </a:ext>
-            </a:extLst>
-          </p:cNvPr>
-          <p:cNvSpPr/>
-          <p:nvPr/>
-        </p:nvSpPr>
-        <p:spPr>
-          <a:xfrm>
-            <a:off x="8583561" y="1389447"/>
-            <a:ext cx="1815840" cy="1107947"/>
-          </a:xfrm>
-          <a:prstGeom prst="rect">
-            <a:avLst/>
-          </a:prstGeom>
-        </p:spPr>
-        <p:style>
-          <a:lnRef idx="2">
-            <a:schemeClr val="accent3"/>
-          </a:lnRef>
-          <a:fillRef idx="1">
-            <a:schemeClr val="lt1"/>
-          </a:fillRef>
-          <a:effectRef idx="0">
-            <a:schemeClr val="accent3"/>
-          </a:effectRef>
-          <a:fontRef idx="minor">
-            <a:schemeClr val="dk1"/>
-          </a:fontRef>
-        </p:style>
-        <p:txBody>
-          <a:bodyPr rtlCol="0" anchor="ctr"/>
-          <a:lstStyle/>
-          <a:p>
-            <a:pPr algn="ctr"/>
-            <a:endParaRPr lang="es-CO"/>
-          </a:p>
-        </p:txBody>
-      </p:sp>
-      <p:sp>
-        <p:nvSpPr>
-          <p:cNvPr id="20" name="CuadroTexto 19">
-            <a:extLst>
-              <a:ext uri="{FF2B5EF4-FFF2-40B4-BE49-F238E27FC236}">
-                <a16:creationId xmlns:a16="http://schemas.microsoft.com/office/drawing/2014/main" id="{BCC2E222-1EA4-4059-B879-D93117DFBB45}"/>
-              </a:ext>
-            </a:extLst>
-          </p:cNvPr>
-          <p:cNvSpPr txBox="1"/>
-          <p:nvPr/>
-        </p:nvSpPr>
-        <p:spPr>
-          <a:xfrm>
-            <a:off x="8583560" y="1394338"/>
-            <a:ext cx="912429" cy="338554"/>
-          </a:xfrm>
-          <a:prstGeom prst="rect">
-            <a:avLst/>
-          </a:prstGeom>
-          <a:noFill/>
-        </p:spPr>
-        <p:txBody>
-          <a:bodyPr wrap="none" rtlCol="0">
-            <a:spAutoFit/>
-          </a:bodyPr>
-          <a:lstStyle/>
-          <a:p>
-            <a:r>
-              <a:rPr lang="es-CO" sz="1600" b="1" dirty="0"/>
-              <a:t>Mi perfil</a:t>
-            </a:r>
-          </a:p>
-        </p:txBody>
-      </p:sp>
-      <p:sp>
-        <p:nvSpPr>
-          <p:cNvPr id="21" name="CuadroTexto 20">
-            <a:extLst>
-              <a:ext uri="{FF2B5EF4-FFF2-40B4-BE49-F238E27FC236}">
-                <a16:creationId xmlns:a16="http://schemas.microsoft.com/office/drawing/2014/main" id="{56D03A46-2B89-476A-B413-9894BCF43638}"/>
-              </a:ext>
-            </a:extLst>
-          </p:cNvPr>
-          <p:cNvSpPr txBox="1"/>
-          <p:nvPr/>
-        </p:nvSpPr>
-        <p:spPr>
-          <a:xfrm>
-            <a:off x="8575700" y="1711472"/>
-            <a:ext cx="805029" cy="338554"/>
-          </a:xfrm>
-          <a:prstGeom prst="rect">
-            <a:avLst/>
-          </a:prstGeom>
-          <a:noFill/>
-        </p:spPr>
-        <p:txBody>
-          <a:bodyPr wrap="none" rtlCol="0">
-            <a:spAutoFit/>
-          </a:bodyPr>
-          <a:lstStyle/>
-          <a:p>
-            <a:r>
-              <a:rPr lang="es-CO" sz="1600" b="1" dirty="0"/>
-              <a:t>Ajustes</a:t>
-            </a:r>
-          </a:p>
-        </p:txBody>
-      </p:sp>
-      <p:sp>
-        <p:nvSpPr>
-          <p:cNvPr id="22" name="CuadroTexto 21">
-            <a:extLst>
-              <a:ext uri="{FF2B5EF4-FFF2-40B4-BE49-F238E27FC236}">
-                <a16:creationId xmlns:a16="http://schemas.microsoft.com/office/drawing/2014/main" id="{02A29AE9-3266-4BC2-A846-423E7751E074}"/>
-              </a:ext>
-            </a:extLst>
-          </p:cNvPr>
-          <p:cNvSpPr txBox="1"/>
-          <p:nvPr/>
-        </p:nvSpPr>
-        <p:spPr>
-          <a:xfrm>
-            <a:off x="8583560" y="2050026"/>
-            <a:ext cx="817853" cy="338554"/>
-          </a:xfrm>
-          <a:prstGeom prst="rect">
-            <a:avLst/>
-          </a:prstGeom>
-          <a:noFill/>
-        </p:spPr>
-        <p:txBody>
-          <a:bodyPr wrap="none" rtlCol="0">
-            <a:spAutoFit/>
-          </a:bodyPr>
-          <a:lstStyle/>
-          <a:p>
-            <a:r>
-              <a:rPr lang="es-CO" sz="1600" b="1" dirty="0"/>
-              <a:t>Log </a:t>
-            </a:r>
-            <a:r>
-              <a:rPr lang="es-CO" sz="1600" b="1" dirty="0" err="1"/>
-              <a:t>out</a:t>
-            </a:r>
-            <a:endParaRPr lang="es-CO" sz="1600" b="1" dirty="0"/>
-          </a:p>
-        </p:txBody>
-      </p:sp>
-      <p:sp>
-        <p:nvSpPr>
-          <p:cNvPr id="23" name="Flecha: a la derecha 22">
-            <a:hlinkClick r:id="" action="ppaction://hlinkshowjump?jump=previousslide"/>
-            <a:extLst>
-              <a:ext uri="{FF2B5EF4-FFF2-40B4-BE49-F238E27FC236}">
-                <a16:creationId xmlns:a16="http://schemas.microsoft.com/office/drawing/2014/main" id="{58045691-7CB5-453A-9BF3-0A9F57C1C811}"/>
-              </a:ext>
-            </a:extLst>
-          </p:cNvPr>
-          <p:cNvSpPr/>
-          <p:nvPr/>
-        </p:nvSpPr>
-        <p:spPr>
-          <a:xfrm rot="10800000">
-            <a:off x="383458" y="796413"/>
-            <a:ext cx="635033" cy="514376"/>
-          </a:xfrm>
-          <a:prstGeom prst="rightArrow">
-            <a:avLst/>
-          </a:prstGeom>
-        </p:spPr>
-        <p:style>
-          <a:lnRef idx="2">
-            <a:schemeClr val="accent1">
-              <a:shade val="50000"/>
-            </a:schemeClr>
-          </a:lnRef>
-          <a:fillRef idx="1">
-            <a:schemeClr val="accent1"/>
-          </a:fillRef>
-          <a:effectRef idx="0">
-            <a:schemeClr val="accent1"/>
-          </a:effectRef>
-          <a:fontRef idx="minor">
-            <a:schemeClr val="lt1"/>
-          </a:fontRef>
-        </p:style>
-        <p:txBody>
-          <a:bodyPr rtlCol="0" anchor="ctr"/>
-          <a:lstStyle/>
-          <a:p>
-            <a:pPr algn="ctr"/>
-            <a:endParaRPr lang="es-CO"/>
-          </a:p>
-        </p:txBody>
-      </p:sp>
     </p:spTree>
     <p:extLst>
       <p:ext uri="{BB962C8B-B14F-4D97-AF65-F5344CB8AC3E}">
-        <p14:creationId xmlns:p14="http://schemas.microsoft.com/office/powerpoint/2010/main" val="3492346804"/>
+        <p14:creationId xmlns:p14="http://schemas.microsoft.com/office/powerpoint/2010/main" val="3331297163"/>
       </p:ext>
     </p:extLst>
   </p:cSld>
   <p:clrMapOvr>
     <a:masterClrMapping/>
   </p:clrMapOvr>
+  <p:extLst>
+    <p:ext uri="{6950BFC3-D8DA-4A85-94F7-54DA5524770B}">
+      <p188:commentRel xmlns:p188="http://schemas.microsoft.com/office/powerpoint/2018/8/main" r:id="rId3"/>
+    </p:ext>
+  </p:extLst>
 </p:sld>
 </file>
 
@@ -6456,64 +9898,12 @@
           <a:chExt cx="0" cy="0"/>
         </a:xfrm>
       </p:grpSpPr>
-      <p:sp>
-        <p:nvSpPr>
-          <p:cNvPr id="2" name="Rectángulo 1">
-            <a:extLst>
-              <a:ext uri="{FF2B5EF4-FFF2-40B4-BE49-F238E27FC236}">
-                <a16:creationId xmlns:a16="http://schemas.microsoft.com/office/drawing/2014/main" id="{179E8C71-5EC1-4DC2-8A44-856A71263AC5}"/>
-              </a:ext>
-            </a:extLst>
-          </p:cNvPr>
-          <p:cNvSpPr/>
-          <p:nvPr/>
-        </p:nvSpPr>
-        <p:spPr>
-          <a:xfrm>
-            <a:off x="1435509" y="875071"/>
-            <a:ext cx="9458633" cy="5329084"/>
-          </a:xfrm>
-          <a:prstGeom prst="rect">
-            <a:avLst/>
-          </a:prstGeom>
-          <a:solidFill>
-            <a:schemeClr val="accent3">
-              <a:alpha val="50000"/>
-            </a:schemeClr>
-          </a:solidFill>
-          <a:ln>
-            <a:noFill/>
-          </a:ln>
-        </p:spPr>
-        <p:style>
-          <a:lnRef idx="0">
-            <a:scrgbClr r="0" g="0" b="0"/>
-          </a:lnRef>
-          <a:fillRef idx="0">
-            <a:scrgbClr r="0" g="0" b="0"/>
-          </a:fillRef>
-          <a:effectRef idx="0">
-            <a:scrgbClr r="0" g="0" b="0"/>
-          </a:effectRef>
-          <a:fontRef idx="minor">
-            <a:schemeClr val="lt1"/>
-          </a:fontRef>
-        </p:style>
-        <p:txBody>
-          <a:bodyPr rtlCol="0" anchor="ctr"/>
-          <a:lstStyle/>
-          <a:p>
-            <a:pPr algn="ctr"/>
-            <a:endParaRPr lang="es-CO" dirty="0"/>
-          </a:p>
-        </p:txBody>
-      </p:sp>
       <p:pic>
         <p:nvPicPr>
-          <p:cNvPr id="8" name="Imagen 7">
-            <a:extLst>
-              <a:ext uri="{FF2B5EF4-FFF2-40B4-BE49-F238E27FC236}">
-                <a16:creationId xmlns:a16="http://schemas.microsoft.com/office/drawing/2014/main" id="{4B800D44-B81D-478E-982C-3D667A115CEB}"/>
+          <p:cNvPr id="2" name="Imagen 1">
+            <a:extLst>
+              <a:ext uri="{FF2B5EF4-FFF2-40B4-BE49-F238E27FC236}">
+                <a16:creationId xmlns:a16="http://schemas.microsoft.com/office/drawing/2014/main" id="{19DA98B4-23B7-4C82-8FA2-4DA36A12D5DD}"/>
               </a:ext>
             </a:extLst>
           </p:cNvPr>
@@ -6522,16 +9912,101 @@
           </p:cNvPicPr>
           <p:nvPr/>
         </p:nvPicPr>
+        <p:blipFill rotWithShape="1">
+          <a:blip r:embed="rId4"/>
+          <a:srcRect l="10586" r="-1"/>
+          <a:stretch/>
+        </p:blipFill>
+        <p:spPr>
+          <a:xfrm>
+            <a:off x="0" y="191158"/>
+            <a:ext cx="12044641" cy="6666841"/>
+          </a:xfrm>
+          <a:prstGeom prst="rect">
+            <a:avLst/>
+          </a:prstGeom>
+        </p:spPr>
+      </p:pic>
+      <p:sp>
+        <p:nvSpPr>
+          <p:cNvPr id="21" name="Rectángulo 20">
+            <a:extLst>
+              <a:ext uri="{FF2B5EF4-FFF2-40B4-BE49-F238E27FC236}">
+                <a16:creationId xmlns:a16="http://schemas.microsoft.com/office/drawing/2014/main" id="{8392CBD6-C1C2-4EA5-8589-76270868A9C0}"/>
+              </a:ext>
+            </a:extLst>
+          </p:cNvPr>
+          <p:cNvSpPr/>
+          <p:nvPr/>
+        </p:nvSpPr>
+        <p:spPr>
+          <a:xfrm>
+            <a:off x="2686088" y="4776552"/>
+            <a:ext cx="7756634" cy="1455058"/>
+          </a:xfrm>
+          <a:prstGeom prst="rect">
+            <a:avLst/>
+          </a:prstGeom>
+        </p:spPr>
+        <p:style>
+          <a:lnRef idx="2">
+            <a:schemeClr val="accent6"/>
+          </a:lnRef>
+          <a:fillRef idx="1">
+            <a:schemeClr val="lt1"/>
+          </a:fillRef>
+          <a:effectRef idx="0">
+            <a:schemeClr val="accent6"/>
+          </a:effectRef>
+          <a:fontRef idx="minor">
+            <a:schemeClr val="dk1"/>
+          </a:fontRef>
+        </p:style>
+        <p:txBody>
+          <a:bodyPr rtlCol="0" anchor="ctr"/>
+          <a:lstStyle/>
+          <a:p>
+            <a:pPr algn="ctr"/>
+            <a:endParaRPr lang="es-CO">
+              <a:ln w="0"/>
+              <a:solidFill>
+                <a:schemeClr val="tx1"/>
+              </a:solidFill>
+              <a:effectLst>
+                <a:outerShdw blurRad="38100" dist="19050" dir="2700000" algn="tl" rotWithShape="0">
+                  <a:schemeClr val="dk1">
+                    <a:alpha val="40000"/>
+                  </a:schemeClr>
+                </a:outerShdw>
+              </a:effectLst>
+            </a:endParaRPr>
+          </a:p>
+        </p:txBody>
+      </p:sp>
+      <p:pic>
+        <p:nvPicPr>
+          <p:cNvPr id="6" name="Imagen 5">
+            <a:extLst>
+              <a:ext uri="{FF2B5EF4-FFF2-40B4-BE49-F238E27FC236}">
+                <a16:creationId xmlns:a16="http://schemas.microsoft.com/office/drawing/2014/main" id="{CA503976-FE6B-43CA-8DB3-D61ABCE27380}"/>
+              </a:ext>
+            </a:extLst>
+          </p:cNvPr>
+          <p:cNvPicPr>
+            <a:picLocks noChangeAspect="1"/>
+          </p:cNvPicPr>
+          <p:nvPr/>
+        </p:nvPicPr>
         <p:blipFill>
-          <a:blip r:embed="rId3"/>
+          <a:blip r:embed="rId5"/>
           <a:stretch>
             <a:fillRect/>
           </a:stretch>
         </p:blipFill>
         <p:spPr>
           <a:xfrm>
-            <a:off x="9211890" y="875071"/>
-            <a:ext cx="552478" cy="514376"/>
+            <a:off x="3245751" y="191158"/>
+            <a:ext cx="5099463" cy="666135"/>
           </a:xfrm>
           <a:prstGeom prst="rect">
             <a:avLst/>
@@ -6540,10 +10015,10 @@
       </p:pic>
       <p:pic>
         <p:nvPicPr>
-          <p:cNvPr id="10" name="Imagen 9">
-            <a:extLst>
-              <a:ext uri="{FF2B5EF4-FFF2-40B4-BE49-F238E27FC236}">
-                <a16:creationId xmlns:a16="http://schemas.microsoft.com/office/drawing/2014/main" id="{08B3E7F1-4413-4C4A-AF19-4A3F9506D0F6}"/>
+          <p:cNvPr id="5" name="Imagen 4">
+            <a:extLst>
+              <a:ext uri="{FF2B5EF4-FFF2-40B4-BE49-F238E27FC236}">
+                <a16:creationId xmlns:a16="http://schemas.microsoft.com/office/drawing/2014/main" id="{F56E26AA-AC24-4269-8A0B-F2A0BD655106}"/>
               </a:ext>
             </a:extLst>
           </p:cNvPr>
@@ -6553,15 +10028,15 @@
           <p:nvPr/>
         </p:nvPicPr>
         <p:blipFill>
-          <a:blip r:embed="rId4"/>
+          <a:blip r:embed="rId6"/>
           <a:stretch>
             <a:fillRect/>
           </a:stretch>
         </p:blipFill>
         <p:spPr>
           <a:xfrm>
-            <a:off x="9764368" y="875071"/>
-            <a:ext cx="635033" cy="514376"/>
+            <a:off x="1971463" y="1067469"/>
+            <a:ext cx="8249074" cy="2235315"/>
           </a:xfrm>
           <a:prstGeom prst="rect">
             <a:avLst/>
@@ -6570,11 +10045,10 @@
       </p:pic>
       <p:sp>
         <p:nvSpPr>
-          <p:cNvPr id="11" name="Botón de acción: obtener información 10">
-            <a:hlinkClick r:id="" action="ppaction://noaction" highlightClick="1"/>
-            <a:extLst>
-              <a:ext uri="{FF2B5EF4-FFF2-40B4-BE49-F238E27FC236}">
-                <a16:creationId xmlns:a16="http://schemas.microsoft.com/office/drawing/2014/main" id="{1702C256-8908-4CF4-A79A-E9955F758621}"/>
+          <p:cNvPr id="7" name="Rectángulo: esquinas redondeadas 6">
+            <a:extLst>
+              <a:ext uri="{FF2B5EF4-FFF2-40B4-BE49-F238E27FC236}">
+                <a16:creationId xmlns:a16="http://schemas.microsoft.com/office/drawing/2014/main" id="{7EAD9C43-7891-4158-90DE-C6ACEB1E8F0C}"/>
               </a:ext>
             </a:extLst>
           </p:cNvPr>
@@ -6583,10 +10057,10 @@
         </p:nvSpPr>
         <p:spPr>
           <a:xfrm>
-            <a:off x="10399401" y="875071"/>
-            <a:ext cx="494742" cy="514376"/>
-          </a:xfrm>
-          <a:prstGeom prst="actionButtonInformation">
+            <a:off x="8280733" y="4278149"/>
+            <a:ext cx="938158" cy="413844"/>
+          </a:xfrm>
+          <a:prstGeom prst="roundRect">
             <a:avLst/>
           </a:prstGeom>
         </p:spPr>
@@ -6611,76 +10085,20 @@
           <a:lstStyle/>
           <a:p>
             <a:pPr algn="ctr"/>
-            <a:endParaRPr lang="es-CO"/>
-          </a:p>
-        </p:txBody>
-      </p:sp>
-      <p:pic>
-        <p:nvPicPr>
-          <p:cNvPr id="13" name="Imagen 12">
-            <a:extLst>
-              <a:ext uri="{FF2B5EF4-FFF2-40B4-BE49-F238E27FC236}">
-                <a16:creationId xmlns:a16="http://schemas.microsoft.com/office/drawing/2014/main" id="{5D5AF24E-002C-4E6E-9392-0230002CCEC8}"/>
-              </a:ext>
-            </a:extLst>
-          </p:cNvPr>
-          <p:cNvPicPr>
-            <a:picLocks noChangeAspect="1"/>
-          </p:cNvPicPr>
-          <p:nvPr/>
-        </p:nvPicPr>
-        <p:blipFill>
-          <a:blip r:embed="rId5"/>
-          <a:stretch>
-            <a:fillRect/>
-          </a:stretch>
-        </p:blipFill>
-        <p:spPr>
-          <a:xfrm>
-            <a:off x="2635045" y="875071"/>
-            <a:ext cx="6576845" cy="514376"/>
-          </a:xfrm>
-          <a:prstGeom prst="rect">
-            <a:avLst/>
-          </a:prstGeom>
-        </p:spPr>
-      </p:pic>
-      <p:pic>
-        <p:nvPicPr>
-          <p:cNvPr id="15" name="Imagen 14">
-            <a:extLst>
-              <a:ext uri="{FF2B5EF4-FFF2-40B4-BE49-F238E27FC236}">
-                <a16:creationId xmlns:a16="http://schemas.microsoft.com/office/drawing/2014/main" id="{13139302-3BA0-4FB1-948F-E188DB971667}"/>
-              </a:ext>
-            </a:extLst>
-          </p:cNvPr>
-          <p:cNvPicPr>
-            <a:picLocks noChangeAspect="1"/>
-          </p:cNvPicPr>
-          <p:nvPr/>
-        </p:nvPicPr>
-        <p:blipFill>
-          <a:blip r:embed="rId6"/>
-          <a:stretch>
-            <a:fillRect/>
-          </a:stretch>
-        </p:blipFill>
-        <p:spPr>
-          <a:xfrm>
-            <a:off x="1435510" y="875071"/>
-            <a:ext cx="1203801" cy="514376"/>
-          </a:xfrm>
-          <a:prstGeom prst="rect">
-            <a:avLst/>
-          </a:prstGeom>
-        </p:spPr>
-      </p:pic>
-      <p:sp>
-        <p:nvSpPr>
-          <p:cNvPr id="3" name="Rectángulo 2">
-            <a:extLst>
-              <a:ext uri="{FF2B5EF4-FFF2-40B4-BE49-F238E27FC236}">
-                <a16:creationId xmlns:a16="http://schemas.microsoft.com/office/drawing/2014/main" id="{0420946C-61BE-448D-B78D-A29C2B945180}"/>
+            <a:r>
+              <a:rPr lang="es-MX" sz="1200" dirty="0"/>
+              <a:t>Repasar todo</a:t>
+            </a:r>
+            <a:endParaRPr lang="es-CO" sz="1200" dirty="0"/>
+          </a:p>
+        </p:txBody>
+      </p:sp>
+      <p:sp>
+        <p:nvSpPr>
+          <p:cNvPr id="8" name="Rectángulo: esquinas redondeadas 7">
+            <a:extLst>
+              <a:ext uri="{FF2B5EF4-FFF2-40B4-BE49-F238E27FC236}">
+                <a16:creationId xmlns:a16="http://schemas.microsoft.com/office/drawing/2014/main" id="{3A08561B-7516-4780-B736-411E19B46975}"/>
               </a:ext>
             </a:extLst>
           </p:cNvPr>
@@ -6689,231 +10107,10 @@
         </p:nvSpPr>
         <p:spPr>
           <a:xfrm>
-            <a:off x="1435509" y="1389447"/>
-            <a:ext cx="1199535" cy="4814708"/>
-          </a:xfrm>
-          <a:prstGeom prst="rect">
-            <a:avLst/>
-          </a:prstGeom>
-        </p:spPr>
-        <p:style>
-          <a:lnRef idx="2">
-            <a:schemeClr val="accent3"/>
-          </a:lnRef>
-          <a:fillRef idx="1">
-            <a:schemeClr val="lt1"/>
-          </a:fillRef>
-          <a:effectRef idx="0">
-            <a:schemeClr val="accent3"/>
-          </a:effectRef>
-          <a:fontRef idx="minor">
-            <a:schemeClr val="dk1"/>
-          </a:fontRef>
-        </p:style>
-        <p:txBody>
-          <a:bodyPr rtlCol="0" anchor="ctr"/>
-          <a:lstStyle/>
-          <a:p>
-            <a:pPr algn="ctr"/>
-            <a:endParaRPr lang="es-CO" dirty="0"/>
-          </a:p>
-        </p:txBody>
-      </p:sp>
-      <p:sp>
-        <p:nvSpPr>
-          <p:cNvPr id="4" name="CuadroTexto 3">
-            <a:extLst>
-              <a:ext uri="{FF2B5EF4-FFF2-40B4-BE49-F238E27FC236}">
-                <a16:creationId xmlns:a16="http://schemas.microsoft.com/office/drawing/2014/main" id="{822E91CA-8244-472A-8273-6A90593C6646}"/>
-              </a:ext>
-            </a:extLst>
-          </p:cNvPr>
-          <p:cNvSpPr txBox="1"/>
-          <p:nvPr/>
-        </p:nvSpPr>
-        <p:spPr>
-          <a:xfrm>
-            <a:off x="1528470" y="1534491"/>
-            <a:ext cx="1092350" cy="338554"/>
-          </a:xfrm>
-          <a:prstGeom prst="rect">
-            <a:avLst/>
-          </a:prstGeom>
-          <a:noFill/>
-        </p:spPr>
-        <p:txBody>
-          <a:bodyPr wrap="none" rtlCol="0">
-            <a:spAutoFit/>
-          </a:bodyPr>
-          <a:lstStyle/>
-          <a:p>
-            <a:r>
-              <a:rPr lang="es-CO" sz="1600" dirty="0"/>
-              <a:t>DashBoard</a:t>
-            </a:r>
-          </a:p>
-        </p:txBody>
-      </p:sp>
-      <p:sp>
-        <p:nvSpPr>
-          <p:cNvPr id="12" name="CuadroTexto 11">
-            <a:extLst>
-              <a:ext uri="{FF2B5EF4-FFF2-40B4-BE49-F238E27FC236}">
-                <a16:creationId xmlns:a16="http://schemas.microsoft.com/office/drawing/2014/main" id="{7F61836D-B6C9-4B0A-8B5D-08EA39F5448B}"/>
-              </a:ext>
-            </a:extLst>
-          </p:cNvPr>
-          <p:cNvSpPr txBox="1"/>
-          <p:nvPr/>
-        </p:nvSpPr>
-        <p:spPr>
-          <a:xfrm>
-            <a:off x="1528470" y="1903823"/>
-            <a:ext cx="921150" cy="338554"/>
-          </a:xfrm>
-          <a:prstGeom prst="rect">
-            <a:avLst/>
-          </a:prstGeom>
-          <a:noFill/>
-        </p:spPr>
-        <p:txBody>
-          <a:bodyPr wrap="none" rtlCol="0">
-            <a:spAutoFit/>
-          </a:bodyPr>
-          <a:lstStyle/>
-          <a:p>
-            <a:r>
-              <a:rPr lang="es-CO" sz="1600" dirty="0"/>
-              <a:t>Materias</a:t>
-            </a:r>
-          </a:p>
-        </p:txBody>
-      </p:sp>
-      <p:sp>
-        <p:nvSpPr>
-          <p:cNvPr id="14" name="CuadroTexto 13">
-            <a:extLst>
-              <a:ext uri="{FF2B5EF4-FFF2-40B4-BE49-F238E27FC236}">
-                <a16:creationId xmlns:a16="http://schemas.microsoft.com/office/drawing/2014/main" id="{240D1A64-2A01-4627-B12A-92760895A2EC}"/>
-              </a:ext>
-            </a:extLst>
-          </p:cNvPr>
-          <p:cNvSpPr txBox="1"/>
-          <p:nvPr/>
-        </p:nvSpPr>
-        <p:spPr>
-          <a:xfrm>
-            <a:off x="1528470" y="2273155"/>
-            <a:ext cx="790216" cy="338554"/>
-          </a:xfrm>
-          <a:prstGeom prst="rect">
-            <a:avLst/>
-          </a:prstGeom>
-          <a:noFill/>
-        </p:spPr>
-        <p:txBody>
-          <a:bodyPr wrap="none" rtlCol="0">
-            <a:spAutoFit/>
-          </a:bodyPr>
-          <a:lstStyle/>
-          <a:p>
-            <a:r>
-              <a:rPr lang="es-CO" sz="1600" dirty="0"/>
-              <a:t>Repaso</a:t>
-            </a:r>
-          </a:p>
-        </p:txBody>
-      </p:sp>
-      <p:sp>
-        <p:nvSpPr>
-          <p:cNvPr id="17" name="CuadroTexto 16">
-            <a:extLst>
-              <a:ext uri="{FF2B5EF4-FFF2-40B4-BE49-F238E27FC236}">
-                <a16:creationId xmlns:a16="http://schemas.microsoft.com/office/drawing/2014/main" id="{55FF88AC-C094-4C34-8085-CD35BAB94DEA}"/>
-              </a:ext>
-            </a:extLst>
-          </p:cNvPr>
-          <p:cNvSpPr txBox="1"/>
-          <p:nvPr/>
-        </p:nvSpPr>
-        <p:spPr>
-          <a:xfrm>
-            <a:off x="1528470" y="2642487"/>
-            <a:ext cx="683072" cy="338554"/>
-          </a:xfrm>
-          <a:prstGeom prst="rect">
-            <a:avLst/>
-          </a:prstGeom>
-          <a:noFill/>
-        </p:spPr>
-        <p:txBody>
-          <a:bodyPr wrap="none" rtlCol="0">
-            <a:spAutoFit/>
-          </a:bodyPr>
-          <a:lstStyle/>
-          <a:p>
-            <a:r>
-              <a:rPr lang="es-CO" sz="1600" dirty="0"/>
-              <a:t>Libros</a:t>
-            </a:r>
-          </a:p>
-        </p:txBody>
-      </p:sp>
-      <p:sp>
-        <p:nvSpPr>
-          <p:cNvPr id="18" name="CuadroTexto 17">
-            <a:extLst>
-              <a:ext uri="{FF2B5EF4-FFF2-40B4-BE49-F238E27FC236}">
-                <a16:creationId xmlns:a16="http://schemas.microsoft.com/office/drawing/2014/main" id="{35199CB1-817D-4B95-B43E-70739A458945}"/>
-              </a:ext>
-            </a:extLst>
-          </p:cNvPr>
-          <p:cNvSpPr txBox="1"/>
-          <p:nvPr/>
-        </p:nvSpPr>
-        <p:spPr>
-          <a:xfrm>
-            <a:off x="1524203" y="3011819"/>
-            <a:ext cx="1024127" cy="338554"/>
-          </a:xfrm>
-          <a:prstGeom prst="rect">
-            <a:avLst/>
-          </a:prstGeom>
-          <a:noFill/>
-        </p:spPr>
-        <p:txBody>
-          <a:bodyPr wrap="none" rtlCol="0">
-            <a:spAutoFit/>
-          </a:bodyPr>
-          <a:lstStyle/>
-          <a:p>
-            <a:r>
-              <a:rPr lang="es-CO" sz="1600" dirty="0" err="1"/>
-              <a:t>Examenes</a:t>
-            </a:r>
-            <a:endParaRPr lang="es-CO" sz="1600" dirty="0"/>
-          </a:p>
-        </p:txBody>
-      </p:sp>
-      <p:sp>
-        <p:nvSpPr>
-          <p:cNvPr id="19" name="Flecha: a la derecha 18">
-            <a:hlinkClick r:id="" action="ppaction://hlinkshowjump?jump=previousslide"/>
-            <a:extLst>
-              <a:ext uri="{FF2B5EF4-FFF2-40B4-BE49-F238E27FC236}">
-                <a16:creationId xmlns:a16="http://schemas.microsoft.com/office/drawing/2014/main" id="{E1F70C79-3414-4230-8C0E-E83AD4600B88}"/>
-              </a:ext>
-            </a:extLst>
-          </p:cNvPr>
-          <p:cNvSpPr/>
-          <p:nvPr/>
-        </p:nvSpPr>
-        <p:spPr>
-          <a:xfrm rot="10800000">
-            <a:off x="383458" y="796413"/>
-            <a:ext cx="635033" cy="514376"/>
-          </a:xfrm>
-          <a:prstGeom prst="rightArrow">
+            <a:off x="9473489" y="4248514"/>
+            <a:ext cx="938158" cy="413844"/>
+          </a:xfrm>
+          <a:prstGeom prst="roundRect">
             <a:avLst/>
           </a:prstGeom>
         </p:spPr>
@@ -6938,20 +10135,612 @@
           <a:lstStyle/>
           <a:p>
             <a:pPr algn="ctr"/>
+            <a:r>
+              <a:rPr lang="es-MX" sz="1200" dirty="0"/>
+              <a:t>Repasar No dominadas</a:t>
+            </a:r>
+            <a:endParaRPr lang="es-CO" sz="1200" dirty="0"/>
+          </a:p>
+        </p:txBody>
+      </p:sp>
+      <p:sp>
+        <p:nvSpPr>
+          <p:cNvPr id="9" name="CuadroTexto 8">
+            <a:extLst>
+              <a:ext uri="{FF2B5EF4-FFF2-40B4-BE49-F238E27FC236}">
+                <a16:creationId xmlns:a16="http://schemas.microsoft.com/office/drawing/2014/main" id="{FD1A0E6D-EB3D-45A9-A810-3152E00C8A12}"/>
+              </a:ext>
+            </a:extLst>
+          </p:cNvPr>
+          <p:cNvSpPr txBox="1"/>
+          <p:nvPr/>
+        </p:nvSpPr>
+        <p:spPr>
+          <a:xfrm>
+            <a:off x="2146527" y="4403796"/>
+            <a:ext cx="2974428" cy="2862322"/>
+          </a:xfrm>
+          <a:prstGeom prst="rect">
+            <a:avLst/>
+          </a:prstGeom>
+          <a:noFill/>
+        </p:spPr>
+        <p:txBody>
+          <a:bodyPr wrap="square" rtlCol="0">
+            <a:spAutoFit/>
+          </a:bodyPr>
+          <a:lstStyle/>
+          <a:p>
+            <a:r>
+              <a:rPr lang="es-MX" dirty="0"/>
+              <a:t>v Mazo A</a:t>
+            </a:r>
+          </a:p>
+          <a:p>
+            <a:endParaRPr lang="es-MX" dirty="0"/>
+          </a:p>
+          <a:p>
+            <a:endParaRPr lang="es-MX" dirty="0"/>
+          </a:p>
+          <a:p>
+            <a:endParaRPr lang="es-MX" dirty="0"/>
+          </a:p>
+          <a:p>
+            <a:endParaRPr lang="es-MX" dirty="0"/>
+          </a:p>
+          <a:p>
+            <a:endParaRPr lang="es-MX" dirty="0"/>
+          </a:p>
+          <a:p>
+            <a:endParaRPr lang="es-MX" dirty="0"/>
+          </a:p>
+          <a:p>
+            <a:pPr marL="285750" indent="-285750">
+              <a:buFont typeface="Wingdings" panose="05000000000000000000" pitchFamily="2" charset="2"/>
+              <a:buChar char="Ø"/>
+            </a:pPr>
+            <a:r>
+              <a:rPr lang="es-MX" dirty="0"/>
+              <a:t>Mazo B</a:t>
+            </a:r>
+          </a:p>
+          <a:p>
+            <a:pPr marL="285750" indent="-285750">
+              <a:buFont typeface="Wingdings" panose="05000000000000000000" pitchFamily="2" charset="2"/>
+              <a:buChar char="Ø"/>
+            </a:pPr>
+            <a:r>
+              <a:rPr lang="es-MX" dirty="0"/>
+              <a:t>Mazo C</a:t>
+            </a:r>
+          </a:p>
+          <a:p>
+            <a:r>
+              <a:rPr lang="es-MX" dirty="0"/>
+              <a:t>	</a:t>
+            </a:r>
+          </a:p>
+        </p:txBody>
+      </p:sp>
+      <p:sp>
+        <p:nvSpPr>
+          <p:cNvPr id="11" name="Estrella: 5 puntas 10">
+            <a:extLst>
+              <a:ext uri="{FF2B5EF4-FFF2-40B4-BE49-F238E27FC236}">
+                <a16:creationId xmlns:a16="http://schemas.microsoft.com/office/drawing/2014/main" id="{7B5C5DB4-4D0E-41D2-B734-DDF675F9607B}"/>
+              </a:ext>
+            </a:extLst>
+          </p:cNvPr>
+          <p:cNvSpPr/>
+          <p:nvPr/>
+        </p:nvSpPr>
+        <p:spPr>
+          <a:xfrm>
+            <a:off x="7597827" y="4310180"/>
+            <a:ext cx="283780" cy="257523"/>
+          </a:xfrm>
+          <a:prstGeom prst="star5">
+            <a:avLst/>
+          </a:prstGeom>
+          <a:solidFill>
+            <a:srgbClr val="FFFF00"/>
+          </a:solidFill>
+        </p:spPr>
+        <p:style>
+          <a:lnRef idx="2">
+            <a:schemeClr val="accent1">
+              <a:shade val="50000"/>
+            </a:schemeClr>
+          </a:lnRef>
+          <a:fillRef idx="1">
+            <a:schemeClr val="accent1"/>
+          </a:fillRef>
+          <a:effectRef idx="0">
+            <a:schemeClr val="accent1"/>
+          </a:effectRef>
+          <a:fontRef idx="minor">
+            <a:schemeClr val="lt1"/>
+          </a:fontRef>
+        </p:style>
+        <p:txBody>
+          <a:bodyPr rtlCol="0" anchor="ctr"/>
+          <a:lstStyle/>
+          <a:p>
+            <a:pPr algn="ctr"/>
             <a:endParaRPr lang="es-CO"/>
           </a:p>
         </p:txBody>
       </p:sp>
+      <p:sp>
+        <p:nvSpPr>
+          <p:cNvPr id="12" name="Rectángulo 11">
+            <a:extLst>
+              <a:ext uri="{FF2B5EF4-FFF2-40B4-BE49-F238E27FC236}">
+                <a16:creationId xmlns:a16="http://schemas.microsoft.com/office/drawing/2014/main" id="{26F2B7A9-AF3B-4175-8042-99206343EECA}"/>
+              </a:ext>
+            </a:extLst>
+          </p:cNvPr>
+          <p:cNvSpPr/>
+          <p:nvPr/>
+        </p:nvSpPr>
+        <p:spPr>
+          <a:xfrm>
+            <a:off x="3437577" y="4895092"/>
+            <a:ext cx="2596055" cy="1191583"/>
+          </a:xfrm>
+          <a:prstGeom prst="rect">
+            <a:avLst/>
+          </a:prstGeom>
+        </p:spPr>
+        <p:style>
+          <a:lnRef idx="2">
+            <a:schemeClr val="accent1">
+              <a:shade val="50000"/>
+            </a:schemeClr>
+          </a:lnRef>
+          <a:fillRef idx="1">
+            <a:schemeClr val="accent1"/>
+          </a:fillRef>
+          <a:effectRef idx="0">
+            <a:schemeClr val="accent1"/>
+          </a:effectRef>
+          <a:fontRef idx="minor">
+            <a:schemeClr val="lt1"/>
+          </a:fontRef>
+        </p:style>
+        <p:txBody>
+          <a:bodyPr rtlCol="0" anchor="ctr"/>
+          <a:lstStyle/>
+          <a:p>
+            <a:pPr algn="ctr"/>
+            <a:r>
+              <a:rPr lang="es-MX" dirty="0"/>
+              <a:t>Anverso</a:t>
+            </a:r>
+            <a:endParaRPr lang="es-CO" dirty="0"/>
+          </a:p>
+        </p:txBody>
+      </p:sp>
+      <p:sp>
+        <p:nvSpPr>
+          <p:cNvPr id="13" name="Rectángulo 12">
+            <a:extLst>
+              <a:ext uri="{FF2B5EF4-FFF2-40B4-BE49-F238E27FC236}">
+                <a16:creationId xmlns:a16="http://schemas.microsoft.com/office/drawing/2014/main" id="{33EB542C-3771-4804-9C08-C48715F55166}"/>
+              </a:ext>
+            </a:extLst>
+          </p:cNvPr>
+          <p:cNvSpPr/>
+          <p:nvPr/>
+        </p:nvSpPr>
+        <p:spPr>
+          <a:xfrm>
+            <a:off x="6815051" y="4846407"/>
+            <a:ext cx="2596055" cy="1191583"/>
+          </a:xfrm>
+          <a:prstGeom prst="rect">
+            <a:avLst/>
+          </a:prstGeom>
+        </p:spPr>
+        <p:style>
+          <a:lnRef idx="2">
+            <a:schemeClr val="accent1">
+              <a:shade val="50000"/>
+            </a:schemeClr>
+          </a:lnRef>
+          <a:fillRef idx="1">
+            <a:schemeClr val="accent1"/>
+          </a:fillRef>
+          <a:effectRef idx="0">
+            <a:schemeClr val="accent1"/>
+          </a:effectRef>
+          <a:fontRef idx="minor">
+            <a:schemeClr val="lt1"/>
+          </a:fontRef>
+        </p:style>
+        <p:txBody>
+          <a:bodyPr rtlCol="0" anchor="ctr"/>
+          <a:lstStyle/>
+          <a:p>
+            <a:pPr algn="ctr"/>
+            <a:r>
+              <a:rPr lang="es-MX" dirty="0"/>
+              <a:t>Reverso</a:t>
+            </a:r>
+            <a:endParaRPr lang="es-CO" dirty="0"/>
+          </a:p>
+        </p:txBody>
+      </p:sp>
+      <p:sp>
+        <p:nvSpPr>
+          <p:cNvPr id="14" name="Elipse 13">
+            <a:extLst>
+              <a:ext uri="{FF2B5EF4-FFF2-40B4-BE49-F238E27FC236}">
+                <a16:creationId xmlns:a16="http://schemas.microsoft.com/office/drawing/2014/main" id="{03A52F71-E633-4B28-A4DC-2406057C6968}"/>
+              </a:ext>
+            </a:extLst>
+          </p:cNvPr>
+          <p:cNvSpPr/>
+          <p:nvPr/>
+        </p:nvSpPr>
+        <p:spPr>
+          <a:xfrm>
+            <a:off x="1971463" y="3773214"/>
+            <a:ext cx="403875" cy="378372"/>
+          </a:xfrm>
+          <a:prstGeom prst="ellipse">
+            <a:avLst/>
+          </a:prstGeom>
+        </p:spPr>
+        <p:style>
+          <a:lnRef idx="2">
+            <a:schemeClr val="accent1">
+              <a:shade val="50000"/>
+            </a:schemeClr>
+          </a:lnRef>
+          <a:fillRef idx="1">
+            <a:schemeClr val="accent1"/>
+          </a:fillRef>
+          <a:effectRef idx="0">
+            <a:schemeClr val="accent1"/>
+          </a:effectRef>
+          <a:fontRef idx="minor">
+            <a:schemeClr val="lt1"/>
+          </a:fontRef>
+        </p:style>
+        <p:txBody>
+          <a:bodyPr rtlCol="0" anchor="ctr"/>
+          <a:lstStyle/>
+          <a:p>
+            <a:pPr algn="ctr"/>
+            <a:r>
+              <a:rPr lang="es-MX" dirty="0"/>
+              <a:t>+</a:t>
+            </a:r>
+            <a:endParaRPr lang="es-CO" dirty="0"/>
+          </a:p>
+        </p:txBody>
+      </p:sp>
+      <p:sp>
+        <p:nvSpPr>
+          <p:cNvPr id="15" name="CuadroTexto 14">
+            <a:extLst>
+              <a:ext uri="{FF2B5EF4-FFF2-40B4-BE49-F238E27FC236}">
+                <a16:creationId xmlns:a16="http://schemas.microsoft.com/office/drawing/2014/main" id="{F5C7CC77-292F-4D2D-8442-6F74C4E20FCE}"/>
+              </a:ext>
+            </a:extLst>
+          </p:cNvPr>
+          <p:cNvSpPr txBox="1"/>
+          <p:nvPr/>
+        </p:nvSpPr>
+        <p:spPr>
+          <a:xfrm>
+            <a:off x="1834829" y="3429000"/>
+            <a:ext cx="2045881" cy="369332"/>
+          </a:xfrm>
+          <a:prstGeom prst="rect">
+            <a:avLst/>
+          </a:prstGeom>
+          <a:noFill/>
+        </p:spPr>
+        <p:txBody>
+          <a:bodyPr wrap="none" rtlCol="0">
+            <a:spAutoFit/>
+          </a:bodyPr>
+          <a:lstStyle/>
+          <a:p>
+            <a:r>
+              <a:rPr lang="es-MX" dirty="0"/>
+              <a:t>TODOS LOS MAZOS</a:t>
+            </a:r>
+            <a:endParaRPr lang="es-CO" dirty="0"/>
+          </a:p>
+        </p:txBody>
+      </p:sp>
+      <p:pic>
+        <p:nvPicPr>
+          <p:cNvPr id="18" name="Imagen 17">
+            <a:extLst>
+              <a:ext uri="{FF2B5EF4-FFF2-40B4-BE49-F238E27FC236}">
+                <a16:creationId xmlns:a16="http://schemas.microsoft.com/office/drawing/2014/main" id="{1C1592EE-7FBF-49B2-AEA2-37E2BD57E4F3}"/>
+              </a:ext>
+            </a:extLst>
+          </p:cNvPr>
+          <p:cNvPicPr>
+            <a:picLocks noChangeAspect="1"/>
+          </p:cNvPicPr>
+          <p:nvPr/>
+        </p:nvPicPr>
+        <p:blipFill>
+          <a:blip r:embed="rId7"/>
+          <a:stretch>
+            <a:fillRect/>
+          </a:stretch>
+        </p:blipFill>
+        <p:spPr>
+          <a:xfrm>
+            <a:off x="2617088" y="3727526"/>
+            <a:ext cx="403875" cy="416903"/>
+          </a:xfrm>
+          <a:prstGeom prst="rect">
+            <a:avLst/>
+          </a:prstGeom>
+        </p:spPr>
+      </p:pic>
+      <p:pic>
+        <p:nvPicPr>
+          <p:cNvPr id="20" name="Imagen 19">
+            <a:extLst>
+              <a:ext uri="{FF2B5EF4-FFF2-40B4-BE49-F238E27FC236}">
+                <a16:creationId xmlns:a16="http://schemas.microsoft.com/office/drawing/2014/main" id="{46FCCE87-108D-47ED-9A1A-8731BB311D10}"/>
+              </a:ext>
+            </a:extLst>
+          </p:cNvPr>
+          <p:cNvPicPr>
+            <a:picLocks noChangeAspect="1"/>
+          </p:cNvPicPr>
+          <p:nvPr/>
+        </p:nvPicPr>
+        <p:blipFill>
+          <a:blip r:embed="rId8"/>
+          <a:stretch>
+            <a:fillRect/>
+          </a:stretch>
+        </p:blipFill>
+        <p:spPr>
+          <a:xfrm>
+            <a:off x="3241584" y="3727526"/>
+            <a:ext cx="498825" cy="451568"/>
+          </a:xfrm>
+          <a:prstGeom prst="rect">
+            <a:avLst/>
+          </a:prstGeom>
+        </p:spPr>
+      </p:pic>
+      <p:pic>
+        <p:nvPicPr>
+          <p:cNvPr id="4" name="Imagen 3">
+            <a:extLst>
+              <a:ext uri="{FF2B5EF4-FFF2-40B4-BE49-F238E27FC236}">
+                <a16:creationId xmlns:a16="http://schemas.microsoft.com/office/drawing/2014/main" id="{91E9FCC7-62FE-4ADE-8D47-A46165649F73}"/>
+              </a:ext>
+            </a:extLst>
+          </p:cNvPr>
+          <p:cNvPicPr>
+            <a:picLocks noChangeAspect="1"/>
+          </p:cNvPicPr>
+          <p:nvPr/>
+        </p:nvPicPr>
+        <p:blipFill>
+          <a:blip r:embed="rId9"/>
+          <a:stretch>
+            <a:fillRect/>
+          </a:stretch>
+        </p:blipFill>
+        <p:spPr>
+          <a:xfrm>
+            <a:off x="3452542" y="4366279"/>
+            <a:ext cx="4555312" cy="276603"/>
+          </a:xfrm>
+          <a:prstGeom prst="rect">
+            <a:avLst/>
+          </a:prstGeom>
+        </p:spPr>
+      </p:pic>
+      <p:sp>
+        <p:nvSpPr>
+          <p:cNvPr id="19" name="Rectángulo: esquinas redondeadas 18">
+            <a:extLst>
+              <a:ext uri="{FF2B5EF4-FFF2-40B4-BE49-F238E27FC236}">
+                <a16:creationId xmlns:a16="http://schemas.microsoft.com/office/drawing/2014/main" id="{16B1662A-E598-440D-9E98-B3B324E53A7A}"/>
+              </a:ext>
+            </a:extLst>
+          </p:cNvPr>
+          <p:cNvSpPr/>
+          <p:nvPr/>
+        </p:nvSpPr>
+        <p:spPr>
+          <a:xfrm>
+            <a:off x="8280733" y="6250368"/>
+            <a:ext cx="938158" cy="413844"/>
+          </a:xfrm>
+          <a:prstGeom prst="roundRect">
+            <a:avLst/>
+          </a:prstGeom>
+        </p:spPr>
+        <p:style>
+          <a:lnRef idx="2">
+            <a:schemeClr val="accent1">
+              <a:shade val="50000"/>
+            </a:schemeClr>
+          </a:lnRef>
+          <a:fillRef idx="1">
+            <a:schemeClr val="accent1"/>
+          </a:fillRef>
+          <a:effectRef idx="0">
+            <a:schemeClr val="accent1"/>
+          </a:effectRef>
+          <a:fontRef idx="minor">
+            <a:schemeClr val="lt1"/>
+          </a:fontRef>
+        </p:style>
+        <p:txBody>
+          <a:bodyPr rtlCol="0" anchor="ctr"/>
+          <a:lstStyle/>
+          <a:p>
+            <a:pPr algn="ctr"/>
+            <a:r>
+              <a:rPr lang="es-MX" sz="1200" dirty="0"/>
+              <a:t>Repasar todo</a:t>
+            </a:r>
+            <a:endParaRPr lang="es-CO" sz="1200" dirty="0"/>
+          </a:p>
+        </p:txBody>
+      </p:sp>
+      <p:sp>
+        <p:nvSpPr>
+          <p:cNvPr id="22" name="Rectángulo: esquinas redondeadas 21">
+            <a:extLst>
+              <a:ext uri="{FF2B5EF4-FFF2-40B4-BE49-F238E27FC236}">
+                <a16:creationId xmlns:a16="http://schemas.microsoft.com/office/drawing/2014/main" id="{A10FE1CC-16B6-4EF7-B2DE-2C0BBDF1F1B9}"/>
+              </a:ext>
+            </a:extLst>
+          </p:cNvPr>
+          <p:cNvSpPr/>
+          <p:nvPr/>
+        </p:nvSpPr>
+        <p:spPr>
+          <a:xfrm>
+            <a:off x="9473489" y="6220733"/>
+            <a:ext cx="938158" cy="413844"/>
+          </a:xfrm>
+          <a:prstGeom prst="roundRect">
+            <a:avLst/>
+          </a:prstGeom>
+        </p:spPr>
+        <p:style>
+          <a:lnRef idx="2">
+            <a:schemeClr val="accent1">
+              <a:shade val="50000"/>
+            </a:schemeClr>
+          </a:lnRef>
+          <a:fillRef idx="1">
+            <a:schemeClr val="accent1"/>
+          </a:fillRef>
+          <a:effectRef idx="0">
+            <a:schemeClr val="accent1"/>
+          </a:effectRef>
+          <a:fontRef idx="minor">
+            <a:schemeClr val="lt1"/>
+          </a:fontRef>
+        </p:style>
+        <p:txBody>
+          <a:bodyPr rtlCol="0" anchor="ctr"/>
+          <a:lstStyle/>
+          <a:p>
+            <a:pPr algn="ctr"/>
+            <a:r>
+              <a:rPr lang="es-MX" sz="1200" dirty="0"/>
+              <a:t>Repasar No dominadas</a:t>
+            </a:r>
+            <a:endParaRPr lang="es-CO" sz="1200" dirty="0"/>
+          </a:p>
+        </p:txBody>
+      </p:sp>
+      <p:sp>
+        <p:nvSpPr>
+          <p:cNvPr id="23" name="Estrella: 5 puntas 22">
+            <a:extLst>
+              <a:ext uri="{FF2B5EF4-FFF2-40B4-BE49-F238E27FC236}">
+                <a16:creationId xmlns:a16="http://schemas.microsoft.com/office/drawing/2014/main" id="{E525C771-FCEF-44F9-9A22-AD2F09B821BE}"/>
+              </a:ext>
+            </a:extLst>
+          </p:cNvPr>
+          <p:cNvSpPr/>
+          <p:nvPr/>
+        </p:nvSpPr>
+        <p:spPr>
+          <a:xfrm>
+            <a:off x="7597827" y="6282399"/>
+            <a:ext cx="283780" cy="257523"/>
+          </a:xfrm>
+          <a:prstGeom prst="star5">
+            <a:avLst/>
+          </a:prstGeom>
+          <a:solidFill>
+            <a:srgbClr val="FFFF00"/>
+          </a:solidFill>
+        </p:spPr>
+        <p:style>
+          <a:lnRef idx="2">
+            <a:schemeClr val="accent1">
+              <a:shade val="50000"/>
+            </a:schemeClr>
+          </a:lnRef>
+          <a:fillRef idx="1">
+            <a:schemeClr val="accent1"/>
+          </a:fillRef>
+          <a:effectRef idx="0">
+            <a:schemeClr val="accent1"/>
+          </a:effectRef>
+          <a:fontRef idx="minor">
+            <a:schemeClr val="lt1"/>
+          </a:fontRef>
+        </p:style>
+        <p:txBody>
+          <a:bodyPr rtlCol="0" anchor="ctr"/>
+          <a:lstStyle/>
+          <a:p>
+            <a:pPr algn="ctr"/>
+            <a:endParaRPr lang="es-CO"/>
+          </a:p>
+        </p:txBody>
+      </p:sp>
+      <p:pic>
+        <p:nvPicPr>
+          <p:cNvPr id="24" name="Imagen 23">
+            <a:extLst>
+              <a:ext uri="{FF2B5EF4-FFF2-40B4-BE49-F238E27FC236}">
+                <a16:creationId xmlns:a16="http://schemas.microsoft.com/office/drawing/2014/main" id="{2CA0B0FB-43FA-49FE-8A8B-A00EA7A81CD1}"/>
+              </a:ext>
+            </a:extLst>
+          </p:cNvPr>
+          <p:cNvPicPr>
+            <a:picLocks noChangeAspect="1"/>
+          </p:cNvPicPr>
+          <p:nvPr/>
+        </p:nvPicPr>
+        <p:blipFill>
+          <a:blip r:embed="rId9"/>
+          <a:stretch>
+            <a:fillRect/>
+          </a:stretch>
+        </p:blipFill>
+        <p:spPr>
+          <a:xfrm>
+            <a:off x="3452542" y="6338498"/>
+            <a:ext cx="4555312" cy="276603"/>
+          </a:xfrm>
+          <a:prstGeom prst="rect">
+            <a:avLst/>
+          </a:prstGeom>
+        </p:spPr>
+      </p:pic>
     </p:spTree>
     <p:extLst>
       <p:ext uri="{BB962C8B-B14F-4D97-AF65-F5344CB8AC3E}">
-        <p14:creationId xmlns:p14="http://schemas.microsoft.com/office/powerpoint/2010/main" val="1493410646"/>
+        <p14:creationId xmlns:p14="http://schemas.microsoft.com/office/powerpoint/2010/main" val="2948589660"/>
       </p:ext>
     </p:extLst>
   </p:cSld>
   <p:clrMapOvr>
     <a:masterClrMapping/>
   </p:clrMapOvr>
+  <p:extLst>
+    <p:ext uri="{6950BFC3-D8DA-4A85-94F7-54DA5524770B}">
+      <p188:commentRel xmlns:p188="http://schemas.microsoft.com/office/powerpoint/2018/8/main" r:id="rId3"/>
+    </p:ext>
+  </p:extLst>
 </p:sld>
 </file>
 
@@ -7020,13 +10809,53 @@
           <a:lstStyle/>
           <a:p>
             <a:pPr algn="ctr"/>
-            <a:endParaRPr lang="es-CO" dirty="0"/>
+            <a:r>
+              <a:rPr lang="es-CO" b="1" dirty="0">
+                <a:solidFill>
+                  <a:srgbClr val="FF0000"/>
+                </a:solidFill>
+              </a:rPr>
+              <a:t>Este </a:t>
+            </a:r>
+            <a:r>
+              <a:rPr lang="es-CO" b="1" dirty="0" err="1">
+                <a:solidFill>
+                  <a:srgbClr val="FF0000"/>
+                </a:solidFill>
+              </a:rPr>
+              <a:t>dashboard</a:t>
+            </a:r>
+            <a:r>
+              <a:rPr lang="es-CO" b="1" dirty="0">
+                <a:solidFill>
+                  <a:srgbClr val="FF0000"/>
+                </a:solidFill>
+              </a:rPr>
+              <a:t> junta todos los </a:t>
+            </a:r>
+            <a:r>
+              <a:rPr lang="es-CO" b="1" dirty="0" err="1">
+                <a:solidFill>
+                  <a:srgbClr val="FF0000"/>
+                </a:solidFill>
+              </a:rPr>
+              <a:t>dashboard</a:t>
+            </a:r>
+            <a:r>
+              <a:rPr lang="es-CO" b="1" dirty="0">
+                <a:solidFill>
+                  <a:srgbClr val="FF0000"/>
+                </a:solidFill>
+              </a:rPr>
+              <a:t> de cada sección, aquí solo habrá una opción para organizar su orden</a:t>
+            </a:r>
           </a:p>
         </p:txBody>
       </p:sp>
       <p:pic>
         <p:nvPicPr>
           <p:cNvPr id="8" name="Imagen 7">
+            <a:hlinkClick r:id="rId2" action="ppaction://hlinksldjump"/>
             <a:extLst>
               <a:ext uri="{FF2B5EF4-FFF2-40B4-BE49-F238E27FC236}">
                 <a16:creationId xmlns:a16="http://schemas.microsoft.com/office/drawing/2014/main" id="{4B800D44-B81D-478E-982C-3D667A115CEB}"/>
@@ -7039,7 +10868,7 @@
           <p:nvPr/>
         </p:nvPicPr>
         <p:blipFill>
-          <a:blip r:embed="rId2"/>
+          <a:blip r:embed="rId3"/>
           <a:stretch>
             <a:fillRect/>
           </a:stretch>
@@ -7057,6 +10886,7 @@
       <p:pic>
         <p:nvPicPr>
           <p:cNvPr id="10" name="Imagen 9">
+            <a:hlinkClick r:id="rId4" action="ppaction://hlinksldjump"/>
             <a:extLst>
               <a:ext uri="{FF2B5EF4-FFF2-40B4-BE49-F238E27FC236}">
                 <a16:creationId xmlns:a16="http://schemas.microsoft.com/office/drawing/2014/main" id="{08B3E7F1-4413-4C4A-AF19-4A3F9506D0F6}"/>
@@ -7069,7 +10899,7 @@
           <p:nvPr/>
         </p:nvPicPr>
         <p:blipFill>
-          <a:blip r:embed="rId3"/>
+          <a:blip r:embed="rId5"/>
           <a:stretch>
             <a:fillRect/>
           </a:stretch>
@@ -7146,7 +10976,7 @@
           <p:nvPr/>
         </p:nvPicPr>
         <p:blipFill>
-          <a:blip r:embed="rId4"/>
+          <a:blip r:embed="rId6"/>
           <a:stretch>
             <a:fillRect/>
           </a:stretch>
@@ -7176,7 +11006,7 @@
           <p:nvPr/>
         </p:nvPicPr>
         <p:blipFill>
-          <a:blip r:embed="rId5"/>
+          <a:blip r:embed="rId7"/>
           <a:stretch>
             <a:fillRect/>
           </a:stretch>
@@ -7193,54 +11023,10 @@
       </p:pic>
       <p:sp>
         <p:nvSpPr>
-          <p:cNvPr id="3" name="Rectángulo 2">
-            <a:extLst>
-              <a:ext uri="{FF2B5EF4-FFF2-40B4-BE49-F238E27FC236}">
-                <a16:creationId xmlns:a16="http://schemas.microsoft.com/office/drawing/2014/main" id="{0420946C-61BE-448D-B78D-A29C2B945180}"/>
-              </a:ext>
-            </a:extLst>
-          </p:cNvPr>
-          <p:cNvSpPr/>
-          <p:nvPr/>
-        </p:nvSpPr>
-        <p:spPr>
-          <a:xfrm>
-            <a:off x="1435509" y="1389447"/>
-            <a:ext cx="1199535" cy="4814708"/>
-          </a:xfrm>
-          <a:prstGeom prst="rect">
-            <a:avLst/>
-          </a:prstGeom>
-        </p:spPr>
-        <p:style>
-          <a:lnRef idx="2">
-            <a:schemeClr val="accent3"/>
-          </a:lnRef>
-          <a:fillRef idx="1">
-            <a:schemeClr val="lt1"/>
-          </a:fillRef>
-          <a:effectRef idx="0">
-            <a:schemeClr val="accent3"/>
-          </a:effectRef>
-          <a:fontRef idx="minor">
-            <a:schemeClr val="dk1"/>
-          </a:fontRef>
-        </p:style>
-        <p:txBody>
-          <a:bodyPr rtlCol="0" anchor="ctr"/>
-          <a:lstStyle/>
-          <a:p>
-            <a:pPr algn="ctr"/>
-            <a:endParaRPr lang="es-CO" dirty="0"/>
-          </a:p>
-        </p:txBody>
-      </p:sp>
-      <p:sp>
-        <p:nvSpPr>
-          <p:cNvPr id="4" name="CuadroTexto 3">
-            <a:extLst>
-              <a:ext uri="{FF2B5EF4-FFF2-40B4-BE49-F238E27FC236}">
-                <a16:creationId xmlns:a16="http://schemas.microsoft.com/office/drawing/2014/main" id="{822E91CA-8244-472A-8273-6A90593C6646}"/>
+          <p:cNvPr id="16" name="CuadroTexto 15">
+            <a:extLst>
+              <a:ext uri="{FF2B5EF4-FFF2-40B4-BE49-F238E27FC236}">
+                <a16:creationId xmlns:a16="http://schemas.microsoft.com/office/drawing/2014/main" id="{96D17C9C-7D0D-40DA-B48F-3166631861B9}"/>
               </a:ext>
             </a:extLst>
           </p:cNvPr>
@@ -7249,8 +11035,8 @@
         </p:nvSpPr>
         <p:spPr>
           <a:xfrm>
-            <a:off x="1528470" y="1534491"/>
-            <a:ext cx="1092350" cy="338554"/>
+            <a:off x="2123768" y="1897626"/>
+            <a:ext cx="1228606" cy="369332"/>
           </a:xfrm>
           <a:prstGeom prst="rect">
             <a:avLst/>
@@ -7264,204 +11050,16 @@
           <a:lstStyle/>
           <a:p>
             <a:r>
-              <a:rPr lang="es-CO" sz="1600" dirty="0"/>
+              <a:rPr lang="es-CO" b="1" dirty="0"/>
               <a:t>DashBoard</a:t>
             </a:r>
-          </a:p>
-        </p:txBody>
-      </p:sp>
-      <p:sp>
-        <p:nvSpPr>
-          <p:cNvPr id="12" name="CuadroTexto 11">
-            <a:extLst>
-              <a:ext uri="{FF2B5EF4-FFF2-40B4-BE49-F238E27FC236}">
-                <a16:creationId xmlns:a16="http://schemas.microsoft.com/office/drawing/2014/main" id="{7F61836D-B6C9-4B0A-8B5D-08EA39F5448B}"/>
-              </a:ext>
-            </a:extLst>
-          </p:cNvPr>
-          <p:cNvSpPr txBox="1"/>
-          <p:nvPr/>
-        </p:nvSpPr>
-        <p:spPr>
-          <a:xfrm>
-            <a:off x="1528470" y="1903823"/>
-            <a:ext cx="880882" cy="338554"/>
-          </a:xfrm>
-          <a:prstGeom prst="rect">
-            <a:avLst/>
-          </a:prstGeom>
-          <a:noFill/>
-        </p:spPr>
-        <p:txBody>
-          <a:bodyPr wrap="none" rtlCol="0">
-            <a:spAutoFit/>
-          </a:bodyPr>
-          <a:lstStyle/>
-          <a:p>
-            <a:r>
-              <a:rPr lang="es-CO" sz="1600" dirty="0"/>
-              <a:t>Ingresos</a:t>
-            </a:r>
-          </a:p>
-        </p:txBody>
-      </p:sp>
-      <p:sp>
-        <p:nvSpPr>
-          <p:cNvPr id="14" name="CuadroTexto 13">
-            <a:extLst>
-              <a:ext uri="{FF2B5EF4-FFF2-40B4-BE49-F238E27FC236}">
-                <a16:creationId xmlns:a16="http://schemas.microsoft.com/office/drawing/2014/main" id="{240D1A64-2A01-4627-B12A-92760895A2EC}"/>
-              </a:ext>
-            </a:extLst>
-          </p:cNvPr>
-          <p:cNvSpPr txBox="1"/>
-          <p:nvPr/>
-        </p:nvSpPr>
-        <p:spPr>
-          <a:xfrm>
-            <a:off x="1528470" y="2273155"/>
-            <a:ext cx="823174" cy="338554"/>
-          </a:xfrm>
-          <a:prstGeom prst="rect">
-            <a:avLst/>
-          </a:prstGeom>
-          <a:noFill/>
-        </p:spPr>
-        <p:txBody>
-          <a:bodyPr wrap="none" rtlCol="0">
-            <a:spAutoFit/>
-          </a:bodyPr>
-          <a:lstStyle/>
-          <a:p>
-            <a:r>
-              <a:rPr lang="es-CO" sz="1600" dirty="0"/>
-              <a:t>Egresos</a:t>
-            </a:r>
-          </a:p>
-        </p:txBody>
-      </p:sp>
-      <p:sp>
-        <p:nvSpPr>
-          <p:cNvPr id="17" name="CuadroTexto 16">
-            <a:extLst>
-              <a:ext uri="{FF2B5EF4-FFF2-40B4-BE49-F238E27FC236}">
-                <a16:creationId xmlns:a16="http://schemas.microsoft.com/office/drawing/2014/main" id="{55FF88AC-C094-4C34-8085-CD35BAB94DEA}"/>
-              </a:ext>
-            </a:extLst>
-          </p:cNvPr>
-          <p:cNvSpPr txBox="1"/>
-          <p:nvPr/>
-        </p:nvSpPr>
-        <p:spPr>
-          <a:xfrm>
-            <a:off x="1528470" y="2586250"/>
-            <a:ext cx="745589" cy="338554"/>
-          </a:xfrm>
-          <a:prstGeom prst="rect">
-            <a:avLst/>
-          </a:prstGeom>
-          <a:noFill/>
-        </p:spPr>
-        <p:txBody>
-          <a:bodyPr wrap="none" rtlCol="0">
-            <a:spAutoFit/>
-          </a:bodyPr>
-          <a:lstStyle/>
-          <a:p>
-            <a:r>
-              <a:rPr lang="es-CO" sz="1600" dirty="0"/>
-              <a:t>Dinero</a:t>
-            </a:r>
-          </a:p>
-        </p:txBody>
-      </p:sp>
-      <p:sp>
-        <p:nvSpPr>
-          <p:cNvPr id="16" name="CuadroTexto 15">
-            <a:extLst>
-              <a:ext uri="{FF2B5EF4-FFF2-40B4-BE49-F238E27FC236}">
-                <a16:creationId xmlns:a16="http://schemas.microsoft.com/office/drawing/2014/main" id="{C9E7A9CD-C7AC-4C32-A408-8A0E49FB54BA}"/>
-              </a:ext>
-            </a:extLst>
-          </p:cNvPr>
-          <p:cNvSpPr txBox="1"/>
-          <p:nvPr/>
-        </p:nvSpPr>
-        <p:spPr>
-          <a:xfrm>
-            <a:off x="1528469" y="2930123"/>
-            <a:ext cx="948593" cy="338554"/>
-          </a:xfrm>
-          <a:prstGeom prst="rect">
-            <a:avLst/>
-          </a:prstGeom>
-          <a:noFill/>
-        </p:spPr>
-        <p:txBody>
-          <a:bodyPr wrap="none" rtlCol="0">
-            <a:spAutoFit/>
-          </a:bodyPr>
-          <a:lstStyle/>
-          <a:p>
-            <a:r>
-              <a:rPr lang="es-CO" sz="1600" dirty="0" err="1"/>
-              <a:t>Whishlist</a:t>
-            </a:r>
-            <a:endParaRPr lang="es-CO" sz="1600" dirty="0"/>
-          </a:p>
-        </p:txBody>
-      </p:sp>
-      <p:sp>
-        <p:nvSpPr>
-          <p:cNvPr id="18" name="Flecha: a la derecha 17">
-            <a:hlinkClick r:id="" action="ppaction://hlinkshowjump?jump=previousslide"/>
-            <a:extLst>
-              <a:ext uri="{FF2B5EF4-FFF2-40B4-BE49-F238E27FC236}">
-                <a16:creationId xmlns:a16="http://schemas.microsoft.com/office/drawing/2014/main" id="{7FBA28A7-DBB4-4F41-8F46-7AA4FD9B7533}"/>
-              </a:ext>
-            </a:extLst>
-          </p:cNvPr>
-          <p:cNvSpPr/>
-          <p:nvPr/>
-        </p:nvSpPr>
-        <p:spPr>
-          <a:xfrm rot="10800000">
-            <a:off x="383458" y="796413"/>
-            <a:ext cx="635033" cy="514376"/>
-          </a:xfrm>
-          <a:prstGeom prst="rightArrow">
-            <a:avLst/>
-          </a:prstGeom>
-        </p:spPr>
-        <p:style>
-          <a:lnRef idx="2">
-            <a:schemeClr val="accent1">
-              <a:shade val="50000"/>
-            </a:schemeClr>
-          </a:lnRef>
-          <a:fillRef idx="1">
-            <a:schemeClr val="accent1"/>
-          </a:fillRef>
-          <a:effectRef idx="0">
-            <a:schemeClr val="accent1"/>
-          </a:effectRef>
-          <a:fontRef idx="minor">
-            <a:schemeClr val="lt1"/>
-          </a:fontRef>
-        </p:style>
-        <p:txBody>
-          <a:bodyPr rtlCol="0" anchor="ctr"/>
-          <a:lstStyle/>
-          <a:p>
-            <a:pPr algn="ctr"/>
-            <a:endParaRPr lang="es-CO"/>
           </a:p>
         </p:txBody>
       </p:sp>
     </p:spTree>
     <p:extLst>
       <p:ext uri="{BB962C8B-B14F-4D97-AF65-F5344CB8AC3E}">
-        <p14:creationId xmlns:p14="http://schemas.microsoft.com/office/powerpoint/2010/main" val="2826486781"/>
+        <p14:creationId xmlns:p14="http://schemas.microsoft.com/office/powerpoint/2010/main" val="3213081361"/>
       </p:ext>
     </p:extLst>
   </p:cSld>

--- a/JL/documents/JL.pptx
+++ b/JL/documents/JL.pptx
@@ -9739,6 +9739,36 @@
           </a:p>
         </p:txBody>
       </p:sp>
+      <p:pic>
+        <p:nvPicPr>
+          <p:cNvPr id="29" name="Imagen 28">
+            <a:extLst>
+              <a:ext uri="{FF2B5EF4-FFF2-40B4-BE49-F238E27FC236}">
+                <a16:creationId xmlns:a16="http://schemas.microsoft.com/office/drawing/2014/main" id="{05E18E45-FEDE-438E-A126-E4ACC3DAEB2F}"/>
+              </a:ext>
+            </a:extLst>
+          </p:cNvPr>
+          <p:cNvPicPr>
+            <a:picLocks noChangeAspect="1"/>
+          </p:cNvPicPr>
+          <p:nvPr/>
+        </p:nvPicPr>
+        <p:blipFill>
+          <a:blip r:embed="rId7"/>
+          <a:stretch>
+            <a:fillRect/>
+          </a:stretch>
+        </p:blipFill>
+        <p:spPr>
+          <a:xfrm>
+            <a:off x="2707350" y="4102114"/>
+            <a:ext cx="267223" cy="236151"/>
+          </a:xfrm>
+          <a:prstGeom prst="rect">
+            <a:avLst/>
+          </a:prstGeom>
+        </p:spPr>
+      </p:pic>
     </p:spTree>
     <p:extLst>
       <p:ext uri="{BB962C8B-B14F-4D97-AF65-F5344CB8AC3E}">

--- a/JL/documents/JL.pptx
+++ b/JL/documents/JL.pptx
@@ -5,7 +5,7 @@
     <p:sldMasterId id="2147483648" r:id="rId1"/>
   </p:sldMasterIdLst>
   <p:notesMasterIdLst>
-    <p:notesMasterId r:id="rId17"/>
+    <p:notesMasterId r:id="rId19"/>
   </p:notesMasterIdLst>
   <p:sldIdLst>
     <p:sldId id="256" r:id="rId2"/>
@@ -14,15 +14,17 @@
     <p:sldId id="268" r:id="rId5"/>
     <p:sldId id="257" r:id="rId6"/>
     <p:sldId id="269" r:id="rId7"/>
-    <p:sldId id="270" r:id="rId8"/>
-    <p:sldId id="271" r:id="rId9"/>
-    <p:sldId id="258" r:id="rId10"/>
-    <p:sldId id="261" r:id="rId11"/>
-    <p:sldId id="262" r:id="rId12"/>
-    <p:sldId id="263" r:id="rId13"/>
-    <p:sldId id="265" r:id="rId14"/>
-    <p:sldId id="264" r:id="rId15"/>
-    <p:sldId id="267" r:id="rId16"/>
+    <p:sldId id="272" r:id="rId8"/>
+    <p:sldId id="273" r:id="rId9"/>
+    <p:sldId id="270" r:id="rId10"/>
+    <p:sldId id="271" r:id="rId11"/>
+    <p:sldId id="258" r:id="rId12"/>
+    <p:sldId id="261" r:id="rId13"/>
+    <p:sldId id="262" r:id="rId14"/>
+    <p:sldId id="263" r:id="rId15"/>
+    <p:sldId id="265" r:id="rId16"/>
+    <p:sldId id="264" r:id="rId17"/>
+    <p:sldId id="267" r:id="rId18"/>
   </p:sldIdLst>
   <p:sldSz cx="12192000" cy="6858000"/>
   <p:notesSz cx="6858000" cy="9144000"/>
@@ -132,6 +134,8 @@
             <p14:sldId id="268"/>
             <p14:sldId id="257"/>
             <p14:sldId id="269"/>
+            <p14:sldId id="272"/>
+            <p14:sldId id="273"/>
             <p14:sldId id="270"/>
             <p14:sldId id="271"/>
           </p14:sldIdLst>
@@ -812,6 +816,65 @@
 </p188:cmLst>
 </file>
 
+<file path=ppt/comments/modernComment_110_C65DDB56.xml><?xml version="1.0" encoding="utf-8"?>
+<p188:cmLst xmlns:a="http://schemas.openxmlformats.org/drawingml/2006/main" xmlns:r="http://schemas.openxmlformats.org/officeDocument/2006/relationships" xmlns:p188="http://schemas.microsoft.com/office/powerpoint/2018/8/main">
+  <p188:cm id="{B40DA5F1-ECDE-4732-B933-6BC95AD30218}" authorId="{59A5F414-FF80-BCA7-60E4-C2F503EF5748}" created="2022-01-15T14:09:55.186">
+    <ac:deMkLst xmlns:ac="http://schemas.microsoft.com/office/drawing/2013/main/command">
+      <pc:docMk xmlns:pc="http://schemas.microsoft.com/office/powerpoint/2013/main/command"/>
+      <pc:sldMk xmlns:pc="http://schemas.microsoft.com/office/powerpoint/2013/main/command" cId="3328039766" sldId="272"/>
+      <ac:spMk id="9" creationId="{514ADB7D-0BDC-41B5-BDA6-E4427590CEEB}"/>
+    </ac:deMkLst>
+    <p188:txBody>
+      <a:bodyPr/>
+      <a:lstStyle/>
+      <a:p>
+        <a:r>
+          <a:rPr lang="es-CO"/>
+          <a:t>Cubrir una parte del pdf con un cuadrado (como en quizlet) y luego de seleccionarse, preguntar si quiere hacer Oclused imagen
+si: Ventana para que haga su oclused img
+no: Inserte una pregunta, y esa pregunta aparecerá a la derecha del PDF
+</a:t>
+        </a:r>
+      </a:p>
+    </p188:txBody>
+  </p188:cm>
+  <p188:cm id="{71F4EC8B-B148-44E3-B260-E2DC3CF2C02D}" authorId="{59A5F414-FF80-BCA7-60E4-C2F503EF5748}" created="2022-01-15T20:17:42.673">
+    <ac:deMkLst xmlns:ac="http://schemas.microsoft.com/office/drawing/2013/main/command">
+      <pc:docMk xmlns:pc="http://schemas.microsoft.com/office/powerpoint/2013/main/command"/>
+      <pc:sldMk xmlns:pc="http://schemas.microsoft.com/office/powerpoint/2013/main/command" cId="3328039766" sldId="272"/>
+      <ac:spMk id="12" creationId="{F559BB90-7BD7-4719-81F2-F36E2C4C95A5}"/>
+    </ac:deMkLst>
+    <p188:txBody>
+      <a:bodyPr/>
+      <a:lstStyle/>
+      <a:p>
+        <a:r>
+          <a:rPr lang="es-CO"/>
+          <a:t>[[]] PARA hacer huecos</a:t>
+        </a:r>
+      </a:p>
+    </p188:txBody>
+  </p188:cm>
+  <p188:cm id="{A3FEF702-8BE1-4EC3-9F0A-2191F6167A2D}" authorId="{59A5F414-FF80-BCA7-60E4-C2F503EF5748}" created="2022-01-15T20:18:17.901">
+    <ac:deMkLst xmlns:ac="http://schemas.microsoft.com/office/drawing/2013/main/command">
+      <pc:docMk xmlns:pc="http://schemas.microsoft.com/office/powerpoint/2013/main/command"/>
+      <pc:sldMk xmlns:pc="http://schemas.microsoft.com/office/powerpoint/2013/main/command" cId="3328039766" sldId="272"/>
+      <ac:spMk id="12" creationId="{F559BB90-7BD7-4719-81F2-F36E2C4C95A5}"/>
+    </ac:deMkLst>
+    <p188:txBody>
+      <a:bodyPr/>
+      <a:lstStyle/>
+      <a:p>
+        <a:r>
+          <a:rPr lang="es-CO"/>
+          <a:t>Al subrrayar, que permita la opción de editar el texto y de sacar una anki</a:t>
+        </a:r>
+      </a:p>
+    </p188:txBody>
+  </p188:cm>
+</p188:cmLst>
+</file>
+
 <file path=ppt/notesMasters/notesMaster1.xml><?xml version="1.0" encoding="utf-8"?>
 <p:notesMaster xmlns:a="http://schemas.openxmlformats.org/drawingml/2006/main" xmlns:r="http://schemas.openxmlformats.org/officeDocument/2006/relationships" xmlns:p="http://schemas.openxmlformats.org/presentationml/2006/main">
   <p:cSld>
@@ -894,7 +957,7 @@
           <a:p>
             <a:fld id="{96AC33B9-1F74-4012-B034-2B232019E8CC}" type="datetimeFigureOut">
               <a:rPr lang="es-CO" smtClean="0"/>
-              <a:t>13/01/2022</a:t>
+              <a:t>15/01/2022</a:t>
             </a:fld>
             <a:endParaRPr lang="es-CO"/>
           </a:p>
@@ -1300,11 +1363,7 @@
           <a:p>
             <a:r>
               <a:rPr lang="es-MX" dirty="0"/>
-              <a:t>DASHBOARD FINANZAS: Para agregar cosas a las tablas, tener controles como los de ng ultima-</a:t>
-            </a:r>
-            <a:r>
-              <a:rPr lang="es-MX" dirty="0" err="1"/>
-              <a:t>template</a:t>
+              <a:t>DASHBOARD ESTUDIO</a:t>
             </a:r>
             <a:endParaRPr lang="es-CO" dirty="0"/>
           </a:p>
@@ -1392,7 +1451,7 @@
           <a:p>
             <a:r>
               <a:rPr lang="es-MX" dirty="0"/>
-              <a:t>Interfaz al </a:t>
+              <a:t>Al </a:t>
             </a:r>
             <a:r>
               <a:rPr lang="es-MX" dirty="0" err="1"/>
@@ -1400,10 +1459,8 @@
             </a:r>
             <a:r>
               <a:rPr lang="es-MX" dirty="0"/>
-              <a:t> en buscar apuntes de un tema</a:t>
-            </a:r>
-          </a:p>
-          <a:p>
+              <a:t> un tema: Se abre la materia, y todo está contraído menos el tema</a:t>
+            </a:r>
             <a:endParaRPr lang="es-CO" dirty="0"/>
           </a:p>
         </p:txBody>
@@ -1434,7 +1491,7 @@
     </p:spTree>
     <p:extLst>
       <p:ext uri="{BB962C8B-B14F-4D97-AF65-F5344CB8AC3E}">
-        <p14:creationId xmlns:p14="http://schemas.microsoft.com/office/powerpoint/2010/main" val="4284895138"/>
+        <p14:creationId xmlns:p14="http://schemas.microsoft.com/office/powerpoint/2010/main" val="3728945979"/>
       </p:ext>
     </p:extLst>
   </p:cSld>
@@ -1523,7 +1580,7 @@
           <a:p>
             <a:fld id="{96D7D369-5B0A-4A0F-9451-734DF86798EA}" type="slidenum">
               <a:rPr lang="es-CO" smtClean="0"/>
-              <a:t>8</a:t>
+              <a:t>9</a:t>
             </a:fld>
             <a:endParaRPr lang="es-CO"/>
           </a:p>
@@ -1532,7 +1589,7 @@
     </p:spTree>
     <p:extLst>
       <p:ext uri="{BB962C8B-B14F-4D97-AF65-F5344CB8AC3E}">
-        <p14:creationId xmlns:p14="http://schemas.microsoft.com/office/powerpoint/2010/main" val="583451208"/>
+        <p14:creationId xmlns:p14="http://schemas.microsoft.com/office/powerpoint/2010/main" val="4284895138"/>
       </p:ext>
     </p:extLst>
   </p:cSld>
@@ -1587,12 +1644,17 @@
           <a:lstStyle/>
           <a:p>
             <a:r>
-              <a:rPr lang="es-CO" dirty="0"/>
-              <a:t>Opción de subir sus propios apuntes en materias</a:t>
-            </a:r>
-          </a:p>
-          <a:p>
-            <a:endParaRPr lang="es-CO" dirty="0"/>
+              <a:rPr lang="es-MX" dirty="0"/>
+              <a:t>Interfaz al </a:t>
+            </a:r>
+            <a:r>
+              <a:rPr lang="es-MX" dirty="0" err="1"/>
+              <a:t>clickear</a:t>
+            </a:r>
+            <a:r>
+              <a:rPr lang="es-MX" dirty="0"/>
+              <a:t> en repasar</a:t>
+            </a:r>
           </a:p>
         </p:txBody>
       </p:sp>
@@ -1613,7 +1675,97 @@
           <a:p>
             <a:fld id="{96D7D369-5B0A-4A0F-9451-734DF86798EA}" type="slidenum">
               <a:rPr lang="es-CO" smtClean="0"/>
-              <a:t>12</a:t>
+              <a:t>10</a:t>
+            </a:fld>
+            <a:endParaRPr lang="es-CO"/>
+          </a:p>
+        </p:txBody>
+      </p:sp>
+    </p:spTree>
+    <p:extLst>
+      <p:ext uri="{BB962C8B-B14F-4D97-AF65-F5344CB8AC3E}">
+        <p14:creationId xmlns:p14="http://schemas.microsoft.com/office/powerpoint/2010/main" val="583451208"/>
+      </p:ext>
+    </p:extLst>
+  </p:cSld>
+  <p:clrMapOvr>
+    <a:masterClrMapping/>
+  </p:clrMapOvr>
+</p:notes>
+</file>
+
+<file path=ppt/notesSlides/notesSlide6.xml><?xml version="1.0" encoding="utf-8"?>
+<p:notes xmlns:a="http://schemas.openxmlformats.org/drawingml/2006/main" xmlns:r="http://schemas.openxmlformats.org/officeDocument/2006/relationships" xmlns:p="http://schemas.openxmlformats.org/presentationml/2006/main">
+  <p:cSld>
+    <p:spTree>
+      <p:nvGrpSpPr>
+        <p:cNvPr id="1" name=""/>
+        <p:cNvGrpSpPr/>
+        <p:nvPr/>
+      </p:nvGrpSpPr>
+      <p:grpSpPr>
+        <a:xfrm>
+          <a:off x="0" y="0"/>
+          <a:ext cx="0" cy="0"/>
+          <a:chOff x="0" y="0"/>
+          <a:chExt cx="0" cy="0"/>
+        </a:xfrm>
+      </p:grpSpPr>
+      <p:sp>
+        <p:nvSpPr>
+          <p:cNvPr id="2" name="Marcador de imagen de diapositiva 1"/>
+          <p:cNvSpPr>
+            <a:spLocks noGrp="1" noRot="1" noChangeAspect="1"/>
+          </p:cNvSpPr>
+          <p:nvPr>
+            <p:ph type="sldImg"/>
+          </p:nvPr>
+        </p:nvSpPr>
+        <p:spPr/>
+      </p:sp>
+      <p:sp>
+        <p:nvSpPr>
+          <p:cNvPr id="3" name="Marcador de notas 2"/>
+          <p:cNvSpPr>
+            <a:spLocks noGrp="1"/>
+          </p:cNvSpPr>
+          <p:nvPr>
+            <p:ph type="body" idx="1"/>
+          </p:nvPr>
+        </p:nvSpPr>
+        <p:spPr/>
+        <p:txBody>
+          <a:bodyPr/>
+          <a:lstStyle/>
+          <a:p>
+            <a:r>
+              <a:rPr lang="es-CO" dirty="0"/>
+              <a:t>Opción de subir sus propios apuntes en materias</a:t>
+            </a:r>
+          </a:p>
+          <a:p>
+            <a:endParaRPr lang="es-CO" dirty="0"/>
+          </a:p>
+        </p:txBody>
+      </p:sp>
+      <p:sp>
+        <p:nvSpPr>
+          <p:cNvPr id="4" name="Marcador de número de diapositiva 3"/>
+          <p:cNvSpPr>
+            <a:spLocks noGrp="1"/>
+          </p:cNvSpPr>
+          <p:nvPr>
+            <p:ph type="sldNum" sz="quarter" idx="5"/>
+          </p:nvPr>
+        </p:nvSpPr>
+        <p:spPr/>
+        <p:txBody>
+          <a:bodyPr/>
+          <a:lstStyle/>
+          <a:p>
+            <a:fld id="{96D7D369-5B0A-4A0F-9451-734DF86798EA}" type="slidenum">
+              <a:rPr lang="es-CO" smtClean="0"/>
+              <a:t>14</a:t>
             </a:fld>
             <a:endParaRPr lang="es-CO"/>
           </a:p>
@@ -1781,7 +1933,7 @@
           <a:p>
             <a:fld id="{B4295D3F-4706-4E2C-BC2A-3B66B417C6BC}" type="datetimeFigureOut">
               <a:rPr lang="es-CO" smtClean="0"/>
-              <a:t>13/01/2022</a:t>
+              <a:t>15/01/2022</a:t>
             </a:fld>
             <a:endParaRPr lang="es-CO"/>
           </a:p>
@@ -1981,7 +2133,7 @@
           <a:p>
             <a:fld id="{B4295D3F-4706-4E2C-BC2A-3B66B417C6BC}" type="datetimeFigureOut">
               <a:rPr lang="es-CO" smtClean="0"/>
-              <a:t>13/01/2022</a:t>
+              <a:t>15/01/2022</a:t>
             </a:fld>
             <a:endParaRPr lang="es-CO"/>
           </a:p>
@@ -2191,7 +2343,7 @@
           <a:p>
             <a:fld id="{B4295D3F-4706-4E2C-BC2A-3B66B417C6BC}" type="datetimeFigureOut">
               <a:rPr lang="es-CO" smtClean="0"/>
-              <a:t>13/01/2022</a:t>
+              <a:t>15/01/2022</a:t>
             </a:fld>
             <a:endParaRPr lang="es-CO"/>
           </a:p>
@@ -2391,7 +2543,7 @@
           <a:p>
             <a:fld id="{B4295D3F-4706-4E2C-BC2A-3B66B417C6BC}" type="datetimeFigureOut">
               <a:rPr lang="es-CO" smtClean="0"/>
-              <a:t>13/01/2022</a:t>
+              <a:t>15/01/2022</a:t>
             </a:fld>
             <a:endParaRPr lang="es-CO"/>
           </a:p>
@@ -2667,7 +2819,7 @@
           <a:p>
             <a:fld id="{B4295D3F-4706-4E2C-BC2A-3B66B417C6BC}" type="datetimeFigureOut">
               <a:rPr lang="es-CO" smtClean="0"/>
-              <a:t>13/01/2022</a:t>
+              <a:t>15/01/2022</a:t>
             </a:fld>
             <a:endParaRPr lang="es-CO"/>
           </a:p>
@@ -2935,7 +3087,7 @@
           <a:p>
             <a:fld id="{B4295D3F-4706-4E2C-BC2A-3B66B417C6BC}" type="datetimeFigureOut">
               <a:rPr lang="es-CO" smtClean="0"/>
-              <a:t>13/01/2022</a:t>
+              <a:t>15/01/2022</a:t>
             </a:fld>
             <a:endParaRPr lang="es-CO"/>
           </a:p>
@@ -3350,7 +3502,7 @@
           <a:p>
             <a:fld id="{B4295D3F-4706-4E2C-BC2A-3B66B417C6BC}" type="datetimeFigureOut">
               <a:rPr lang="es-CO" smtClean="0"/>
-              <a:t>13/01/2022</a:t>
+              <a:t>15/01/2022</a:t>
             </a:fld>
             <a:endParaRPr lang="es-CO"/>
           </a:p>
@@ -3492,7 +3644,7 @@
           <a:p>
             <a:fld id="{B4295D3F-4706-4E2C-BC2A-3B66B417C6BC}" type="datetimeFigureOut">
               <a:rPr lang="es-CO" smtClean="0"/>
-              <a:t>13/01/2022</a:t>
+              <a:t>15/01/2022</a:t>
             </a:fld>
             <a:endParaRPr lang="es-CO"/>
           </a:p>
@@ -3605,7 +3757,7 @@
           <a:p>
             <a:fld id="{B4295D3F-4706-4E2C-BC2A-3B66B417C6BC}" type="datetimeFigureOut">
               <a:rPr lang="es-CO" smtClean="0"/>
-              <a:t>13/01/2022</a:t>
+              <a:t>15/01/2022</a:t>
             </a:fld>
             <a:endParaRPr lang="es-CO"/>
           </a:p>
@@ -3918,7 +4070,7 @@
           <a:p>
             <a:fld id="{B4295D3F-4706-4E2C-BC2A-3B66B417C6BC}" type="datetimeFigureOut">
               <a:rPr lang="es-CO" smtClean="0"/>
-              <a:t>13/01/2022</a:t>
+              <a:t>15/01/2022</a:t>
             </a:fld>
             <a:endParaRPr lang="es-CO"/>
           </a:p>
@@ -4207,7 +4359,7 @@
           <a:p>
             <a:fld id="{B4295D3F-4706-4E2C-BC2A-3B66B417C6BC}" type="datetimeFigureOut">
               <a:rPr lang="es-CO" smtClean="0"/>
-              <a:t>13/01/2022</a:t>
+              <a:t>15/01/2022</a:t>
             </a:fld>
             <a:endParaRPr lang="es-CO"/>
           </a:p>
@@ -4450,7 +4602,7 @@
           <a:p>
             <a:fld id="{B4295D3F-4706-4E2C-BC2A-3B66B417C6BC}" type="datetimeFigureOut">
               <a:rPr lang="es-CO" smtClean="0"/>
-              <a:t>13/01/2022</a:t>
+              <a:t>15/01/2022</a:t>
             </a:fld>
             <a:endParaRPr lang="es-CO"/>
           </a:p>
@@ -4970,64 +5122,12 @@
           <a:chExt cx="0" cy="0"/>
         </a:xfrm>
       </p:grpSpPr>
-      <p:sp>
-        <p:nvSpPr>
-          <p:cNvPr id="2" name="Rectángulo 1">
-            <a:extLst>
-              <a:ext uri="{FF2B5EF4-FFF2-40B4-BE49-F238E27FC236}">
-                <a16:creationId xmlns:a16="http://schemas.microsoft.com/office/drawing/2014/main" id="{179E8C71-5EC1-4DC2-8A44-856A71263AC5}"/>
-              </a:ext>
-            </a:extLst>
-          </p:cNvPr>
-          <p:cNvSpPr/>
-          <p:nvPr/>
-        </p:nvSpPr>
-        <p:spPr>
-          <a:xfrm>
-            <a:off x="1435509" y="875071"/>
-            <a:ext cx="9458633" cy="5329084"/>
-          </a:xfrm>
-          <a:prstGeom prst="rect">
-            <a:avLst/>
-          </a:prstGeom>
-          <a:solidFill>
-            <a:schemeClr val="accent3">
-              <a:alpha val="50000"/>
-            </a:schemeClr>
-          </a:solidFill>
-          <a:ln>
-            <a:noFill/>
-          </a:ln>
-        </p:spPr>
-        <p:style>
-          <a:lnRef idx="0">
-            <a:scrgbClr r="0" g="0" b="0"/>
-          </a:lnRef>
-          <a:fillRef idx="0">
-            <a:scrgbClr r="0" g="0" b="0"/>
-          </a:fillRef>
-          <a:effectRef idx="0">
-            <a:scrgbClr r="0" g="0" b="0"/>
-          </a:effectRef>
-          <a:fontRef idx="minor">
-            <a:schemeClr val="lt1"/>
-          </a:fontRef>
-        </p:style>
-        <p:txBody>
-          <a:bodyPr rtlCol="0" anchor="ctr"/>
-          <a:lstStyle/>
-          <a:p>
-            <a:pPr algn="ctr"/>
-            <a:endParaRPr lang="es-CO" dirty="0"/>
-          </a:p>
-        </p:txBody>
-      </p:sp>
       <p:pic>
         <p:nvPicPr>
-          <p:cNvPr id="8" name="Imagen 7">
-            <a:extLst>
-              <a:ext uri="{FF2B5EF4-FFF2-40B4-BE49-F238E27FC236}">
-                <a16:creationId xmlns:a16="http://schemas.microsoft.com/office/drawing/2014/main" id="{4B800D44-B81D-478E-982C-3D667A115CEB}"/>
+          <p:cNvPr id="2" name="Imagen 1">
+            <a:extLst>
+              <a:ext uri="{FF2B5EF4-FFF2-40B4-BE49-F238E27FC236}">
+                <a16:creationId xmlns:a16="http://schemas.microsoft.com/office/drawing/2014/main" id="{19DA98B4-23B7-4C82-8FA2-4DA36A12D5DD}"/>
               </a:ext>
             </a:extLst>
           </p:cNvPr>
@@ -5036,16 +5136,101 @@
           </p:cNvPicPr>
           <p:nvPr/>
         </p:nvPicPr>
+        <p:blipFill rotWithShape="1">
+          <a:blip r:embed="rId4"/>
+          <a:srcRect l="10586" r="-1"/>
+          <a:stretch/>
+        </p:blipFill>
+        <p:spPr>
+          <a:xfrm>
+            <a:off x="0" y="191158"/>
+            <a:ext cx="12044641" cy="6666841"/>
+          </a:xfrm>
+          <a:prstGeom prst="rect">
+            <a:avLst/>
+          </a:prstGeom>
+        </p:spPr>
+      </p:pic>
+      <p:sp>
+        <p:nvSpPr>
+          <p:cNvPr id="21" name="Rectángulo 20">
+            <a:extLst>
+              <a:ext uri="{FF2B5EF4-FFF2-40B4-BE49-F238E27FC236}">
+                <a16:creationId xmlns:a16="http://schemas.microsoft.com/office/drawing/2014/main" id="{8392CBD6-C1C2-4EA5-8589-76270868A9C0}"/>
+              </a:ext>
+            </a:extLst>
+          </p:cNvPr>
+          <p:cNvSpPr/>
+          <p:nvPr/>
+        </p:nvSpPr>
+        <p:spPr>
+          <a:xfrm>
+            <a:off x="2686088" y="4776552"/>
+            <a:ext cx="7756634" cy="1455058"/>
+          </a:xfrm>
+          <a:prstGeom prst="rect">
+            <a:avLst/>
+          </a:prstGeom>
+        </p:spPr>
+        <p:style>
+          <a:lnRef idx="2">
+            <a:schemeClr val="accent6"/>
+          </a:lnRef>
+          <a:fillRef idx="1">
+            <a:schemeClr val="lt1"/>
+          </a:fillRef>
+          <a:effectRef idx="0">
+            <a:schemeClr val="accent6"/>
+          </a:effectRef>
+          <a:fontRef idx="minor">
+            <a:schemeClr val="dk1"/>
+          </a:fontRef>
+        </p:style>
+        <p:txBody>
+          <a:bodyPr rtlCol="0" anchor="ctr"/>
+          <a:lstStyle/>
+          <a:p>
+            <a:pPr algn="ctr"/>
+            <a:endParaRPr lang="es-CO">
+              <a:ln w="0"/>
+              <a:solidFill>
+                <a:schemeClr val="tx1"/>
+              </a:solidFill>
+              <a:effectLst>
+                <a:outerShdw blurRad="38100" dist="19050" dir="2700000" algn="tl" rotWithShape="0">
+                  <a:schemeClr val="dk1">
+                    <a:alpha val="40000"/>
+                  </a:schemeClr>
+                </a:outerShdw>
+              </a:effectLst>
+            </a:endParaRPr>
+          </a:p>
+        </p:txBody>
+      </p:sp>
+      <p:pic>
+        <p:nvPicPr>
+          <p:cNvPr id="6" name="Imagen 5">
+            <a:extLst>
+              <a:ext uri="{FF2B5EF4-FFF2-40B4-BE49-F238E27FC236}">
+                <a16:creationId xmlns:a16="http://schemas.microsoft.com/office/drawing/2014/main" id="{CA503976-FE6B-43CA-8DB3-D61ABCE27380}"/>
+              </a:ext>
+            </a:extLst>
+          </p:cNvPr>
+          <p:cNvPicPr>
+            <a:picLocks noChangeAspect="1"/>
+          </p:cNvPicPr>
+          <p:nvPr/>
+        </p:nvPicPr>
         <p:blipFill>
-          <a:blip r:embed="rId2"/>
+          <a:blip r:embed="rId5"/>
           <a:stretch>
             <a:fillRect/>
           </a:stretch>
         </p:blipFill>
         <p:spPr>
           <a:xfrm>
-            <a:off x="9211890" y="875071"/>
-            <a:ext cx="552478" cy="514376"/>
+            <a:off x="3245751" y="191158"/>
+            <a:ext cx="5099463" cy="666135"/>
           </a:xfrm>
           <a:prstGeom prst="rect">
             <a:avLst/>
@@ -5054,11 +5239,10 @@
       </p:pic>
       <p:pic>
         <p:nvPicPr>
-          <p:cNvPr id="10" name="Imagen 9">
-            <a:hlinkClick r:id="rId3" action="ppaction://hlinksldjump"/>
-            <a:extLst>
-              <a:ext uri="{FF2B5EF4-FFF2-40B4-BE49-F238E27FC236}">
-                <a16:creationId xmlns:a16="http://schemas.microsoft.com/office/drawing/2014/main" id="{08B3E7F1-4413-4C4A-AF19-4A3F9506D0F6}"/>
+          <p:cNvPr id="5" name="Imagen 4">
+            <a:extLst>
+              <a:ext uri="{FF2B5EF4-FFF2-40B4-BE49-F238E27FC236}">
+                <a16:creationId xmlns:a16="http://schemas.microsoft.com/office/drawing/2014/main" id="{F56E26AA-AC24-4269-8A0B-F2A0BD655106}"/>
               </a:ext>
             </a:extLst>
           </p:cNvPr>
@@ -5068,15 +5252,15 @@
           <p:nvPr/>
         </p:nvPicPr>
         <p:blipFill>
-          <a:blip r:embed="rId4"/>
+          <a:blip r:embed="rId6"/>
           <a:stretch>
             <a:fillRect/>
           </a:stretch>
         </p:blipFill>
         <p:spPr>
           <a:xfrm>
-            <a:off x="9764368" y="875071"/>
-            <a:ext cx="635033" cy="514376"/>
+            <a:off x="1971463" y="1067469"/>
+            <a:ext cx="8249074" cy="2235315"/>
           </a:xfrm>
           <a:prstGeom prst="rect">
             <a:avLst/>
@@ -5085,11 +5269,10 @@
       </p:pic>
       <p:sp>
         <p:nvSpPr>
-          <p:cNvPr id="11" name="Botón de acción: obtener información 10">
-            <a:hlinkClick r:id="" action="ppaction://noaction" highlightClick="1"/>
-            <a:extLst>
-              <a:ext uri="{FF2B5EF4-FFF2-40B4-BE49-F238E27FC236}">
-                <a16:creationId xmlns:a16="http://schemas.microsoft.com/office/drawing/2014/main" id="{1702C256-8908-4CF4-A79A-E9955F758621}"/>
+          <p:cNvPr id="7" name="Rectángulo: esquinas redondeadas 6">
+            <a:extLst>
+              <a:ext uri="{FF2B5EF4-FFF2-40B4-BE49-F238E27FC236}">
+                <a16:creationId xmlns:a16="http://schemas.microsoft.com/office/drawing/2014/main" id="{7EAD9C43-7891-4158-90DE-C6ACEB1E8F0C}"/>
               </a:ext>
             </a:extLst>
           </p:cNvPr>
@@ -5098,10 +5281,10 @@
         </p:nvSpPr>
         <p:spPr>
           <a:xfrm>
-            <a:off x="10399401" y="875071"/>
-            <a:ext cx="494742" cy="514376"/>
-          </a:xfrm>
-          <a:prstGeom prst="actionButtonInformation">
+            <a:off x="8280733" y="4278149"/>
+            <a:ext cx="938158" cy="413844"/>
+          </a:xfrm>
+          <a:prstGeom prst="roundRect">
             <a:avLst/>
           </a:prstGeom>
         </p:spPr>
@@ -5126,111 +5309,20 @@
           <a:lstStyle/>
           <a:p>
             <a:pPr algn="ctr"/>
-            <a:endParaRPr lang="es-CO"/>
-          </a:p>
-        </p:txBody>
-      </p:sp>
-      <p:pic>
-        <p:nvPicPr>
-          <p:cNvPr id="13" name="Imagen 12">
-            <a:extLst>
-              <a:ext uri="{FF2B5EF4-FFF2-40B4-BE49-F238E27FC236}">
-                <a16:creationId xmlns:a16="http://schemas.microsoft.com/office/drawing/2014/main" id="{5D5AF24E-002C-4E6E-9392-0230002CCEC8}"/>
-              </a:ext>
-            </a:extLst>
-          </p:cNvPr>
-          <p:cNvPicPr>
-            <a:picLocks noChangeAspect="1"/>
-          </p:cNvPicPr>
-          <p:nvPr/>
-        </p:nvPicPr>
-        <p:blipFill>
-          <a:blip r:embed="rId5"/>
-          <a:stretch>
-            <a:fillRect/>
-          </a:stretch>
-        </p:blipFill>
-        <p:spPr>
-          <a:xfrm>
-            <a:off x="2635045" y="875071"/>
-            <a:ext cx="6576845" cy="514376"/>
-          </a:xfrm>
-          <a:prstGeom prst="rect">
-            <a:avLst/>
-          </a:prstGeom>
-        </p:spPr>
-      </p:pic>
-      <p:pic>
-        <p:nvPicPr>
-          <p:cNvPr id="15" name="Imagen 14">
-            <a:extLst>
-              <a:ext uri="{FF2B5EF4-FFF2-40B4-BE49-F238E27FC236}">
-                <a16:creationId xmlns:a16="http://schemas.microsoft.com/office/drawing/2014/main" id="{13139302-3BA0-4FB1-948F-E188DB971667}"/>
-              </a:ext>
-            </a:extLst>
-          </p:cNvPr>
-          <p:cNvPicPr>
-            <a:picLocks noChangeAspect="1"/>
-          </p:cNvPicPr>
-          <p:nvPr/>
-        </p:nvPicPr>
-        <p:blipFill>
-          <a:blip r:embed="rId6"/>
-          <a:stretch>
-            <a:fillRect/>
-          </a:stretch>
-        </p:blipFill>
-        <p:spPr>
-          <a:xfrm>
-            <a:off x="1435510" y="875071"/>
-            <a:ext cx="1203801" cy="514376"/>
-          </a:xfrm>
-          <a:prstGeom prst="rect">
-            <a:avLst/>
-          </a:prstGeom>
-        </p:spPr>
-      </p:pic>
-      <p:sp>
-        <p:nvSpPr>
-          <p:cNvPr id="16" name="CuadroTexto 15">
-            <a:extLst>
-              <a:ext uri="{FF2B5EF4-FFF2-40B4-BE49-F238E27FC236}">
-                <a16:creationId xmlns:a16="http://schemas.microsoft.com/office/drawing/2014/main" id="{96D17C9C-7D0D-40DA-B48F-3166631861B9}"/>
-              </a:ext>
-            </a:extLst>
-          </p:cNvPr>
-          <p:cNvSpPr txBox="1"/>
-          <p:nvPr/>
-        </p:nvSpPr>
-        <p:spPr>
-          <a:xfrm>
-            <a:off x="2123768" y="1897626"/>
-            <a:ext cx="1228606" cy="369332"/>
-          </a:xfrm>
-          <a:prstGeom prst="rect">
-            <a:avLst/>
-          </a:prstGeom>
-          <a:noFill/>
-        </p:spPr>
-        <p:txBody>
-          <a:bodyPr wrap="none" rtlCol="0">
-            <a:spAutoFit/>
-          </a:bodyPr>
-          <a:lstStyle/>
-          <a:p>
-            <a:r>
-              <a:rPr lang="es-CO" b="1" dirty="0"/>
-              <a:t>DashBoard</a:t>
-            </a:r>
-          </a:p>
-        </p:txBody>
-      </p:sp>
-      <p:sp>
-        <p:nvSpPr>
-          <p:cNvPr id="3" name="Rectángulo 2">
-            <a:extLst>
-              <a:ext uri="{FF2B5EF4-FFF2-40B4-BE49-F238E27FC236}">
-                <a16:creationId xmlns:a16="http://schemas.microsoft.com/office/drawing/2014/main" id="{E6131892-DF5D-4728-9018-56EF2F602F9B}"/>
+            <a:r>
+              <a:rPr lang="es-MX" sz="1200" dirty="0"/>
+              <a:t>Repasar todo</a:t>
+            </a:r>
+            <a:endParaRPr lang="es-CO" sz="1200" dirty="0"/>
+          </a:p>
+        </p:txBody>
+      </p:sp>
+      <p:sp>
+        <p:nvSpPr>
+          <p:cNvPr id="8" name="Rectángulo: esquinas redondeadas 7">
+            <a:extLst>
+              <a:ext uri="{FF2B5EF4-FFF2-40B4-BE49-F238E27FC236}">
+                <a16:creationId xmlns:a16="http://schemas.microsoft.com/office/drawing/2014/main" id="{3A08561B-7516-4780-B736-411E19B46975}"/>
               </a:ext>
             </a:extLst>
           </p:cNvPr>
@@ -5239,272 +5331,10 @@
         </p:nvSpPr>
         <p:spPr>
           <a:xfrm>
-            <a:off x="7541339" y="1388697"/>
-            <a:ext cx="2252522" cy="1176772"/>
-          </a:xfrm>
-          <a:prstGeom prst="rect">
-            <a:avLst/>
-          </a:prstGeom>
-        </p:spPr>
-        <p:style>
-          <a:lnRef idx="2">
-            <a:schemeClr val="accent3"/>
-          </a:lnRef>
-          <a:fillRef idx="1">
-            <a:schemeClr val="lt1"/>
-          </a:fillRef>
-          <a:effectRef idx="0">
-            <a:schemeClr val="accent3"/>
-          </a:effectRef>
-          <a:fontRef idx="minor">
-            <a:schemeClr val="dk1"/>
-          </a:fontRef>
-        </p:style>
-        <p:txBody>
-          <a:bodyPr rtlCol="0" anchor="ctr"/>
-          <a:lstStyle/>
-          <a:p>
-            <a:pPr algn="ctr"/>
-            <a:endParaRPr lang="es-CO"/>
-          </a:p>
-        </p:txBody>
-      </p:sp>
-      <p:sp>
-        <p:nvSpPr>
-          <p:cNvPr id="12" name="CuadroTexto 11">
-            <a:hlinkClick r:id="rId7" action="ppaction://hlinksldjump"/>
-            <a:extLst>
-              <a:ext uri="{FF2B5EF4-FFF2-40B4-BE49-F238E27FC236}">
-                <a16:creationId xmlns:a16="http://schemas.microsoft.com/office/drawing/2014/main" id="{FC121F38-B927-4A59-952C-3B6802162006}"/>
-              </a:ext>
-            </a:extLst>
-          </p:cNvPr>
-          <p:cNvSpPr txBox="1"/>
-          <p:nvPr/>
-        </p:nvSpPr>
-        <p:spPr>
-          <a:xfrm>
-            <a:off x="7536447" y="1532914"/>
-            <a:ext cx="738920" cy="307777"/>
-          </a:xfrm>
-          <a:prstGeom prst="rect">
-            <a:avLst/>
-          </a:prstGeom>
-          <a:noFill/>
-        </p:spPr>
-        <p:txBody>
-          <a:bodyPr wrap="none" rtlCol="0">
-            <a:spAutoFit/>
-          </a:bodyPr>
-          <a:lstStyle/>
-          <a:p>
-            <a:r>
-              <a:rPr lang="es-CO" sz="1400" b="1" dirty="0"/>
-              <a:t>Estudio</a:t>
-            </a:r>
-          </a:p>
-        </p:txBody>
-      </p:sp>
-      <p:sp>
-        <p:nvSpPr>
-          <p:cNvPr id="14" name="CuadroTexto 13">
-            <a:hlinkClick r:id="rId8" action="ppaction://hlinksldjump"/>
-            <a:extLst>
-              <a:ext uri="{FF2B5EF4-FFF2-40B4-BE49-F238E27FC236}">
-                <a16:creationId xmlns:a16="http://schemas.microsoft.com/office/drawing/2014/main" id="{EB0BE00D-2436-4A33-B08C-A4D554131818}"/>
-              </a:ext>
-            </a:extLst>
-          </p:cNvPr>
-          <p:cNvSpPr txBox="1"/>
-          <p:nvPr/>
-        </p:nvSpPr>
-        <p:spPr>
-          <a:xfrm>
-            <a:off x="8215105" y="1528457"/>
-            <a:ext cx="821956" cy="307777"/>
-          </a:xfrm>
-          <a:prstGeom prst="rect">
-            <a:avLst/>
-          </a:prstGeom>
-          <a:noFill/>
-        </p:spPr>
-        <p:txBody>
-          <a:bodyPr wrap="none" rtlCol="0">
-            <a:spAutoFit/>
-          </a:bodyPr>
-          <a:lstStyle/>
-          <a:p>
-            <a:r>
-              <a:rPr lang="es-CO" sz="1400" b="1" dirty="0"/>
-              <a:t>Finanzas</a:t>
-            </a:r>
-          </a:p>
-        </p:txBody>
-      </p:sp>
-      <p:sp>
-        <p:nvSpPr>
-          <p:cNvPr id="17" name="CuadroTexto 16">
-            <a:extLst>
-              <a:ext uri="{FF2B5EF4-FFF2-40B4-BE49-F238E27FC236}">
-                <a16:creationId xmlns:a16="http://schemas.microsoft.com/office/drawing/2014/main" id="{57FAC113-4CAB-4366-8D02-CF3C75C264EC}"/>
-              </a:ext>
-            </a:extLst>
-          </p:cNvPr>
-          <p:cNvSpPr txBox="1"/>
-          <p:nvPr/>
-        </p:nvSpPr>
-        <p:spPr>
-          <a:xfrm>
-            <a:off x="7499822" y="1977083"/>
-            <a:ext cx="636713" cy="307777"/>
-          </a:xfrm>
-          <a:prstGeom prst="rect">
-            <a:avLst/>
-          </a:prstGeom>
-          <a:noFill/>
-        </p:spPr>
-        <p:txBody>
-          <a:bodyPr wrap="none" rtlCol="0">
-            <a:spAutoFit/>
-          </a:bodyPr>
-          <a:lstStyle/>
-          <a:p>
-            <a:r>
-              <a:rPr lang="es-CO" sz="1400" b="1" dirty="0"/>
-              <a:t>Diario</a:t>
-            </a:r>
-          </a:p>
-        </p:txBody>
-      </p:sp>
-      <p:sp>
-        <p:nvSpPr>
-          <p:cNvPr id="18" name="CuadroTexto 17">
-            <a:hlinkClick r:id="rId9" action="ppaction://hlinksldjump"/>
-            <a:extLst>
-              <a:ext uri="{FF2B5EF4-FFF2-40B4-BE49-F238E27FC236}">
-                <a16:creationId xmlns:a16="http://schemas.microsoft.com/office/drawing/2014/main" id="{91F887C6-A1DB-4834-9778-56ED003A23F6}"/>
-              </a:ext>
-            </a:extLst>
-          </p:cNvPr>
-          <p:cNvSpPr txBox="1"/>
-          <p:nvPr/>
-        </p:nvSpPr>
-        <p:spPr>
-          <a:xfrm>
-            <a:off x="8981710" y="1519435"/>
-            <a:ext cx="659604" cy="307777"/>
-          </a:xfrm>
-          <a:prstGeom prst="rect">
-            <a:avLst/>
-          </a:prstGeom>
-          <a:noFill/>
-        </p:spPr>
-        <p:txBody>
-          <a:bodyPr wrap="none" rtlCol="0">
-            <a:spAutoFit/>
-          </a:bodyPr>
-          <a:lstStyle/>
-          <a:p>
-            <a:r>
-              <a:rPr lang="es-CO" sz="1400" b="1" dirty="0"/>
-              <a:t>Tareas</a:t>
-            </a:r>
-          </a:p>
-        </p:txBody>
-      </p:sp>
-      <p:sp>
-        <p:nvSpPr>
-          <p:cNvPr id="19" name="CuadroTexto 18">
-            <a:extLst>
-              <a:ext uri="{FF2B5EF4-FFF2-40B4-BE49-F238E27FC236}">
-                <a16:creationId xmlns:a16="http://schemas.microsoft.com/office/drawing/2014/main" id="{F08C8139-307D-4008-B600-EDCF28AE007A}"/>
-              </a:ext>
-            </a:extLst>
-          </p:cNvPr>
-          <p:cNvSpPr txBox="1"/>
-          <p:nvPr/>
-        </p:nvSpPr>
-        <p:spPr>
-          <a:xfrm>
-            <a:off x="10942877" y="2043762"/>
-            <a:ext cx="1412566" cy="2308324"/>
-          </a:xfrm>
-          <a:prstGeom prst="rect">
-            <a:avLst/>
-          </a:prstGeom>
-          <a:noFill/>
-        </p:spPr>
-        <p:txBody>
-          <a:bodyPr wrap="none" rtlCol="0">
-            <a:spAutoFit/>
-          </a:bodyPr>
-          <a:lstStyle/>
-          <a:p>
-            <a:r>
-              <a:rPr lang="es-CO" b="1" dirty="0"/>
-              <a:t>Cada</a:t>
-            </a:r>
-          </a:p>
-          <a:p>
-            <a:r>
-              <a:rPr lang="es-CO" b="1" dirty="0"/>
-              <a:t>Sección</a:t>
-            </a:r>
-          </a:p>
-          <a:p>
-            <a:r>
-              <a:rPr lang="es-CO" b="1" dirty="0"/>
-              <a:t>Con </a:t>
-            </a:r>
-          </a:p>
-          <a:p>
-            <a:r>
-              <a:rPr lang="es-CO" b="1" dirty="0"/>
-              <a:t>Iconos.</a:t>
-            </a:r>
-          </a:p>
-          <a:p>
-            <a:endParaRPr lang="es-CO" b="1" dirty="0"/>
-          </a:p>
-          <a:p>
-            <a:r>
-              <a:rPr lang="es-CO" b="1" dirty="0"/>
-              <a:t>Cada sección</a:t>
-            </a:r>
-          </a:p>
-          <a:p>
-            <a:r>
-              <a:rPr lang="es-CO" b="1" dirty="0"/>
-              <a:t>En el coso</a:t>
-            </a:r>
-          </a:p>
-          <a:p>
-            <a:r>
-              <a:rPr lang="es-CO" b="1" dirty="0"/>
-              <a:t>lateral</a:t>
-            </a:r>
-          </a:p>
-        </p:txBody>
-      </p:sp>
-      <p:sp>
-        <p:nvSpPr>
-          <p:cNvPr id="20" name="Flecha: a la derecha 19">
-            <a:hlinkClick r:id="" action="ppaction://hlinkshowjump?jump=previousslide"/>
-            <a:extLst>
-              <a:ext uri="{FF2B5EF4-FFF2-40B4-BE49-F238E27FC236}">
-                <a16:creationId xmlns:a16="http://schemas.microsoft.com/office/drawing/2014/main" id="{4BA248A2-3F02-4F25-A857-680BF4ED09A7}"/>
-              </a:ext>
-            </a:extLst>
-          </p:cNvPr>
-          <p:cNvSpPr/>
-          <p:nvPr/>
-        </p:nvSpPr>
-        <p:spPr>
-          <a:xfrm rot="10800000">
-            <a:off x="383458" y="796413"/>
-            <a:ext cx="635033" cy="514376"/>
-          </a:xfrm>
-          <a:prstGeom prst="rightArrow">
+            <a:off x="9473489" y="4248514"/>
+            <a:ext cx="938158" cy="413844"/>
+          </a:xfrm>
+          <a:prstGeom prst="roundRect">
             <a:avLst/>
           </a:prstGeom>
         </p:spPr>
@@ -5529,20 +5359,612 @@
           <a:lstStyle/>
           <a:p>
             <a:pPr algn="ctr"/>
+            <a:r>
+              <a:rPr lang="es-MX" sz="1200" dirty="0"/>
+              <a:t>Repasar No dominadas</a:t>
+            </a:r>
+            <a:endParaRPr lang="es-CO" sz="1200" dirty="0"/>
+          </a:p>
+        </p:txBody>
+      </p:sp>
+      <p:sp>
+        <p:nvSpPr>
+          <p:cNvPr id="9" name="CuadroTexto 8">
+            <a:extLst>
+              <a:ext uri="{FF2B5EF4-FFF2-40B4-BE49-F238E27FC236}">
+                <a16:creationId xmlns:a16="http://schemas.microsoft.com/office/drawing/2014/main" id="{FD1A0E6D-EB3D-45A9-A810-3152E00C8A12}"/>
+              </a:ext>
+            </a:extLst>
+          </p:cNvPr>
+          <p:cNvSpPr txBox="1"/>
+          <p:nvPr/>
+        </p:nvSpPr>
+        <p:spPr>
+          <a:xfrm>
+            <a:off x="2146527" y="4403796"/>
+            <a:ext cx="2974428" cy="2862322"/>
+          </a:xfrm>
+          <a:prstGeom prst="rect">
+            <a:avLst/>
+          </a:prstGeom>
+          <a:noFill/>
+        </p:spPr>
+        <p:txBody>
+          <a:bodyPr wrap="square" rtlCol="0">
+            <a:spAutoFit/>
+          </a:bodyPr>
+          <a:lstStyle/>
+          <a:p>
+            <a:r>
+              <a:rPr lang="es-MX" dirty="0"/>
+              <a:t>v Mazo A</a:t>
+            </a:r>
+          </a:p>
+          <a:p>
+            <a:endParaRPr lang="es-MX" dirty="0"/>
+          </a:p>
+          <a:p>
+            <a:endParaRPr lang="es-MX" dirty="0"/>
+          </a:p>
+          <a:p>
+            <a:endParaRPr lang="es-MX" dirty="0"/>
+          </a:p>
+          <a:p>
+            <a:endParaRPr lang="es-MX" dirty="0"/>
+          </a:p>
+          <a:p>
+            <a:endParaRPr lang="es-MX" dirty="0"/>
+          </a:p>
+          <a:p>
+            <a:endParaRPr lang="es-MX" dirty="0"/>
+          </a:p>
+          <a:p>
+            <a:pPr marL="285750" indent="-285750">
+              <a:buFont typeface="Wingdings" panose="05000000000000000000" pitchFamily="2" charset="2"/>
+              <a:buChar char="Ø"/>
+            </a:pPr>
+            <a:r>
+              <a:rPr lang="es-MX" dirty="0"/>
+              <a:t>Mazo B</a:t>
+            </a:r>
+          </a:p>
+          <a:p>
+            <a:pPr marL="285750" indent="-285750">
+              <a:buFont typeface="Wingdings" panose="05000000000000000000" pitchFamily="2" charset="2"/>
+              <a:buChar char="Ø"/>
+            </a:pPr>
+            <a:r>
+              <a:rPr lang="es-MX" dirty="0"/>
+              <a:t>Mazo C</a:t>
+            </a:r>
+          </a:p>
+          <a:p>
+            <a:r>
+              <a:rPr lang="es-MX" dirty="0"/>
+              <a:t>	</a:t>
+            </a:r>
+          </a:p>
+        </p:txBody>
+      </p:sp>
+      <p:sp>
+        <p:nvSpPr>
+          <p:cNvPr id="11" name="Estrella: 5 puntas 10">
+            <a:extLst>
+              <a:ext uri="{FF2B5EF4-FFF2-40B4-BE49-F238E27FC236}">
+                <a16:creationId xmlns:a16="http://schemas.microsoft.com/office/drawing/2014/main" id="{7B5C5DB4-4D0E-41D2-B734-DDF675F9607B}"/>
+              </a:ext>
+            </a:extLst>
+          </p:cNvPr>
+          <p:cNvSpPr/>
+          <p:nvPr/>
+        </p:nvSpPr>
+        <p:spPr>
+          <a:xfrm>
+            <a:off x="7597827" y="4310180"/>
+            <a:ext cx="283780" cy="257523"/>
+          </a:xfrm>
+          <a:prstGeom prst="star5">
+            <a:avLst/>
+          </a:prstGeom>
+          <a:solidFill>
+            <a:srgbClr val="FFFF00"/>
+          </a:solidFill>
+        </p:spPr>
+        <p:style>
+          <a:lnRef idx="2">
+            <a:schemeClr val="accent1">
+              <a:shade val="50000"/>
+            </a:schemeClr>
+          </a:lnRef>
+          <a:fillRef idx="1">
+            <a:schemeClr val="accent1"/>
+          </a:fillRef>
+          <a:effectRef idx="0">
+            <a:schemeClr val="accent1"/>
+          </a:effectRef>
+          <a:fontRef idx="minor">
+            <a:schemeClr val="lt1"/>
+          </a:fontRef>
+        </p:style>
+        <p:txBody>
+          <a:bodyPr rtlCol="0" anchor="ctr"/>
+          <a:lstStyle/>
+          <a:p>
+            <a:pPr algn="ctr"/>
             <a:endParaRPr lang="es-CO"/>
           </a:p>
         </p:txBody>
       </p:sp>
+      <p:sp>
+        <p:nvSpPr>
+          <p:cNvPr id="12" name="Rectángulo 11">
+            <a:extLst>
+              <a:ext uri="{FF2B5EF4-FFF2-40B4-BE49-F238E27FC236}">
+                <a16:creationId xmlns:a16="http://schemas.microsoft.com/office/drawing/2014/main" id="{26F2B7A9-AF3B-4175-8042-99206343EECA}"/>
+              </a:ext>
+            </a:extLst>
+          </p:cNvPr>
+          <p:cNvSpPr/>
+          <p:nvPr/>
+        </p:nvSpPr>
+        <p:spPr>
+          <a:xfrm>
+            <a:off x="3437577" y="4895092"/>
+            <a:ext cx="2596055" cy="1191583"/>
+          </a:xfrm>
+          <a:prstGeom prst="rect">
+            <a:avLst/>
+          </a:prstGeom>
+        </p:spPr>
+        <p:style>
+          <a:lnRef idx="2">
+            <a:schemeClr val="accent1">
+              <a:shade val="50000"/>
+            </a:schemeClr>
+          </a:lnRef>
+          <a:fillRef idx="1">
+            <a:schemeClr val="accent1"/>
+          </a:fillRef>
+          <a:effectRef idx="0">
+            <a:schemeClr val="accent1"/>
+          </a:effectRef>
+          <a:fontRef idx="minor">
+            <a:schemeClr val="lt1"/>
+          </a:fontRef>
+        </p:style>
+        <p:txBody>
+          <a:bodyPr rtlCol="0" anchor="ctr"/>
+          <a:lstStyle/>
+          <a:p>
+            <a:pPr algn="ctr"/>
+            <a:r>
+              <a:rPr lang="es-MX" dirty="0"/>
+              <a:t>Anverso</a:t>
+            </a:r>
+            <a:endParaRPr lang="es-CO" dirty="0"/>
+          </a:p>
+        </p:txBody>
+      </p:sp>
+      <p:sp>
+        <p:nvSpPr>
+          <p:cNvPr id="13" name="Rectángulo 12">
+            <a:extLst>
+              <a:ext uri="{FF2B5EF4-FFF2-40B4-BE49-F238E27FC236}">
+                <a16:creationId xmlns:a16="http://schemas.microsoft.com/office/drawing/2014/main" id="{33EB542C-3771-4804-9C08-C48715F55166}"/>
+              </a:ext>
+            </a:extLst>
+          </p:cNvPr>
+          <p:cNvSpPr/>
+          <p:nvPr/>
+        </p:nvSpPr>
+        <p:spPr>
+          <a:xfrm>
+            <a:off x="6815051" y="4846407"/>
+            <a:ext cx="2596055" cy="1191583"/>
+          </a:xfrm>
+          <a:prstGeom prst="rect">
+            <a:avLst/>
+          </a:prstGeom>
+        </p:spPr>
+        <p:style>
+          <a:lnRef idx="2">
+            <a:schemeClr val="accent1">
+              <a:shade val="50000"/>
+            </a:schemeClr>
+          </a:lnRef>
+          <a:fillRef idx="1">
+            <a:schemeClr val="accent1"/>
+          </a:fillRef>
+          <a:effectRef idx="0">
+            <a:schemeClr val="accent1"/>
+          </a:effectRef>
+          <a:fontRef idx="minor">
+            <a:schemeClr val="lt1"/>
+          </a:fontRef>
+        </p:style>
+        <p:txBody>
+          <a:bodyPr rtlCol="0" anchor="ctr"/>
+          <a:lstStyle/>
+          <a:p>
+            <a:pPr algn="ctr"/>
+            <a:r>
+              <a:rPr lang="es-MX" dirty="0"/>
+              <a:t>Reverso</a:t>
+            </a:r>
+            <a:endParaRPr lang="es-CO" dirty="0"/>
+          </a:p>
+        </p:txBody>
+      </p:sp>
+      <p:sp>
+        <p:nvSpPr>
+          <p:cNvPr id="14" name="Elipse 13">
+            <a:extLst>
+              <a:ext uri="{FF2B5EF4-FFF2-40B4-BE49-F238E27FC236}">
+                <a16:creationId xmlns:a16="http://schemas.microsoft.com/office/drawing/2014/main" id="{03A52F71-E633-4B28-A4DC-2406057C6968}"/>
+              </a:ext>
+            </a:extLst>
+          </p:cNvPr>
+          <p:cNvSpPr/>
+          <p:nvPr/>
+        </p:nvSpPr>
+        <p:spPr>
+          <a:xfrm>
+            <a:off x="1971463" y="3773214"/>
+            <a:ext cx="403875" cy="378372"/>
+          </a:xfrm>
+          <a:prstGeom prst="ellipse">
+            <a:avLst/>
+          </a:prstGeom>
+        </p:spPr>
+        <p:style>
+          <a:lnRef idx="2">
+            <a:schemeClr val="accent1">
+              <a:shade val="50000"/>
+            </a:schemeClr>
+          </a:lnRef>
+          <a:fillRef idx="1">
+            <a:schemeClr val="accent1"/>
+          </a:fillRef>
+          <a:effectRef idx="0">
+            <a:schemeClr val="accent1"/>
+          </a:effectRef>
+          <a:fontRef idx="minor">
+            <a:schemeClr val="lt1"/>
+          </a:fontRef>
+        </p:style>
+        <p:txBody>
+          <a:bodyPr rtlCol="0" anchor="ctr"/>
+          <a:lstStyle/>
+          <a:p>
+            <a:pPr algn="ctr"/>
+            <a:r>
+              <a:rPr lang="es-MX" dirty="0"/>
+              <a:t>+</a:t>
+            </a:r>
+            <a:endParaRPr lang="es-CO" dirty="0"/>
+          </a:p>
+        </p:txBody>
+      </p:sp>
+      <p:sp>
+        <p:nvSpPr>
+          <p:cNvPr id="15" name="CuadroTexto 14">
+            <a:extLst>
+              <a:ext uri="{FF2B5EF4-FFF2-40B4-BE49-F238E27FC236}">
+                <a16:creationId xmlns:a16="http://schemas.microsoft.com/office/drawing/2014/main" id="{F5C7CC77-292F-4D2D-8442-6F74C4E20FCE}"/>
+              </a:ext>
+            </a:extLst>
+          </p:cNvPr>
+          <p:cNvSpPr txBox="1"/>
+          <p:nvPr/>
+        </p:nvSpPr>
+        <p:spPr>
+          <a:xfrm>
+            <a:off x="1834829" y="3429000"/>
+            <a:ext cx="2045881" cy="369332"/>
+          </a:xfrm>
+          <a:prstGeom prst="rect">
+            <a:avLst/>
+          </a:prstGeom>
+          <a:noFill/>
+        </p:spPr>
+        <p:txBody>
+          <a:bodyPr wrap="none" rtlCol="0">
+            <a:spAutoFit/>
+          </a:bodyPr>
+          <a:lstStyle/>
+          <a:p>
+            <a:r>
+              <a:rPr lang="es-MX" dirty="0"/>
+              <a:t>TODOS LOS MAZOS</a:t>
+            </a:r>
+            <a:endParaRPr lang="es-CO" dirty="0"/>
+          </a:p>
+        </p:txBody>
+      </p:sp>
+      <p:pic>
+        <p:nvPicPr>
+          <p:cNvPr id="18" name="Imagen 17">
+            <a:extLst>
+              <a:ext uri="{FF2B5EF4-FFF2-40B4-BE49-F238E27FC236}">
+                <a16:creationId xmlns:a16="http://schemas.microsoft.com/office/drawing/2014/main" id="{1C1592EE-7FBF-49B2-AEA2-37E2BD57E4F3}"/>
+              </a:ext>
+            </a:extLst>
+          </p:cNvPr>
+          <p:cNvPicPr>
+            <a:picLocks noChangeAspect="1"/>
+          </p:cNvPicPr>
+          <p:nvPr/>
+        </p:nvPicPr>
+        <p:blipFill>
+          <a:blip r:embed="rId7"/>
+          <a:stretch>
+            <a:fillRect/>
+          </a:stretch>
+        </p:blipFill>
+        <p:spPr>
+          <a:xfrm>
+            <a:off x="2617088" y="3727526"/>
+            <a:ext cx="403875" cy="416903"/>
+          </a:xfrm>
+          <a:prstGeom prst="rect">
+            <a:avLst/>
+          </a:prstGeom>
+        </p:spPr>
+      </p:pic>
+      <p:pic>
+        <p:nvPicPr>
+          <p:cNvPr id="20" name="Imagen 19">
+            <a:extLst>
+              <a:ext uri="{FF2B5EF4-FFF2-40B4-BE49-F238E27FC236}">
+                <a16:creationId xmlns:a16="http://schemas.microsoft.com/office/drawing/2014/main" id="{46FCCE87-108D-47ED-9A1A-8731BB311D10}"/>
+              </a:ext>
+            </a:extLst>
+          </p:cNvPr>
+          <p:cNvPicPr>
+            <a:picLocks noChangeAspect="1"/>
+          </p:cNvPicPr>
+          <p:nvPr/>
+        </p:nvPicPr>
+        <p:blipFill>
+          <a:blip r:embed="rId8"/>
+          <a:stretch>
+            <a:fillRect/>
+          </a:stretch>
+        </p:blipFill>
+        <p:spPr>
+          <a:xfrm>
+            <a:off x="3241584" y="3727526"/>
+            <a:ext cx="498825" cy="451568"/>
+          </a:xfrm>
+          <a:prstGeom prst="rect">
+            <a:avLst/>
+          </a:prstGeom>
+        </p:spPr>
+      </p:pic>
+      <p:pic>
+        <p:nvPicPr>
+          <p:cNvPr id="4" name="Imagen 3">
+            <a:extLst>
+              <a:ext uri="{FF2B5EF4-FFF2-40B4-BE49-F238E27FC236}">
+                <a16:creationId xmlns:a16="http://schemas.microsoft.com/office/drawing/2014/main" id="{91E9FCC7-62FE-4ADE-8D47-A46165649F73}"/>
+              </a:ext>
+            </a:extLst>
+          </p:cNvPr>
+          <p:cNvPicPr>
+            <a:picLocks noChangeAspect="1"/>
+          </p:cNvPicPr>
+          <p:nvPr/>
+        </p:nvPicPr>
+        <p:blipFill>
+          <a:blip r:embed="rId9"/>
+          <a:stretch>
+            <a:fillRect/>
+          </a:stretch>
+        </p:blipFill>
+        <p:spPr>
+          <a:xfrm>
+            <a:off x="3452542" y="4366279"/>
+            <a:ext cx="4555312" cy="276603"/>
+          </a:xfrm>
+          <a:prstGeom prst="rect">
+            <a:avLst/>
+          </a:prstGeom>
+        </p:spPr>
+      </p:pic>
+      <p:sp>
+        <p:nvSpPr>
+          <p:cNvPr id="19" name="Rectángulo: esquinas redondeadas 18">
+            <a:extLst>
+              <a:ext uri="{FF2B5EF4-FFF2-40B4-BE49-F238E27FC236}">
+                <a16:creationId xmlns:a16="http://schemas.microsoft.com/office/drawing/2014/main" id="{16B1662A-E598-440D-9E98-B3B324E53A7A}"/>
+              </a:ext>
+            </a:extLst>
+          </p:cNvPr>
+          <p:cNvSpPr/>
+          <p:nvPr/>
+        </p:nvSpPr>
+        <p:spPr>
+          <a:xfrm>
+            <a:off x="8280733" y="6250368"/>
+            <a:ext cx="938158" cy="413844"/>
+          </a:xfrm>
+          <a:prstGeom prst="roundRect">
+            <a:avLst/>
+          </a:prstGeom>
+        </p:spPr>
+        <p:style>
+          <a:lnRef idx="2">
+            <a:schemeClr val="accent1">
+              <a:shade val="50000"/>
+            </a:schemeClr>
+          </a:lnRef>
+          <a:fillRef idx="1">
+            <a:schemeClr val="accent1"/>
+          </a:fillRef>
+          <a:effectRef idx="0">
+            <a:schemeClr val="accent1"/>
+          </a:effectRef>
+          <a:fontRef idx="minor">
+            <a:schemeClr val="lt1"/>
+          </a:fontRef>
+        </p:style>
+        <p:txBody>
+          <a:bodyPr rtlCol="0" anchor="ctr"/>
+          <a:lstStyle/>
+          <a:p>
+            <a:pPr algn="ctr"/>
+            <a:r>
+              <a:rPr lang="es-MX" sz="1200" dirty="0"/>
+              <a:t>Repasar todo</a:t>
+            </a:r>
+            <a:endParaRPr lang="es-CO" sz="1200" dirty="0"/>
+          </a:p>
+        </p:txBody>
+      </p:sp>
+      <p:sp>
+        <p:nvSpPr>
+          <p:cNvPr id="22" name="Rectángulo: esquinas redondeadas 21">
+            <a:extLst>
+              <a:ext uri="{FF2B5EF4-FFF2-40B4-BE49-F238E27FC236}">
+                <a16:creationId xmlns:a16="http://schemas.microsoft.com/office/drawing/2014/main" id="{A10FE1CC-16B6-4EF7-B2DE-2C0BBDF1F1B9}"/>
+              </a:ext>
+            </a:extLst>
+          </p:cNvPr>
+          <p:cNvSpPr/>
+          <p:nvPr/>
+        </p:nvSpPr>
+        <p:spPr>
+          <a:xfrm>
+            <a:off x="9473489" y="6220733"/>
+            <a:ext cx="938158" cy="413844"/>
+          </a:xfrm>
+          <a:prstGeom prst="roundRect">
+            <a:avLst/>
+          </a:prstGeom>
+        </p:spPr>
+        <p:style>
+          <a:lnRef idx="2">
+            <a:schemeClr val="accent1">
+              <a:shade val="50000"/>
+            </a:schemeClr>
+          </a:lnRef>
+          <a:fillRef idx="1">
+            <a:schemeClr val="accent1"/>
+          </a:fillRef>
+          <a:effectRef idx="0">
+            <a:schemeClr val="accent1"/>
+          </a:effectRef>
+          <a:fontRef idx="minor">
+            <a:schemeClr val="lt1"/>
+          </a:fontRef>
+        </p:style>
+        <p:txBody>
+          <a:bodyPr rtlCol="0" anchor="ctr"/>
+          <a:lstStyle/>
+          <a:p>
+            <a:pPr algn="ctr"/>
+            <a:r>
+              <a:rPr lang="es-MX" sz="1200" dirty="0"/>
+              <a:t>Repasar No dominadas</a:t>
+            </a:r>
+            <a:endParaRPr lang="es-CO" sz="1200" dirty="0"/>
+          </a:p>
+        </p:txBody>
+      </p:sp>
+      <p:sp>
+        <p:nvSpPr>
+          <p:cNvPr id="23" name="Estrella: 5 puntas 22">
+            <a:extLst>
+              <a:ext uri="{FF2B5EF4-FFF2-40B4-BE49-F238E27FC236}">
+                <a16:creationId xmlns:a16="http://schemas.microsoft.com/office/drawing/2014/main" id="{E525C771-FCEF-44F9-9A22-AD2F09B821BE}"/>
+              </a:ext>
+            </a:extLst>
+          </p:cNvPr>
+          <p:cNvSpPr/>
+          <p:nvPr/>
+        </p:nvSpPr>
+        <p:spPr>
+          <a:xfrm>
+            <a:off x="7597827" y="6282399"/>
+            <a:ext cx="283780" cy="257523"/>
+          </a:xfrm>
+          <a:prstGeom prst="star5">
+            <a:avLst/>
+          </a:prstGeom>
+          <a:solidFill>
+            <a:srgbClr val="FFFF00"/>
+          </a:solidFill>
+        </p:spPr>
+        <p:style>
+          <a:lnRef idx="2">
+            <a:schemeClr val="accent1">
+              <a:shade val="50000"/>
+            </a:schemeClr>
+          </a:lnRef>
+          <a:fillRef idx="1">
+            <a:schemeClr val="accent1"/>
+          </a:fillRef>
+          <a:effectRef idx="0">
+            <a:schemeClr val="accent1"/>
+          </a:effectRef>
+          <a:fontRef idx="minor">
+            <a:schemeClr val="lt1"/>
+          </a:fontRef>
+        </p:style>
+        <p:txBody>
+          <a:bodyPr rtlCol="0" anchor="ctr"/>
+          <a:lstStyle/>
+          <a:p>
+            <a:pPr algn="ctr"/>
+            <a:endParaRPr lang="es-CO"/>
+          </a:p>
+        </p:txBody>
+      </p:sp>
+      <p:pic>
+        <p:nvPicPr>
+          <p:cNvPr id="24" name="Imagen 23">
+            <a:extLst>
+              <a:ext uri="{FF2B5EF4-FFF2-40B4-BE49-F238E27FC236}">
+                <a16:creationId xmlns:a16="http://schemas.microsoft.com/office/drawing/2014/main" id="{2CA0B0FB-43FA-49FE-8A8B-A00EA7A81CD1}"/>
+              </a:ext>
+            </a:extLst>
+          </p:cNvPr>
+          <p:cNvPicPr>
+            <a:picLocks noChangeAspect="1"/>
+          </p:cNvPicPr>
+          <p:nvPr/>
+        </p:nvPicPr>
+        <p:blipFill>
+          <a:blip r:embed="rId9"/>
+          <a:stretch>
+            <a:fillRect/>
+          </a:stretch>
+        </p:blipFill>
+        <p:spPr>
+          <a:xfrm>
+            <a:off x="3452542" y="6338498"/>
+            <a:ext cx="4555312" cy="276603"/>
+          </a:xfrm>
+          <a:prstGeom prst="rect">
+            <a:avLst/>
+          </a:prstGeom>
+        </p:spPr>
+      </p:pic>
     </p:spTree>
     <p:extLst>
       <p:ext uri="{BB962C8B-B14F-4D97-AF65-F5344CB8AC3E}">
-        <p14:creationId xmlns:p14="http://schemas.microsoft.com/office/powerpoint/2010/main" val="3676270241"/>
+        <p14:creationId xmlns:p14="http://schemas.microsoft.com/office/powerpoint/2010/main" val="2948589660"/>
       </p:ext>
     </p:extLst>
   </p:cSld>
   <p:clrMapOvr>
     <a:masterClrMapping/>
   </p:clrMapOvr>
+  <p:extLst>
+    <p:ext uri="{6950BFC3-D8DA-4A85-94F7-54DA5524770B}">
+      <p188:commentRel xmlns:p188="http://schemas.microsoft.com/office/powerpoint/2018/8/main" r:id="rId3"/>
+    </p:ext>
+  </p:extLst>
 </p:sld>
 </file>
 
@@ -5611,7 +6033,46 @@
           <a:lstStyle/>
           <a:p>
             <a:pPr algn="ctr"/>
-            <a:endParaRPr lang="es-CO" dirty="0"/>
+            <a:r>
+              <a:rPr lang="es-CO" b="1" dirty="0">
+                <a:solidFill>
+                  <a:srgbClr val="FF0000"/>
+                </a:solidFill>
+              </a:rPr>
+              <a:t>Este </a:t>
+            </a:r>
+            <a:r>
+              <a:rPr lang="es-CO" b="1" dirty="0" err="1">
+                <a:solidFill>
+                  <a:srgbClr val="FF0000"/>
+                </a:solidFill>
+              </a:rPr>
+              <a:t>dashboard</a:t>
+            </a:r>
+            <a:r>
+              <a:rPr lang="es-CO" b="1" dirty="0">
+                <a:solidFill>
+                  <a:srgbClr val="FF0000"/>
+                </a:solidFill>
+              </a:rPr>
+              <a:t> junta todos los </a:t>
+            </a:r>
+            <a:r>
+              <a:rPr lang="es-CO" b="1" dirty="0" err="1">
+                <a:solidFill>
+                  <a:srgbClr val="FF0000"/>
+                </a:solidFill>
+              </a:rPr>
+              <a:t>dashboard</a:t>
+            </a:r>
+            <a:r>
+              <a:rPr lang="es-CO" b="1" dirty="0">
+                <a:solidFill>
+                  <a:srgbClr val="FF0000"/>
+                </a:solidFill>
+              </a:rPr>
+              <a:t> de cada sección, aquí solo habrá una opción para organizar su orden</a:t>
+            </a:r>
           </a:p>
         </p:txBody>
       </p:sp>
@@ -5649,6 +6110,7 @@
       <p:pic>
         <p:nvPicPr>
           <p:cNvPr id="10" name="Imagen 9">
+            <a:hlinkClick r:id="rId4" action="ppaction://hlinksldjump"/>
             <a:extLst>
               <a:ext uri="{FF2B5EF4-FFF2-40B4-BE49-F238E27FC236}">
                 <a16:creationId xmlns:a16="http://schemas.microsoft.com/office/drawing/2014/main" id="{08B3E7F1-4413-4C4A-AF19-4A3F9506D0F6}"/>
@@ -5661,7 +6123,7 @@
           <p:nvPr/>
         </p:nvPicPr>
         <p:blipFill>
-          <a:blip r:embed="rId4"/>
+          <a:blip r:embed="rId5"/>
           <a:stretch>
             <a:fillRect/>
           </a:stretch>
@@ -5738,36 +6200,6 @@
           <p:nvPr/>
         </p:nvPicPr>
         <p:blipFill>
-          <a:blip r:embed="rId5"/>
-          <a:stretch>
-            <a:fillRect/>
-          </a:stretch>
-        </p:blipFill>
-        <p:spPr>
-          <a:xfrm>
-            <a:off x="2635045" y="875071"/>
-            <a:ext cx="6576845" cy="514376"/>
-          </a:xfrm>
-          <a:prstGeom prst="rect">
-            <a:avLst/>
-          </a:prstGeom>
-        </p:spPr>
-      </p:pic>
-      <p:pic>
-        <p:nvPicPr>
-          <p:cNvPr id="15" name="Imagen 14">
-            <a:extLst>
-              <a:ext uri="{FF2B5EF4-FFF2-40B4-BE49-F238E27FC236}">
-                <a16:creationId xmlns:a16="http://schemas.microsoft.com/office/drawing/2014/main" id="{13139302-3BA0-4FB1-948F-E188DB971667}"/>
-              </a:ext>
-            </a:extLst>
-          </p:cNvPr>
-          <p:cNvPicPr>
-            <a:picLocks noChangeAspect="1"/>
-          </p:cNvPicPr>
-          <p:nvPr/>
-        </p:nvPicPr>
-        <p:blipFill>
           <a:blip r:embed="rId6"/>
           <a:stretch>
             <a:fillRect/>
@@ -5775,6 +6207,36 @@
         </p:blipFill>
         <p:spPr>
           <a:xfrm>
+            <a:off x="2635045" y="875071"/>
+            <a:ext cx="6576845" cy="514376"/>
+          </a:xfrm>
+          <a:prstGeom prst="rect">
+            <a:avLst/>
+          </a:prstGeom>
+        </p:spPr>
+      </p:pic>
+      <p:pic>
+        <p:nvPicPr>
+          <p:cNvPr id="15" name="Imagen 14">
+            <a:extLst>
+              <a:ext uri="{FF2B5EF4-FFF2-40B4-BE49-F238E27FC236}">
+                <a16:creationId xmlns:a16="http://schemas.microsoft.com/office/drawing/2014/main" id="{13139302-3BA0-4FB1-948F-E188DB971667}"/>
+              </a:ext>
+            </a:extLst>
+          </p:cNvPr>
+          <p:cNvPicPr>
+            <a:picLocks noChangeAspect="1"/>
+          </p:cNvPicPr>
+          <p:nvPr/>
+        </p:nvPicPr>
+        <p:blipFill>
+          <a:blip r:embed="rId7"/>
+          <a:stretch>
+            <a:fillRect/>
+          </a:stretch>
+        </p:blipFill>
+        <p:spPr>
+          <a:xfrm>
             <a:off x="1435510" y="875071"/>
             <a:ext cx="1203801" cy="514376"/>
           </a:xfrm>
@@ -5797,7 +6259,7 @@
         </p:nvSpPr>
         <p:spPr>
           <a:xfrm>
-            <a:off x="3258885" y="1880749"/>
+            <a:off x="2123768" y="1897626"/>
             <a:ext cx="1228606" cy="369332"/>
           </a:xfrm>
           <a:prstGeom prst="rect">
@@ -5818,211 +6280,10 @@
           </a:p>
         </p:txBody>
       </p:sp>
-      <p:sp>
-        <p:nvSpPr>
-          <p:cNvPr id="3" name="Rectángulo 2">
-            <a:extLst>
-              <a:ext uri="{FF2B5EF4-FFF2-40B4-BE49-F238E27FC236}">
-                <a16:creationId xmlns:a16="http://schemas.microsoft.com/office/drawing/2014/main" id="{E6131892-DF5D-4728-9018-56EF2F602F9B}"/>
-              </a:ext>
-            </a:extLst>
-          </p:cNvPr>
-          <p:cNvSpPr/>
-          <p:nvPr/>
-        </p:nvSpPr>
-        <p:spPr>
-          <a:xfrm>
-            <a:off x="8583561" y="1389447"/>
-            <a:ext cx="1815840" cy="1107947"/>
-          </a:xfrm>
-          <a:prstGeom prst="rect">
-            <a:avLst/>
-          </a:prstGeom>
-        </p:spPr>
-        <p:style>
-          <a:lnRef idx="2">
-            <a:schemeClr val="accent3"/>
-          </a:lnRef>
-          <a:fillRef idx="1">
-            <a:schemeClr val="lt1"/>
-          </a:fillRef>
-          <a:effectRef idx="0">
-            <a:schemeClr val="accent3"/>
-          </a:effectRef>
-          <a:fontRef idx="minor">
-            <a:schemeClr val="dk1"/>
-          </a:fontRef>
-        </p:style>
-        <p:txBody>
-          <a:bodyPr rtlCol="0" anchor="ctr"/>
-          <a:lstStyle/>
-          <a:p>
-            <a:pPr algn="ctr"/>
-            <a:endParaRPr lang="es-CO"/>
-          </a:p>
-        </p:txBody>
-      </p:sp>
-      <p:sp>
-        <p:nvSpPr>
-          <p:cNvPr id="20" name="CuadroTexto 19">
-            <a:extLst>
-              <a:ext uri="{FF2B5EF4-FFF2-40B4-BE49-F238E27FC236}">
-                <a16:creationId xmlns:a16="http://schemas.microsoft.com/office/drawing/2014/main" id="{BCC2E222-1EA4-4059-B879-D93117DFBB45}"/>
-              </a:ext>
-            </a:extLst>
-          </p:cNvPr>
-          <p:cNvSpPr txBox="1"/>
-          <p:nvPr/>
-        </p:nvSpPr>
-        <p:spPr>
-          <a:xfrm>
-            <a:off x="8583560" y="1394338"/>
-            <a:ext cx="912429" cy="338554"/>
-          </a:xfrm>
-          <a:prstGeom prst="rect">
-            <a:avLst/>
-          </a:prstGeom>
-          <a:noFill/>
-        </p:spPr>
-        <p:txBody>
-          <a:bodyPr wrap="none" rtlCol="0">
-            <a:spAutoFit/>
-          </a:bodyPr>
-          <a:lstStyle/>
-          <a:p>
-            <a:r>
-              <a:rPr lang="es-CO" sz="1600" b="1" dirty="0"/>
-              <a:t>Mi perfil</a:t>
-            </a:r>
-          </a:p>
-        </p:txBody>
-      </p:sp>
-      <p:sp>
-        <p:nvSpPr>
-          <p:cNvPr id="21" name="CuadroTexto 20">
-            <a:extLst>
-              <a:ext uri="{FF2B5EF4-FFF2-40B4-BE49-F238E27FC236}">
-                <a16:creationId xmlns:a16="http://schemas.microsoft.com/office/drawing/2014/main" id="{56D03A46-2B89-476A-B413-9894BCF43638}"/>
-              </a:ext>
-            </a:extLst>
-          </p:cNvPr>
-          <p:cNvSpPr txBox="1"/>
-          <p:nvPr/>
-        </p:nvSpPr>
-        <p:spPr>
-          <a:xfrm>
-            <a:off x="8575700" y="1711472"/>
-            <a:ext cx="805029" cy="338554"/>
-          </a:xfrm>
-          <a:prstGeom prst="rect">
-            <a:avLst/>
-          </a:prstGeom>
-          <a:noFill/>
-        </p:spPr>
-        <p:txBody>
-          <a:bodyPr wrap="none" rtlCol="0">
-            <a:spAutoFit/>
-          </a:bodyPr>
-          <a:lstStyle/>
-          <a:p>
-            <a:r>
-              <a:rPr lang="es-CO" sz="1600" b="1" dirty="0"/>
-              <a:t>Ajustes</a:t>
-            </a:r>
-          </a:p>
-        </p:txBody>
-      </p:sp>
-      <p:sp>
-        <p:nvSpPr>
-          <p:cNvPr id="22" name="CuadroTexto 21">
-            <a:extLst>
-              <a:ext uri="{FF2B5EF4-FFF2-40B4-BE49-F238E27FC236}">
-                <a16:creationId xmlns:a16="http://schemas.microsoft.com/office/drawing/2014/main" id="{02A29AE9-3266-4BC2-A846-423E7751E074}"/>
-              </a:ext>
-            </a:extLst>
-          </p:cNvPr>
-          <p:cNvSpPr txBox="1"/>
-          <p:nvPr/>
-        </p:nvSpPr>
-        <p:spPr>
-          <a:xfrm>
-            <a:off x="8583560" y="2050026"/>
-            <a:ext cx="817853" cy="338554"/>
-          </a:xfrm>
-          <a:prstGeom prst="rect">
-            <a:avLst/>
-          </a:prstGeom>
-          <a:noFill/>
-        </p:spPr>
-        <p:txBody>
-          <a:bodyPr wrap="none" rtlCol="0">
-            <a:spAutoFit/>
-          </a:bodyPr>
-          <a:lstStyle/>
-          <a:p>
-            <a:r>
-              <a:rPr lang="es-CO" sz="1600" b="1" dirty="0"/>
-              <a:t>Log </a:t>
-            </a:r>
-            <a:r>
-              <a:rPr lang="es-CO" sz="1600" b="1" dirty="0" err="1"/>
-              <a:t>out</a:t>
-            </a:r>
-            <a:endParaRPr lang="es-CO" sz="1600" b="1" dirty="0"/>
-          </a:p>
-        </p:txBody>
-      </p:sp>
-      <p:sp>
-        <p:nvSpPr>
-          <p:cNvPr id="23" name="Flecha: a la derecha 22">
-            <a:hlinkClick r:id="" action="ppaction://hlinkshowjump?jump=previousslide"/>
-            <a:extLst>
-              <a:ext uri="{FF2B5EF4-FFF2-40B4-BE49-F238E27FC236}">
-                <a16:creationId xmlns:a16="http://schemas.microsoft.com/office/drawing/2014/main" id="{58045691-7CB5-453A-9BF3-0A9F57C1C811}"/>
-              </a:ext>
-            </a:extLst>
-          </p:cNvPr>
-          <p:cNvSpPr/>
-          <p:nvPr/>
-        </p:nvSpPr>
-        <p:spPr>
-          <a:xfrm rot="10800000">
-            <a:off x="383458" y="796413"/>
-            <a:ext cx="635033" cy="514376"/>
-          </a:xfrm>
-          <a:prstGeom prst="rightArrow">
-            <a:avLst/>
-          </a:prstGeom>
-        </p:spPr>
-        <p:style>
-          <a:lnRef idx="2">
-            <a:schemeClr val="accent1">
-              <a:shade val="50000"/>
-            </a:schemeClr>
-          </a:lnRef>
-          <a:fillRef idx="1">
-            <a:schemeClr val="accent1"/>
-          </a:fillRef>
-          <a:effectRef idx="0">
-            <a:schemeClr val="accent1"/>
-          </a:effectRef>
-          <a:fontRef idx="minor">
-            <a:schemeClr val="lt1"/>
-          </a:fontRef>
-        </p:style>
-        <p:txBody>
-          <a:bodyPr rtlCol="0" anchor="ctr"/>
-          <a:lstStyle/>
-          <a:p>
-            <a:pPr algn="ctr"/>
-            <a:endParaRPr lang="es-CO"/>
-          </a:p>
-        </p:txBody>
-      </p:sp>
     </p:spTree>
     <p:extLst>
       <p:ext uri="{BB962C8B-B14F-4D97-AF65-F5344CB8AC3E}">
-        <p14:creationId xmlns:p14="http://schemas.microsoft.com/office/powerpoint/2010/main" val="3492346804"/>
+        <p14:creationId xmlns:p14="http://schemas.microsoft.com/office/powerpoint/2010/main" val="3213081361"/>
       </p:ext>
     </p:extLst>
   </p:cSld>
@@ -6116,7 +6377,7 @@
           <p:nvPr/>
         </p:nvPicPr>
         <p:blipFill>
-          <a:blip r:embed="rId3"/>
+          <a:blip r:embed="rId2"/>
           <a:stretch>
             <a:fillRect/>
           </a:stretch>
@@ -6134,6 +6395,7 @@
       <p:pic>
         <p:nvPicPr>
           <p:cNvPr id="10" name="Imagen 9">
+            <a:hlinkClick r:id="rId3" action="ppaction://hlinksldjump"/>
             <a:extLst>
               <a:ext uri="{FF2B5EF4-FFF2-40B4-BE49-F238E27FC236}">
                 <a16:creationId xmlns:a16="http://schemas.microsoft.com/office/drawing/2014/main" id="{08B3E7F1-4413-4C4A-AF19-4A3F9506D0F6}"/>
@@ -6270,10 +6532,45 @@
       </p:pic>
       <p:sp>
         <p:nvSpPr>
+          <p:cNvPr id="16" name="CuadroTexto 15">
+            <a:extLst>
+              <a:ext uri="{FF2B5EF4-FFF2-40B4-BE49-F238E27FC236}">
+                <a16:creationId xmlns:a16="http://schemas.microsoft.com/office/drawing/2014/main" id="{96D17C9C-7D0D-40DA-B48F-3166631861B9}"/>
+              </a:ext>
+            </a:extLst>
+          </p:cNvPr>
+          <p:cNvSpPr txBox="1"/>
+          <p:nvPr/>
+        </p:nvSpPr>
+        <p:spPr>
+          <a:xfrm>
+            <a:off x="2123768" y="1897626"/>
+            <a:ext cx="1228606" cy="369332"/>
+          </a:xfrm>
+          <a:prstGeom prst="rect">
+            <a:avLst/>
+          </a:prstGeom>
+          <a:noFill/>
+        </p:spPr>
+        <p:txBody>
+          <a:bodyPr wrap="none" rtlCol="0">
+            <a:spAutoFit/>
+          </a:bodyPr>
+          <a:lstStyle/>
+          <a:p>
+            <a:r>
+              <a:rPr lang="es-CO" b="1" dirty="0"/>
+              <a:t>DashBoard</a:t>
+            </a:r>
+          </a:p>
+        </p:txBody>
+      </p:sp>
+      <p:sp>
+        <p:nvSpPr>
           <p:cNvPr id="3" name="Rectángulo 2">
             <a:extLst>
               <a:ext uri="{FF2B5EF4-FFF2-40B4-BE49-F238E27FC236}">
-                <a16:creationId xmlns:a16="http://schemas.microsoft.com/office/drawing/2014/main" id="{0420946C-61BE-448D-B78D-A29C2B945180}"/>
+                <a16:creationId xmlns:a16="http://schemas.microsoft.com/office/drawing/2014/main" id="{E6131892-DF5D-4728-9018-56EF2F602F9B}"/>
               </a:ext>
             </a:extLst>
           </p:cNvPr>
@@ -6282,8 +6579,8 @@
         </p:nvSpPr>
         <p:spPr>
           <a:xfrm>
-            <a:off x="1435509" y="1389447"/>
-            <a:ext cx="1199535" cy="4814708"/>
+            <a:off x="7541339" y="1388697"/>
+            <a:ext cx="2252522" cy="1176772"/>
           </a:xfrm>
           <a:prstGeom prst="rect">
             <a:avLst/>
@@ -6308,16 +6605,17 @@
           <a:lstStyle/>
           <a:p>
             <a:pPr algn="ctr"/>
-            <a:endParaRPr lang="es-CO" dirty="0"/>
-          </a:p>
-        </p:txBody>
-      </p:sp>
-      <p:sp>
-        <p:nvSpPr>
-          <p:cNvPr id="4" name="CuadroTexto 3">
-            <a:extLst>
-              <a:ext uri="{FF2B5EF4-FFF2-40B4-BE49-F238E27FC236}">
-                <a16:creationId xmlns:a16="http://schemas.microsoft.com/office/drawing/2014/main" id="{822E91CA-8244-472A-8273-6A90593C6646}"/>
+            <a:endParaRPr lang="es-CO"/>
+          </a:p>
+        </p:txBody>
+      </p:sp>
+      <p:sp>
+        <p:nvSpPr>
+          <p:cNvPr id="12" name="CuadroTexto 11">
+            <a:hlinkClick r:id="rId7" action="ppaction://hlinksldjump"/>
+            <a:extLst>
+              <a:ext uri="{FF2B5EF4-FFF2-40B4-BE49-F238E27FC236}">
+                <a16:creationId xmlns:a16="http://schemas.microsoft.com/office/drawing/2014/main" id="{FC121F38-B927-4A59-952C-3B6802162006}"/>
               </a:ext>
             </a:extLst>
           </p:cNvPr>
@@ -6326,8 +6624,8 @@
         </p:nvSpPr>
         <p:spPr>
           <a:xfrm>
-            <a:off x="1528470" y="1534491"/>
-            <a:ext cx="1092350" cy="338554"/>
+            <a:off x="7536447" y="1532914"/>
+            <a:ext cx="738920" cy="307777"/>
           </a:xfrm>
           <a:prstGeom prst="rect">
             <a:avLst/>
@@ -6341,18 +6639,19 @@
           <a:lstStyle/>
           <a:p>
             <a:r>
-              <a:rPr lang="es-CO" sz="1600" dirty="0"/>
-              <a:t>DashBoard</a:t>
-            </a:r>
-          </a:p>
-        </p:txBody>
-      </p:sp>
-      <p:sp>
-        <p:nvSpPr>
-          <p:cNvPr id="12" name="CuadroTexto 11">
-            <a:extLst>
-              <a:ext uri="{FF2B5EF4-FFF2-40B4-BE49-F238E27FC236}">
-                <a16:creationId xmlns:a16="http://schemas.microsoft.com/office/drawing/2014/main" id="{7F61836D-B6C9-4B0A-8B5D-08EA39F5448B}"/>
+              <a:rPr lang="es-CO" sz="1400" b="1" dirty="0"/>
+              <a:t>Estudio</a:t>
+            </a:r>
+          </a:p>
+        </p:txBody>
+      </p:sp>
+      <p:sp>
+        <p:nvSpPr>
+          <p:cNvPr id="14" name="CuadroTexto 13">
+            <a:hlinkClick r:id="rId8" action="ppaction://hlinksldjump"/>
+            <a:extLst>
+              <a:ext uri="{FF2B5EF4-FFF2-40B4-BE49-F238E27FC236}">
+                <a16:creationId xmlns:a16="http://schemas.microsoft.com/office/drawing/2014/main" id="{EB0BE00D-2436-4A33-B08C-A4D554131818}"/>
               </a:ext>
             </a:extLst>
           </p:cNvPr>
@@ -6361,8 +6660,8 @@
         </p:nvSpPr>
         <p:spPr>
           <a:xfrm>
-            <a:off x="1528470" y="1903823"/>
-            <a:ext cx="921150" cy="338554"/>
+            <a:off x="8215105" y="1528457"/>
+            <a:ext cx="821956" cy="307777"/>
           </a:xfrm>
           <a:prstGeom prst="rect">
             <a:avLst/>
@@ -6376,18 +6675,18 @@
           <a:lstStyle/>
           <a:p>
             <a:r>
-              <a:rPr lang="es-CO" sz="1600" dirty="0"/>
-              <a:t>Materias</a:t>
-            </a:r>
-          </a:p>
-        </p:txBody>
-      </p:sp>
-      <p:sp>
-        <p:nvSpPr>
-          <p:cNvPr id="14" name="CuadroTexto 13">
-            <a:extLst>
-              <a:ext uri="{FF2B5EF4-FFF2-40B4-BE49-F238E27FC236}">
-                <a16:creationId xmlns:a16="http://schemas.microsoft.com/office/drawing/2014/main" id="{240D1A64-2A01-4627-B12A-92760895A2EC}"/>
+              <a:rPr lang="es-CO" sz="1400" b="1" dirty="0"/>
+              <a:t>Finanzas</a:t>
+            </a:r>
+          </a:p>
+        </p:txBody>
+      </p:sp>
+      <p:sp>
+        <p:nvSpPr>
+          <p:cNvPr id="17" name="CuadroTexto 16">
+            <a:extLst>
+              <a:ext uri="{FF2B5EF4-FFF2-40B4-BE49-F238E27FC236}">
+                <a16:creationId xmlns:a16="http://schemas.microsoft.com/office/drawing/2014/main" id="{57FAC113-4CAB-4366-8D02-CF3C75C264EC}"/>
               </a:ext>
             </a:extLst>
           </p:cNvPr>
@@ -6396,8 +6695,8 @@
         </p:nvSpPr>
         <p:spPr>
           <a:xfrm>
-            <a:off x="1528470" y="2273155"/>
-            <a:ext cx="790216" cy="338554"/>
+            <a:off x="7499822" y="1977083"/>
+            <a:ext cx="636713" cy="307777"/>
           </a:xfrm>
           <a:prstGeom prst="rect">
             <a:avLst/>
@@ -6411,18 +6710,19 @@
           <a:lstStyle/>
           <a:p>
             <a:r>
-              <a:rPr lang="es-CO" sz="1600" dirty="0"/>
-              <a:t>Repaso</a:t>
-            </a:r>
-          </a:p>
-        </p:txBody>
-      </p:sp>
-      <p:sp>
-        <p:nvSpPr>
-          <p:cNvPr id="17" name="CuadroTexto 16">
-            <a:extLst>
-              <a:ext uri="{FF2B5EF4-FFF2-40B4-BE49-F238E27FC236}">
-                <a16:creationId xmlns:a16="http://schemas.microsoft.com/office/drawing/2014/main" id="{55FF88AC-C094-4C34-8085-CD35BAB94DEA}"/>
+              <a:rPr lang="es-CO" sz="1400" b="1" dirty="0"/>
+              <a:t>Diario</a:t>
+            </a:r>
+          </a:p>
+        </p:txBody>
+      </p:sp>
+      <p:sp>
+        <p:nvSpPr>
+          <p:cNvPr id="18" name="CuadroTexto 17">
+            <a:hlinkClick r:id="rId9" action="ppaction://hlinksldjump"/>
+            <a:extLst>
+              <a:ext uri="{FF2B5EF4-FFF2-40B4-BE49-F238E27FC236}">
+                <a16:creationId xmlns:a16="http://schemas.microsoft.com/office/drawing/2014/main" id="{91F887C6-A1DB-4834-9778-56ED003A23F6}"/>
               </a:ext>
             </a:extLst>
           </p:cNvPr>
@@ -6431,8 +6731,8 @@
         </p:nvSpPr>
         <p:spPr>
           <a:xfrm>
-            <a:off x="1528470" y="2642487"/>
-            <a:ext cx="683072" cy="338554"/>
+            <a:off x="8981710" y="1519435"/>
+            <a:ext cx="659604" cy="307777"/>
           </a:xfrm>
           <a:prstGeom prst="rect">
             <a:avLst/>
@@ -6446,18 +6746,18 @@
           <a:lstStyle/>
           <a:p>
             <a:r>
-              <a:rPr lang="es-CO" sz="1600" dirty="0"/>
-              <a:t>Libros</a:t>
-            </a:r>
-          </a:p>
-        </p:txBody>
-      </p:sp>
-      <p:sp>
-        <p:nvSpPr>
-          <p:cNvPr id="18" name="CuadroTexto 17">
-            <a:extLst>
-              <a:ext uri="{FF2B5EF4-FFF2-40B4-BE49-F238E27FC236}">
-                <a16:creationId xmlns:a16="http://schemas.microsoft.com/office/drawing/2014/main" id="{35199CB1-817D-4B95-B43E-70739A458945}"/>
+              <a:rPr lang="es-CO" sz="1400" b="1" dirty="0"/>
+              <a:t>Tareas</a:t>
+            </a:r>
+          </a:p>
+        </p:txBody>
+      </p:sp>
+      <p:sp>
+        <p:nvSpPr>
+          <p:cNvPr id="19" name="CuadroTexto 18">
+            <a:extLst>
+              <a:ext uri="{FF2B5EF4-FFF2-40B4-BE49-F238E27FC236}">
+                <a16:creationId xmlns:a16="http://schemas.microsoft.com/office/drawing/2014/main" id="{F08C8139-307D-4008-B600-EDCF28AE007A}"/>
               </a:ext>
             </a:extLst>
           </p:cNvPr>
@@ -6466,8 +6766,8 @@
         </p:nvSpPr>
         <p:spPr>
           <a:xfrm>
-            <a:off x="1524203" y="3011819"/>
-            <a:ext cx="1024127" cy="338554"/>
+            <a:off x="10942877" y="2043762"/>
+            <a:ext cx="1412566" cy="2308324"/>
           </a:xfrm>
           <a:prstGeom prst="rect">
             <a:avLst/>
@@ -6481,20 +6781,58 @@
           <a:lstStyle/>
           <a:p>
             <a:r>
-              <a:rPr lang="es-CO" sz="1600" dirty="0" err="1"/>
-              <a:t>Examenes</a:t>
-            </a:r>
-            <a:endParaRPr lang="es-CO" sz="1600" dirty="0"/>
-          </a:p>
-        </p:txBody>
-      </p:sp>
-      <p:sp>
-        <p:nvSpPr>
-          <p:cNvPr id="19" name="Flecha: a la derecha 18">
+              <a:rPr lang="es-CO" b="1" dirty="0"/>
+              <a:t>Cada</a:t>
+            </a:r>
+          </a:p>
+          <a:p>
+            <a:r>
+              <a:rPr lang="es-CO" b="1" dirty="0"/>
+              <a:t>Sección</a:t>
+            </a:r>
+          </a:p>
+          <a:p>
+            <a:r>
+              <a:rPr lang="es-CO" b="1" dirty="0"/>
+              <a:t>Con </a:t>
+            </a:r>
+          </a:p>
+          <a:p>
+            <a:r>
+              <a:rPr lang="es-CO" b="1" dirty="0"/>
+              <a:t>Iconos.</a:t>
+            </a:r>
+          </a:p>
+          <a:p>
+            <a:endParaRPr lang="es-CO" b="1" dirty="0"/>
+          </a:p>
+          <a:p>
+            <a:r>
+              <a:rPr lang="es-CO" b="1" dirty="0"/>
+              <a:t>Cada sección</a:t>
+            </a:r>
+          </a:p>
+          <a:p>
+            <a:r>
+              <a:rPr lang="es-CO" b="1" dirty="0"/>
+              <a:t>En el coso</a:t>
+            </a:r>
+          </a:p>
+          <a:p>
+            <a:r>
+              <a:rPr lang="es-CO" b="1" dirty="0"/>
+              <a:t>lateral</a:t>
+            </a:r>
+          </a:p>
+        </p:txBody>
+      </p:sp>
+      <p:sp>
+        <p:nvSpPr>
+          <p:cNvPr id="20" name="Flecha: a la derecha 19">
             <a:hlinkClick r:id="" action="ppaction://hlinkshowjump?jump=previousslide"/>
             <a:extLst>
               <a:ext uri="{FF2B5EF4-FFF2-40B4-BE49-F238E27FC236}">
-                <a16:creationId xmlns:a16="http://schemas.microsoft.com/office/drawing/2014/main" id="{E1F70C79-3414-4230-8C0E-E83AD4600B88}"/>
+                <a16:creationId xmlns:a16="http://schemas.microsoft.com/office/drawing/2014/main" id="{4BA248A2-3F02-4F25-A857-680BF4ED09A7}"/>
               </a:ext>
             </a:extLst>
           </p:cNvPr>
@@ -6538,7 +6876,7 @@
     </p:spTree>
     <p:extLst>
       <p:ext uri="{BB962C8B-B14F-4D97-AF65-F5344CB8AC3E}">
-        <p14:creationId xmlns:p14="http://schemas.microsoft.com/office/powerpoint/2010/main" val="1493410646"/>
+        <p14:creationId xmlns:p14="http://schemas.microsoft.com/office/powerpoint/2010/main" val="3676270241"/>
       </p:ext>
     </p:extLst>
   </p:cSld>
@@ -6620,6 +6958,7 @@
       <p:pic>
         <p:nvPicPr>
           <p:cNvPr id="8" name="Imagen 7">
+            <a:hlinkClick r:id="rId2" action="ppaction://hlinksldjump"/>
             <a:extLst>
               <a:ext uri="{FF2B5EF4-FFF2-40B4-BE49-F238E27FC236}">
                 <a16:creationId xmlns:a16="http://schemas.microsoft.com/office/drawing/2014/main" id="{4B800D44-B81D-478E-982C-3D667A115CEB}"/>
@@ -6632,7 +6971,7 @@
           <p:nvPr/>
         </p:nvPicPr>
         <p:blipFill>
-          <a:blip r:embed="rId2"/>
+          <a:blip r:embed="rId3"/>
           <a:stretch>
             <a:fillRect/>
           </a:stretch>
@@ -6662,7 +7001,7 @@
           <p:nvPr/>
         </p:nvPicPr>
         <p:blipFill>
-          <a:blip r:embed="rId3"/>
+          <a:blip r:embed="rId4"/>
           <a:stretch>
             <a:fillRect/>
           </a:stretch>
@@ -6739,36 +7078,6 @@
           <p:nvPr/>
         </p:nvPicPr>
         <p:blipFill>
-          <a:blip r:embed="rId4"/>
-          <a:stretch>
-            <a:fillRect/>
-          </a:stretch>
-        </p:blipFill>
-        <p:spPr>
-          <a:xfrm>
-            <a:off x="2635045" y="875071"/>
-            <a:ext cx="6576845" cy="514376"/>
-          </a:xfrm>
-          <a:prstGeom prst="rect">
-            <a:avLst/>
-          </a:prstGeom>
-        </p:spPr>
-      </p:pic>
-      <p:pic>
-        <p:nvPicPr>
-          <p:cNvPr id="15" name="Imagen 14">
-            <a:extLst>
-              <a:ext uri="{FF2B5EF4-FFF2-40B4-BE49-F238E27FC236}">
-                <a16:creationId xmlns:a16="http://schemas.microsoft.com/office/drawing/2014/main" id="{13139302-3BA0-4FB1-948F-E188DB971667}"/>
-              </a:ext>
-            </a:extLst>
-          </p:cNvPr>
-          <p:cNvPicPr>
-            <a:picLocks noChangeAspect="1"/>
-          </p:cNvPicPr>
-          <p:nvPr/>
-        </p:nvPicPr>
-        <p:blipFill>
           <a:blip r:embed="rId5"/>
           <a:stretch>
             <a:fillRect/>
@@ -6776,6 +7085,36 @@
         </p:blipFill>
         <p:spPr>
           <a:xfrm>
+            <a:off x="2635045" y="875071"/>
+            <a:ext cx="6576845" cy="514376"/>
+          </a:xfrm>
+          <a:prstGeom prst="rect">
+            <a:avLst/>
+          </a:prstGeom>
+        </p:spPr>
+      </p:pic>
+      <p:pic>
+        <p:nvPicPr>
+          <p:cNvPr id="15" name="Imagen 14">
+            <a:extLst>
+              <a:ext uri="{FF2B5EF4-FFF2-40B4-BE49-F238E27FC236}">
+                <a16:creationId xmlns:a16="http://schemas.microsoft.com/office/drawing/2014/main" id="{13139302-3BA0-4FB1-948F-E188DB971667}"/>
+              </a:ext>
+            </a:extLst>
+          </p:cNvPr>
+          <p:cNvPicPr>
+            <a:picLocks noChangeAspect="1"/>
+          </p:cNvPicPr>
+          <p:nvPr/>
+        </p:nvPicPr>
+        <p:blipFill>
+          <a:blip r:embed="rId6"/>
+          <a:stretch>
+            <a:fillRect/>
+          </a:stretch>
+        </p:blipFill>
+        <p:spPr>
+          <a:xfrm>
             <a:off x="1435510" y="875071"/>
             <a:ext cx="1203801" cy="514376"/>
           </a:xfrm>
@@ -6786,10 +7125,45 @@
       </p:pic>
       <p:sp>
         <p:nvSpPr>
+          <p:cNvPr id="16" name="CuadroTexto 15">
+            <a:extLst>
+              <a:ext uri="{FF2B5EF4-FFF2-40B4-BE49-F238E27FC236}">
+                <a16:creationId xmlns:a16="http://schemas.microsoft.com/office/drawing/2014/main" id="{96D17C9C-7D0D-40DA-B48F-3166631861B9}"/>
+              </a:ext>
+            </a:extLst>
+          </p:cNvPr>
+          <p:cNvSpPr txBox="1"/>
+          <p:nvPr/>
+        </p:nvSpPr>
+        <p:spPr>
+          <a:xfrm>
+            <a:off x="3258885" y="1880749"/>
+            <a:ext cx="1228606" cy="369332"/>
+          </a:xfrm>
+          <a:prstGeom prst="rect">
+            <a:avLst/>
+          </a:prstGeom>
+          <a:noFill/>
+        </p:spPr>
+        <p:txBody>
+          <a:bodyPr wrap="none" rtlCol="0">
+            <a:spAutoFit/>
+          </a:bodyPr>
+          <a:lstStyle/>
+          <a:p>
+            <a:r>
+              <a:rPr lang="es-CO" b="1" dirty="0"/>
+              <a:t>DashBoard</a:t>
+            </a:r>
+          </a:p>
+        </p:txBody>
+      </p:sp>
+      <p:sp>
+        <p:nvSpPr>
           <p:cNvPr id="3" name="Rectángulo 2">
             <a:extLst>
               <a:ext uri="{FF2B5EF4-FFF2-40B4-BE49-F238E27FC236}">
-                <a16:creationId xmlns:a16="http://schemas.microsoft.com/office/drawing/2014/main" id="{0420946C-61BE-448D-B78D-A29C2B945180}"/>
+                <a16:creationId xmlns:a16="http://schemas.microsoft.com/office/drawing/2014/main" id="{E6131892-DF5D-4728-9018-56EF2F602F9B}"/>
               </a:ext>
             </a:extLst>
           </p:cNvPr>
@@ -6798,8 +7172,8 @@
         </p:nvSpPr>
         <p:spPr>
           <a:xfrm>
-            <a:off x="1435509" y="1389447"/>
-            <a:ext cx="1199535" cy="4814708"/>
+            <a:off x="8583561" y="1389447"/>
+            <a:ext cx="1815840" cy="1107947"/>
           </a:xfrm>
           <a:prstGeom prst="rect">
             <a:avLst/>
@@ -6824,16 +7198,16 @@
           <a:lstStyle/>
           <a:p>
             <a:pPr algn="ctr"/>
-            <a:endParaRPr lang="es-CO" dirty="0"/>
-          </a:p>
-        </p:txBody>
-      </p:sp>
-      <p:sp>
-        <p:nvSpPr>
-          <p:cNvPr id="4" name="CuadroTexto 3">
-            <a:extLst>
-              <a:ext uri="{FF2B5EF4-FFF2-40B4-BE49-F238E27FC236}">
-                <a16:creationId xmlns:a16="http://schemas.microsoft.com/office/drawing/2014/main" id="{822E91CA-8244-472A-8273-6A90593C6646}"/>
+            <a:endParaRPr lang="es-CO"/>
+          </a:p>
+        </p:txBody>
+      </p:sp>
+      <p:sp>
+        <p:nvSpPr>
+          <p:cNvPr id="20" name="CuadroTexto 19">
+            <a:extLst>
+              <a:ext uri="{FF2B5EF4-FFF2-40B4-BE49-F238E27FC236}">
+                <a16:creationId xmlns:a16="http://schemas.microsoft.com/office/drawing/2014/main" id="{BCC2E222-1EA4-4059-B879-D93117DFBB45}"/>
               </a:ext>
             </a:extLst>
           </p:cNvPr>
@@ -6842,8 +7216,8 @@
         </p:nvSpPr>
         <p:spPr>
           <a:xfrm>
-            <a:off x="1528470" y="1534491"/>
-            <a:ext cx="1092350" cy="338554"/>
+            <a:off x="8583560" y="1394338"/>
+            <a:ext cx="912429" cy="338554"/>
           </a:xfrm>
           <a:prstGeom prst="rect">
             <a:avLst/>
@@ -6857,18 +7231,18 @@
           <a:lstStyle/>
           <a:p>
             <a:r>
-              <a:rPr lang="es-CO" sz="1600" dirty="0"/>
-              <a:t>DashBoard</a:t>
-            </a:r>
-          </a:p>
-        </p:txBody>
-      </p:sp>
-      <p:sp>
-        <p:nvSpPr>
-          <p:cNvPr id="12" name="CuadroTexto 11">
-            <a:extLst>
-              <a:ext uri="{FF2B5EF4-FFF2-40B4-BE49-F238E27FC236}">
-                <a16:creationId xmlns:a16="http://schemas.microsoft.com/office/drawing/2014/main" id="{7F61836D-B6C9-4B0A-8B5D-08EA39F5448B}"/>
+              <a:rPr lang="es-CO" sz="1600" b="1" dirty="0"/>
+              <a:t>Mi perfil</a:t>
+            </a:r>
+          </a:p>
+        </p:txBody>
+      </p:sp>
+      <p:sp>
+        <p:nvSpPr>
+          <p:cNvPr id="21" name="CuadroTexto 20">
+            <a:extLst>
+              <a:ext uri="{FF2B5EF4-FFF2-40B4-BE49-F238E27FC236}">
+                <a16:creationId xmlns:a16="http://schemas.microsoft.com/office/drawing/2014/main" id="{56D03A46-2B89-476A-B413-9894BCF43638}"/>
               </a:ext>
             </a:extLst>
           </p:cNvPr>
@@ -6877,8 +7251,8 @@
         </p:nvSpPr>
         <p:spPr>
           <a:xfrm>
-            <a:off x="1528470" y="1903823"/>
-            <a:ext cx="880882" cy="338554"/>
+            <a:off x="8575700" y="1711472"/>
+            <a:ext cx="805029" cy="338554"/>
           </a:xfrm>
           <a:prstGeom prst="rect">
             <a:avLst/>
@@ -6892,18 +7266,18 @@
           <a:lstStyle/>
           <a:p>
             <a:r>
-              <a:rPr lang="es-CO" sz="1600" dirty="0"/>
-              <a:t>Ingresos</a:t>
-            </a:r>
-          </a:p>
-        </p:txBody>
-      </p:sp>
-      <p:sp>
-        <p:nvSpPr>
-          <p:cNvPr id="14" name="CuadroTexto 13">
-            <a:extLst>
-              <a:ext uri="{FF2B5EF4-FFF2-40B4-BE49-F238E27FC236}">
-                <a16:creationId xmlns:a16="http://schemas.microsoft.com/office/drawing/2014/main" id="{240D1A64-2A01-4627-B12A-92760895A2EC}"/>
+              <a:rPr lang="es-CO" sz="1600" b="1" dirty="0"/>
+              <a:t>Ajustes</a:t>
+            </a:r>
+          </a:p>
+        </p:txBody>
+      </p:sp>
+      <p:sp>
+        <p:nvSpPr>
+          <p:cNvPr id="22" name="CuadroTexto 21">
+            <a:extLst>
+              <a:ext uri="{FF2B5EF4-FFF2-40B4-BE49-F238E27FC236}">
+                <a16:creationId xmlns:a16="http://schemas.microsoft.com/office/drawing/2014/main" id="{02A29AE9-3266-4BC2-A846-423E7751E074}"/>
               </a:ext>
             </a:extLst>
           </p:cNvPr>
@@ -6912,8 +7286,8 @@
         </p:nvSpPr>
         <p:spPr>
           <a:xfrm>
-            <a:off x="1528470" y="2273155"/>
-            <a:ext cx="823174" cy="338554"/>
+            <a:off x="8583560" y="2050026"/>
+            <a:ext cx="817853" cy="338554"/>
           </a:xfrm>
           <a:prstGeom prst="rect">
             <a:avLst/>
@@ -6927,90 +7301,24 @@
           <a:lstStyle/>
           <a:p>
             <a:r>
-              <a:rPr lang="es-CO" sz="1600" dirty="0"/>
-              <a:t>Egresos</a:t>
-            </a:r>
-          </a:p>
-        </p:txBody>
-      </p:sp>
-      <p:sp>
-        <p:nvSpPr>
-          <p:cNvPr id="17" name="CuadroTexto 16">
-            <a:extLst>
-              <a:ext uri="{FF2B5EF4-FFF2-40B4-BE49-F238E27FC236}">
-                <a16:creationId xmlns:a16="http://schemas.microsoft.com/office/drawing/2014/main" id="{55FF88AC-C094-4C34-8085-CD35BAB94DEA}"/>
-              </a:ext>
-            </a:extLst>
-          </p:cNvPr>
-          <p:cNvSpPr txBox="1"/>
-          <p:nvPr/>
-        </p:nvSpPr>
-        <p:spPr>
-          <a:xfrm>
-            <a:off x="1528470" y="2586250"/>
-            <a:ext cx="745589" cy="338554"/>
-          </a:xfrm>
-          <a:prstGeom prst="rect">
-            <a:avLst/>
-          </a:prstGeom>
-          <a:noFill/>
-        </p:spPr>
-        <p:txBody>
-          <a:bodyPr wrap="none" rtlCol="0">
-            <a:spAutoFit/>
-          </a:bodyPr>
-          <a:lstStyle/>
-          <a:p>
-            <a:r>
-              <a:rPr lang="es-CO" sz="1600" dirty="0"/>
-              <a:t>Dinero</a:t>
-            </a:r>
-          </a:p>
-        </p:txBody>
-      </p:sp>
-      <p:sp>
-        <p:nvSpPr>
-          <p:cNvPr id="16" name="CuadroTexto 15">
-            <a:extLst>
-              <a:ext uri="{FF2B5EF4-FFF2-40B4-BE49-F238E27FC236}">
-                <a16:creationId xmlns:a16="http://schemas.microsoft.com/office/drawing/2014/main" id="{C9E7A9CD-C7AC-4C32-A408-8A0E49FB54BA}"/>
-              </a:ext>
-            </a:extLst>
-          </p:cNvPr>
-          <p:cNvSpPr txBox="1"/>
-          <p:nvPr/>
-        </p:nvSpPr>
-        <p:spPr>
-          <a:xfrm>
-            <a:off x="1528469" y="2930123"/>
-            <a:ext cx="948593" cy="338554"/>
-          </a:xfrm>
-          <a:prstGeom prst="rect">
-            <a:avLst/>
-          </a:prstGeom>
-          <a:noFill/>
-        </p:spPr>
-        <p:txBody>
-          <a:bodyPr wrap="none" rtlCol="0">
-            <a:spAutoFit/>
-          </a:bodyPr>
-          <a:lstStyle/>
-          <a:p>
-            <a:r>
-              <a:rPr lang="es-CO" sz="1600" dirty="0" err="1"/>
-              <a:t>Whishlist</a:t>
-            </a:r>
-            <a:endParaRPr lang="es-CO" sz="1600" dirty="0"/>
-          </a:p>
-        </p:txBody>
-      </p:sp>
-      <p:sp>
-        <p:nvSpPr>
-          <p:cNvPr id="18" name="Flecha: a la derecha 17">
+              <a:rPr lang="es-CO" sz="1600" b="1" dirty="0"/>
+              <a:t>Log </a:t>
+            </a:r>
+            <a:r>
+              <a:rPr lang="es-CO" sz="1600" b="1" dirty="0" err="1"/>
+              <a:t>out</a:t>
+            </a:r>
+            <a:endParaRPr lang="es-CO" sz="1600" b="1" dirty="0"/>
+          </a:p>
+        </p:txBody>
+      </p:sp>
+      <p:sp>
+        <p:nvSpPr>
+          <p:cNvPr id="23" name="Flecha: a la derecha 22">
             <a:hlinkClick r:id="" action="ppaction://hlinkshowjump?jump=previousslide"/>
             <a:extLst>
               <a:ext uri="{FF2B5EF4-FFF2-40B4-BE49-F238E27FC236}">
-                <a16:creationId xmlns:a16="http://schemas.microsoft.com/office/drawing/2014/main" id="{7FBA28A7-DBB4-4F41-8F46-7AA4FD9B7533}"/>
+                <a16:creationId xmlns:a16="http://schemas.microsoft.com/office/drawing/2014/main" id="{58045691-7CB5-453A-9BF3-0A9F57C1C811}"/>
               </a:ext>
             </a:extLst>
           </p:cNvPr>
@@ -7054,7 +7362,7 @@
     </p:spTree>
     <p:extLst>
       <p:ext uri="{BB962C8B-B14F-4D97-AF65-F5344CB8AC3E}">
-        <p14:creationId xmlns:p14="http://schemas.microsoft.com/office/powerpoint/2010/main" val="2826486781"/>
+        <p14:creationId xmlns:p14="http://schemas.microsoft.com/office/powerpoint/2010/main" val="3492346804"/>
       </p:ext>
     </p:extLst>
   </p:cSld>
@@ -7148,7 +7456,7 @@
           <p:nvPr/>
         </p:nvPicPr>
         <p:blipFill>
-          <a:blip r:embed="rId2"/>
+          <a:blip r:embed="rId3"/>
           <a:stretch>
             <a:fillRect/>
           </a:stretch>
@@ -7178,7 +7486,7 @@
           <p:nvPr/>
         </p:nvPicPr>
         <p:blipFill>
-          <a:blip r:embed="rId3"/>
+          <a:blip r:embed="rId4"/>
           <a:stretch>
             <a:fillRect/>
           </a:stretch>
@@ -7255,7 +7563,7 @@
           <p:nvPr/>
         </p:nvPicPr>
         <p:blipFill>
-          <a:blip r:embed="rId4"/>
+          <a:blip r:embed="rId5"/>
           <a:stretch>
             <a:fillRect/>
           </a:stretch>
@@ -7285,7 +7593,7 @@
           <p:nvPr/>
         </p:nvPicPr>
         <p:blipFill>
-          <a:blip r:embed="rId5"/>
+          <a:blip r:embed="rId6"/>
           <a:stretch>
             <a:fillRect/>
           </a:stretch>
@@ -7394,7 +7702,7 @@
         <p:spPr>
           <a:xfrm>
             <a:off x="1528470" y="1903823"/>
-            <a:ext cx="715773" cy="338554"/>
+            <a:ext cx="921150" cy="338554"/>
           </a:xfrm>
           <a:prstGeom prst="rect">
             <a:avLst/>
@@ -7409,18 +7717,124 @@
           <a:p>
             <a:r>
               <a:rPr lang="es-CO" sz="1600" dirty="0"/>
-              <a:t>Tareas</a:t>
-            </a:r>
-          </a:p>
-        </p:txBody>
-      </p:sp>
-      <p:sp>
-        <p:nvSpPr>
-          <p:cNvPr id="5" name="Flecha: a la derecha 4">
+              <a:t>Materias</a:t>
+            </a:r>
+          </a:p>
+        </p:txBody>
+      </p:sp>
+      <p:sp>
+        <p:nvSpPr>
+          <p:cNvPr id="14" name="CuadroTexto 13">
+            <a:extLst>
+              <a:ext uri="{FF2B5EF4-FFF2-40B4-BE49-F238E27FC236}">
+                <a16:creationId xmlns:a16="http://schemas.microsoft.com/office/drawing/2014/main" id="{240D1A64-2A01-4627-B12A-92760895A2EC}"/>
+              </a:ext>
+            </a:extLst>
+          </p:cNvPr>
+          <p:cNvSpPr txBox="1"/>
+          <p:nvPr/>
+        </p:nvSpPr>
+        <p:spPr>
+          <a:xfrm>
+            <a:off x="1528470" y="2273155"/>
+            <a:ext cx="790216" cy="338554"/>
+          </a:xfrm>
+          <a:prstGeom prst="rect">
+            <a:avLst/>
+          </a:prstGeom>
+          <a:noFill/>
+        </p:spPr>
+        <p:txBody>
+          <a:bodyPr wrap="none" rtlCol="0">
+            <a:spAutoFit/>
+          </a:bodyPr>
+          <a:lstStyle/>
+          <a:p>
+            <a:r>
+              <a:rPr lang="es-CO" sz="1600" dirty="0"/>
+              <a:t>Repaso</a:t>
+            </a:r>
+          </a:p>
+        </p:txBody>
+      </p:sp>
+      <p:sp>
+        <p:nvSpPr>
+          <p:cNvPr id="17" name="CuadroTexto 16">
+            <a:extLst>
+              <a:ext uri="{FF2B5EF4-FFF2-40B4-BE49-F238E27FC236}">
+                <a16:creationId xmlns:a16="http://schemas.microsoft.com/office/drawing/2014/main" id="{55FF88AC-C094-4C34-8085-CD35BAB94DEA}"/>
+              </a:ext>
+            </a:extLst>
+          </p:cNvPr>
+          <p:cNvSpPr txBox="1"/>
+          <p:nvPr/>
+        </p:nvSpPr>
+        <p:spPr>
+          <a:xfrm>
+            <a:off x="1528470" y="2642487"/>
+            <a:ext cx="683072" cy="338554"/>
+          </a:xfrm>
+          <a:prstGeom prst="rect">
+            <a:avLst/>
+          </a:prstGeom>
+          <a:noFill/>
+        </p:spPr>
+        <p:txBody>
+          <a:bodyPr wrap="none" rtlCol="0">
+            <a:spAutoFit/>
+          </a:bodyPr>
+          <a:lstStyle/>
+          <a:p>
+            <a:r>
+              <a:rPr lang="es-CO" sz="1600" dirty="0"/>
+              <a:t>Libros</a:t>
+            </a:r>
+          </a:p>
+        </p:txBody>
+      </p:sp>
+      <p:sp>
+        <p:nvSpPr>
+          <p:cNvPr id="18" name="CuadroTexto 17">
+            <a:extLst>
+              <a:ext uri="{FF2B5EF4-FFF2-40B4-BE49-F238E27FC236}">
+                <a16:creationId xmlns:a16="http://schemas.microsoft.com/office/drawing/2014/main" id="{35199CB1-817D-4B95-B43E-70739A458945}"/>
+              </a:ext>
+            </a:extLst>
+          </p:cNvPr>
+          <p:cNvSpPr txBox="1"/>
+          <p:nvPr/>
+        </p:nvSpPr>
+        <p:spPr>
+          <a:xfrm>
+            <a:off x="1524203" y="3011819"/>
+            <a:ext cx="1024127" cy="338554"/>
+          </a:xfrm>
+          <a:prstGeom prst="rect">
+            <a:avLst/>
+          </a:prstGeom>
+          <a:noFill/>
+        </p:spPr>
+        <p:txBody>
+          <a:bodyPr wrap="none" rtlCol="0">
+            <a:spAutoFit/>
+          </a:bodyPr>
+          <a:lstStyle/>
+          <a:p>
+            <a:r>
+              <a:rPr lang="es-CO" sz="1600" dirty="0" err="1"/>
+              <a:t>Examenes</a:t>
+            </a:r>
+            <a:endParaRPr lang="es-CO" sz="1600" dirty="0"/>
+          </a:p>
+        </p:txBody>
+      </p:sp>
+      <p:sp>
+        <p:nvSpPr>
+          <p:cNvPr id="19" name="Flecha: a la derecha 18">
             <a:hlinkClick r:id="" action="ppaction://hlinkshowjump?jump=previousslide"/>
             <a:extLst>
               <a:ext uri="{FF2B5EF4-FFF2-40B4-BE49-F238E27FC236}">
-                <a16:creationId xmlns:a16="http://schemas.microsoft.com/office/drawing/2014/main" id="{D134C4D8-5EE8-4811-99B2-4723531D4E79}"/>
+                <a16:creationId xmlns:a16="http://schemas.microsoft.com/office/drawing/2014/main" id="{E1F70C79-3414-4230-8C0E-E83AD4600B88}"/>
               </a:ext>
             </a:extLst>
           </p:cNvPr>
@@ -7464,6 +7878,932 @@
     </p:spTree>
     <p:extLst>
       <p:ext uri="{BB962C8B-B14F-4D97-AF65-F5344CB8AC3E}">
+        <p14:creationId xmlns:p14="http://schemas.microsoft.com/office/powerpoint/2010/main" val="1493410646"/>
+      </p:ext>
+    </p:extLst>
+  </p:cSld>
+  <p:clrMapOvr>
+    <a:masterClrMapping/>
+  </p:clrMapOvr>
+</p:sld>
+</file>
+
+<file path=ppt/slides/slide15.xml><?xml version="1.0" encoding="utf-8"?>
+<p:sld xmlns:a="http://schemas.openxmlformats.org/drawingml/2006/main" xmlns:r="http://schemas.openxmlformats.org/officeDocument/2006/relationships" xmlns:p="http://schemas.openxmlformats.org/presentationml/2006/main">
+  <p:cSld>
+    <p:spTree>
+      <p:nvGrpSpPr>
+        <p:cNvPr id="1" name=""/>
+        <p:cNvGrpSpPr/>
+        <p:nvPr/>
+      </p:nvGrpSpPr>
+      <p:grpSpPr>
+        <a:xfrm>
+          <a:off x="0" y="0"/>
+          <a:ext cx="0" cy="0"/>
+          <a:chOff x="0" y="0"/>
+          <a:chExt cx="0" cy="0"/>
+        </a:xfrm>
+      </p:grpSpPr>
+      <p:sp>
+        <p:nvSpPr>
+          <p:cNvPr id="2" name="Rectángulo 1">
+            <a:extLst>
+              <a:ext uri="{FF2B5EF4-FFF2-40B4-BE49-F238E27FC236}">
+                <a16:creationId xmlns:a16="http://schemas.microsoft.com/office/drawing/2014/main" id="{179E8C71-5EC1-4DC2-8A44-856A71263AC5}"/>
+              </a:ext>
+            </a:extLst>
+          </p:cNvPr>
+          <p:cNvSpPr/>
+          <p:nvPr/>
+        </p:nvSpPr>
+        <p:spPr>
+          <a:xfrm>
+            <a:off x="1435509" y="875071"/>
+            <a:ext cx="9458633" cy="5329084"/>
+          </a:xfrm>
+          <a:prstGeom prst="rect">
+            <a:avLst/>
+          </a:prstGeom>
+          <a:solidFill>
+            <a:schemeClr val="accent3">
+              <a:alpha val="50000"/>
+            </a:schemeClr>
+          </a:solidFill>
+          <a:ln>
+            <a:noFill/>
+          </a:ln>
+        </p:spPr>
+        <p:style>
+          <a:lnRef idx="0">
+            <a:scrgbClr r="0" g="0" b="0"/>
+          </a:lnRef>
+          <a:fillRef idx="0">
+            <a:scrgbClr r="0" g="0" b="0"/>
+          </a:fillRef>
+          <a:effectRef idx="0">
+            <a:scrgbClr r="0" g="0" b="0"/>
+          </a:effectRef>
+          <a:fontRef idx="minor">
+            <a:schemeClr val="lt1"/>
+          </a:fontRef>
+        </p:style>
+        <p:txBody>
+          <a:bodyPr rtlCol="0" anchor="ctr"/>
+          <a:lstStyle/>
+          <a:p>
+            <a:pPr algn="ctr"/>
+            <a:endParaRPr lang="es-CO" dirty="0"/>
+          </a:p>
+        </p:txBody>
+      </p:sp>
+      <p:pic>
+        <p:nvPicPr>
+          <p:cNvPr id="8" name="Imagen 7">
+            <a:extLst>
+              <a:ext uri="{FF2B5EF4-FFF2-40B4-BE49-F238E27FC236}">
+                <a16:creationId xmlns:a16="http://schemas.microsoft.com/office/drawing/2014/main" id="{4B800D44-B81D-478E-982C-3D667A115CEB}"/>
+              </a:ext>
+            </a:extLst>
+          </p:cNvPr>
+          <p:cNvPicPr>
+            <a:picLocks noChangeAspect="1"/>
+          </p:cNvPicPr>
+          <p:nvPr/>
+        </p:nvPicPr>
+        <p:blipFill>
+          <a:blip r:embed="rId2"/>
+          <a:stretch>
+            <a:fillRect/>
+          </a:stretch>
+        </p:blipFill>
+        <p:spPr>
+          <a:xfrm>
+            <a:off x="9211890" y="875071"/>
+            <a:ext cx="552478" cy="514376"/>
+          </a:xfrm>
+          <a:prstGeom prst="rect">
+            <a:avLst/>
+          </a:prstGeom>
+        </p:spPr>
+      </p:pic>
+      <p:pic>
+        <p:nvPicPr>
+          <p:cNvPr id="10" name="Imagen 9">
+            <a:extLst>
+              <a:ext uri="{FF2B5EF4-FFF2-40B4-BE49-F238E27FC236}">
+                <a16:creationId xmlns:a16="http://schemas.microsoft.com/office/drawing/2014/main" id="{08B3E7F1-4413-4C4A-AF19-4A3F9506D0F6}"/>
+              </a:ext>
+            </a:extLst>
+          </p:cNvPr>
+          <p:cNvPicPr>
+            <a:picLocks noChangeAspect="1"/>
+          </p:cNvPicPr>
+          <p:nvPr/>
+        </p:nvPicPr>
+        <p:blipFill>
+          <a:blip r:embed="rId3"/>
+          <a:stretch>
+            <a:fillRect/>
+          </a:stretch>
+        </p:blipFill>
+        <p:spPr>
+          <a:xfrm>
+            <a:off x="9764368" y="875071"/>
+            <a:ext cx="635033" cy="514376"/>
+          </a:xfrm>
+          <a:prstGeom prst="rect">
+            <a:avLst/>
+          </a:prstGeom>
+        </p:spPr>
+      </p:pic>
+      <p:sp>
+        <p:nvSpPr>
+          <p:cNvPr id="11" name="Botón de acción: obtener información 10">
+            <a:hlinkClick r:id="" action="ppaction://noaction" highlightClick="1"/>
+            <a:extLst>
+              <a:ext uri="{FF2B5EF4-FFF2-40B4-BE49-F238E27FC236}">
+                <a16:creationId xmlns:a16="http://schemas.microsoft.com/office/drawing/2014/main" id="{1702C256-8908-4CF4-A79A-E9955F758621}"/>
+              </a:ext>
+            </a:extLst>
+          </p:cNvPr>
+          <p:cNvSpPr/>
+          <p:nvPr/>
+        </p:nvSpPr>
+        <p:spPr>
+          <a:xfrm>
+            <a:off x="10399401" y="875071"/>
+            <a:ext cx="494742" cy="514376"/>
+          </a:xfrm>
+          <a:prstGeom prst="actionButtonInformation">
+            <a:avLst/>
+          </a:prstGeom>
+        </p:spPr>
+        <p:style>
+          <a:lnRef idx="2">
+            <a:schemeClr val="accent1">
+              <a:shade val="50000"/>
+            </a:schemeClr>
+          </a:lnRef>
+          <a:fillRef idx="1">
+            <a:schemeClr val="accent1"/>
+          </a:fillRef>
+          <a:effectRef idx="0">
+            <a:schemeClr val="accent1"/>
+          </a:effectRef>
+          <a:fontRef idx="minor">
+            <a:schemeClr val="lt1"/>
+          </a:fontRef>
+        </p:style>
+        <p:txBody>
+          <a:bodyPr rtlCol="0" anchor="ctr"/>
+          <a:lstStyle/>
+          <a:p>
+            <a:pPr algn="ctr"/>
+            <a:endParaRPr lang="es-CO"/>
+          </a:p>
+        </p:txBody>
+      </p:sp>
+      <p:pic>
+        <p:nvPicPr>
+          <p:cNvPr id="13" name="Imagen 12">
+            <a:extLst>
+              <a:ext uri="{FF2B5EF4-FFF2-40B4-BE49-F238E27FC236}">
+                <a16:creationId xmlns:a16="http://schemas.microsoft.com/office/drawing/2014/main" id="{5D5AF24E-002C-4E6E-9392-0230002CCEC8}"/>
+              </a:ext>
+            </a:extLst>
+          </p:cNvPr>
+          <p:cNvPicPr>
+            <a:picLocks noChangeAspect="1"/>
+          </p:cNvPicPr>
+          <p:nvPr/>
+        </p:nvPicPr>
+        <p:blipFill>
+          <a:blip r:embed="rId4"/>
+          <a:stretch>
+            <a:fillRect/>
+          </a:stretch>
+        </p:blipFill>
+        <p:spPr>
+          <a:xfrm>
+            <a:off x="2635045" y="875071"/>
+            <a:ext cx="6576845" cy="514376"/>
+          </a:xfrm>
+          <a:prstGeom prst="rect">
+            <a:avLst/>
+          </a:prstGeom>
+        </p:spPr>
+      </p:pic>
+      <p:pic>
+        <p:nvPicPr>
+          <p:cNvPr id="15" name="Imagen 14">
+            <a:extLst>
+              <a:ext uri="{FF2B5EF4-FFF2-40B4-BE49-F238E27FC236}">
+                <a16:creationId xmlns:a16="http://schemas.microsoft.com/office/drawing/2014/main" id="{13139302-3BA0-4FB1-948F-E188DB971667}"/>
+              </a:ext>
+            </a:extLst>
+          </p:cNvPr>
+          <p:cNvPicPr>
+            <a:picLocks noChangeAspect="1"/>
+          </p:cNvPicPr>
+          <p:nvPr/>
+        </p:nvPicPr>
+        <p:blipFill>
+          <a:blip r:embed="rId5"/>
+          <a:stretch>
+            <a:fillRect/>
+          </a:stretch>
+        </p:blipFill>
+        <p:spPr>
+          <a:xfrm>
+            <a:off x="1435510" y="875071"/>
+            <a:ext cx="1203801" cy="514376"/>
+          </a:xfrm>
+          <a:prstGeom prst="rect">
+            <a:avLst/>
+          </a:prstGeom>
+        </p:spPr>
+      </p:pic>
+      <p:sp>
+        <p:nvSpPr>
+          <p:cNvPr id="3" name="Rectángulo 2">
+            <a:extLst>
+              <a:ext uri="{FF2B5EF4-FFF2-40B4-BE49-F238E27FC236}">
+                <a16:creationId xmlns:a16="http://schemas.microsoft.com/office/drawing/2014/main" id="{0420946C-61BE-448D-B78D-A29C2B945180}"/>
+              </a:ext>
+            </a:extLst>
+          </p:cNvPr>
+          <p:cNvSpPr/>
+          <p:nvPr/>
+        </p:nvSpPr>
+        <p:spPr>
+          <a:xfrm>
+            <a:off x="1435509" y="1389447"/>
+            <a:ext cx="1199535" cy="4814708"/>
+          </a:xfrm>
+          <a:prstGeom prst="rect">
+            <a:avLst/>
+          </a:prstGeom>
+        </p:spPr>
+        <p:style>
+          <a:lnRef idx="2">
+            <a:schemeClr val="accent3"/>
+          </a:lnRef>
+          <a:fillRef idx="1">
+            <a:schemeClr val="lt1"/>
+          </a:fillRef>
+          <a:effectRef idx="0">
+            <a:schemeClr val="accent3"/>
+          </a:effectRef>
+          <a:fontRef idx="minor">
+            <a:schemeClr val="dk1"/>
+          </a:fontRef>
+        </p:style>
+        <p:txBody>
+          <a:bodyPr rtlCol="0" anchor="ctr"/>
+          <a:lstStyle/>
+          <a:p>
+            <a:pPr algn="ctr"/>
+            <a:endParaRPr lang="es-CO" dirty="0"/>
+          </a:p>
+        </p:txBody>
+      </p:sp>
+      <p:sp>
+        <p:nvSpPr>
+          <p:cNvPr id="4" name="CuadroTexto 3">
+            <a:extLst>
+              <a:ext uri="{FF2B5EF4-FFF2-40B4-BE49-F238E27FC236}">
+                <a16:creationId xmlns:a16="http://schemas.microsoft.com/office/drawing/2014/main" id="{822E91CA-8244-472A-8273-6A90593C6646}"/>
+              </a:ext>
+            </a:extLst>
+          </p:cNvPr>
+          <p:cNvSpPr txBox="1"/>
+          <p:nvPr/>
+        </p:nvSpPr>
+        <p:spPr>
+          <a:xfrm>
+            <a:off x="1528470" y="1534491"/>
+            <a:ext cx="1092350" cy="338554"/>
+          </a:xfrm>
+          <a:prstGeom prst="rect">
+            <a:avLst/>
+          </a:prstGeom>
+          <a:noFill/>
+        </p:spPr>
+        <p:txBody>
+          <a:bodyPr wrap="none" rtlCol="0">
+            <a:spAutoFit/>
+          </a:bodyPr>
+          <a:lstStyle/>
+          <a:p>
+            <a:r>
+              <a:rPr lang="es-CO" sz="1600" dirty="0"/>
+              <a:t>DashBoard</a:t>
+            </a:r>
+          </a:p>
+        </p:txBody>
+      </p:sp>
+      <p:sp>
+        <p:nvSpPr>
+          <p:cNvPr id="12" name="CuadroTexto 11">
+            <a:extLst>
+              <a:ext uri="{FF2B5EF4-FFF2-40B4-BE49-F238E27FC236}">
+                <a16:creationId xmlns:a16="http://schemas.microsoft.com/office/drawing/2014/main" id="{7F61836D-B6C9-4B0A-8B5D-08EA39F5448B}"/>
+              </a:ext>
+            </a:extLst>
+          </p:cNvPr>
+          <p:cNvSpPr txBox="1"/>
+          <p:nvPr/>
+        </p:nvSpPr>
+        <p:spPr>
+          <a:xfrm>
+            <a:off x="1528470" y="1903823"/>
+            <a:ext cx="880882" cy="338554"/>
+          </a:xfrm>
+          <a:prstGeom prst="rect">
+            <a:avLst/>
+          </a:prstGeom>
+          <a:noFill/>
+        </p:spPr>
+        <p:txBody>
+          <a:bodyPr wrap="none" rtlCol="0">
+            <a:spAutoFit/>
+          </a:bodyPr>
+          <a:lstStyle/>
+          <a:p>
+            <a:r>
+              <a:rPr lang="es-CO" sz="1600" dirty="0"/>
+              <a:t>Ingresos</a:t>
+            </a:r>
+          </a:p>
+        </p:txBody>
+      </p:sp>
+      <p:sp>
+        <p:nvSpPr>
+          <p:cNvPr id="14" name="CuadroTexto 13">
+            <a:extLst>
+              <a:ext uri="{FF2B5EF4-FFF2-40B4-BE49-F238E27FC236}">
+                <a16:creationId xmlns:a16="http://schemas.microsoft.com/office/drawing/2014/main" id="{240D1A64-2A01-4627-B12A-92760895A2EC}"/>
+              </a:ext>
+            </a:extLst>
+          </p:cNvPr>
+          <p:cNvSpPr txBox="1"/>
+          <p:nvPr/>
+        </p:nvSpPr>
+        <p:spPr>
+          <a:xfrm>
+            <a:off x="1528470" y="2273155"/>
+            <a:ext cx="823174" cy="338554"/>
+          </a:xfrm>
+          <a:prstGeom prst="rect">
+            <a:avLst/>
+          </a:prstGeom>
+          <a:noFill/>
+        </p:spPr>
+        <p:txBody>
+          <a:bodyPr wrap="none" rtlCol="0">
+            <a:spAutoFit/>
+          </a:bodyPr>
+          <a:lstStyle/>
+          <a:p>
+            <a:r>
+              <a:rPr lang="es-CO" sz="1600" dirty="0"/>
+              <a:t>Egresos</a:t>
+            </a:r>
+          </a:p>
+        </p:txBody>
+      </p:sp>
+      <p:sp>
+        <p:nvSpPr>
+          <p:cNvPr id="17" name="CuadroTexto 16">
+            <a:extLst>
+              <a:ext uri="{FF2B5EF4-FFF2-40B4-BE49-F238E27FC236}">
+                <a16:creationId xmlns:a16="http://schemas.microsoft.com/office/drawing/2014/main" id="{55FF88AC-C094-4C34-8085-CD35BAB94DEA}"/>
+              </a:ext>
+            </a:extLst>
+          </p:cNvPr>
+          <p:cNvSpPr txBox="1"/>
+          <p:nvPr/>
+        </p:nvSpPr>
+        <p:spPr>
+          <a:xfrm>
+            <a:off x="1528470" y="2586250"/>
+            <a:ext cx="745589" cy="338554"/>
+          </a:xfrm>
+          <a:prstGeom prst="rect">
+            <a:avLst/>
+          </a:prstGeom>
+          <a:noFill/>
+        </p:spPr>
+        <p:txBody>
+          <a:bodyPr wrap="none" rtlCol="0">
+            <a:spAutoFit/>
+          </a:bodyPr>
+          <a:lstStyle/>
+          <a:p>
+            <a:r>
+              <a:rPr lang="es-CO" sz="1600" dirty="0"/>
+              <a:t>Dinero</a:t>
+            </a:r>
+          </a:p>
+        </p:txBody>
+      </p:sp>
+      <p:sp>
+        <p:nvSpPr>
+          <p:cNvPr id="16" name="CuadroTexto 15">
+            <a:extLst>
+              <a:ext uri="{FF2B5EF4-FFF2-40B4-BE49-F238E27FC236}">
+                <a16:creationId xmlns:a16="http://schemas.microsoft.com/office/drawing/2014/main" id="{C9E7A9CD-C7AC-4C32-A408-8A0E49FB54BA}"/>
+              </a:ext>
+            </a:extLst>
+          </p:cNvPr>
+          <p:cNvSpPr txBox="1"/>
+          <p:nvPr/>
+        </p:nvSpPr>
+        <p:spPr>
+          <a:xfrm>
+            <a:off x="1528469" y="2930123"/>
+            <a:ext cx="948593" cy="338554"/>
+          </a:xfrm>
+          <a:prstGeom prst="rect">
+            <a:avLst/>
+          </a:prstGeom>
+          <a:noFill/>
+        </p:spPr>
+        <p:txBody>
+          <a:bodyPr wrap="none" rtlCol="0">
+            <a:spAutoFit/>
+          </a:bodyPr>
+          <a:lstStyle/>
+          <a:p>
+            <a:r>
+              <a:rPr lang="es-CO" sz="1600" dirty="0" err="1"/>
+              <a:t>Whishlist</a:t>
+            </a:r>
+            <a:endParaRPr lang="es-CO" sz="1600" dirty="0"/>
+          </a:p>
+        </p:txBody>
+      </p:sp>
+      <p:sp>
+        <p:nvSpPr>
+          <p:cNvPr id="18" name="Flecha: a la derecha 17">
+            <a:hlinkClick r:id="" action="ppaction://hlinkshowjump?jump=previousslide"/>
+            <a:extLst>
+              <a:ext uri="{FF2B5EF4-FFF2-40B4-BE49-F238E27FC236}">
+                <a16:creationId xmlns:a16="http://schemas.microsoft.com/office/drawing/2014/main" id="{7FBA28A7-DBB4-4F41-8F46-7AA4FD9B7533}"/>
+              </a:ext>
+            </a:extLst>
+          </p:cNvPr>
+          <p:cNvSpPr/>
+          <p:nvPr/>
+        </p:nvSpPr>
+        <p:spPr>
+          <a:xfrm rot="10800000">
+            <a:off x="383458" y="796413"/>
+            <a:ext cx="635033" cy="514376"/>
+          </a:xfrm>
+          <a:prstGeom prst="rightArrow">
+            <a:avLst/>
+          </a:prstGeom>
+        </p:spPr>
+        <p:style>
+          <a:lnRef idx="2">
+            <a:schemeClr val="accent1">
+              <a:shade val="50000"/>
+            </a:schemeClr>
+          </a:lnRef>
+          <a:fillRef idx="1">
+            <a:schemeClr val="accent1"/>
+          </a:fillRef>
+          <a:effectRef idx="0">
+            <a:schemeClr val="accent1"/>
+          </a:effectRef>
+          <a:fontRef idx="minor">
+            <a:schemeClr val="lt1"/>
+          </a:fontRef>
+        </p:style>
+        <p:txBody>
+          <a:bodyPr rtlCol="0" anchor="ctr"/>
+          <a:lstStyle/>
+          <a:p>
+            <a:pPr algn="ctr"/>
+            <a:endParaRPr lang="es-CO"/>
+          </a:p>
+        </p:txBody>
+      </p:sp>
+    </p:spTree>
+    <p:extLst>
+      <p:ext uri="{BB962C8B-B14F-4D97-AF65-F5344CB8AC3E}">
+        <p14:creationId xmlns:p14="http://schemas.microsoft.com/office/powerpoint/2010/main" val="2826486781"/>
+      </p:ext>
+    </p:extLst>
+  </p:cSld>
+  <p:clrMapOvr>
+    <a:masterClrMapping/>
+  </p:clrMapOvr>
+</p:sld>
+</file>
+
+<file path=ppt/slides/slide16.xml><?xml version="1.0" encoding="utf-8"?>
+<p:sld xmlns:a="http://schemas.openxmlformats.org/drawingml/2006/main" xmlns:r="http://schemas.openxmlformats.org/officeDocument/2006/relationships" xmlns:p="http://schemas.openxmlformats.org/presentationml/2006/main">
+  <p:cSld>
+    <p:spTree>
+      <p:nvGrpSpPr>
+        <p:cNvPr id="1" name=""/>
+        <p:cNvGrpSpPr/>
+        <p:nvPr/>
+      </p:nvGrpSpPr>
+      <p:grpSpPr>
+        <a:xfrm>
+          <a:off x="0" y="0"/>
+          <a:ext cx="0" cy="0"/>
+          <a:chOff x="0" y="0"/>
+          <a:chExt cx="0" cy="0"/>
+        </a:xfrm>
+      </p:grpSpPr>
+      <p:sp>
+        <p:nvSpPr>
+          <p:cNvPr id="2" name="Rectángulo 1">
+            <a:extLst>
+              <a:ext uri="{FF2B5EF4-FFF2-40B4-BE49-F238E27FC236}">
+                <a16:creationId xmlns:a16="http://schemas.microsoft.com/office/drawing/2014/main" id="{179E8C71-5EC1-4DC2-8A44-856A71263AC5}"/>
+              </a:ext>
+            </a:extLst>
+          </p:cNvPr>
+          <p:cNvSpPr/>
+          <p:nvPr/>
+        </p:nvSpPr>
+        <p:spPr>
+          <a:xfrm>
+            <a:off x="1435509" y="875071"/>
+            <a:ext cx="9458633" cy="5329084"/>
+          </a:xfrm>
+          <a:prstGeom prst="rect">
+            <a:avLst/>
+          </a:prstGeom>
+          <a:solidFill>
+            <a:schemeClr val="accent3">
+              <a:alpha val="50000"/>
+            </a:schemeClr>
+          </a:solidFill>
+          <a:ln>
+            <a:noFill/>
+          </a:ln>
+        </p:spPr>
+        <p:style>
+          <a:lnRef idx="0">
+            <a:scrgbClr r="0" g="0" b="0"/>
+          </a:lnRef>
+          <a:fillRef idx="0">
+            <a:scrgbClr r="0" g="0" b="0"/>
+          </a:fillRef>
+          <a:effectRef idx="0">
+            <a:scrgbClr r="0" g="0" b="0"/>
+          </a:effectRef>
+          <a:fontRef idx="minor">
+            <a:schemeClr val="lt1"/>
+          </a:fontRef>
+        </p:style>
+        <p:txBody>
+          <a:bodyPr rtlCol="0" anchor="ctr"/>
+          <a:lstStyle/>
+          <a:p>
+            <a:pPr algn="ctr"/>
+            <a:endParaRPr lang="es-CO" dirty="0"/>
+          </a:p>
+        </p:txBody>
+      </p:sp>
+      <p:pic>
+        <p:nvPicPr>
+          <p:cNvPr id="8" name="Imagen 7">
+            <a:extLst>
+              <a:ext uri="{FF2B5EF4-FFF2-40B4-BE49-F238E27FC236}">
+                <a16:creationId xmlns:a16="http://schemas.microsoft.com/office/drawing/2014/main" id="{4B800D44-B81D-478E-982C-3D667A115CEB}"/>
+              </a:ext>
+            </a:extLst>
+          </p:cNvPr>
+          <p:cNvPicPr>
+            <a:picLocks noChangeAspect="1"/>
+          </p:cNvPicPr>
+          <p:nvPr/>
+        </p:nvPicPr>
+        <p:blipFill>
+          <a:blip r:embed="rId2"/>
+          <a:stretch>
+            <a:fillRect/>
+          </a:stretch>
+        </p:blipFill>
+        <p:spPr>
+          <a:xfrm>
+            <a:off x="9211890" y="875071"/>
+            <a:ext cx="552478" cy="514376"/>
+          </a:xfrm>
+          <a:prstGeom prst="rect">
+            <a:avLst/>
+          </a:prstGeom>
+        </p:spPr>
+      </p:pic>
+      <p:pic>
+        <p:nvPicPr>
+          <p:cNvPr id="10" name="Imagen 9">
+            <a:extLst>
+              <a:ext uri="{FF2B5EF4-FFF2-40B4-BE49-F238E27FC236}">
+                <a16:creationId xmlns:a16="http://schemas.microsoft.com/office/drawing/2014/main" id="{08B3E7F1-4413-4C4A-AF19-4A3F9506D0F6}"/>
+              </a:ext>
+            </a:extLst>
+          </p:cNvPr>
+          <p:cNvPicPr>
+            <a:picLocks noChangeAspect="1"/>
+          </p:cNvPicPr>
+          <p:nvPr/>
+        </p:nvPicPr>
+        <p:blipFill>
+          <a:blip r:embed="rId3"/>
+          <a:stretch>
+            <a:fillRect/>
+          </a:stretch>
+        </p:blipFill>
+        <p:spPr>
+          <a:xfrm>
+            <a:off x="9764368" y="875071"/>
+            <a:ext cx="635033" cy="514376"/>
+          </a:xfrm>
+          <a:prstGeom prst="rect">
+            <a:avLst/>
+          </a:prstGeom>
+        </p:spPr>
+      </p:pic>
+      <p:sp>
+        <p:nvSpPr>
+          <p:cNvPr id="11" name="Botón de acción: obtener información 10">
+            <a:hlinkClick r:id="" action="ppaction://noaction" highlightClick="1"/>
+            <a:extLst>
+              <a:ext uri="{FF2B5EF4-FFF2-40B4-BE49-F238E27FC236}">
+                <a16:creationId xmlns:a16="http://schemas.microsoft.com/office/drawing/2014/main" id="{1702C256-8908-4CF4-A79A-E9955F758621}"/>
+              </a:ext>
+            </a:extLst>
+          </p:cNvPr>
+          <p:cNvSpPr/>
+          <p:nvPr/>
+        </p:nvSpPr>
+        <p:spPr>
+          <a:xfrm>
+            <a:off x="10399401" y="875071"/>
+            <a:ext cx="494742" cy="514376"/>
+          </a:xfrm>
+          <a:prstGeom prst="actionButtonInformation">
+            <a:avLst/>
+          </a:prstGeom>
+        </p:spPr>
+        <p:style>
+          <a:lnRef idx="2">
+            <a:schemeClr val="accent1">
+              <a:shade val="50000"/>
+            </a:schemeClr>
+          </a:lnRef>
+          <a:fillRef idx="1">
+            <a:schemeClr val="accent1"/>
+          </a:fillRef>
+          <a:effectRef idx="0">
+            <a:schemeClr val="accent1"/>
+          </a:effectRef>
+          <a:fontRef idx="minor">
+            <a:schemeClr val="lt1"/>
+          </a:fontRef>
+        </p:style>
+        <p:txBody>
+          <a:bodyPr rtlCol="0" anchor="ctr"/>
+          <a:lstStyle/>
+          <a:p>
+            <a:pPr algn="ctr"/>
+            <a:endParaRPr lang="es-CO"/>
+          </a:p>
+        </p:txBody>
+      </p:sp>
+      <p:pic>
+        <p:nvPicPr>
+          <p:cNvPr id="13" name="Imagen 12">
+            <a:extLst>
+              <a:ext uri="{FF2B5EF4-FFF2-40B4-BE49-F238E27FC236}">
+                <a16:creationId xmlns:a16="http://schemas.microsoft.com/office/drawing/2014/main" id="{5D5AF24E-002C-4E6E-9392-0230002CCEC8}"/>
+              </a:ext>
+            </a:extLst>
+          </p:cNvPr>
+          <p:cNvPicPr>
+            <a:picLocks noChangeAspect="1"/>
+          </p:cNvPicPr>
+          <p:nvPr/>
+        </p:nvPicPr>
+        <p:blipFill>
+          <a:blip r:embed="rId4"/>
+          <a:stretch>
+            <a:fillRect/>
+          </a:stretch>
+        </p:blipFill>
+        <p:spPr>
+          <a:xfrm>
+            <a:off x="2635045" y="875071"/>
+            <a:ext cx="6576845" cy="514376"/>
+          </a:xfrm>
+          <a:prstGeom prst="rect">
+            <a:avLst/>
+          </a:prstGeom>
+        </p:spPr>
+      </p:pic>
+      <p:pic>
+        <p:nvPicPr>
+          <p:cNvPr id="15" name="Imagen 14">
+            <a:extLst>
+              <a:ext uri="{FF2B5EF4-FFF2-40B4-BE49-F238E27FC236}">
+                <a16:creationId xmlns:a16="http://schemas.microsoft.com/office/drawing/2014/main" id="{13139302-3BA0-4FB1-948F-E188DB971667}"/>
+              </a:ext>
+            </a:extLst>
+          </p:cNvPr>
+          <p:cNvPicPr>
+            <a:picLocks noChangeAspect="1"/>
+          </p:cNvPicPr>
+          <p:nvPr/>
+        </p:nvPicPr>
+        <p:blipFill>
+          <a:blip r:embed="rId5"/>
+          <a:stretch>
+            <a:fillRect/>
+          </a:stretch>
+        </p:blipFill>
+        <p:spPr>
+          <a:xfrm>
+            <a:off x="1435510" y="875071"/>
+            <a:ext cx="1203801" cy="514376"/>
+          </a:xfrm>
+          <a:prstGeom prst="rect">
+            <a:avLst/>
+          </a:prstGeom>
+        </p:spPr>
+      </p:pic>
+      <p:sp>
+        <p:nvSpPr>
+          <p:cNvPr id="3" name="Rectángulo 2">
+            <a:extLst>
+              <a:ext uri="{FF2B5EF4-FFF2-40B4-BE49-F238E27FC236}">
+                <a16:creationId xmlns:a16="http://schemas.microsoft.com/office/drawing/2014/main" id="{0420946C-61BE-448D-B78D-A29C2B945180}"/>
+              </a:ext>
+            </a:extLst>
+          </p:cNvPr>
+          <p:cNvSpPr/>
+          <p:nvPr/>
+        </p:nvSpPr>
+        <p:spPr>
+          <a:xfrm>
+            <a:off x="1435509" y="1389447"/>
+            <a:ext cx="1199535" cy="4814708"/>
+          </a:xfrm>
+          <a:prstGeom prst="rect">
+            <a:avLst/>
+          </a:prstGeom>
+        </p:spPr>
+        <p:style>
+          <a:lnRef idx="2">
+            <a:schemeClr val="accent3"/>
+          </a:lnRef>
+          <a:fillRef idx="1">
+            <a:schemeClr val="lt1"/>
+          </a:fillRef>
+          <a:effectRef idx="0">
+            <a:schemeClr val="accent3"/>
+          </a:effectRef>
+          <a:fontRef idx="minor">
+            <a:schemeClr val="dk1"/>
+          </a:fontRef>
+        </p:style>
+        <p:txBody>
+          <a:bodyPr rtlCol="0" anchor="ctr"/>
+          <a:lstStyle/>
+          <a:p>
+            <a:pPr algn="ctr"/>
+            <a:endParaRPr lang="es-CO" dirty="0"/>
+          </a:p>
+        </p:txBody>
+      </p:sp>
+      <p:sp>
+        <p:nvSpPr>
+          <p:cNvPr id="4" name="CuadroTexto 3">
+            <a:extLst>
+              <a:ext uri="{FF2B5EF4-FFF2-40B4-BE49-F238E27FC236}">
+                <a16:creationId xmlns:a16="http://schemas.microsoft.com/office/drawing/2014/main" id="{822E91CA-8244-472A-8273-6A90593C6646}"/>
+              </a:ext>
+            </a:extLst>
+          </p:cNvPr>
+          <p:cNvSpPr txBox="1"/>
+          <p:nvPr/>
+        </p:nvSpPr>
+        <p:spPr>
+          <a:xfrm>
+            <a:off x="1528470" y="1534491"/>
+            <a:ext cx="1092350" cy="338554"/>
+          </a:xfrm>
+          <a:prstGeom prst="rect">
+            <a:avLst/>
+          </a:prstGeom>
+          <a:noFill/>
+        </p:spPr>
+        <p:txBody>
+          <a:bodyPr wrap="none" rtlCol="0">
+            <a:spAutoFit/>
+          </a:bodyPr>
+          <a:lstStyle/>
+          <a:p>
+            <a:r>
+              <a:rPr lang="es-CO" sz="1600" dirty="0"/>
+              <a:t>DashBoard</a:t>
+            </a:r>
+          </a:p>
+        </p:txBody>
+      </p:sp>
+      <p:sp>
+        <p:nvSpPr>
+          <p:cNvPr id="12" name="CuadroTexto 11">
+            <a:extLst>
+              <a:ext uri="{FF2B5EF4-FFF2-40B4-BE49-F238E27FC236}">
+                <a16:creationId xmlns:a16="http://schemas.microsoft.com/office/drawing/2014/main" id="{7F61836D-B6C9-4B0A-8B5D-08EA39F5448B}"/>
+              </a:ext>
+            </a:extLst>
+          </p:cNvPr>
+          <p:cNvSpPr txBox="1"/>
+          <p:nvPr/>
+        </p:nvSpPr>
+        <p:spPr>
+          <a:xfrm>
+            <a:off x="1528470" y="1903823"/>
+            <a:ext cx="715773" cy="338554"/>
+          </a:xfrm>
+          <a:prstGeom prst="rect">
+            <a:avLst/>
+          </a:prstGeom>
+          <a:noFill/>
+        </p:spPr>
+        <p:txBody>
+          <a:bodyPr wrap="none" rtlCol="0">
+            <a:spAutoFit/>
+          </a:bodyPr>
+          <a:lstStyle/>
+          <a:p>
+            <a:r>
+              <a:rPr lang="es-CO" sz="1600" dirty="0"/>
+              <a:t>Tareas</a:t>
+            </a:r>
+          </a:p>
+        </p:txBody>
+      </p:sp>
+      <p:sp>
+        <p:nvSpPr>
+          <p:cNvPr id="5" name="Flecha: a la derecha 4">
+            <a:hlinkClick r:id="" action="ppaction://hlinkshowjump?jump=previousslide"/>
+            <a:extLst>
+              <a:ext uri="{FF2B5EF4-FFF2-40B4-BE49-F238E27FC236}">
+                <a16:creationId xmlns:a16="http://schemas.microsoft.com/office/drawing/2014/main" id="{D134C4D8-5EE8-4811-99B2-4723531D4E79}"/>
+              </a:ext>
+            </a:extLst>
+          </p:cNvPr>
+          <p:cNvSpPr/>
+          <p:nvPr/>
+        </p:nvSpPr>
+        <p:spPr>
+          <a:xfrm rot="10800000">
+            <a:off x="383458" y="796413"/>
+            <a:ext cx="635033" cy="514376"/>
+          </a:xfrm>
+          <a:prstGeom prst="rightArrow">
+            <a:avLst/>
+          </a:prstGeom>
+        </p:spPr>
+        <p:style>
+          <a:lnRef idx="2">
+            <a:schemeClr val="accent1">
+              <a:shade val="50000"/>
+            </a:schemeClr>
+          </a:lnRef>
+          <a:fillRef idx="1">
+            <a:schemeClr val="accent1"/>
+          </a:fillRef>
+          <a:effectRef idx="0">
+            <a:schemeClr val="accent1"/>
+          </a:effectRef>
+          <a:fontRef idx="minor">
+            <a:schemeClr val="lt1"/>
+          </a:fontRef>
+        </p:style>
+        <p:txBody>
+          <a:bodyPr rtlCol="0" anchor="ctr"/>
+          <a:lstStyle/>
+          <a:p>
+            <a:pPr algn="ctr"/>
+            <a:endParaRPr lang="es-CO"/>
+          </a:p>
+        </p:txBody>
+      </p:sp>
+    </p:spTree>
+    <p:extLst>
+      <p:ext uri="{BB962C8B-B14F-4D97-AF65-F5344CB8AC3E}">
         <p14:creationId xmlns:p14="http://schemas.microsoft.com/office/powerpoint/2010/main" val="2609349834"/>
       </p:ext>
     </p:extLst>
@@ -7474,7 +8814,7 @@
 </p:sld>
 </file>
 
-<file path=ppt/slides/slide15.xml><?xml version="1.0" encoding="utf-8"?>
+<file path=ppt/slides/slide17.xml><?xml version="1.0" encoding="utf-8"?>
 <p:sld xmlns:a="http://schemas.openxmlformats.org/drawingml/2006/main" xmlns:r="http://schemas.openxmlformats.org/officeDocument/2006/relationships" xmlns:p="http://schemas.openxmlformats.org/presentationml/2006/main">
   <p:cSld>
     <p:spTree>
@@ -9679,7 +11019,7 @@
             <a:pPr algn="ctr"/>
             <a:r>
               <a:rPr lang="es-MX" dirty="0"/>
-              <a:t>HORARIO</a:t>
+              <a:t>HORARIO o conocimientos en materias actuales</a:t>
             </a:r>
             <a:endParaRPr lang="es-CO" dirty="0"/>
           </a:p>
@@ -9806,10 +11146,10 @@
       </p:grpSpPr>
       <p:pic>
         <p:nvPicPr>
-          <p:cNvPr id="2" name="Imagen 1">
-            <a:extLst>
-              <a:ext uri="{FF2B5EF4-FFF2-40B4-BE49-F238E27FC236}">
-                <a16:creationId xmlns:a16="http://schemas.microsoft.com/office/drawing/2014/main" id="{19DA98B4-23B7-4C82-8FA2-4DA36A12D5DD}"/>
+          <p:cNvPr id="4" name="Imagen 3">
+            <a:extLst>
+              <a:ext uri="{FF2B5EF4-FFF2-40B4-BE49-F238E27FC236}">
+                <a16:creationId xmlns:a16="http://schemas.microsoft.com/office/drawing/2014/main" id="{066B5034-3B0F-4AB6-A6CC-507B52B504ED}"/>
               </a:ext>
             </a:extLst>
           </p:cNvPr>
@@ -9825,7 +11165,7 @@
         </p:blipFill>
         <p:spPr>
           <a:xfrm>
-            <a:off x="-10511" y="191159"/>
+            <a:off x="-199699" y="191159"/>
             <a:ext cx="12044641" cy="6666841"/>
           </a:xfrm>
           <a:prstGeom prst="rect">
@@ -9833,12 +11173,98 @@
           </a:prstGeom>
         </p:spPr>
       </p:pic>
+      <p:sp>
+        <p:nvSpPr>
+          <p:cNvPr id="30" name="CuadroTexto 29">
+            <a:extLst>
+              <a:ext uri="{FF2B5EF4-FFF2-40B4-BE49-F238E27FC236}">
+                <a16:creationId xmlns:a16="http://schemas.microsoft.com/office/drawing/2014/main" id="{B2905824-F736-4696-A422-91A072680859}"/>
+              </a:ext>
+            </a:extLst>
+          </p:cNvPr>
+          <p:cNvSpPr txBox="1"/>
+          <p:nvPr/>
+        </p:nvSpPr>
+        <p:spPr>
+          <a:xfrm>
+            <a:off x="2260377" y="1515906"/>
+            <a:ext cx="4824247" cy="369332"/>
+          </a:xfrm>
+          <a:prstGeom prst="rect">
+            <a:avLst/>
+          </a:prstGeom>
+          <a:noFill/>
+        </p:spPr>
+        <p:txBody>
+          <a:bodyPr wrap="square" rtlCol="0">
+            <a:spAutoFit/>
+          </a:bodyPr>
+          <a:lstStyle/>
+          <a:p>
+            <a:r>
+              <a:rPr lang="es-MX" dirty="0"/>
+              <a:t>v Materia A</a:t>
+            </a:r>
+            <a:endParaRPr lang="es-CO" dirty="0"/>
+          </a:p>
+        </p:txBody>
+      </p:sp>
+      <p:sp>
+        <p:nvSpPr>
+          <p:cNvPr id="34" name="CuadroTexto 33">
+            <a:extLst>
+              <a:ext uri="{FF2B5EF4-FFF2-40B4-BE49-F238E27FC236}">
+                <a16:creationId xmlns:a16="http://schemas.microsoft.com/office/drawing/2014/main" id="{1401C86A-F16F-4AE9-994B-4204AD54C62E}"/>
+              </a:ext>
+            </a:extLst>
+          </p:cNvPr>
+          <p:cNvSpPr txBox="1"/>
+          <p:nvPr/>
+        </p:nvSpPr>
+        <p:spPr>
+          <a:xfrm>
+            <a:off x="2501354" y="1898432"/>
+            <a:ext cx="2680246" cy="1200329"/>
+          </a:xfrm>
+          <a:prstGeom prst="rect">
+            <a:avLst/>
+          </a:prstGeom>
+          <a:noFill/>
+        </p:spPr>
+        <p:txBody>
+          <a:bodyPr wrap="square" rtlCol="0">
+            <a:spAutoFit/>
+          </a:bodyPr>
+          <a:lstStyle/>
+          <a:p>
+            <a:r>
+              <a:rPr lang="es-MX" dirty="0"/>
+              <a:t> &gt; Tema A</a:t>
+            </a:r>
+          </a:p>
+          <a:p>
+            <a:r>
+              <a:rPr lang="es-MX" dirty="0"/>
+              <a:t> v Tema B </a:t>
+            </a:r>
+          </a:p>
+          <a:p>
+            <a:endParaRPr lang="es-MX" dirty="0"/>
+          </a:p>
+          <a:p>
+            <a:r>
+              <a:rPr lang="es-MX" dirty="0"/>
+              <a:t>	</a:t>
+            </a:r>
+          </a:p>
+        </p:txBody>
+      </p:sp>
       <p:pic>
         <p:nvPicPr>
-          <p:cNvPr id="4" name="Imagen 3">
-            <a:extLst>
-              <a:ext uri="{FF2B5EF4-FFF2-40B4-BE49-F238E27FC236}">
-                <a16:creationId xmlns:a16="http://schemas.microsoft.com/office/drawing/2014/main" id="{7E580C8A-4097-4C4C-9C20-135B5BC5B52D}"/>
+          <p:cNvPr id="17" name="Imagen 16">
+            <a:extLst>
+              <a:ext uri="{FF2B5EF4-FFF2-40B4-BE49-F238E27FC236}">
+                <a16:creationId xmlns:a16="http://schemas.microsoft.com/office/drawing/2014/main" id="{E0015642-A513-4047-883C-D35D76AC2563}"/>
               </a:ext>
             </a:extLst>
           </p:cNvPr>
@@ -9855,8 +11281,8 @@
         </p:blipFill>
         <p:spPr>
           <a:xfrm>
-            <a:off x="1699521" y="1580747"/>
-            <a:ext cx="8191921" cy="1244664"/>
+            <a:off x="4292380" y="1972595"/>
+            <a:ext cx="267223" cy="236151"/>
           </a:xfrm>
           <a:prstGeom prst="rect">
             <a:avLst/>
@@ -9865,10 +11291,10 @@
       </p:pic>
       <p:pic>
         <p:nvPicPr>
-          <p:cNvPr id="6" name="Imagen 5">
-            <a:extLst>
-              <a:ext uri="{FF2B5EF4-FFF2-40B4-BE49-F238E27FC236}">
-                <a16:creationId xmlns:a16="http://schemas.microsoft.com/office/drawing/2014/main" id="{CA503976-FE6B-43CA-8DB3-D61ABCE27380}"/>
+          <p:cNvPr id="23" name="Imagen 22">
+            <a:extLst>
+              <a:ext uri="{FF2B5EF4-FFF2-40B4-BE49-F238E27FC236}">
+                <a16:creationId xmlns:a16="http://schemas.microsoft.com/office/drawing/2014/main" id="{FE9DA904-31A0-4BBA-A467-DBEABE644914}"/>
               </a:ext>
             </a:extLst>
           </p:cNvPr>
@@ -9885,18 +11311,342 @@
         </p:blipFill>
         <p:spPr>
           <a:xfrm>
-            <a:off x="3245751" y="191158"/>
-            <a:ext cx="5099463" cy="666135"/>
+            <a:off x="4057117" y="1969420"/>
+            <a:ext cx="235263" cy="242502"/>
           </a:xfrm>
           <a:prstGeom prst="rect">
             <a:avLst/>
           </a:prstGeom>
         </p:spPr>
       </p:pic>
+      <p:pic>
+        <p:nvPicPr>
+          <p:cNvPr id="46" name="Imagen 45">
+            <a:extLst>
+              <a:ext uri="{FF2B5EF4-FFF2-40B4-BE49-F238E27FC236}">
+                <a16:creationId xmlns:a16="http://schemas.microsoft.com/office/drawing/2014/main" id="{C3303CA2-6F1A-4C24-9C3C-64482975F997}"/>
+              </a:ext>
+            </a:extLst>
+          </p:cNvPr>
+          <p:cNvPicPr>
+            <a:picLocks noChangeAspect="1"/>
+          </p:cNvPicPr>
+          <p:nvPr/>
+        </p:nvPicPr>
+        <p:blipFill>
+          <a:blip r:embed="rId5"/>
+          <a:stretch>
+            <a:fillRect/>
+          </a:stretch>
+        </p:blipFill>
+        <p:spPr>
+          <a:xfrm>
+            <a:off x="4292380" y="2236589"/>
+            <a:ext cx="267223" cy="236151"/>
+          </a:xfrm>
+          <a:prstGeom prst="rect">
+            <a:avLst/>
+          </a:prstGeom>
+        </p:spPr>
+      </p:pic>
+      <p:pic>
+        <p:nvPicPr>
+          <p:cNvPr id="48" name="Imagen 47">
+            <a:extLst>
+              <a:ext uri="{FF2B5EF4-FFF2-40B4-BE49-F238E27FC236}">
+                <a16:creationId xmlns:a16="http://schemas.microsoft.com/office/drawing/2014/main" id="{D8F50265-E92D-4CAC-B6EC-9721D500D776}"/>
+              </a:ext>
+            </a:extLst>
+          </p:cNvPr>
+          <p:cNvPicPr>
+            <a:picLocks noChangeAspect="1"/>
+          </p:cNvPicPr>
+          <p:nvPr/>
+        </p:nvPicPr>
+        <p:blipFill>
+          <a:blip r:embed="rId6"/>
+          <a:stretch>
+            <a:fillRect/>
+          </a:stretch>
+        </p:blipFill>
+        <p:spPr>
+          <a:xfrm>
+            <a:off x="4057117" y="2243320"/>
+            <a:ext cx="235263" cy="242502"/>
+          </a:xfrm>
+          <a:prstGeom prst="rect">
+            <a:avLst/>
+          </a:prstGeom>
+        </p:spPr>
+      </p:pic>
+      <p:sp>
+        <p:nvSpPr>
+          <p:cNvPr id="24" name="Elipse 23">
+            <a:extLst>
+              <a:ext uri="{FF2B5EF4-FFF2-40B4-BE49-F238E27FC236}">
+                <a16:creationId xmlns:a16="http://schemas.microsoft.com/office/drawing/2014/main" id="{F58F5847-7162-4D0C-A6CB-B602BEA5AFCC}"/>
+              </a:ext>
+            </a:extLst>
+          </p:cNvPr>
+          <p:cNvSpPr/>
+          <p:nvPr/>
+        </p:nvSpPr>
+        <p:spPr>
+          <a:xfrm>
+            <a:off x="3720662" y="1546490"/>
+            <a:ext cx="336455" cy="320543"/>
+          </a:xfrm>
+          <a:prstGeom prst="ellipse">
+            <a:avLst/>
+          </a:prstGeom>
+        </p:spPr>
+        <p:style>
+          <a:lnRef idx="2">
+            <a:schemeClr val="accent1">
+              <a:shade val="50000"/>
+            </a:schemeClr>
+          </a:lnRef>
+          <a:fillRef idx="1">
+            <a:schemeClr val="accent1"/>
+          </a:fillRef>
+          <a:effectRef idx="0">
+            <a:schemeClr val="accent1"/>
+          </a:effectRef>
+          <a:fontRef idx="minor">
+            <a:schemeClr val="lt1"/>
+          </a:fontRef>
+        </p:style>
+        <p:txBody>
+          <a:bodyPr rtlCol="0" anchor="ctr"/>
+          <a:lstStyle/>
+          <a:p>
+            <a:pPr algn="ctr"/>
+            <a:r>
+              <a:rPr lang="es-MX" dirty="0"/>
+              <a:t>+</a:t>
+            </a:r>
+            <a:endParaRPr lang="es-CO" dirty="0"/>
+          </a:p>
+        </p:txBody>
+      </p:sp>
+      <p:pic>
+        <p:nvPicPr>
+          <p:cNvPr id="29" name="Imagen 28">
+            <a:extLst>
+              <a:ext uri="{FF2B5EF4-FFF2-40B4-BE49-F238E27FC236}">
+                <a16:creationId xmlns:a16="http://schemas.microsoft.com/office/drawing/2014/main" id="{05E18E45-FEDE-438E-A126-E4ACC3DAEB2F}"/>
+              </a:ext>
+            </a:extLst>
+          </p:cNvPr>
+          <p:cNvPicPr>
+            <a:picLocks noChangeAspect="1"/>
+          </p:cNvPicPr>
+          <p:nvPr/>
+        </p:nvPicPr>
+        <p:blipFill>
+          <a:blip r:embed="rId5"/>
+          <a:stretch>
+            <a:fillRect/>
+          </a:stretch>
+        </p:blipFill>
+        <p:spPr>
+          <a:xfrm>
+            <a:off x="4126246" y="1611162"/>
+            <a:ext cx="267223" cy="236151"/>
+          </a:xfrm>
+          <a:prstGeom prst="rect">
+            <a:avLst/>
+          </a:prstGeom>
+        </p:spPr>
+      </p:pic>
+      <p:cxnSp>
+        <p:nvCxnSpPr>
+          <p:cNvPr id="6" name="Conector recto 5">
+            <a:extLst>
+              <a:ext uri="{FF2B5EF4-FFF2-40B4-BE49-F238E27FC236}">
+                <a16:creationId xmlns:a16="http://schemas.microsoft.com/office/drawing/2014/main" id="{7C28D33B-916E-4FF7-8937-DB90399F37A0}"/>
+              </a:ext>
+            </a:extLst>
+          </p:cNvPr>
+          <p:cNvCxnSpPr/>
+          <p:nvPr/>
+        </p:nvCxnSpPr>
+        <p:spPr>
+          <a:xfrm>
+            <a:off x="5612524" y="3268808"/>
+            <a:ext cx="0" cy="3237841"/>
+          </a:xfrm>
+          <a:prstGeom prst="line">
+            <a:avLst/>
+          </a:prstGeom>
+        </p:spPr>
+        <p:style>
+          <a:lnRef idx="1">
+            <a:schemeClr val="accent1"/>
+          </a:lnRef>
+          <a:fillRef idx="0">
+            <a:schemeClr val="accent1"/>
+          </a:fillRef>
+          <a:effectRef idx="0">
+            <a:schemeClr val="accent1"/>
+          </a:effectRef>
+          <a:fontRef idx="minor">
+            <a:schemeClr val="tx1"/>
+          </a:fontRef>
+        </p:style>
+      </p:cxnSp>
+      <p:sp>
+        <p:nvSpPr>
+          <p:cNvPr id="9" name="Rectángulo 8">
+            <a:extLst>
+              <a:ext uri="{FF2B5EF4-FFF2-40B4-BE49-F238E27FC236}">
+                <a16:creationId xmlns:a16="http://schemas.microsoft.com/office/drawing/2014/main" id="{514ADB7D-0BDC-41B5-BDA6-E4427590CEEB}"/>
+              </a:ext>
+            </a:extLst>
+          </p:cNvPr>
+          <p:cNvSpPr/>
+          <p:nvPr/>
+        </p:nvSpPr>
+        <p:spPr>
+          <a:xfrm>
+            <a:off x="6001406" y="3247697"/>
+            <a:ext cx="3499946" cy="3419144"/>
+          </a:xfrm>
+          <a:prstGeom prst="rect">
+            <a:avLst/>
+          </a:prstGeom>
+        </p:spPr>
+        <p:style>
+          <a:lnRef idx="2">
+            <a:schemeClr val="accent1">
+              <a:shade val="50000"/>
+            </a:schemeClr>
+          </a:lnRef>
+          <a:fillRef idx="1">
+            <a:schemeClr val="accent1"/>
+          </a:fillRef>
+          <a:effectRef idx="0">
+            <a:schemeClr val="accent1"/>
+          </a:effectRef>
+          <a:fontRef idx="minor">
+            <a:schemeClr val="lt1"/>
+          </a:fontRef>
+        </p:style>
+        <p:txBody>
+          <a:bodyPr rtlCol="0" anchor="ctr"/>
+          <a:lstStyle/>
+          <a:p>
+            <a:pPr algn="ctr"/>
+            <a:r>
+              <a:rPr lang="es-MX" dirty="0"/>
+              <a:t>PDF con</a:t>
+            </a:r>
+            <a:endParaRPr lang="es-CO" dirty="0"/>
+          </a:p>
+        </p:txBody>
+      </p:sp>
+      <p:sp>
+        <p:nvSpPr>
+          <p:cNvPr id="10" name="CuadroTexto 9">
+            <a:extLst>
+              <a:ext uri="{FF2B5EF4-FFF2-40B4-BE49-F238E27FC236}">
+                <a16:creationId xmlns:a16="http://schemas.microsoft.com/office/drawing/2014/main" id="{420C4C58-0363-471F-8A68-56763ABC3E3E}"/>
+              </a:ext>
+            </a:extLst>
+          </p:cNvPr>
+          <p:cNvSpPr txBox="1"/>
+          <p:nvPr/>
+        </p:nvSpPr>
+        <p:spPr>
+          <a:xfrm>
+            <a:off x="3520966" y="3510455"/>
+            <a:ext cx="1776243" cy="2308324"/>
+          </a:xfrm>
+          <a:prstGeom prst="rect">
+            <a:avLst/>
+          </a:prstGeom>
+          <a:noFill/>
+        </p:spPr>
+        <p:txBody>
+          <a:bodyPr wrap="square" rtlCol="0">
+            <a:spAutoFit/>
+          </a:bodyPr>
+          <a:lstStyle/>
+          <a:p>
+            <a:r>
+              <a:rPr lang="es-MX" dirty="0"/>
+              <a:t>Pregunta A</a:t>
+            </a:r>
+          </a:p>
+          <a:p>
+            <a:endParaRPr lang="es-MX" dirty="0"/>
+          </a:p>
+          <a:p>
+            <a:endParaRPr lang="es-MX" dirty="0"/>
+          </a:p>
+          <a:p>
+            <a:r>
+              <a:rPr lang="es-MX" dirty="0"/>
+              <a:t>Pregunta B</a:t>
+            </a:r>
+          </a:p>
+          <a:p>
+            <a:endParaRPr lang="es-MX" dirty="0"/>
+          </a:p>
+          <a:p>
+            <a:endParaRPr lang="es-MX" dirty="0"/>
+          </a:p>
+          <a:p>
+            <a:endParaRPr lang="es-MX" dirty="0"/>
+          </a:p>
+          <a:p>
+            <a:r>
+              <a:rPr lang="es-MX" dirty="0"/>
+              <a:t>Pregunta C</a:t>
+            </a:r>
+            <a:endParaRPr lang="es-CO" dirty="0"/>
+          </a:p>
+        </p:txBody>
+      </p:sp>
+      <p:sp>
+        <p:nvSpPr>
+          <p:cNvPr id="12" name="CuadroTexto 11">
+            <a:extLst>
+              <a:ext uri="{FF2B5EF4-FFF2-40B4-BE49-F238E27FC236}">
+                <a16:creationId xmlns:a16="http://schemas.microsoft.com/office/drawing/2014/main" id="{F559BB90-7BD7-4719-81F2-F36E2C4C95A5}"/>
+              </a:ext>
+            </a:extLst>
+          </p:cNvPr>
+          <p:cNvSpPr txBox="1"/>
+          <p:nvPr/>
+        </p:nvSpPr>
+        <p:spPr>
+          <a:xfrm>
+            <a:off x="3226676" y="2485822"/>
+            <a:ext cx="4014952" cy="369332"/>
+          </a:xfrm>
+          <a:prstGeom prst="rect">
+            <a:avLst/>
+          </a:prstGeom>
+          <a:noFill/>
+        </p:spPr>
+        <p:txBody>
+          <a:bodyPr wrap="square" rtlCol="0">
+            <a:spAutoFit/>
+          </a:bodyPr>
+          <a:lstStyle/>
+          <a:p>
+            <a:r>
+              <a:rPr lang="es-MX" dirty="0"/>
+              <a:t>Las papayas son una fruta [[saludable]]</a:t>
+            </a:r>
+          </a:p>
+        </p:txBody>
+      </p:sp>
     </p:spTree>
     <p:extLst>
       <p:ext uri="{BB962C8B-B14F-4D97-AF65-F5344CB8AC3E}">
-        <p14:creationId xmlns:p14="http://schemas.microsoft.com/office/powerpoint/2010/main" val="3331297163"/>
+        <p14:creationId xmlns:p14="http://schemas.microsoft.com/office/powerpoint/2010/main" val="3328039766"/>
       </p:ext>
     </p:extLst>
   </p:cSld>
@@ -9928,849 +11678,116 @@
           <a:chExt cx="0" cy="0"/>
         </a:xfrm>
       </p:grpSpPr>
-      <p:pic>
-        <p:nvPicPr>
-          <p:cNvPr id="2" name="Imagen 1">
-            <a:extLst>
-              <a:ext uri="{FF2B5EF4-FFF2-40B4-BE49-F238E27FC236}">
-                <a16:creationId xmlns:a16="http://schemas.microsoft.com/office/drawing/2014/main" id="{19DA98B4-23B7-4C82-8FA2-4DA36A12D5DD}"/>
-              </a:ext>
-            </a:extLst>
-          </p:cNvPr>
-          <p:cNvPicPr>
-            <a:picLocks noChangeAspect="1"/>
-          </p:cNvPicPr>
-          <p:nvPr/>
-        </p:nvPicPr>
-        <p:blipFill rotWithShape="1">
-          <a:blip r:embed="rId4"/>
-          <a:srcRect l="10586" r="-1"/>
-          <a:stretch/>
-        </p:blipFill>
-        <p:spPr>
-          <a:xfrm>
-            <a:off x="0" y="191158"/>
-            <a:ext cx="12044641" cy="6666841"/>
-          </a:xfrm>
-          <a:prstGeom prst="rect">
-            <a:avLst/>
-          </a:prstGeom>
-        </p:spPr>
-      </p:pic>
-      <p:sp>
-        <p:nvSpPr>
-          <p:cNvPr id="21" name="Rectángulo 20">
-            <a:extLst>
-              <a:ext uri="{FF2B5EF4-FFF2-40B4-BE49-F238E27FC236}">
-                <a16:creationId xmlns:a16="http://schemas.microsoft.com/office/drawing/2014/main" id="{8392CBD6-C1C2-4EA5-8589-76270868A9C0}"/>
-              </a:ext>
-            </a:extLst>
-          </p:cNvPr>
-          <p:cNvSpPr/>
-          <p:nvPr/>
-        </p:nvSpPr>
-        <p:spPr>
-          <a:xfrm>
-            <a:off x="2686088" y="4776552"/>
-            <a:ext cx="7756634" cy="1455058"/>
-          </a:xfrm>
-          <a:prstGeom prst="rect">
-            <a:avLst/>
-          </a:prstGeom>
-        </p:spPr>
-        <p:style>
-          <a:lnRef idx="2">
-            <a:schemeClr val="accent6"/>
-          </a:lnRef>
-          <a:fillRef idx="1">
-            <a:schemeClr val="lt1"/>
-          </a:fillRef>
-          <a:effectRef idx="0">
-            <a:schemeClr val="accent6"/>
-          </a:effectRef>
-          <a:fontRef idx="minor">
-            <a:schemeClr val="dk1"/>
-          </a:fontRef>
-        </p:style>
-        <p:txBody>
-          <a:bodyPr rtlCol="0" anchor="ctr"/>
-          <a:lstStyle/>
-          <a:p>
-            <a:pPr algn="ctr"/>
-            <a:endParaRPr lang="es-CO">
-              <a:ln w="0"/>
-              <a:solidFill>
-                <a:schemeClr val="tx1"/>
-              </a:solidFill>
-              <a:effectLst>
-                <a:outerShdw blurRad="38100" dist="19050" dir="2700000" algn="tl" rotWithShape="0">
-                  <a:schemeClr val="dk1">
-                    <a:alpha val="40000"/>
-                  </a:schemeClr>
-                </a:outerShdw>
-              </a:effectLst>
-            </a:endParaRPr>
-          </a:p>
-        </p:txBody>
-      </p:sp>
-      <p:pic>
-        <p:nvPicPr>
-          <p:cNvPr id="6" name="Imagen 5">
-            <a:extLst>
-              <a:ext uri="{FF2B5EF4-FFF2-40B4-BE49-F238E27FC236}">
-                <a16:creationId xmlns:a16="http://schemas.microsoft.com/office/drawing/2014/main" id="{CA503976-FE6B-43CA-8DB3-D61ABCE27380}"/>
-              </a:ext>
-            </a:extLst>
-          </p:cNvPr>
-          <p:cNvPicPr>
-            <a:picLocks noChangeAspect="1"/>
-          </p:cNvPicPr>
-          <p:nvPr/>
-        </p:nvPicPr>
-        <p:blipFill>
-          <a:blip r:embed="rId5"/>
-          <a:stretch>
-            <a:fillRect/>
-          </a:stretch>
-        </p:blipFill>
-        <p:spPr>
-          <a:xfrm>
-            <a:off x="3245751" y="191158"/>
-            <a:ext cx="5099463" cy="666135"/>
-          </a:xfrm>
-          <a:prstGeom prst="rect">
-            <a:avLst/>
-          </a:prstGeom>
-        </p:spPr>
-      </p:pic>
-      <p:pic>
-        <p:nvPicPr>
-          <p:cNvPr id="5" name="Imagen 4">
-            <a:extLst>
-              <a:ext uri="{FF2B5EF4-FFF2-40B4-BE49-F238E27FC236}">
-                <a16:creationId xmlns:a16="http://schemas.microsoft.com/office/drawing/2014/main" id="{F56E26AA-AC24-4269-8A0B-F2A0BD655106}"/>
-              </a:ext>
-            </a:extLst>
-          </p:cNvPr>
-          <p:cNvPicPr>
-            <a:picLocks noChangeAspect="1"/>
-          </p:cNvPicPr>
-          <p:nvPr/>
-        </p:nvPicPr>
-        <p:blipFill>
-          <a:blip r:embed="rId6"/>
-          <a:stretch>
-            <a:fillRect/>
-          </a:stretch>
-        </p:blipFill>
-        <p:spPr>
-          <a:xfrm>
-            <a:off x="1971463" y="1067469"/>
-            <a:ext cx="8249074" cy="2235315"/>
-          </a:xfrm>
-          <a:prstGeom prst="rect">
-            <a:avLst/>
-          </a:prstGeom>
-        </p:spPr>
-      </p:pic>
-      <p:sp>
-        <p:nvSpPr>
-          <p:cNvPr id="7" name="Rectángulo: esquinas redondeadas 6">
-            <a:extLst>
-              <a:ext uri="{FF2B5EF4-FFF2-40B4-BE49-F238E27FC236}">
-                <a16:creationId xmlns:a16="http://schemas.microsoft.com/office/drawing/2014/main" id="{7EAD9C43-7891-4158-90DE-C6ACEB1E8F0C}"/>
-              </a:ext>
-            </a:extLst>
-          </p:cNvPr>
-          <p:cNvSpPr/>
-          <p:nvPr/>
-        </p:nvSpPr>
-        <p:spPr>
-          <a:xfrm>
-            <a:off x="8280733" y="4278149"/>
-            <a:ext cx="938158" cy="413844"/>
-          </a:xfrm>
-          <a:prstGeom prst="roundRect">
-            <a:avLst/>
-          </a:prstGeom>
-        </p:spPr>
-        <p:style>
-          <a:lnRef idx="2">
-            <a:schemeClr val="accent1">
-              <a:shade val="50000"/>
-            </a:schemeClr>
-          </a:lnRef>
-          <a:fillRef idx="1">
-            <a:schemeClr val="accent1"/>
-          </a:fillRef>
-          <a:effectRef idx="0">
-            <a:schemeClr val="accent1"/>
-          </a:effectRef>
-          <a:fontRef idx="minor">
-            <a:schemeClr val="lt1"/>
-          </a:fontRef>
-        </p:style>
-        <p:txBody>
-          <a:bodyPr rtlCol="0" anchor="ctr"/>
-          <a:lstStyle/>
-          <a:p>
-            <a:pPr algn="ctr"/>
-            <a:r>
-              <a:rPr lang="es-MX" sz="1200" dirty="0"/>
-              <a:t>Repasar todo</a:t>
-            </a:r>
-            <a:endParaRPr lang="es-CO" sz="1200" dirty="0"/>
-          </a:p>
-        </p:txBody>
-      </p:sp>
-      <p:sp>
-        <p:nvSpPr>
-          <p:cNvPr id="8" name="Rectángulo: esquinas redondeadas 7">
-            <a:extLst>
-              <a:ext uri="{FF2B5EF4-FFF2-40B4-BE49-F238E27FC236}">
-                <a16:creationId xmlns:a16="http://schemas.microsoft.com/office/drawing/2014/main" id="{3A08561B-7516-4780-B736-411E19B46975}"/>
-              </a:ext>
-            </a:extLst>
-          </p:cNvPr>
-          <p:cNvSpPr/>
-          <p:nvPr/>
-        </p:nvSpPr>
-        <p:spPr>
-          <a:xfrm>
-            <a:off x="9473489" y="4248514"/>
-            <a:ext cx="938158" cy="413844"/>
-          </a:xfrm>
-          <a:prstGeom prst="roundRect">
-            <a:avLst/>
-          </a:prstGeom>
-        </p:spPr>
-        <p:style>
-          <a:lnRef idx="2">
-            <a:schemeClr val="accent1">
-              <a:shade val="50000"/>
-            </a:schemeClr>
-          </a:lnRef>
-          <a:fillRef idx="1">
-            <a:schemeClr val="accent1"/>
-          </a:fillRef>
-          <a:effectRef idx="0">
-            <a:schemeClr val="accent1"/>
-          </a:effectRef>
-          <a:fontRef idx="minor">
-            <a:schemeClr val="lt1"/>
-          </a:fontRef>
-        </p:style>
-        <p:txBody>
-          <a:bodyPr rtlCol="0" anchor="ctr"/>
-          <a:lstStyle/>
-          <a:p>
-            <a:pPr algn="ctr"/>
-            <a:r>
-              <a:rPr lang="es-MX" sz="1200" dirty="0"/>
-              <a:t>Repasar No dominadas</a:t>
-            </a:r>
-            <a:endParaRPr lang="es-CO" sz="1200" dirty="0"/>
-          </a:p>
-        </p:txBody>
-      </p:sp>
-      <p:sp>
-        <p:nvSpPr>
-          <p:cNvPr id="9" name="CuadroTexto 8">
-            <a:extLst>
-              <a:ext uri="{FF2B5EF4-FFF2-40B4-BE49-F238E27FC236}">
-                <a16:creationId xmlns:a16="http://schemas.microsoft.com/office/drawing/2014/main" id="{FD1A0E6D-EB3D-45A9-A810-3152E00C8A12}"/>
-              </a:ext>
-            </a:extLst>
-          </p:cNvPr>
-          <p:cNvSpPr txBox="1"/>
-          <p:nvPr/>
-        </p:nvSpPr>
-        <p:spPr>
-          <a:xfrm>
-            <a:off x="2146527" y="4403796"/>
-            <a:ext cx="2974428" cy="2862322"/>
-          </a:xfrm>
-          <a:prstGeom prst="rect">
-            <a:avLst/>
-          </a:prstGeom>
-          <a:noFill/>
-        </p:spPr>
-        <p:txBody>
-          <a:bodyPr wrap="square" rtlCol="0">
-            <a:spAutoFit/>
-          </a:bodyPr>
-          <a:lstStyle/>
-          <a:p>
-            <a:r>
-              <a:rPr lang="es-MX" dirty="0"/>
-              <a:t>v Mazo A</a:t>
-            </a:r>
-          </a:p>
-          <a:p>
-            <a:endParaRPr lang="es-MX" dirty="0"/>
-          </a:p>
-          <a:p>
-            <a:endParaRPr lang="es-MX" dirty="0"/>
-          </a:p>
-          <a:p>
-            <a:endParaRPr lang="es-MX" dirty="0"/>
-          </a:p>
-          <a:p>
-            <a:endParaRPr lang="es-MX" dirty="0"/>
-          </a:p>
-          <a:p>
-            <a:endParaRPr lang="es-MX" dirty="0"/>
-          </a:p>
-          <a:p>
-            <a:endParaRPr lang="es-MX" dirty="0"/>
-          </a:p>
-          <a:p>
-            <a:pPr marL="285750" indent="-285750">
-              <a:buFont typeface="Wingdings" panose="05000000000000000000" pitchFamily="2" charset="2"/>
-              <a:buChar char="Ø"/>
-            </a:pPr>
-            <a:r>
-              <a:rPr lang="es-MX" dirty="0"/>
-              <a:t>Mazo B</a:t>
-            </a:r>
-          </a:p>
-          <a:p>
-            <a:pPr marL="285750" indent="-285750">
-              <a:buFont typeface="Wingdings" panose="05000000000000000000" pitchFamily="2" charset="2"/>
-              <a:buChar char="Ø"/>
-            </a:pPr>
-            <a:r>
-              <a:rPr lang="es-MX" dirty="0"/>
-              <a:t>Mazo C</a:t>
-            </a:r>
-          </a:p>
-          <a:p>
-            <a:r>
-              <a:rPr lang="es-MX" dirty="0"/>
-              <a:t>	</a:t>
-            </a:r>
-          </a:p>
-        </p:txBody>
-      </p:sp>
-      <p:sp>
-        <p:nvSpPr>
-          <p:cNvPr id="11" name="Estrella: 5 puntas 10">
-            <a:extLst>
-              <a:ext uri="{FF2B5EF4-FFF2-40B4-BE49-F238E27FC236}">
-                <a16:creationId xmlns:a16="http://schemas.microsoft.com/office/drawing/2014/main" id="{7B5C5DB4-4D0E-41D2-B734-DDF675F9607B}"/>
-              </a:ext>
-            </a:extLst>
-          </p:cNvPr>
-          <p:cNvSpPr/>
-          <p:nvPr/>
-        </p:nvSpPr>
-        <p:spPr>
-          <a:xfrm>
-            <a:off x="7597827" y="4310180"/>
-            <a:ext cx="283780" cy="257523"/>
-          </a:xfrm>
-          <a:prstGeom prst="star5">
-            <a:avLst/>
-          </a:prstGeom>
-          <a:solidFill>
-            <a:srgbClr val="FFFF00"/>
-          </a:solidFill>
-        </p:spPr>
-        <p:style>
-          <a:lnRef idx="2">
-            <a:schemeClr val="accent1">
-              <a:shade val="50000"/>
-            </a:schemeClr>
-          </a:lnRef>
-          <a:fillRef idx="1">
-            <a:schemeClr val="accent1"/>
-          </a:fillRef>
-          <a:effectRef idx="0">
-            <a:schemeClr val="accent1"/>
-          </a:effectRef>
-          <a:fontRef idx="minor">
-            <a:schemeClr val="lt1"/>
-          </a:fontRef>
-        </p:style>
-        <p:txBody>
-          <a:bodyPr rtlCol="0" anchor="ctr"/>
-          <a:lstStyle/>
-          <a:p>
-            <a:pPr algn="ctr"/>
+      <p:sp>
+        <p:nvSpPr>
+          <p:cNvPr id="2" name="Título 1">
+            <a:extLst>
+              <a:ext uri="{FF2B5EF4-FFF2-40B4-BE49-F238E27FC236}">
+                <a16:creationId xmlns:a16="http://schemas.microsoft.com/office/drawing/2014/main" id="{EF1E2E32-77AC-4BDA-9E21-F2F5C794A796}"/>
+              </a:ext>
+            </a:extLst>
+          </p:cNvPr>
+          <p:cNvSpPr>
+            <a:spLocks noGrp="1"/>
+          </p:cNvSpPr>
+          <p:nvPr>
+            <p:ph type="title"/>
+          </p:nvPr>
+        </p:nvSpPr>
+        <p:spPr/>
+        <p:txBody>
+          <a:bodyPr/>
+          <a:lstStyle/>
+          <a:p>
             <a:endParaRPr lang="es-CO"/>
           </a:p>
         </p:txBody>
       </p:sp>
       <p:sp>
         <p:nvSpPr>
-          <p:cNvPr id="12" name="Rectángulo 11">
-            <a:extLst>
-              <a:ext uri="{FF2B5EF4-FFF2-40B4-BE49-F238E27FC236}">
-                <a16:creationId xmlns:a16="http://schemas.microsoft.com/office/drawing/2014/main" id="{26F2B7A9-AF3B-4175-8042-99206343EECA}"/>
-              </a:ext>
-            </a:extLst>
-          </p:cNvPr>
-          <p:cNvSpPr/>
-          <p:nvPr/>
-        </p:nvSpPr>
-        <p:spPr>
-          <a:xfrm>
-            <a:off x="3437577" y="4895092"/>
-            <a:ext cx="2596055" cy="1191583"/>
-          </a:xfrm>
-          <a:prstGeom prst="rect">
-            <a:avLst/>
-          </a:prstGeom>
-        </p:spPr>
-        <p:style>
-          <a:lnRef idx="2">
-            <a:schemeClr val="accent1">
-              <a:shade val="50000"/>
-            </a:schemeClr>
-          </a:lnRef>
-          <a:fillRef idx="1">
-            <a:schemeClr val="accent1"/>
-          </a:fillRef>
-          <a:effectRef idx="0">
-            <a:schemeClr val="accent1"/>
-          </a:effectRef>
-          <a:fontRef idx="minor">
-            <a:schemeClr val="lt1"/>
-          </a:fontRef>
-        </p:style>
-        <p:txBody>
-          <a:bodyPr rtlCol="0" anchor="ctr"/>
-          <a:lstStyle/>
-          <a:p>
-            <a:pPr algn="ctr"/>
-            <a:r>
-              <a:rPr lang="es-MX" dirty="0"/>
-              <a:t>Anverso</a:t>
-            </a:r>
+          <p:cNvPr id="3" name="Marcador de contenido 2">
+            <a:extLst>
+              <a:ext uri="{FF2B5EF4-FFF2-40B4-BE49-F238E27FC236}">
+                <a16:creationId xmlns:a16="http://schemas.microsoft.com/office/drawing/2014/main" id="{B66DAFBF-6750-4AE2-A083-3262F55EDBE9}"/>
+              </a:ext>
+            </a:extLst>
+          </p:cNvPr>
+          <p:cNvSpPr>
+            <a:spLocks noGrp="1"/>
+          </p:cNvSpPr>
+          <p:nvPr>
+            <p:ph idx="1"/>
+          </p:nvPr>
+        </p:nvSpPr>
+        <p:spPr/>
+        <p:txBody>
+          <a:bodyPr/>
+          <a:lstStyle/>
+          <a:p>
+            <a:r>
+              <a:rPr lang="es-CO" dirty="0"/>
+              <a:t>Estudio: </a:t>
+            </a:r>
+            <a:r>
+              <a:rPr lang="es-CO" dirty="0" err="1"/>
+              <a:t>DashBoard</a:t>
+            </a:r>
+            <a:r>
+              <a:rPr lang="es-CO" dirty="0"/>
+              <a:t>, Repasos, Materias, Exámenes</a:t>
+            </a:r>
+          </a:p>
+          <a:p>
             <a:endParaRPr lang="es-CO" dirty="0"/>
           </a:p>
-        </p:txBody>
-      </p:sp>
-      <p:sp>
-        <p:nvSpPr>
-          <p:cNvPr id="13" name="Rectángulo 12">
-            <a:extLst>
-              <a:ext uri="{FF2B5EF4-FFF2-40B4-BE49-F238E27FC236}">
-                <a16:creationId xmlns:a16="http://schemas.microsoft.com/office/drawing/2014/main" id="{33EB542C-3771-4804-9C08-C48715F55166}"/>
-              </a:ext>
-            </a:extLst>
-          </p:cNvPr>
-          <p:cNvSpPr/>
-          <p:nvPr/>
-        </p:nvSpPr>
-        <p:spPr>
-          <a:xfrm>
-            <a:off x="6815051" y="4846407"/>
-            <a:ext cx="2596055" cy="1191583"/>
-          </a:xfrm>
-          <a:prstGeom prst="rect">
-            <a:avLst/>
-          </a:prstGeom>
-        </p:spPr>
-        <p:style>
-          <a:lnRef idx="2">
-            <a:schemeClr val="accent1">
-              <a:shade val="50000"/>
-            </a:schemeClr>
-          </a:lnRef>
-          <a:fillRef idx="1">
-            <a:schemeClr val="accent1"/>
-          </a:fillRef>
-          <a:effectRef idx="0">
-            <a:schemeClr val="accent1"/>
-          </a:effectRef>
-          <a:fontRef idx="minor">
-            <a:schemeClr val="lt1"/>
-          </a:fontRef>
-        </p:style>
-        <p:txBody>
-          <a:bodyPr rtlCol="0" anchor="ctr"/>
-          <a:lstStyle/>
-          <a:p>
-            <a:pPr algn="ctr"/>
-            <a:r>
-              <a:rPr lang="es-MX" dirty="0"/>
-              <a:t>Reverso</a:t>
+          <a:p>
+            <a:r>
+              <a:rPr lang="es-CO" dirty="0"/>
+              <a:t>Finanzas: </a:t>
+            </a:r>
+            <a:r>
+              <a:rPr lang="es-CO" dirty="0" err="1"/>
+              <a:t>DashBoard</a:t>
+            </a:r>
+            <a:r>
+              <a:rPr lang="es-CO" dirty="0"/>
+              <a:t>, </a:t>
+            </a:r>
+            <a:r>
+              <a:rPr lang="es-CO" dirty="0" err="1"/>
+              <a:t>categorías,Ingresos</a:t>
+            </a:r>
+            <a:r>
+              <a:rPr lang="es-CO" dirty="0"/>
+              <a:t>, egresos, </a:t>
+            </a:r>
+            <a:r>
+              <a:rPr lang="es-CO" dirty="0" err="1"/>
+              <a:t>whishList</a:t>
             </a:r>
             <a:endParaRPr lang="es-CO" dirty="0"/>
           </a:p>
-        </p:txBody>
-      </p:sp>
-      <p:sp>
-        <p:nvSpPr>
-          <p:cNvPr id="14" name="Elipse 13">
-            <a:extLst>
-              <a:ext uri="{FF2B5EF4-FFF2-40B4-BE49-F238E27FC236}">
-                <a16:creationId xmlns:a16="http://schemas.microsoft.com/office/drawing/2014/main" id="{03A52F71-E633-4B28-A4DC-2406057C6968}"/>
-              </a:ext>
-            </a:extLst>
-          </p:cNvPr>
-          <p:cNvSpPr/>
-          <p:nvPr/>
-        </p:nvSpPr>
-        <p:spPr>
-          <a:xfrm>
-            <a:off x="1971463" y="3773214"/>
-            <a:ext cx="403875" cy="378372"/>
-          </a:xfrm>
-          <a:prstGeom prst="ellipse">
-            <a:avLst/>
-          </a:prstGeom>
-        </p:spPr>
-        <p:style>
-          <a:lnRef idx="2">
-            <a:schemeClr val="accent1">
-              <a:shade val="50000"/>
-            </a:schemeClr>
-          </a:lnRef>
-          <a:fillRef idx="1">
-            <a:schemeClr val="accent1"/>
-          </a:fillRef>
-          <a:effectRef idx="0">
-            <a:schemeClr val="accent1"/>
-          </a:effectRef>
-          <a:fontRef idx="minor">
-            <a:schemeClr val="lt1"/>
-          </a:fontRef>
-        </p:style>
-        <p:txBody>
-          <a:bodyPr rtlCol="0" anchor="ctr"/>
-          <a:lstStyle/>
-          <a:p>
-            <a:pPr algn="ctr"/>
-            <a:r>
-              <a:rPr lang="es-MX" dirty="0"/>
-              <a:t>+</a:t>
-            </a:r>
+          <a:p>
             <a:endParaRPr lang="es-CO" dirty="0"/>
           </a:p>
-        </p:txBody>
-      </p:sp>
-      <p:sp>
-        <p:nvSpPr>
-          <p:cNvPr id="15" name="CuadroTexto 14">
-            <a:extLst>
-              <a:ext uri="{FF2B5EF4-FFF2-40B4-BE49-F238E27FC236}">
-                <a16:creationId xmlns:a16="http://schemas.microsoft.com/office/drawing/2014/main" id="{F5C7CC77-292F-4D2D-8442-6F74C4E20FCE}"/>
-              </a:ext>
-            </a:extLst>
-          </p:cNvPr>
-          <p:cNvSpPr txBox="1"/>
-          <p:nvPr/>
-        </p:nvSpPr>
-        <p:spPr>
-          <a:xfrm>
-            <a:off x="1834829" y="3429000"/>
-            <a:ext cx="2045881" cy="369332"/>
-          </a:xfrm>
-          <a:prstGeom prst="rect">
-            <a:avLst/>
-          </a:prstGeom>
-          <a:noFill/>
-        </p:spPr>
-        <p:txBody>
-          <a:bodyPr wrap="none" rtlCol="0">
-            <a:spAutoFit/>
-          </a:bodyPr>
-          <a:lstStyle/>
-          <a:p>
-            <a:r>
-              <a:rPr lang="es-MX" dirty="0"/>
-              <a:t>TODOS LOS MAZOS</a:t>
-            </a:r>
-            <a:endParaRPr lang="es-CO" dirty="0"/>
-          </a:p>
-        </p:txBody>
-      </p:sp>
-      <p:pic>
-        <p:nvPicPr>
-          <p:cNvPr id="18" name="Imagen 17">
-            <a:extLst>
-              <a:ext uri="{FF2B5EF4-FFF2-40B4-BE49-F238E27FC236}">
-                <a16:creationId xmlns:a16="http://schemas.microsoft.com/office/drawing/2014/main" id="{1C1592EE-7FBF-49B2-AEA2-37E2BD57E4F3}"/>
-              </a:ext>
-            </a:extLst>
-          </p:cNvPr>
-          <p:cNvPicPr>
-            <a:picLocks noChangeAspect="1"/>
-          </p:cNvPicPr>
-          <p:nvPr/>
-        </p:nvPicPr>
-        <p:blipFill>
-          <a:blip r:embed="rId7"/>
-          <a:stretch>
-            <a:fillRect/>
-          </a:stretch>
-        </p:blipFill>
-        <p:spPr>
-          <a:xfrm>
-            <a:off x="2617088" y="3727526"/>
-            <a:ext cx="403875" cy="416903"/>
-          </a:xfrm>
-          <a:prstGeom prst="rect">
-            <a:avLst/>
-          </a:prstGeom>
-        </p:spPr>
-      </p:pic>
-      <p:pic>
-        <p:nvPicPr>
-          <p:cNvPr id="20" name="Imagen 19">
-            <a:extLst>
-              <a:ext uri="{FF2B5EF4-FFF2-40B4-BE49-F238E27FC236}">
-                <a16:creationId xmlns:a16="http://schemas.microsoft.com/office/drawing/2014/main" id="{46FCCE87-108D-47ED-9A1A-8731BB311D10}"/>
-              </a:ext>
-            </a:extLst>
-          </p:cNvPr>
-          <p:cNvPicPr>
-            <a:picLocks noChangeAspect="1"/>
-          </p:cNvPicPr>
-          <p:nvPr/>
-        </p:nvPicPr>
-        <p:blipFill>
-          <a:blip r:embed="rId8"/>
-          <a:stretch>
-            <a:fillRect/>
-          </a:stretch>
-        </p:blipFill>
-        <p:spPr>
-          <a:xfrm>
-            <a:off x="3241584" y="3727526"/>
-            <a:ext cx="498825" cy="451568"/>
-          </a:xfrm>
-          <a:prstGeom prst="rect">
-            <a:avLst/>
-          </a:prstGeom>
-        </p:spPr>
-      </p:pic>
-      <p:pic>
-        <p:nvPicPr>
-          <p:cNvPr id="4" name="Imagen 3">
-            <a:extLst>
-              <a:ext uri="{FF2B5EF4-FFF2-40B4-BE49-F238E27FC236}">
-                <a16:creationId xmlns:a16="http://schemas.microsoft.com/office/drawing/2014/main" id="{91E9FCC7-62FE-4ADE-8D47-A46165649F73}"/>
-              </a:ext>
-            </a:extLst>
-          </p:cNvPr>
-          <p:cNvPicPr>
-            <a:picLocks noChangeAspect="1"/>
-          </p:cNvPicPr>
-          <p:nvPr/>
-        </p:nvPicPr>
-        <p:blipFill>
-          <a:blip r:embed="rId9"/>
-          <a:stretch>
-            <a:fillRect/>
-          </a:stretch>
-        </p:blipFill>
-        <p:spPr>
-          <a:xfrm>
-            <a:off x="3452542" y="4366279"/>
-            <a:ext cx="4555312" cy="276603"/>
-          </a:xfrm>
-          <a:prstGeom prst="rect">
-            <a:avLst/>
-          </a:prstGeom>
-        </p:spPr>
-      </p:pic>
-      <p:sp>
-        <p:nvSpPr>
-          <p:cNvPr id="19" name="Rectángulo: esquinas redondeadas 18">
-            <a:extLst>
-              <a:ext uri="{FF2B5EF4-FFF2-40B4-BE49-F238E27FC236}">
-                <a16:creationId xmlns:a16="http://schemas.microsoft.com/office/drawing/2014/main" id="{16B1662A-E598-440D-9E98-B3B324E53A7A}"/>
-              </a:ext>
-            </a:extLst>
-          </p:cNvPr>
-          <p:cNvSpPr/>
-          <p:nvPr/>
-        </p:nvSpPr>
-        <p:spPr>
-          <a:xfrm>
-            <a:off x="8280733" y="6250368"/>
-            <a:ext cx="938158" cy="413844"/>
-          </a:xfrm>
-          <a:prstGeom prst="roundRect">
-            <a:avLst/>
-          </a:prstGeom>
-        </p:spPr>
-        <p:style>
-          <a:lnRef idx="2">
-            <a:schemeClr val="accent1">
-              <a:shade val="50000"/>
-            </a:schemeClr>
-          </a:lnRef>
-          <a:fillRef idx="1">
-            <a:schemeClr val="accent1"/>
-          </a:fillRef>
-          <a:effectRef idx="0">
-            <a:schemeClr val="accent1"/>
-          </a:effectRef>
-          <a:fontRef idx="minor">
-            <a:schemeClr val="lt1"/>
-          </a:fontRef>
-        </p:style>
-        <p:txBody>
-          <a:bodyPr rtlCol="0" anchor="ctr"/>
-          <a:lstStyle/>
-          <a:p>
-            <a:pPr algn="ctr"/>
-            <a:r>
-              <a:rPr lang="es-MX" sz="1200" dirty="0"/>
-              <a:t>Repasar todo</a:t>
-            </a:r>
-            <a:endParaRPr lang="es-CO" sz="1200" dirty="0"/>
-          </a:p>
-        </p:txBody>
-      </p:sp>
-      <p:sp>
-        <p:nvSpPr>
-          <p:cNvPr id="22" name="Rectángulo: esquinas redondeadas 21">
-            <a:extLst>
-              <a:ext uri="{FF2B5EF4-FFF2-40B4-BE49-F238E27FC236}">
-                <a16:creationId xmlns:a16="http://schemas.microsoft.com/office/drawing/2014/main" id="{A10FE1CC-16B6-4EF7-B2DE-2C0BBDF1F1B9}"/>
-              </a:ext>
-            </a:extLst>
-          </p:cNvPr>
-          <p:cNvSpPr/>
-          <p:nvPr/>
-        </p:nvSpPr>
-        <p:spPr>
-          <a:xfrm>
-            <a:off x="9473489" y="6220733"/>
-            <a:ext cx="938158" cy="413844"/>
-          </a:xfrm>
-          <a:prstGeom prst="roundRect">
-            <a:avLst/>
-          </a:prstGeom>
-        </p:spPr>
-        <p:style>
-          <a:lnRef idx="2">
-            <a:schemeClr val="accent1">
-              <a:shade val="50000"/>
-            </a:schemeClr>
-          </a:lnRef>
-          <a:fillRef idx="1">
-            <a:schemeClr val="accent1"/>
-          </a:fillRef>
-          <a:effectRef idx="0">
-            <a:schemeClr val="accent1"/>
-          </a:effectRef>
-          <a:fontRef idx="minor">
-            <a:schemeClr val="lt1"/>
-          </a:fontRef>
-        </p:style>
-        <p:txBody>
-          <a:bodyPr rtlCol="0" anchor="ctr"/>
-          <a:lstStyle/>
-          <a:p>
-            <a:pPr algn="ctr"/>
-            <a:r>
-              <a:rPr lang="es-MX" sz="1200" dirty="0"/>
-              <a:t>Repasar No dominadas</a:t>
-            </a:r>
-            <a:endParaRPr lang="es-CO" sz="1200" dirty="0"/>
-          </a:p>
-        </p:txBody>
-      </p:sp>
-      <p:sp>
-        <p:nvSpPr>
-          <p:cNvPr id="23" name="Estrella: 5 puntas 22">
-            <a:extLst>
-              <a:ext uri="{FF2B5EF4-FFF2-40B4-BE49-F238E27FC236}">
-                <a16:creationId xmlns:a16="http://schemas.microsoft.com/office/drawing/2014/main" id="{E525C771-FCEF-44F9-9A22-AD2F09B821BE}"/>
-              </a:ext>
-            </a:extLst>
-          </p:cNvPr>
-          <p:cNvSpPr/>
-          <p:nvPr/>
-        </p:nvSpPr>
-        <p:spPr>
-          <a:xfrm>
-            <a:off x="7597827" y="6282399"/>
-            <a:ext cx="283780" cy="257523"/>
-          </a:xfrm>
-          <a:prstGeom prst="star5">
-            <a:avLst/>
-          </a:prstGeom>
-          <a:solidFill>
-            <a:srgbClr val="FFFF00"/>
-          </a:solidFill>
-        </p:spPr>
-        <p:style>
-          <a:lnRef idx="2">
-            <a:schemeClr val="accent1">
-              <a:shade val="50000"/>
-            </a:schemeClr>
-          </a:lnRef>
-          <a:fillRef idx="1">
-            <a:schemeClr val="accent1"/>
-          </a:fillRef>
-          <a:effectRef idx="0">
-            <a:schemeClr val="accent1"/>
-          </a:effectRef>
-          <a:fontRef idx="minor">
-            <a:schemeClr val="lt1"/>
-          </a:fontRef>
-        </p:style>
-        <p:txBody>
-          <a:bodyPr rtlCol="0" anchor="ctr"/>
-          <a:lstStyle/>
-          <a:p>
-            <a:pPr algn="ctr"/>
-            <a:endParaRPr lang="es-CO"/>
-          </a:p>
-        </p:txBody>
-      </p:sp>
-      <p:pic>
-        <p:nvPicPr>
-          <p:cNvPr id="24" name="Imagen 23">
-            <a:extLst>
-              <a:ext uri="{FF2B5EF4-FFF2-40B4-BE49-F238E27FC236}">
-                <a16:creationId xmlns:a16="http://schemas.microsoft.com/office/drawing/2014/main" id="{2CA0B0FB-43FA-49FE-8A8B-A00EA7A81CD1}"/>
-              </a:ext>
-            </a:extLst>
-          </p:cNvPr>
-          <p:cNvPicPr>
-            <a:picLocks noChangeAspect="1"/>
-          </p:cNvPicPr>
-          <p:nvPr/>
-        </p:nvPicPr>
-        <p:blipFill>
-          <a:blip r:embed="rId9"/>
-          <a:stretch>
-            <a:fillRect/>
-          </a:stretch>
-        </p:blipFill>
-        <p:spPr>
-          <a:xfrm>
-            <a:off x="3452542" y="6338498"/>
-            <a:ext cx="4555312" cy="276603"/>
-          </a:xfrm>
-          <a:prstGeom prst="rect">
-            <a:avLst/>
-          </a:prstGeom>
-        </p:spPr>
-      </p:pic>
+          <a:p>
+            <a:r>
+              <a:rPr lang="es-CO" dirty="0"/>
+              <a:t>Personal: Tareas, Calendario</a:t>
+            </a:r>
+          </a:p>
+        </p:txBody>
+      </p:sp>
     </p:spTree>
     <p:extLst>
       <p:ext uri="{BB962C8B-B14F-4D97-AF65-F5344CB8AC3E}">
-        <p14:creationId xmlns:p14="http://schemas.microsoft.com/office/powerpoint/2010/main" val="2948589660"/>
+        <p14:creationId xmlns:p14="http://schemas.microsoft.com/office/powerpoint/2010/main" val="3204193281"/>
       </p:ext>
     </p:extLst>
   </p:cSld>
   <p:clrMapOvr>
     <a:masterClrMapping/>
   </p:clrMapOvr>
-  <p:extLst>
-    <p:ext uri="{6950BFC3-D8DA-4A85-94F7-54DA5524770B}">
-      <p188:commentRel xmlns:p188="http://schemas.microsoft.com/office/powerpoint/2018/8/main" r:id="rId3"/>
-    </p:ext>
-  </p:extLst>
 </p:sld>
 </file>
 
@@ -10791,104 +11808,12 @@
           <a:chExt cx="0" cy="0"/>
         </a:xfrm>
       </p:grpSpPr>
-      <p:sp>
-        <p:nvSpPr>
-          <p:cNvPr id="2" name="Rectángulo 1">
-            <a:extLst>
-              <a:ext uri="{FF2B5EF4-FFF2-40B4-BE49-F238E27FC236}">
-                <a16:creationId xmlns:a16="http://schemas.microsoft.com/office/drawing/2014/main" id="{179E8C71-5EC1-4DC2-8A44-856A71263AC5}"/>
-              </a:ext>
-            </a:extLst>
-          </p:cNvPr>
-          <p:cNvSpPr/>
-          <p:nvPr/>
-        </p:nvSpPr>
-        <p:spPr>
-          <a:xfrm>
-            <a:off x="1435509" y="875071"/>
-            <a:ext cx="9458633" cy="5329084"/>
-          </a:xfrm>
-          <a:prstGeom prst="rect">
-            <a:avLst/>
-          </a:prstGeom>
-          <a:solidFill>
-            <a:schemeClr val="accent3">
-              <a:alpha val="50000"/>
-            </a:schemeClr>
-          </a:solidFill>
-          <a:ln>
-            <a:noFill/>
-          </a:ln>
-        </p:spPr>
-        <p:style>
-          <a:lnRef idx="0">
-            <a:scrgbClr r="0" g="0" b="0"/>
-          </a:lnRef>
-          <a:fillRef idx="0">
-            <a:scrgbClr r="0" g="0" b="0"/>
-          </a:fillRef>
-          <a:effectRef idx="0">
-            <a:scrgbClr r="0" g="0" b="0"/>
-          </a:effectRef>
-          <a:fontRef idx="minor">
-            <a:schemeClr val="lt1"/>
-          </a:fontRef>
-        </p:style>
-        <p:txBody>
-          <a:bodyPr rtlCol="0" anchor="ctr"/>
-          <a:lstStyle/>
-          <a:p>
-            <a:pPr algn="ctr"/>
-            <a:r>
-              <a:rPr lang="es-CO" b="1" dirty="0">
-                <a:solidFill>
-                  <a:srgbClr val="FF0000"/>
-                </a:solidFill>
-              </a:rPr>
-              <a:t>Este </a:t>
-            </a:r>
-            <a:r>
-              <a:rPr lang="es-CO" b="1" dirty="0" err="1">
-                <a:solidFill>
-                  <a:srgbClr val="FF0000"/>
-                </a:solidFill>
-              </a:rPr>
-              <a:t>dashboard</a:t>
-            </a:r>
-            <a:r>
-              <a:rPr lang="es-CO" b="1" dirty="0">
-                <a:solidFill>
-                  <a:srgbClr val="FF0000"/>
-                </a:solidFill>
-              </a:rPr>
-              <a:t> junta todos los </a:t>
-            </a:r>
-            <a:r>
-              <a:rPr lang="es-CO" b="1" dirty="0" err="1">
-                <a:solidFill>
-                  <a:srgbClr val="FF0000"/>
-                </a:solidFill>
-              </a:rPr>
-              <a:t>dashboard</a:t>
-            </a:r>
-            <a:r>
-              <a:rPr lang="es-CO" b="1" dirty="0">
-                <a:solidFill>
-                  <a:srgbClr val="FF0000"/>
-                </a:solidFill>
-              </a:rPr>
-              <a:t> de cada sección, aquí solo habrá una opción para organizar su orden</a:t>
-            </a:r>
-          </a:p>
-        </p:txBody>
-      </p:sp>
       <p:pic>
         <p:nvPicPr>
-          <p:cNvPr id="8" name="Imagen 7">
-            <a:hlinkClick r:id="rId2" action="ppaction://hlinksldjump"/>
-            <a:extLst>
-              <a:ext uri="{FF2B5EF4-FFF2-40B4-BE49-F238E27FC236}">
-                <a16:creationId xmlns:a16="http://schemas.microsoft.com/office/drawing/2014/main" id="{4B800D44-B81D-478E-982C-3D667A115CEB}"/>
+          <p:cNvPr id="2" name="Imagen 1">
+            <a:extLst>
+              <a:ext uri="{FF2B5EF4-FFF2-40B4-BE49-F238E27FC236}">
+                <a16:creationId xmlns:a16="http://schemas.microsoft.com/office/drawing/2014/main" id="{19DA98B4-23B7-4C82-8FA2-4DA36A12D5DD}"/>
               </a:ext>
             </a:extLst>
           </p:cNvPr>
@@ -10897,16 +11822,15 @@
           </p:cNvPicPr>
           <p:nvPr/>
         </p:nvPicPr>
-        <p:blipFill>
-          <a:blip r:embed="rId3"/>
-          <a:stretch>
-            <a:fillRect/>
-          </a:stretch>
+        <p:blipFill rotWithShape="1">
+          <a:blip r:embed="rId4"/>
+          <a:srcRect l="10586" r="-1"/>
+          <a:stretch/>
         </p:blipFill>
         <p:spPr>
           <a:xfrm>
-            <a:off x="9211890" y="875071"/>
-            <a:ext cx="552478" cy="514376"/>
+            <a:off x="-10511" y="191159"/>
+            <a:ext cx="12044641" cy="6666841"/>
           </a:xfrm>
           <a:prstGeom prst="rect">
             <a:avLst/>
@@ -10915,11 +11839,10 @@
       </p:pic>
       <p:pic>
         <p:nvPicPr>
-          <p:cNvPr id="10" name="Imagen 9">
-            <a:hlinkClick r:id="rId4" action="ppaction://hlinksldjump"/>
-            <a:extLst>
-              <a:ext uri="{FF2B5EF4-FFF2-40B4-BE49-F238E27FC236}">
-                <a16:creationId xmlns:a16="http://schemas.microsoft.com/office/drawing/2014/main" id="{08B3E7F1-4413-4C4A-AF19-4A3F9506D0F6}"/>
+          <p:cNvPr id="4" name="Imagen 3">
+            <a:extLst>
+              <a:ext uri="{FF2B5EF4-FFF2-40B4-BE49-F238E27FC236}">
+                <a16:creationId xmlns:a16="http://schemas.microsoft.com/office/drawing/2014/main" id="{7E580C8A-4097-4C4C-9C20-135B5BC5B52D}"/>
               </a:ext>
             </a:extLst>
           </p:cNvPr>
@@ -10936,67 +11859,20 @@
         </p:blipFill>
         <p:spPr>
           <a:xfrm>
-            <a:off x="9764368" y="875071"/>
-            <a:ext cx="635033" cy="514376"/>
+            <a:off x="1710031" y="1570237"/>
+            <a:ext cx="8191921" cy="1244664"/>
           </a:xfrm>
           <a:prstGeom prst="rect">
             <a:avLst/>
           </a:prstGeom>
         </p:spPr>
       </p:pic>
-      <p:sp>
-        <p:nvSpPr>
-          <p:cNvPr id="11" name="Botón de acción: obtener información 10">
-            <a:hlinkClick r:id="" action="ppaction://noaction" highlightClick="1"/>
-            <a:extLst>
-              <a:ext uri="{FF2B5EF4-FFF2-40B4-BE49-F238E27FC236}">
-                <a16:creationId xmlns:a16="http://schemas.microsoft.com/office/drawing/2014/main" id="{1702C256-8908-4CF4-A79A-E9955F758621}"/>
-              </a:ext>
-            </a:extLst>
-          </p:cNvPr>
-          <p:cNvSpPr/>
-          <p:nvPr/>
-        </p:nvSpPr>
-        <p:spPr>
-          <a:xfrm>
-            <a:off x="10399401" y="875071"/>
-            <a:ext cx="494742" cy="514376"/>
-          </a:xfrm>
-          <a:prstGeom prst="actionButtonInformation">
-            <a:avLst/>
-          </a:prstGeom>
-        </p:spPr>
-        <p:style>
-          <a:lnRef idx="2">
-            <a:schemeClr val="accent1">
-              <a:shade val="50000"/>
-            </a:schemeClr>
-          </a:lnRef>
-          <a:fillRef idx="1">
-            <a:schemeClr val="accent1"/>
-          </a:fillRef>
-          <a:effectRef idx="0">
-            <a:schemeClr val="accent1"/>
-          </a:effectRef>
-          <a:fontRef idx="minor">
-            <a:schemeClr val="lt1"/>
-          </a:fontRef>
-        </p:style>
-        <p:txBody>
-          <a:bodyPr rtlCol="0" anchor="ctr"/>
-          <a:lstStyle/>
-          <a:p>
-            <a:pPr algn="ctr"/>
-            <a:endParaRPr lang="es-CO"/>
-          </a:p>
-        </p:txBody>
-      </p:sp>
       <p:pic>
         <p:nvPicPr>
-          <p:cNvPr id="13" name="Imagen 12">
-            <a:extLst>
-              <a:ext uri="{FF2B5EF4-FFF2-40B4-BE49-F238E27FC236}">
-                <a16:creationId xmlns:a16="http://schemas.microsoft.com/office/drawing/2014/main" id="{5D5AF24E-002C-4E6E-9392-0230002CCEC8}"/>
+          <p:cNvPr id="6" name="Imagen 5">
+            <a:extLst>
+              <a:ext uri="{FF2B5EF4-FFF2-40B4-BE49-F238E27FC236}">
+                <a16:creationId xmlns:a16="http://schemas.microsoft.com/office/drawing/2014/main" id="{CA503976-FE6B-43CA-8DB3-D61ABCE27380}"/>
               </a:ext>
             </a:extLst>
           </p:cNvPr>
@@ -11013,89 +11889,29 @@
         </p:blipFill>
         <p:spPr>
           <a:xfrm>
-            <a:off x="2635045" y="875071"/>
-            <a:ext cx="6576845" cy="514376"/>
+            <a:off x="3245751" y="191158"/>
+            <a:ext cx="5099463" cy="666135"/>
           </a:xfrm>
           <a:prstGeom prst="rect">
             <a:avLst/>
           </a:prstGeom>
         </p:spPr>
       </p:pic>
-      <p:pic>
-        <p:nvPicPr>
-          <p:cNvPr id="15" name="Imagen 14">
-            <a:extLst>
-              <a:ext uri="{FF2B5EF4-FFF2-40B4-BE49-F238E27FC236}">
-                <a16:creationId xmlns:a16="http://schemas.microsoft.com/office/drawing/2014/main" id="{13139302-3BA0-4FB1-948F-E188DB971667}"/>
-              </a:ext>
-            </a:extLst>
-          </p:cNvPr>
-          <p:cNvPicPr>
-            <a:picLocks noChangeAspect="1"/>
-          </p:cNvPicPr>
-          <p:nvPr/>
-        </p:nvPicPr>
-        <p:blipFill>
-          <a:blip r:embed="rId7"/>
-          <a:stretch>
-            <a:fillRect/>
-          </a:stretch>
-        </p:blipFill>
-        <p:spPr>
-          <a:xfrm>
-            <a:off x="1435510" y="875071"/>
-            <a:ext cx="1203801" cy="514376"/>
-          </a:xfrm>
-          <a:prstGeom prst="rect">
-            <a:avLst/>
-          </a:prstGeom>
-        </p:spPr>
-      </p:pic>
-      <p:sp>
-        <p:nvSpPr>
-          <p:cNvPr id="16" name="CuadroTexto 15">
-            <a:extLst>
-              <a:ext uri="{FF2B5EF4-FFF2-40B4-BE49-F238E27FC236}">
-                <a16:creationId xmlns:a16="http://schemas.microsoft.com/office/drawing/2014/main" id="{96D17C9C-7D0D-40DA-B48F-3166631861B9}"/>
-              </a:ext>
-            </a:extLst>
-          </p:cNvPr>
-          <p:cNvSpPr txBox="1"/>
-          <p:nvPr/>
-        </p:nvSpPr>
-        <p:spPr>
-          <a:xfrm>
-            <a:off x="2123768" y="1897626"/>
-            <a:ext cx="1228606" cy="369332"/>
-          </a:xfrm>
-          <a:prstGeom prst="rect">
-            <a:avLst/>
-          </a:prstGeom>
-          <a:noFill/>
-        </p:spPr>
-        <p:txBody>
-          <a:bodyPr wrap="none" rtlCol="0">
-            <a:spAutoFit/>
-          </a:bodyPr>
-          <a:lstStyle/>
-          <a:p>
-            <a:r>
-              <a:rPr lang="es-CO" b="1" dirty="0"/>
-              <a:t>DashBoard</a:t>
-            </a:r>
-          </a:p>
-        </p:txBody>
-      </p:sp>
     </p:spTree>
     <p:extLst>
       <p:ext uri="{BB962C8B-B14F-4D97-AF65-F5344CB8AC3E}">
-        <p14:creationId xmlns:p14="http://schemas.microsoft.com/office/powerpoint/2010/main" val="3213081361"/>
+        <p14:creationId xmlns:p14="http://schemas.microsoft.com/office/powerpoint/2010/main" val="3331297163"/>
       </p:ext>
     </p:extLst>
   </p:cSld>
   <p:clrMapOvr>
     <a:masterClrMapping/>
   </p:clrMapOvr>
+  <p:extLst>
+    <p:ext uri="{6950BFC3-D8DA-4A85-94F7-54DA5524770B}">
+      <p188:commentRel xmlns:p188="http://schemas.microsoft.com/office/powerpoint/2018/8/main" r:id="rId3"/>
+    </p:ext>
+  </p:extLst>
 </p:sld>
 </file>
 
